--- a/_site/figures.pptx
+++ b/_site/figures.pptx
@@ -9,6 +9,9 @@
     <p:sldId id="257" r:id="rId3"/>
     <p:sldId id="258" r:id="rId4"/>
     <p:sldId id="259" r:id="rId5"/>
+    <p:sldId id="260" r:id="rId6"/>
+    <p:sldId id="261" r:id="rId7"/>
+    <p:sldId id="262" r:id="rId8"/>
   </p:sldIdLst>
   <p:sldSz cx="9144000" cy="6858000" type="screen4x3"/>
   <p:notesSz cx="6858000" cy="9144000"/>
@@ -3164,7 +3167,7 @@
           <a:graphicData uri="http://schemas.openxmlformats.org/presentationml/2006/ole">
             <mc:AlternateContent xmlns:mc="http://schemas.openxmlformats.org/markup-compatibility/2006">
               <mc:Choice xmlns:v="urn:schemas-microsoft-com:vml" Requires="v">
-                <p:oleObj spid="_x0000_s1056" name="Equation" r:id="rId3" imgW="139700" imgH="203200" progId="Equation.3">
+                <p:oleObj spid="_x0000_s1064" name="Equation" r:id="rId3" imgW="139700" imgH="203200" progId="Equation.3">
                   <p:embed/>
                 </p:oleObj>
               </mc:Choice>
@@ -3480,7 +3483,7 @@
           <a:graphicData uri="http://schemas.openxmlformats.org/presentationml/2006/ole">
             <mc:AlternateContent xmlns:mc="http://schemas.openxmlformats.org/markup-compatibility/2006">
               <mc:Choice xmlns:v="urn:schemas-microsoft-com:vml" Requires="v">
-                <p:oleObj spid="_x0000_s1057" name="Equation" r:id="rId5" imgW="152400" imgH="203200" progId="Equation.3">
+                <p:oleObj spid="_x0000_s1065" name="Equation" r:id="rId5" imgW="152400" imgH="203200" progId="Equation.3">
                   <p:embed/>
                 </p:oleObj>
               </mc:Choice>
@@ -3537,7 +3540,7 @@
           <a:graphicData uri="http://schemas.openxmlformats.org/presentationml/2006/ole">
             <mc:AlternateContent xmlns:mc="http://schemas.openxmlformats.org/markup-compatibility/2006">
               <mc:Choice xmlns:v="urn:schemas-microsoft-com:vml" Requires="v">
-                <p:oleObj spid="_x0000_s1058" name="Equation" r:id="rId7" imgW="177800" imgH="203200" progId="Equation.3">
+                <p:oleObj spid="_x0000_s1066" name="Equation" r:id="rId7" imgW="177800" imgH="203200" progId="Equation.3">
                   <p:embed/>
                 </p:oleObj>
               </mc:Choice>
@@ -3594,7 +3597,7 @@
           <a:graphicData uri="http://schemas.openxmlformats.org/presentationml/2006/ole">
             <mc:AlternateContent xmlns:mc="http://schemas.openxmlformats.org/markup-compatibility/2006">
               <mc:Choice xmlns:v="urn:schemas-microsoft-com:vml" Requires="v">
-                <p:oleObj spid="_x0000_s1059" name="Equation" r:id="rId9" imgW="177800" imgH="215900" progId="Equation.3">
+                <p:oleObj spid="_x0000_s1067" name="Equation" r:id="rId9" imgW="177800" imgH="215900" progId="Equation.3">
                   <p:embed/>
                 </p:oleObj>
               </mc:Choice>
@@ -3651,7 +3654,7 @@
           <a:graphicData uri="http://schemas.openxmlformats.org/presentationml/2006/ole">
             <mc:AlternateContent xmlns:mc="http://schemas.openxmlformats.org/markup-compatibility/2006">
               <mc:Choice xmlns:v="urn:schemas-microsoft-com:vml" Requires="v">
-                <p:oleObj spid="_x0000_s1060" name="Equation" r:id="rId11" imgW="127000" imgH="165100" progId="Equation.3">
+                <p:oleObj spid="_x0000_s1068" name="Equation" r:id="rId11" imgW="127000" imgH="165100" progId="Equation.3">
                   <p:embed/>
                 </p:oleObj>
               </mc:Choice>
@@ -3753,7 +3756,7 @@
           <a:graphicData uri="http://schemas.openxmlformats.org/presentationml/2006/ole">
             <mc:AlternateContent xmlns:mc="http://schemas.openxmlformats.org/markup-compatibility/2006">
               <mc:Choice xmlns:v="urn:schemas-microsoft-com:vml" Requires="v">
-                <p:oleObj spid="_x0000_s1061" name="Equation" r:id="rId13" imgW="177800" imgH="203200" progId="Equation.3">
+                <p:oleObj spid="_x0000_s1069" name="Equation" r:id="rId13" imgW="177800" imgH="203200" progId="Equation.3">
                   <p:embed/>
                 </p:oleObj>
               </mc:Choice>
@@ -3938,7 +3941,7 @@
           <a:graphicData uri="http://schemas.openxmlformats.org/presentationml/2006/ole">
             <mc:AlternateContent xmlns:mc="http://schemas.openxmlformats.org/markup-compatibility/2006">
               <mc:Choice xmlns:v="urn:schemas-microsoft-com:vml" Requires="v">
-                <p:oleObj spid="_x0000_s1062" name="Equation" r:id="rId15" imgW="203200" imgH="203200" progId="Equation.3">
+                <p:oleObj spid="_x0000_s1070" name="Equation" r:id="rId15" imgW="203200" imgH="203200" progId="Equation.3">
                   <p:embed/>
                 </p:oleObj>
               </mc:Choice>
@@ -3997,7 +4000,7 @@
           <a:graphicData uri="http://schemas.openxmlformats.org/presentationml/2006/ole">
             <mc:AlternateContent xmlns:mc="http://schemas.openxmlformats.org/markup-compatibility/2006">
               <mc:Choice xmlns:v="urn:schemas-microsoft-com:vml" Requires="v">
-                <p:oleObj spid="_x0000_s1063" name="Equation" r:id="rId17" imgW="203200" imgH="215900" progId="Equation.3">
+                <p:oleObj spid="_x0000_s1071" name="Equation" r:id="rId17" imgW="203200" imgH="215900" progId="Equation.3">
                   <p:embed/>
                 </p:oleObj>
               </mc:Choice>
@@ -4117,7 +4120,7 @@
           <a:graphicData uri="http://schemas.openxmlformats.org/presentationml/2006/ole">
             <mc:AlternateContent xmlns:mc="http://schemas.openxmlformats.org/markup-compatibility/2006">
               <mc:Choice xmlns:v="urn:schemas-microsoft-com:vml" Requires="v">
-                <p:oleObj spid="_x0000_s2058" name="Equation" r:id="rId4" imgW="127000" imgH="165100" progId="Equation.3">
+                <p:oleObj spid="_x0000_s2062" name="Equation" r:id="rId4" imgW="127000" imgH="165100" progId="Equation.3">
                   <p:embed/>
                 </p:oleObj>
               </mc:Choice>
@@ -4174,7 +4177,7 @@
           <a:graphicData uri="http://schemas.openxmlformats.org/presentationml/2006/ole">
             <mc:AlternateContent xmlns:mc="http://schemas.openxmlformats.org/markup-compatibility/2006">
               <mc:Choice xmlns:v="urn:schemas-microsoft-com:vml" Requires="v">
-                <p:oleObj spid="_x0000_s2059" name="Equation" r:id="rId6" imgW="114300" imgH="139700" progId="Equation.3">
+                <p:oleObj spid="_x0000_s2063" name="Equation" r:id="rId6" imgW="114300" imgH="139700" progId="Equation.3">
                   <p:embed/>
                 </p:oleObj>
               </mc:Choice>
@@ -4231,7 +4234,7 @@
           <a:graphicData uri="http://schemas.openxmlformats.org/presentationml/2006/ole">
             <mc:AlternateContent xmlns:mc="http://schemas.openxmlformats.org/markup-compatibility/2006">
               <mc:Choice xmlns:v="urn:schemas-microsoft-com:vml" Requires="v">
-                <p:oleObj spid="_x0000_s2060" name="Equation" r:id="rId8" imgW="1574800" imgH="215900" progId="Equation.3">
+                <p:oleObj spid="_x0000_s2064" name="Equation" r:id="rId8" imgW="1574800" imgH="215900" progId="Equation.3">
                   <p:embed/>
                 </p:oleObj>
               </mc:Choice>
@@ -4288,7 +4291,7 @@
           <a:graphicData uri="http://schemas.openxmlformats.org/presentationml/2006/ole">
             <mc:AlternateContent xmlns:mc="http://schemas.openxmlformats.org/markup-compatibility/2006">
               <mc:Choice xmlns:v="urn:schemas-microsoft-com:vml" Requires="v">
-                <p:oleObj spid="_x0000_s2061" name="Equation" r:id="rId10" imgW="647700" imgH="393700" progId="Equation.3">
+                <p:oleObj spid="_x0000_s2065" name="Equation" r:id="rId10" imgW="647700" imgH="393700" progId="Equation.3">
                   <p:embed/>
                 </p:oleObj>
               </mc:Choice>
@@ -5610,7 +5613,7 @@
           <p:nvPr>
             <p:extLst>
               <p:ext uri="{D42A27DB-BD31-4B8C-83A1-F6EECF244321}">
-                <p14:modId xmlns:p14="http://schemas.microsoft.com/office/powerpoint/2010/main" val="1295657055"/>
+                <p14:modId xmlns:p14="http://schemas.microsoft.com/office/powerpoint/2010/main" val="2953933404"/>
               </p:ext>
             </p:extLst>
           </p:nvPr>
@@ -5623,7 +5626,7 @@
           <a:graphicData uri="http://schemas.openxmlformats.org/presentationml/2006/ole">
             <mc:AlternateContent xmlns:mc="http://schemas.openxmlformats.org/markup-compatibility/2006">
               <mc:Choice xmlns:v="urn:schemas-microsoft-com:vml" Requires="v">
-                <p:oleObj spid="_x0000_s3231" name="Equation" r:id="rId3" imgW="254000" imgH="241300" progId="Equation.3">
+                <p:oleObj spid="_x0000_s3332" name="Equation" r:id="rId3" imgW="254000" imgH="241300" progId="Equation.3">
                   <p:embed/>
                 </p:oleObj>
               </mc:Choice>
@@ -5759,7 +5762,7 @@
           <p:nvPr>
             <p:extLst>
               <p:ext uri="{D42A27DB-BD31-4B8C-83A1-F6EECF244321}">
-                <p14:modId xmlns:p14="http://schemas.microsoft.com/office/powerpoint/2010/main" val="4160982209"/>
+                <p14:modId xmlns:p14="http://schemas.microsoft.com/office/powerpoint/2010/main" val="3519837294"/>
               </p:ext>
             </p:extLst>
           </p:nvPr>
@@ -5772,7 +5775,7 @@
           <a:graphicData uri="http://schemas.openxmlformats.org/presentationml/2006/ole">
             <mc:AlternateContent xmlns:mc="http://schemas.openxmlformats.org/markup-compatibility/2006">
               <mc:Choice xmlns:v="urn:schemas-microsoft-com:vml" Requires="v">
-                <p:oleObj spid="_x0000_s3232" name="Equation" r:id="rId5" imgW="254000" imgH="241300" progId="Equation.3">
+                <p:oleObj spid="_x0000_s3333" name="Equation" r:id="rId5" imgW="254000" imgH="241300" progId="Equation.3">
                   <p:embed/>
                 </p:oleObj>
               </mc:Choice>
@@ -5863,7 +5866,7 @@
           <p:nvPr>
             <p:extLst>
               <p:ext uri="{D42A27DB-BD31-4B8C-83A1-F6EECF244321}">
-                <p14:modId xmlns:p14="http://schemas.microsoft.com/office/powerpoint/2010/main" val="1708519182"/>
+                <p14:modId xmlns:p14="http://schemas.microsoft.com/office/powerpoint/2010/main" val="3537293595"/>
               </p:ext>
             </p:extLst>
           </p:nvPr>
@@ -5876,7 +5879,7 @@
           <a:graphicData uri="http://schemas.openxmlformats.org/presentationml/2006/ole">
             <mc:AlternateContent xmlns:mc="http://schemas.openxmlformats.org/markup-compatibility/2006">
               <mc:Choice xmlns:v="urn:schemas-microsoft-com:vml" Requires="v">
-                <p:oleObj spid="_x0000_s3233" name="Equation" r:id="rId7" imgW="254000" imgH="241300" progId="Equation.3">
+                <p:oleObj spid="_x0000_s3334" name="Equation" r:id="rId7" imgW="254000" imgH="241300" progId="Equation.3">
                   <p:embed/>
                 </p:oleObj>
               </mc:Choice>
@@ -5967,7 +5970,7 @@
           <p:nvPr>
             <p:extLst>
               <p:ext uri="{D42A27DB-BD31-4B8C-83A1-F6EECF244321}">
-                <p14:modId xmlns:p14="http://schemas.microsoft.com/office/powerpoint/2010/main" val="718506332"/>
+                <p14:modId xmlns:p14="http://schemas.microsoft.com/office/powerpoint/2010/main" val="3728181363"/>
               </p:ext>
             </p:extLst>
           </p:nvPr>
@@ -5980,7 +5983,7 @@
           <a:graphicData uri="http://schemas.openxmlformats.org/presentationml/2006/ole">
             <mc:AlternateContent xmlns:mc="http://schemas.openxmlformats.org/markup-compatibility/2006">
               <mc:Choice xmlns:v="urn:schemas-microsoft-com:vml" Requires="v">
-                <p:oleObj spid="_x0000_s3234" name="Equation" r:id="rId9" imgW="266700" imgH="241300" progId="Equation.3">
+                <p:oleObj spid="_x0000_s3335" name="Equation" r:id="rId9" imgW="266700" imgH="241300" progId="Equation.3">
                   <p:embed/>
                 </p:oleObj>
               </mc:Choice>
@@ -6071,7 +6074,7 @@
           <p:nvPr>
             <p:extLst>
               <p:ext uri="{D42A27DB-BD31-4B8C-83A1-F6EECF244321}">
-                <p14:modId xmlns:p14="http://schemas.microsoft.com/office/powerpoint/2010/main" val="470071149"/>
+                <p14:modId xmlns:p14="http://schemas.microsoft.com/office/powerpoint/2010/main" val="3151120491"/>
               </p:ext>
             </p:extLst>
           </p:nvPr>
@@ -6084,7 +6087,7 @@
           <a:graphicData uri="http://schemas.openxmlformats.org/presentationml/2006/ole">
             <mc:AlternateContent xmlns:mc="http://schemas.openxmlformats.org/markup-compatibility/2006">
               <mc:Choice xmlns:v="urn:schemas-microsoft-com:vml" Requires="v">
-                <p:oleObj spid="_x0000_s3235" name="Equation" r:id="rId11" imgW="266700" imgH="241300" progId="Equation.3">
+                <p:oleObj spid="_x0000_s3336" name="Equation" r:id="rId11" imgW="266700" imgH="241300" progId="Equation.3">
                   <p:embed/>
                 </p:oleObj>
               </mc:Choice>
@@ -6175,7 +6178,7 @@
           <p:nvPr>
             <p:extLst>
               <p:ext uri="{D42A27DB-BD31-4B8C-83A1-F6EECF244321}">
-                <p14:modId xmlns:p14="http://schemas.microsoft.com/office/powerpoint/2010/main" val="1643886058"/>
+                <p14:modId xmlns:p14="http://schemas.microsoft.com/office/powerpoint/2010/main" val="66486166"/>
               </p:ext>
             </p:extLst>
           </p:nvPr>
@@ -6188,7 +6191,7 @@
           <a:graphicData uri="http://schemas.openxmlformats.org/presentationml/2006/ole">
             <mc:AlternateContent xmlns:mc="http://schemas.openxmlformats.org/markup-compatibility/2006">
               <mc:Choice xmlns:v="urn:schemas-microsoft-com:vml" Requires="v">
-                <p:oleObj spid="_x0000_s3236" name="Equation" r:id="rId13" imgW="254000" imgH="241300" progId="Equation.3">
+                <p:oleObj spid="_x0000_s3337" name="Equation" r:id="rId13" imgW="254000" imgH="241300" progId="Equation.3">
                   <p:embed/>
                 </p:oleObj>
               </mc:Choice>
@@ -6324,7 +6327,7 @@
           <p:nvPr>
             <p:extLst>
               <p:ext uri="{D42A27DB-BD31-4B8C-83A1-F6EECF244321}">
-                <p14:modId xmlns:p14="http://schemas.microsoft.com/office/powerpoint/2010/main" val="1198923735"/>
+                <p14:modId xmlns:p14="http://schemas.microsoft.com/office/powerpoint/2010/main" val="63440654"/>
               </p:ext>
             </p:extLst>
           </p:nvPr>
@@ -6337,7 +6340,7 @@
           <a:graphicData uri="http://schemas.openxmlformats.org/presentationml/2006/ole">
             <mc:AlternateContent xmlns:mc="http://schemas.openxmlformats.org/markup-compatibility/2006">
               <mc:Choice xmlns:v="urn:schemas-microsoft-com:vml" Requires="v">
-                <p:oleObj spid="_x0000_s3237" name="Equation" r:id="rId15" imgW="266700" imgH="241300" progId="Equation.3">
+                <p:oleObj spid="_x0000_s3338" name="Equation" r:id="rId15" imgW="266700" imgH="241300" progId="Equation.3">
                   <p:embed/>
                 </p:oleObj>
               </mc:Choice>
@@ -6383,7 +6386,7 @@
           <p:nvPr>
             <p:extLst>
               <p:ext uri="{D42A27DB-BD31-4B8C-83A1-F6EECF244321}">
-                <p14:modId xmlns:p14="http://schemas.microsoft.com/office/powerpoint/2010/main" val="200214452"/>
+                <p14:modId xmlns:p14="http://schemas.microsoft.com/office/powerpoint/2010/main" val="397478008"/>
               </p:ext>
             </p:extLst>
           </p:nvPr>
@@ -6396,7 +6399,7 @@
           <a:graphicData uri="http://schemas.openxmlformats.org/presentationml/2006/ole">
             <mc:AlternateContent xmlns:mc="http://schemas.openxmlformats.org/markup-compatibility/2006">
               <mc:Choice xmlns:v="urn:schemas-microsoft-com:vml" Requires="v">
-                <p:oleObj spid="_x0000_s3238" name="Equation" r:id="rId17" imgW="254000" imgH="241300" progId="Equation.3">
+                <p:oleObj spid="_x0000_s3339" name="Equation" r:id="rId17" imgW="254000" imgH="241300" progId="Equation.3">
                   <p:embed/>
                 </p:oleObj>
               </mc:Choice>
@@ -6442,7 +6445,7 @@
           <p:nvPr>
             <p:extLst>
               <p:ext uri="{D42A27DB-BD31-4B8C-83A1-F6EECF244321}">
-                <p14:modId xmlns:p14="http://schemas.microsoft.com/office/powerpoint/2010/main" val="3704519302"/>
+                <p14:modId xmlns:p14="http://schemas.microsoft.com/office/powerpoint/2010/main" val="2983579819"/>
               </p:ext>
             </p:extLst>
           </p:nvPr>
@@ -6455,7 +6458,7 @@
           <a:graphicData uri="http://schemas.openxmlformats.org/presentationml/2006/ole">
             <mc:AlternateContent xmlns:mc="http://schemas.openxmlformats.org/markup-compatibility/2006">
               <mc:Choice xmlns:v="urn:schemas-microsoft-com:vml" Requires="v">
-                <p:oleObj spid="_x0000_s3239" name="Equation" r:id="rId19" imgW="254000" imgH="241300" progId="Equation.3">
+                <p:oleObj spid="_x0000_s3340" name="Equation" r:id="rId19" imgW="254000" imgH="241300" progId="Equation.3">
                   <p:embed/>
                 </p:oleObj>
               </mc:Choice>
@@ -6546,7 +6549,7 @@
           <p:nvPr>
             <p:extLst>
               <p:ext uri="{D42A27DB-BD31-4B8C-83A1-F6EECF244321}">
-                <p14:modId xmlns:p14="http://schemas.microsoft.com/office/powerpoint/2010/main" val="1702305316"/>
+                <p14:modId xmlns:p14="http://schemas.microsoft.com/office/powerpoint/2010/main" val="3228470474"/>
               </p:ext>
             </p:extLst>
           </p:nvPr>
@@ -6559,7 +6562,7 @@
           <a:graphicData uri="http://schemas.openxmlformats.org/presentationml/2006/ole">
             <mc:AlternateContent xmlns:mc="http://schemas.openxmlformats.org/markup-compatibility/2006">
               <mc:Choice xmlns:v="urn:schemas-microsoft-com:vml" Requires="v">
-                <p:oleObj spid="_x0000_s3240" name="Equation" r:id="rId21" imgW="279400" imgH="241300" progId="Equation.3">
+                <p:oleObj spid="_x0000_s3341" name="Equation" r:id="rId21" imgW="279400" imgH="241300" progId="Equation.3">
                   <p:embed/>
                 </p:oleObj>
               </mc:Choice>
@@ -6695,7 +6698,7 @@
           <p:nvPr>
             <p:extLst>
               <p:ext uri="{D42A27DB-BD31-4B8C-83A1-F6EECF244321}">
-                <p14:modId xmlns:p14="http://schemas.microsoft.com/office/powerpoint/2010/main" val="1050276416"/>
+                <p14:modId xmlns:p14="http://schemas.microsoft.com/office/powerpoint/2010/main" val="3568082823"/>
               </p:ext>
             </p:extLst>
           </p:nvPr>
@@ -6708,7 +6711,7 @@
           <a:graphicData uri="http://schemas.openxmlformats.org/presentationml/2006/ole">
             <mc:AlternateContent xmlns:mc="http://schemas.openxmlformats.org/markup-compatibility/2006">
               <mc:Choice xmlns:v="urn:schemas-microsoft-com:vml" Requires="v">
-                <p:oleObj spid="_x0000_s3241" name="Equation" r:id="rId23" imgW="279400" imgH="241300" progId="Equation.3">
+                <p:oleObj spid="_x0000_s3342" name="Equation" r:id="rId23" imgW="279400" imgH="241300" progId="Equation.3">
                   <p:embed/>
                 </p:oleObj>
               </mc:Choice>
@@ -6799,7 +6802,7 @@
           <p:nvPr>
             <p:extLst>
               <p:ext uri="{D42A27DB-BD31-4B8C-83A1-F6EECF244321}">
-                <p14:modId xmlns:p14="http://schemas.microsoft.com/office/powerpoint/2010/main" val="3302099846"/>
+                <p14:modId xmlns:p14="http://schemas.microsoft.com/office/powerpoint/2010/main" val="856506253"/>
               </p:ext>
             </p:extLst>
           </p:nvPr>
@@ -6812,7 +6815,7 @@
           <a:graphicData uri="http://schemas.openxmlformats.org/presentationml/2006/ole">
             <mc:AlternateContent xmlns:mc="http://schemas.openxmlformats.org/markup-compatibility/2006">
               <mc:Choice xmlns:v="urn:schemas-microsoft-com:vml" Requires="v">
-                <p:oleObj spid="_x0000_s3242" name="Equation" r:id="rId25" imgW="279400" imgH="241300" progId="Equation.3">
+                <p:oleObj spid="_x0000_s3343" name="Equation" r:id="rId25" imgW="279400" imgH="241300" progId="Equation.3">
                   <p:embed/>
                 </p:oleObj>
               </mc:Choice>
@@ -6903,7 +6906,7 @@
           <p:nvPr>
             <p:extLst>
               <p:ext uri="{D42A27DB-BD31-4B8C-83A1-F6EECF244321}">
-                <p14:modId xmlns:p14="http://schemas.microsoft.com/office/powerpoint/2010/main" val="2773532763"/>
+                <p14:modId xmlns:p14="http://schemas.microsoft.com/office/powerpoint/2010/main" val="3382358815"/>
               </p:ext>
             </p:extLst>
           </p:nvPr>
@@ -6916,7 +6919,7 @@
           <a:graphicData uri="http://schemas.openxmlformats.org/presentationml/2006/ole">
             <mc:AlternateContent xmlns:mc="http://schemas.openxmlformats.org/markup-compatibility/2006">
               <mc:Choice xmlns:v="urn:schemas-microsoft-com:vml" Requires="v">
-                <p:oleObj spid="_x0000_s3243" name="Equation" r:id="rId27" imgW="279400" imgH="241300" progId="Equation.3">
+                <p:oleObj spid="_x0000_s3344" name="Equation" r:id="rId27" imgW="279400" imgH="241300" progId="Equation.3">
                   <p:embed/>
                 </p:oleObj>
               </mc:Choice>
@@ -7007,7 +7010,7 @@
           <p:nvPr>
             <p:extLst>
               <p:ext uri="{D42A27DB-BD31-4B8C-83A1-F6EECF244321}">
-                <p14:modId xmlns:p14="http://schemas.microsoft.com/office/powerpoint/2010/main" val="1777025314"/>
+                <p14:modId xmlns:p14="http://schemas.microsoft.com/office/powerpoint/2010/main" val="1116192699"/>
               </p:ext>
             </p:extLst>
           </p:nvPr>
@@ -7020,7 +7023,7 @@
           <a:graphicData uri="http://schemas.openxmlformats.org/presentationml/2006/ole">
             <mc:AlternateContent xmlns:mc="http://schemas.openxmlformats.org/markup-compatibility/2006">
               <mc:Choice xmlns:v="urn:schemas-microsoft-com:vml" Requires="v">
-                <p:oleObj spid="_x0000_s3244" name="Equation" r:id="rId29" imgW="279400" imgH="241300" progId="Equation.3">
+                <p:oleObj spid="_x0000_s3345" name="Equation" r:id="rId29" imgW="279400" imgH="241300" progId="Equation.3">
                   <p:embed/>
                 </p:oleObj>
               </mc:Choice>
@@ -7111,7 +7114,7 @@
           <p:nvPr>
             <p:extLst>
               <p:ext uri="{D42A27DB-BD31-4B8C-83A1-F6EECF244321}">
-                <p14:modId xmlns:p14="http://schemas.microsoft.com/office/powerpoint/2010/main" val="592452861"/>
+                <p14:modId xmlns:p14="http://schemas.microsoft.com/office/powerpoint/2010/main" val="1800941061"/>
               </p:ext>
             </p:extLst>
           </p:nvPr>
@@ -7124,7 +7127,7 @@
           <a:graphicData uri="http://schemas.openxmlformats.org/presentationml/2006/ole">
             <mc:AlternateContent xmlns:mc="http://schemas.openxmlformats.org/markup-compatibility/2006">
               <mc:Choice xmlns:v="urn:schemas-microsoft-com:vml" Requires="v">
-                <p:oleObj spid="_x0000_s3245" name="Equation" r:id="rId31" imgW="279400" imgH="241300" progId="Equation.3">
+                <p:oleObj spid="_x0000_s3346" name="Equation" r:id="rId31" imgW="279400" imgH="241300" progId="Equation.3">
                   <p:embed/>
                 </p:oleObj>
               </mc:Choice>
@@ -7260,7 +7263,7 @@
           <p:nvPr>
             <p:extLst>
               <p:ext uri="{D42A27DB-BD31-4B8C-83A1-F6EECF244321}">
-                <p14:modId xmlns:p14="http://schemas.microsoft.com/office/powerpoint/2010/main" val="2916539197"/>
+                <p14:modId xmlns:p14="http://schemas.microsoft.com/office/powerpoint/2010/main" val="1476380801"/>
               </p:ext>
             </p:extLst>
           </p:nvPr>
@@ -7273,7 +7276,7 @@
           <a:graphicData uri="http://schemas.openxmlformats.org/presentationml/2006/ole">
             <mc:AlternateContent xmlns:mc="http://schemas.openxmlformats.org/markup-compatibility/2006">
               <mc:Choice xmlns:v="urn:schemas-microsoft-com:vml" Requires="v">
-                <p:oleObj spid="_x0000_s3246" name="Equation" r:id="rId33" imgW="279400" imgH="241300" progId="Equation.3">
+                <p:oleObj spid="_x0000_s3347" name="Equation" r:id="rId33" imgW="279400" imgH="241300" progId="Equation.3">
                   <p:embed/>
                 </p:oleObj>
               </mc:Choice>
@@ -7319,7 +7322,7 @@
           <p:nvPr>
             <p:extLst>
               <p:ext uri="{D42A27DB-BD31-4B8C-83A1-F6EECF244321}">
-                <p14:modId xmlns:p14="http://schemas.microsoft.com/office/powerpoint/2010/main" val="4004762233"/>
+                <p14:modId xmlns:p14="http://schemas.microsoft.com/office/powerpoint/2010/main" val="215103933"/>
               </p:ext>
             </p:extLst>
           </p:nvPr>
@@ -7332,7 +7335,7 @@
           <a:graphicData uri="http://schemas.openxmlformats.org/presentationml/2006/ole">
             <mc:AlternateContent xmlns:mc="http://schemas.openxmlformats.org/markup-compatibility/2006">
               <mc:Choice xmlns:v="urn:schemas-microsoft-com:vml" Requires="v">
-                <p:oleObj spid="_x0000_s3247" name="Equation" r:id="rId35" imgW="279400" imgH="241300" progId="Equation.3">
+                <p:oleObj spid="_x0000_s3348" name="Equation" r:id="rId35" imgW="279400" imgH="241300" progId="Equation.3">
                   <p:embed/>
                 </p:oleObj>
               </mc:Choice>
@@ -7378,7 +7381,7 @@
           <p:nvPr>
             <p:extLst>
               <p:ext uri="{D42A27DB-BD31-4B8C-83A1-F6EECF244321}">
-                <p14:modId xmlns:p14="http://schemas.microsoft.com/office/powerpoint/2010/main" val="3870925489"/>
+                <p14:modId xmlns:p14="http://schemas.microsoft.com/office/powerpoint/2010/main" val="1254796206"/>
               </p:ext>
             </p:extLst>
           </p:nvPr>
@@ -7391,7 +7394,7 @@
           <a:graphicData uri="http://schemas.openxmlformats.org/presentationml/2006/ole">
             <mc:AlternateContent xmlns:mc="http://schemas.openxmlformats.org/markup-compatibility/2006">
               <mc:Choice xmlns:v="urn:schemas-microsoft-com:vml" Requires="v">
-                <p:oleObj spid="_x0000_s3248" name="Equation" r:id="rId37" imgW="279400" imgH="241300" progId="Equation.3">
+                <p:oleObj spid="_x0000_s3349" name="Equation" r:id="rId37" imgW="279400" imgH="241300" progId="Equation.3">
                   <p:embed/>
                 </p:oleObj>
               </mc:Choice>
@@ -7482,7 +7485,7 @@
           <p:nvPr>
             <p:extLst>
               <p:ext uri="{D42A27DB-BD31-4B8C-83A1-F6EECF244321}">
-                <p14:modId xmlns:p14="http://schemas.microsoft.com/office/powerpoint/2010/main" val="3791746600"/>
+                <p14:modId xmlns:p14="http://schemas.microsoft.com/office/powerpoint/2010/main" val="769566461"/>
               </p:ext>
             </p:extLst>
           </p:nvPr>
@@ -7495,7 +7498,7 @@
           <a:graphicData uri="http://schemas.openxmlformats.org/presentationml/2006/ole">
             <mc:AlternateContent xmlns:mc="http://schemas.openxmlformats.org/markup-compatibility/2006">
               <mc:Choice xmlns:v="urn:schemas-microsoft-com:vml" Requires="v">
-                <p:oleObj spid="_x0000_s3249" name="Equation" r:id="rId39" imgW="139700" imgH="228600" progId="Equation.3">
+                <p:oleObj spid="_x0000_s3350" name="Equation" r:id="rId39" imgW="139700" imgH="228600" progId="Equation.3">
                   <p:embed/>
                 </p:oleObj>
               </mc:Choice>
@@ -7631,7 +7634,7 @@
           <p:nvPr>
             <p:extLst>
               <p:ext uri="{D42A27DB-BD31-4B8C-83A1-F6EECF244321}">
-                <p14:modId xmlns:p14="http://schemas.microsoft.com/office/powerpoint/2010/main" val="2537538833"/>
+                <p14:modId xmlns:p14="http://schemas.microsoft.com/office/powerpoint/2010/main" val="3490196374"/>
               </p:ext>
             </p:extLst>
           </p:nvPr>
@@ -7644,7 +7647,7 @@
           <a:graphicData uri="http://schemas.openxmlformats.org/presentationml/2006/ole">
             <mc:AlternateContent xmlns:mc="http://schemas.openxmlformats.org/markup-compatibility/2006">
               <mc:Choice xmlns:v="urn:schemas-microsoft-com:vml" Requires="v">
-                <p:oleObj spid="_x0000_s3250" name="Equation" r:id="rId41" imgW="139700" imgH="228600" progId="Equation.3">
+                <p:oleObj spid="_x0000_s3351" name="Equation" r:id="rId41" imgW="139700" imgH="228600" progId="Equation.3">
                   <p:embed/>
                 </p:oleObj>
               </mc:Choice>
@@ -7690,7 +7693,7 @@
           <p:nvPr>
             <p:extLst>
               <p:ext uri="{D42A27DB-BD31-4B8C-83A1-F6EECF244321}">
-                <p14:modId xmlns:p14="http://schemas.microsoft.com/office/powerpoint/2010/main" val="986561443"/>
+                <p14:modId xmlns:p14="http://schemas.microsoft.com/office/powerpoint/2010/main" val="3873330405"/>
               </p:ext>
             </p:extLst>
           </p:nvPr>
@@ -7703,7 +7706,7 @@
           <a:graphicData uri="http://schemas.openxmlformats.org/presentationml/2006/ole">
             <mc:AlternateContent xmlns:mc="http://schemas.openxmlformats.org/markup-compatibility/2006">
               <mc:Choice xmlns:v="urn:schemas-microsoft-com:vml" Requires="v">
-                <p:oleObj spid="_x0000_s3251" name="Equation" r:id="rId43" imgW="139700" imgH="241300" progId="Equation.3">
+                <p:oleObj spid="_x0000_s3352" name="Equation" r:id="rId43" imgW="139700" imgH="241300" progId="Equation.3">
                   <p:embed/>
                 </p:oleObj>
               </mc:Choice>
@@ -7794,7 +7797,7 @@
           <p:nvPr>
             <p:extLst>
               <p:ext uri="{D42A27DB-BD31-4B8C-83A1-F6EECF244321}">
-                <p14:modId xmlns:p14="http://schemas.microsoft.com/office/powerpoint/2010/main" val="3332703899"/>
+                <p14:modId xmlns:p14="http://schemas.microsoft.com/office/powerpoint/2010/main" val="3009515068"/>
               </p:ext>
             </p:extLst>
           </p:nvPr>
@@ -7807,7 +7810,7 @@
           <a:graphicData uri="http://schemas.openxmlformats.org/presentationml/2006/ole">
             <mc:AlternateContent xmlns:mc="http://schemas.openxmlformats.org/markup-compatibility/2006">
               <mc:Choice xmlns:v="urn:schemas-microsoft-com:vml" Requires="v">
-                <p:oleObj spid="_x0000_s3252" name="Equation" r:id="rId45" imgW="165100" imgH="228600" progId="Equation.3">
+                <p:oleObj spid="_x0000_s3353" name="Equation" r:id="rId45" imgW="165100" imgH="228600" progId="Equation.3">
                   <p:embed/>
                 </p:oleObj>
               </mc:Choice>
@@ -7943,7 +7946,7 @@
           <p:nvPr>
             <p:extLst>
               <p:ext uri="{D42A27DB-BD31-4B8C-83A1-F6EECF244321}">
-                <p14:modId xmlns:p14="http://schemas.microsoft.com/office/powerpoint/2010/main" val="2495347231"/>
+                <p14:modId xmlns:p14="http://schemas.microsoft.com/office/powerpoint/2010/main" val="774746000"/>
               </p:ext>
             </p:extLst>
           </p:nvPr>
@@ -7956,7 +7959,7 @@
           <a:graphicData uri="http://schemas.openxmlformats.org/presentationml/2006/ole">
             <mc:AlternateContent xmlns:mc="http://schemas.openxmlformats.org/markup-compatibility/2006">
               <mc:Choice xmlns:v="urn:schemas-microsoft-com:vml" Requires="v">
-                <p:oleObj spid="_x0000_s3253" name="Equation" r:id="rId47" imgW="165100" imgH="228600" progId="Equation.3">
+                <p:oleObj spid="_x0000_s3354" name="Equation" r:id="rId47" imgW="165100" imgH="228600" progId="Equation.3">
                   <p:embed/>
                 </p:oleObj>
               </mc:Choice>
@@ -8002,7 +8005,7 @@
           <p:nvPr>
             <p:extLst>
               <p:ext uri="{D42A27DB-BD31-4B8C-83A1-F6EECF244321}">
-                <p14:modId xmlns:p14="http://schemas.microsoft.com/office/powerpoint/2010/main" val="591113123"/>
+                <p14:modId xmlns:p14="http://schemas.microsoft.com/office/powerpoint/2010/main" val="3063205486"/>
               </p:ext>
             </p:extLst>
           </p:nvPr>
@@ -8015,7 +8018,7 @@
           <a:graphicData uri="http://schemas.openxmlformats.org/presentationml/2006/ole">
             <mc:AlternateContent xmlns:mc="http://schemas.openxmlformats.org/markup-compatibility/2006">
               <mc:Choice xmlns:v="urn:schemas-microsoft-com:vml" Requires="v">
-                <p:oleObj spid="_x0000_s3254" name="Equation" r:id="rId49" imgW="165100" imgH="241300" progId="Equation.3">
+                <p:oleObj spid="_x0000_s3355" name="Equation" r:id="rId49" imgW="165100" imgH="241300" progId="Equation.3">
                   <p:embed/>
                 </p:oleObj>
               </mc:Choice>
@@ -8040,242 +8043,6 @@
                       <a:xfrm>
                         <a:off x="6914357" y="-3363094"/>
                         <a:ext cx="330200" cy="482600"/>
-                      </a:xfrm>
-                      <a:prstGeom prst="rect">
-                        <a:avLst/>
-                      </a:prstGeom>
-                    </p:spPr>
-                  </p:pic>
-                </p:oleObj>
-              </mc:Fallback>
-            </mc:AlternateContent>
-          </a:graphicData>
-        </a:graphic>
-      </p:graphicFrame>
-      <p:graphicFrame>
-        <p:nvGraphicFramePr>
-          <p:cNvPr id="160" name="Object 159"/>
-          <p:cNvGraphicFramePr>
-            <a:graphicFrameLocks noChangeAspect="1"/>
-          </p:cNvGraphicFramePr>
-          <p:nvPr>
-            <p:extLst>
-              <p:ext uri="{D42A27DB-BD31-4B8C-83A1-F6EECF244321}">
-                <p14:modId xmlns:p14="http://schemas.microsoft.com/office/powerpoint/2010/main" val="1114899655"/>
-              </p:ext>
-            </p:extLst>
-          </p:nvPr>
-        </p:nvGraphicFramePr>
-        <p:xfrm>
-          <a:off x="1384789" y="-4939905"/>
-          <a:ext cx="6781800" cy="1447800"/>
-        </p:xfrm>
-        <a:graphic>
-          <a:graphicData uri="http://schemas.openxmlformats.org/presentationml/2006/ole">
-            <mc:AlternateContent xmlns:mc="http://schemas.openxmlformats.org/markup-compatibility/2006">
-              <mc:Choice xmlns:v="urn:schemas-microsoft-com:vml" Requires="v">
-                <p:oleObj spid="_x0000_s3255" name="Equation" r:id="rId51" imgW="3390900" imgH="723900" progId="Equation.3">
-                  <p:embed/>
-                </p:oleObj>
-              </mc:Choice>
-              <mc:Fallback>
-                <p:oleObj name="Equation" r:id="rId51" imgW="3390900" imgH="723900" progId="Equation.3">
-                  <p:embed/>
-                  <p:pic>
-                    <p:nvPicPr>
-                      <p:cNvPr id="0" name=""/>
-                      <p:cNvPicPr/>
-                      <p:nvPr/>
-                    </p:nvPicPr>
-                    <p:blipFill>
-                      <a:blip r:embed="rId52">
-                        <a:alphaModFix/>
-                      </a:blip>
-                      <a:stretch>
-                        <a:fillRect/>
-                      </a:stretch>
-                    </p:blipFill>
-                    <p:spPr>
-                      <a:xfrm>
-                        <a:off x="1384789" y="-4939905"/>
-                        <a:ext cx="6781800" cy="1447800"/>
-                      </a:xfrm>
-                      <a:prstGeom prst="rect">
-                        <a:avLst/>
-                      </a:prstGeom>
-                    </p:spPr>
-                  </p:pic>
-                </p:oleObj>
-              </mc:Fallback>
-            </mc:AlternateContent>
-          </a:graphicData>
-        </a:graphic>
-      </p:graphicFrame>
-      <p:graphicFrame>
-        <p:nvGraphicFramePr>
-          <p:cNvPr id="161" name="Object 160"/>
-          <p:cNvGraphicFramePr>
-            <a:graphicFrameLocks noChangeAspect="1"/>
-          </p:cNvGraphicFramePr>
-          <p:nvPr>
-            <p:extLst>
-              <p:ext uri="{D42A27DB-BD31-4B8C-83A1-F6EECF244321}">
-                <p14:modId xmlns:p14="http://schemas.microsoft.com/office/powerpoint/2010/main" val="2087126142"/>
-              </p:ext>
-            </p:extLst>
-          </p:nvPr>
-        </p:nvGraphicFramePr>
-        <p:xfrm>
-          <a:off x="2295431" y="5197475"/>
-          <a:ext cx="558800" cy="482600"/>
-        </p:xfrm>
-        <a:graphic>
-          <a:graphicData uri="http://schemas.openxmlformats.org/presentationml/2006/ole">
-            <mc:AlternateContent xmlns:mc="http://schemas.openxmlformats.org/markup-compatibility/2006">
-              <mc:Choice xmlns:v="urn:schemas-microsoft-com:vml" Requires="v">
-                <p:oleObj spid="_x0000_s3256" name="Equation" r:id="rId53" imgW="279400" imgH="241300" progId="Equation.3">
-                  <p:embed/>
-                </p:oleObj>
-              </mc:Choice>
-              <mc:Fallback>
-                <p:oleObj name="Equation" r:id="rId53" imgW="279400" imgH="241300" progId="Equation.3">
-                  <p:embed/>
-                  <p:pic>
-                    <p:nvPicPr>
-                      <p:cNvPr id="0" name=""/>
-                      <p:cNvPicPr/>
-                      <p:nvPr/>
-                    </p:nvPicPr>
-                    <p:blipFill>
-                      <a:blip r:embed="rId54">
-                        <a:alphaModFix/>
-                      </a:blip>
-                      <a:stretch>
-                        <a:fillRect/>
-                      </a:stretch>
-                    </p:blipFill>
-                    <p:spPr>
-                      <a:xfrm>
-                        <a:off x="2295431" y="5197475"/>
-                        <a:ext cx="558800" cy="482600"/>
-                      </a:xfrm>
-                      <a:prstGeom prst="rect">
-                        <a:avLst/>
-                      </a:prstGeom>
-                    </p:spPr>
-                  </p:pic>
-                </p:oleObj>
-              </mc:Fallback>
-            </mc:AlternateContent>
-          </a:graphicData>
-        </a:graphic>
-      </p:graphicFrame>
-      <p:graphicFrame>
-        <p:nvGraphicFramePr>
-          <p:cNvPr id="162" name="Object 161"/>
-          <p:cNvGraphicFramePr>
-            <a:graphicFrameLocks noChangeAspect="1"/>
-          </p:cNvGraphicFramePr>
-          <p:nvPr>
-            <p:extLst>
-              <p:ext uri="{D42A27DB-BD31-4B8C-83A1-F6EECF244321}">
-                <p14:modId xmlns:p14="http://schemas.microsoft.com/office/powerpoint/2010/main" val="128766027"/>
-              </p:ext>
-            </p:extLst>
-          </p:nvPr>
-        </p:nvGraphicFramePr>
-        <p:xfrm>
-          <a:off x="4701652" y="5197475"/>
-          <a:ext cx="558800" cy="482600"/>
-        </p:xfrm>
-        <a:graphic>
-          <a:graphicData uri="http://schemas.openxmlformats.org/presentationml/2006/ole">
-            <mc:AlternateContent xmlns:mc="http://schemas.openxmlformats.org/markup-compatibility/2006">
-              <mc:Choice xmlns:v="urn:schemas-microsoft-com:vml" Requires="v">
-                <p:oleObj spid="_x0000_s3257" name="Equation" r:id="rId55" imgW="279400" imgH="241300" progId="Equation.3">
-                  <p:embed/>
-                </p:oleObj>
-              </mc:Choice>
-              <mc:Fallback>
-                <p:oleObj name="Equation" r:id="rId55" imgW="279400" imgH="241300" progId="Equation.3">
-                  <p:embed/>
-                  <p:pic>
-                    <p:nvPicPr>
-                      <p:cNvPr id="0" name=""/>
-                      <p:cNvPicPr/>
-                      <p:nvPr/>
-                    </p:nvPicPr>
-                    <p:blipFill>
-                      <a:blip r:embed="rId56">
-                        <a:alphaModFix/>
-                      </a:blip>
-                      <a:stretch>
-                        <a:fillRect/>
-                      </a:stretch>
-                    </p:blipFill>
-                    <p:spPr>
-                      <a:xfrm>
-                        <a:off x="4701652" y="5197475"/>
-                        <a:ext cx="558800" cy="482600"/>
-                      </a:xfrm>
-                      <a:prstGeom prst="rect">
-                        <a:avLst/>
-                      </a:prstGeom>
-                    </p:spPr>
-                  </p:pic>
-                </p:oleObj>
-              </mc:Fallback>
-            </mc:AlternateContent>
-          </a:graphicData>
-        </a:graphic>
-      </p:graphicFrame>
-      <p:graphicFrame>
-        <p:nvGraphicFramePr>
-          <p:cNvPr id="163" name="Object 162"/>
-          <p:cNvGraphicFramePr>
-            <a:graphicFrameLocks noChangeAspect="1"/>
-          </p:cNvGraphicFramePr>
-          <p:nvPr>
-            <p:extLst>
-              <p:ext uri="{D42A27DB-BD31-4B8C-83A1-F6EECF244321}">
-                <p14:modId xmlns:p14="http://schemas.microsoft.com/office/powerpoint/2010/main" val="1114390026"/>
-              </p:ext>
-            </p:extLst>
-          </p:nvPr>
-        </p:nvGraphicFramePr>
-        <p:xfrm>
-          <a:off x="7097849" y="5197475"/>
-          <a:ext cx="558800" cy="482600"/>
-        </p:xfrm>
-        <a:graphic>
-          <a:graphicData uri="http://schemas.openxmlformats.org/presentationml/2006/ole">
-            <mc:AlternateContent xmlns:mc="http://schemas.openxmlformats.org/markup-compatibility/2006">
-              <mc:Choice xmlns:v="urn:schemas-microsoft-com:vml" Requires="v">
-                <p:oleObj spid="_x0000_s3258" name="Equation" r:id="rId57" imgW="279400" imgH="241300" progId="Equation.3">
-                  <p:embed/>
-                </p:oleObj>
-              </mc:Choice>
-              <mc:Fallback>
-                <p:oleObj name="Equation" r:id="rId57" imgW="279400" imgH="241300" progId="Equation.3">
-                  <p:embed/>
-                  <p:pic>
-                    <p:nvPicPr>
-                      <p:cNvPr id="0" name=""/>
-                      <p:cNvPicPr/>
-                      <p:nvPr/>
-                    </p:nvPicPr>
-                    <p:blipFill>
-                      <a:blip r:embed="rId58">
-                        <a:alphaModFix/>
-                      </a:blip>
-                      <a:stretch>
-                        <a:fillRect/>
-                      </a:stretch>
-                    </p:blipFill>
-                    <p:spPr>
-                      <a:xfrm>
-                        <a:off x="7097849" y="5197475"/>
-                        <a:ext cx="558800" cy="482600"/>
                       </a:xfrm>
                       <a:prstGeom prst="rect">
                         <a:avLst/>
@@ -8506,7 +8273,7 @@
           <p:nvPr>
             <p:extLst>
               <p:ext uri="{D42A27DB-BD31-4B8C-83A1-F6EECF244321}">
-                <p14:modId xmlns:p14="http://schemas.microsoft.com/office/powerpoint/2010/main" val="1698816724"/>
+                <p14:modId xmlns:p14="http://schemas.microsoft.com/office/powerpoint/2010/main" val="4245418732"/>
               </p:ext>
             </p:extLst>
           </p:nvPr>
@@ -8519,7 +8286,7 @@
           <a:graphicData uri="http://schemas.openxmlformats.org/presentationml/2006/ole">
             <mc:AlternateContent xmlns:mc="http://schemas.openxmlformats.org/markup-compatibility/2006">
               <mc:Choice xmlns:v="urn:schemas-microsoft-com:vml" Requires="v">
-                <p:oleObj spid="_x0000_s4130" name="Equation" r:id="rId3" imgW="127000" imgH="165100" progId="Equation.3">
+                <p:oleObj spid="_x0000_s4168" name="Equation" r:id="rId3" imgW="127000" imgH="165100" progId="Equation.3">
                   <p:embed/>
                 </p:oleObj>
               </mc:Choice>
@@ -8563,7 +8330,7 @@
           <p:nvPr>
             <p:extLst>
               <p:ext uri="{D42A27DB-BD31-4B8C-83A1-F6EECF244321}">
-                <p14:modId xmlns:p14="http://schemas.microsoft.com/office/powerpoint/2010/main" val="368417985"/>
+                <p14:modId xmlns:p14="http://schemas.microsoft.com/office/powerpoint/2010/main" val="1110208997"/>
               </p:ext>
             </p:extLst>
           </p:nvPr>
@@ -8576,7 +8343,7 @@
           <a:graphicData uri="http://schemas.openxmlformats.org/presentationml/2006/ole">
             <mc:AlternateContent xmlns:mc="http://schemas.openxmlformats.org/markup-compatibility/2006">
               <mc:Choice xmlns:v="urn:schemas-microsoft-com:vml" Requires="v">
-                <p:oleObj spid="_x0000_s4131" name="Equation" r:id="rId5" imgW="152400" imgH="203200" progId="Equation.3">
+                <p:oleObj spid="_x0000_s4169" name="Equation" r:id="rId5" imgW="152400" imgH="203200" progId="Equation.3">
                   <p:embed/>
                 </p:oleObj>
               </mc:Choice>
@@ -8620,7 +8387,7 @@
           <p:nvPr>
             <p:extLst>
               <p:ext uri="{D42A27DB-BD31-4B8C-83A1-F6EECF244321}">
-                <p14:modId xmlns:p14="http://schemas.microsoft.com/office/powerpoint/2010/main" val="153211463"/>
+                <p14:modId xmlns:p14="http://schemas.microsoft.com/office/powerpoint/2010/main" val="1087347017"/>
               </p:ext>
             </p:extLst>
           </p:nvPr>
@@ -8633,7 +8400,7 @@
           <a:graphicData uri="http://schemas.openxmlformats.org/presentationml/2006/ole">
             <mc:AlternateContent xmlns:mc="http://schemas.openxmlformats.org/markup-compatibility/2006">
               <mc:Choice xmlns:v="urn:schemas-microsoft-com:vml" Requires="v">
-                <p:oleObj spid="_x0000_s4132" name="Equation" r:id="rId7" imgW="177800" imgH="203200" progId="Equation.3">
+                <p:oleObj spid="_x0000_s4170" name="Equation" r:id="rId7" imgW="177800" imgH="203200" progId="Equation.3">
                   <p:embed/>
                 </p:oleObj>
               </mc:Choice>
@@ -8677,7 +8444,7 @@
           <p:nvPr>
             <p:extLst>
               <p:ext uri="{D42A27DB-BD31-4B8C-83A1-F6EECF244321}">
-                <p14:modId xmlns:p14="http://schemas.microsoft.com/office/powerpoint/2010/main" val="2356334770"/>
+                <p14:modId xmlns:p14="http://schemas.microsoft.com/office/powerpoint/2010/main" val="3773116937"/>
               </p:ext>
             </p:extLst>
           </p:nvPr>
@@ -8690,7 +8457,7 @@
           <a:graphicData uri="http://schemas.openxmlformats.org/presentationml/2006/ole">
             <mc:AlternateContent xmlns:mc="http://schemas.openxmlformats.org/markup-compatibility/2006">
               <mc:Choice xmlns:v="urn:schemas-microsoft-com:vml" Requires="v">
-                <p:oleObj spid="_x0000_s4133" name="Equation" r:id="rId9" imgW="165100" imgH="215900" progId="Equation.3">
+                <p:oleObj spid="_x0000_s4171" name="Equation" r:id="rId9" imgW="165100" imgH="215900" progId="Equation.3">
                   <p:embed/>
                 </p:oleObj>
               </mc:Choice>
@@ -8734,7 +8501,7 @@
           <p:nvPr>
             <p:extLst>
               <p:ext uri="{D42A27DB-BD31-4B8C-83A1-F6EECF244321}">
-                <p14:modId xmlns:p14="http://schemas.microsoft.com/office/powerpoint/2010/main" val="887341021"/>
+                <p14:modId xmlns:p14="http://schemas.microsoft.com/office/powerpoint/2010/main" val="1039662285"/>
               </p:ext>
             </p:extLst>
           </p:nvPr>
@@ -8747,7 +8514,7 @@
           <a:graphicData uri="http://schemas.openxmlformats.org/presentationml/2006/ole">
             <mc:AlternateContent xmlns:mc="http://schemas.openxmlformats.org/markup-compatibility/2006">
               <mc:Choice xmlns:v="urn:schemas-microsoft-com:vml" Requires="v">
-                <p:oleObj spid="_x0000_s4134" name="Equation" r:id="rId11" imgW="508000" imgH="203200" progId="Equation.3">
+                <p:oleObj spid="_x0000_s4172" name="Equation" r:id="rId11" imgW="508000" imgH="203200" progId="Equation.3">
                   <p:embed/>
                 </p:oleObj>
               </mc:Choice>
@@ -8791,7 +8558,7 @@
           <p:nvPr>
             <p:extLst>
               <p:ext uri="{D42A27DB-BD31-4B8C-83A1-F6EECF244321}">
-                <p14:modId xmlns:p14="http://schemas.microsoft.com/office/powerpoint/2010/main" val="224494767"/>
+                <p14:modId xmlns:p14="http://schemas.microsoft.com/office/powerpoint/2010/main" val="2645761939"/>
               </p:ext>
             </p:extLst>
           </p:nvPr>
@@ -8804,7 +8571,7 @@
           <a:graphicData uri="http://schemas.openxmlformats.org/presentationml/2006/ole">
             <mc:AlternateContent xmlns:mc="http://schemas.openxmlformats.org/markup-compatibility/2006">
               <mc:Choice xmlns:v="urn:schemas-microsoft-com:vml" Requires="v">
-                <p:oleObj spid="_x0000_s4135" name="Equation" r:id="rId13" imgW="317500" imgH="177800" progId="Equation.3">
+                <p:oleObj spid="_x0000_s4173" name="Equation" r:id="rId13" imgW="317500" imgH="177800" progId="Equation.3">
                   <p:embed/>
                 </p:oleObj>
               </mc:Choice>
@@ -8848,7 +8615,7 @@
           <p:nvPr>
             <p:extLst>
               <p:ext uri="{D42A27DB-BD31-4B8C-83A1-F6EECF244321}">
-                <p14:modId xmlns:p14="http://schemas.microsoft.com/office/powerpoint/2010/main" val="2112342190"/>
+                <p14:modId xmlns:p14="http://schemas.microsoft.com/office/powerpoint/2010/main" val="3443276851"/>
               </p:ext>
             </p:extLst>
           </p:nvPr>
@@ -8861,7 +8628,7 @@
           <a:graphicData uri="http://schemas.openxmlformats.org/presentationml/2006/ole">
             <mc:AlternateContent xmlns:mc="http://schemas.openxmlformats.org/markup-compatibility/2006">
               <mc:Choice xmlns:v="urn:schemas-microsoft-com:vml" Requires="v">
-                <p:oleObj spid="_x0000_s4136" name="Equation" r:id="rId15" imgW="330200" imgH="177800" progId="Equation.3">
+                <p:oleObj spid="_x0000_s4174" name="Equation" r:id="rId15" imgW="330200" imgH="177800" progId="Equation.3">
                   <p:embed/>
                 </p:oleObj>
               </mc:Choice>
@@ -8905,7 +8672,7 @@
           <p:nvPr>
             <p:extLst>
               <p:ext uri="{D42A27DB-BD31-4B8C-83A1-F6EECF244321}">
-                <p14:modId xmlns:p14="http://schemas.microsoft.com/office/powerpoint/2010/main" val="1952788993"/>
+                <p14:modId xmlns:p14="http://schemas.microsoft.com/office/powerpoint/2010/main" val="3281838943"/>
               </p:ext>
             </p:extLst>
           </p:nvPr>
@@ -8918,7 +8685,7 @@
           <a:graphicData uri="http://schemas.openxmlformats.org/presentationml/2006/ole">
             <mc:AlternateContent xmlns:mc="http://schemas.openxmlformats.org/markup-compatibility/2006">
               <mc:Choice xmlns:v="urn:schemas-microsoft-com:vml" Requires="v">
-                <p:oleObj spid="_x0000_s4137" name="Equation" r:id="rId17" imgW="177800" imgH="203200" progId="Equation.3">
+                <p:oleObj spid="_x0000_s4175" name="Equation" r:id="rId17" imgW="177800" imgH="203200" progId="Equation.3">
                   <p:embed/>
                 </p:oleObj>
               </mc:Choice>
@@ -8962,7 +8729,7 @@
           <p:nvPr>
             <p:extLst>
               <p:ext uri="{D42A27DB-BD31-4B8C-83A1-F6EECF244321}">
-                <p14:modId xmlns:p14="http://schemas.microsoft.com/office/powerpoint/2010/main" val="146654654"/>
+                <p14:modId xmlns:p14="http://schemas.microsoft.com/office/powerpoint/2010/main" val="3613667787"/>
               </p:ext>
             </p:extLst>
           </p:nvPr>
@@ -8975,7 +8742,7 @@
           <a:graphicData uri="http://schemas.openxmlformats.org/presentationml/2006/ole">
             <mc:AlternateContent xmlns:mc="http://schemas.openxmlformats.org/markup-compatibility/2006">
               <mc:Choice xmlns:v="urn:schemas-microsoft-com:vml" Requires="v">
-                <p:oleObj spid="_x0000_s4138" name="Equation" r:id="rId19" imgW="203200" imgH="203200" progId="Equation.3">
+                <p:oleObj spid="_x0000_s4176" name="Equation" r:id="rId19" imgW="203200" imgH="203200" progId="Equation.3">
                   <p:embed/>
                 </p:oleObj>
               </mc:Choice>
@@ -9019,7 +8786,7 @@
           <p:nvPr>
             <p:extLst>
               <p:ext uri="{D42A27DB-BD31-4B8C-83A1-F6EECF244321}">
-                <p14:modId xmlns:p14="http://schemas.microsoft.com/office/powerpoint/2010/main" val="1398746058"/>
+                <p14:modId xmlns:p14="http://schemas.microsoft.com/office/powerpoint/2010/main" val="2217290862"/>
               </p:ext>
             </p:extLst>
           </p:nvPr>
@@ -9032,7 +8799,7 @@
           <a:graphicData uri="http://schemas.openxmlformats.org/presentationml/2006/ole">
             <mc:AlternateContent xmlns:mc="http://schemas.openxmlformats.org/markup-compatibility/2006">
               <mc:Choice xmlns:v="urn:schemas-microsoft-com:vml" Requires="v">
-                <p:oleObj spid="_x0000_s4139" name="Equation" r:id="rId21" imgW="203200" imgH="203200" progId="Equation.3">
+                <p:oleObj spid="_x0000_s4177" name="Equation" r:id="rId21" imgW="203200" imgH="203200" progId="Equation.3">
                   <p:embed/>
                 </p:oleObj>
               </mc:Choice>
@@ -9069,32 +8836,32 @@
       </p:graphicFrame>
       <p:graphicFrame>
         <p:nvGraphicFramePr>
-          <p:cNvPr id="30" name="Object 29"/>
+          <p:cNvPr id="31" name="Object 30"/>
           <p:cNvGraphicFramePr>
             <a:graphicFrameLocks noChangeAspect="1"/>
           </p:cNvGraphicFramePr>
           <p:nvPr>
             <p:extLst>
               <p:ext uri="{D42A27DB-BD31-4B8C-83A1-F6EECF244321}">
-                <p14:modId xmlns:p14="http://schemas.microsoft.com/office/powerpoint/2010/main" val="314980657"/>
+                <p14:modId xmlns:p14="http://schemas.microsoft.com/office/powerpoint/2010/main" val="3235401460"/>
               </p:ext>
             </p:extLst>
           </p:nvPr>
         </p:nvGraphicFramePr>
         <p:xfrm>
-          <a:off x="1190625" y="4746625"/>
-          <a:ext cx="6853238" cy="1354138"/>
+          <a:off x="4607319" y="2446678"/>
+          <a:ext cx="3221426" cy="479455"/>
         </p:xfrm>
         <a:graphic>
           <a:graphicData uri="http://schemas.openxmlformats.org/presentationml/2006/ole">
             <mc:AlternateContent xmlns:mc="http://schemas.openxmlformats.org/markup-compatibility/2006">
               <mc:Choice xmlns:v="urn:schemas-microsoft-com:vml" Requires="v">
-                <p:oleObj spid="_x0000_s4140" name="Equation" r:id="rId23" imgW="5270500" imgH="1041400" progId="Equation.3">
+                <p:oleObj spid="_x0000_s4178" name="Equation" r:id="rId23" imgW="1625600" imgH="241300" progId="Equation.3">
                   <p:embed/>
                 </p:oleObj>
               </mc:Choice>
               <mc:Fallback>
-                <p:oleObj name="Equation" r:id="rId23" imgW="5270500" imgH="1041400" progId="Equation.3">
+                <p:oleObj name="Equation" r:id="rId23" imgW="1625600" imgH="241300" progId="Equation.3">
                   <p:embed/>
                   <p:pic>
                     <p:nvPicPr>
@@ -9104,63 +8871,6 @@
                     </p:nvPicPr>
                     <p:blipFill>
                       <a:blip r:embed="rId24"/>
-                      <a:stretch>
-                        <a:fillRect/>
-                      </a:stretch>
-                    </p:blipFill>
-                    <p:spPr>
-                      <a:xfrm>
-                        <a:off x="1190625" y="4746625"/>
-                        <a:ext cx="6853238" cy="1354138"/>
-                      </a:xfrm>
-                      <a:prstGeom prst="rect">
-                        <a:avLst/>
-                      </a:prstGeom>
-                    </p:spPr>
-                  </p:pic>
-                </p:oleObj>
-              </mc:Fallback>
-            </mc:AlternateContent>
-          </a:graphicData>
-        </a:graphic>
-      </p:graphicFrame>
-      <p:graphicFrame>
-        <p:nvGraphicFramePr>
-          <p:cNvPr id="31" name="Object 30"/>
-          <p:cNvGraphicFramePr>
-            <a:graphicFrameLocks noChangeAspect="1"/>
-          </p:cNvGraphicFramePr>
-          <p:nvPr>
-            <p:extLst>
-              <p:ext uri="{D42A27DB-BD31-4B8C-83A1-F6EECF244321}">
-                <p14:modId xmlns:p14="http://schemas.microsoft.com/office/powerpoint/2010/main" val="2082040210"/>
-              </p:ext>
-            </p:extLst>
-          </p:nvPr>
-        </p:nvGraphicFramePr>
-        <p:xfrm>
-          <a:off x="4607319" y="2446678"/>
-          <a:ext cx="3221426" cy="479455"/>
-        </p:xfrm>
-        <a:graphic>
-          <a:graphicData uri="http://schemas.openxmlformats.org/presentationml/2006/ole">
-            <mc:AlternateContent xmlns:mc="http://schemas.openxmlformats.org/markup-compatibility/2006">
-              <mc:Choice xmlns:v="urn:schemas-microsoft-com:vml" Requires="v">
-                <p:oleObj spid="_x0000_s4141" name="Equation" r:id="rId25" imgW="1625600" imgH="241300" progId="Equation.3">
-                  <p:embed/>
-                </p:oleObj>
-              </mc:Choice>
-              <mc:Fallback>
-                <p:oleObj name="Equation" r:id="rId25" imgW="1625600" imgH="241300" progId="Equation.3">
-                  <p:embed/>
-                  <p:pic>
-                    <p:nvPicPr>
-                      <p:cNvPr id="0" name=""/>
-                      <p:cNvPicPr/>
-                      <p:nvPr/>
-                    </p:nvPicPr>
-                    <p:blipFill>
-                      <a:blip r:embed="rId26"/>
                       <a:stretch>
                         <a:fillRect/>
                       </a:stretch>
@@ -9190,7 +8900,7 @@
           <p:nvPr>
             <p:extLst>
               <p:ext uri="{D42A27DB-BD31-4B8C-83A1-F6EECF244321}">
-                <p14:modId xmlns:p14="http://schemas.microsoft.com/office/powerpoint/2010/main" val="2456084529"/>
+                <p14:modId xmlns:p14="http://schemas.microsoft.com/office/powerpoint/2010/main" val="3596755870"/>
               </p:ext>
             </p:extLst>
           </p:nvPr>
@@ -9203,12 +8913,12 @@
           <a:graphicData uri="http://schemas.openxmlformats.org/presentationml/2006/ole">
             <mc:AlternateContent xmlns:mc="http://schemas.openxmlformats.org/markup-compatibility/2006">
               <mc:Choice xmlns:v="urn:schemas-microsoft-com:vml" Requires="v">
-                <p:oleObj spid="_x0000_s4142" name="Equation" r:id="rId27" imgW="114300" imgH="165100" progId="Equation.3">
+                <p:oleObj spid="_x0000_s4179" name="Equation" r:id="rId25" imgW="114300" imgH="165100" progId="Equation.3">
                   <p:embed/>
                 </p:oleObj>
               </mc:Choice>
               <mc:Fallback>
-                <p:oleObj name="Equation" r:id="rId27" imgW="114300" imgH="165100" progId="Equation.3">
+                <p:oleObj name="Equation" r:id="rId25" imgW="114300" imgH="165100" progId="Equation.3">
                   <p:embed/>
                   <p:pic>
                     <p:nvPicPr>
@@ -9217,7 +8927,7 @@
                       <p:nvPr/>
                     </p:nvPicPr>
                     <p:blipFill>
-                      <a:blip r:embed="rId28"/>
+                      <a:blip r:embed="rId26"/>
                       <a:stretch>
                         <a:fillRect/>
                       </a:stretch>
@@ -9242,6 +8952,2091 @@
     <p:extLst>
       <p:ext uri="{BB962C8B-B14F-4D97-AF65-F5344CB8AC3E}">
         <p14:creationId xmlns:p14="http://schemas.microsoft.com/office/powerpoint/2010/main" val="42257062"/>
+      </p:ext>
+    </p:extLst>
+  </p:cSld>
+  <p:clrMapOvr>
+    <a:masterClrMapping/>
+  </p:clrMapOvr>
+</p:sld>
+</file>
+
+<file path=ppt/slides/slide5.xml><?xml version="1.0" encoding="utf-8"?>
+<p:sld xmlns:a="http://schemas.openxmlformats.org/drawingml/2006/main" xmlns:r="http://schemas.openxmlformats.org/officeDocument/2006/relationships" xmlns:p="http://schemas.openxmlformats.org/presentationml/2006/main">
+  <p:cSld>
+    <p:spTree>
+      <p:nvGrpSpPr>
+        <p:cNvPr id="1" name=""/>
+        <p:cNvGrpSpPr/>
+        <p:nvPr/>
+      </p:nvGrpSpPr>
+      <p:grpSpPr>
+        <a:xfrm>
+          <a:off x="0" y="0"/>
+          <a:ext cx="0" cy="0"/>
+          <a:chOff x="0" y="0"/>
+          <a:chExt cx="0" cy="0"/>
+        </a:xfrm>
+      </p:grpSpPr>
+      <p:sp>
+        <p:nvSpPr>
+          <p:cNvPr id="4" name="Oval 3"/>
+          <p:cNvSpPr/>
+          <p:nvPr/>
+        </p:nvSpPr>
+        <p:spPr>
+          <a:xfrm rot="20239385">
+            <a:off x="1398243" y="1797174"/>
+            <a:ext cx="6865129" cy="3230992"/>
+          </a:xfrm>
+          <a:prstGeom prst="ellipse">
+            <a:avLst/>
+          </a:prstGeom>
+        </p:spPr>
+        <p:style>
+          <a:lnRef idx="2">
+            <a:schemeClr val="dk1"/>
+          </a:lnRef>
+          <a:fillRef idx="1">
+            <a:schemeClr val="lt1"/>
+          </a:fillRef>
+          <a:effectRef idx="0">
+            <a:schemeClr val="dk1"/>
+          </a:effectRef>
+          <a:fontRef idx="minor">
+            <a:schemeClr val="dk1"/>
+          </a:fontRef>
+        </p:style>
+        <p:txBody>
+          <a:bodyPr rtlCol="0" anchor="ctr"/>
+          <a:lstStyle/>
+          <a:p>
+            <a:pPr algn="ctr"/>
+            <a:endParaRPr lang="en-US"/>
+          </a:p>
+        </p:txBody>
+      </p:sp>
+      <p:sp>
+        <p:nvSpPr>
+          <p:cNvPr id="5" name="Oval 4"/>
+          <p:cNvSpPr/>
+          <p:nvPr/>
+        </p:nvSpPr>
+        <p:spPr>
+          <a:xfrm rot="20239385">
+            <a:off x="1895451" y="2067614"/>
+            <a:ext cx="5883008" cy="2680750"/>
+          </a:xfrm>
+          <a:prstGeom prst="ellipse">
+            <a:avLst/>
+          </a:prstGeom>
+        </p:spPr>
+        <p:style>
+          <a:lnRef idx="2">
+            <a:schemeClr val="dk1"/>
+          </a:lnRef>
+          <a:fillRef idx="1">
+            <a:schemeClr val="lt1"/>
+          </a:fillRef>
+          <a:effectRef idx="0">
+            <a:schemeClr val="dk1"/>
+          </a:effectRef>
+          <a:fontRef idx="minor">
+            <a:schemeClr val="dk1"/>
+          </a:fontRef>
+        </p:style>
+        <p:txBody>
+          <a:bodyPr rtlCol="0" anchor="ctr"/>
+          <a:lstStyle/>
+          <a:p>
+            <a:pPr algn="ctr"/>
+            <a:endParaRPr lang="en-US"/>
+          </a:p>
+        </p:txBody>
+      </p:sp>
+      <p:sp>
+        <p:nvSpPr>
+          <p:cNvPr id="6" name="Oval 5"/>
+          <p:cNvSpPr/>
+          <p:nvPr/>
+        </p:nvSpPr>
+        <p:spPr>
+          <a:xfrm rot="20239385">
+            <a:off x="2314054" y="2397570"/>
+            <a:ext cx="5086143" cy="2061197"/>
+          </a:xfrm>
+          <a:prstGeom prst="ellipse">
+            <a:avLst/>
+          </a:prstGeom>
+        </p:spPr>
+        <p:style>
+          <a:lnRef idx="2">
+            <a:schemeClr val="dk1"/>
+          </a:lnRef>
+          <a:fillRef idx="1">
+            <a:schemeClr val="lt1"/>
+          </a:fillRef>
+          <a:effectRef idx="0">
+            <a:schemeClr val="dk1"/>
+          </a:effectRef>
+          <a:fontRef idx="minor">
+            <a:schemeClr val="dk1"/>
+          </a:fontRef>
+        </p:style>
+        <p:txBody>
+          <a:bodyPr rtlCol="0" anchor="ctr"/>
+          <a:lstStyle/>
+          <a:p>
+            <a:pPr algn="ctr"/>
+            <a:endParaRPr lang="en-US"/>
+          </a:p>
+        </p:txBody>
+      </p:sp>
+      <p:sp>
+        <p:nvSpPr>
+          <p:cNvPr id="7" name="Oval 6"/>
+          <p:cNvSpPr/>
+          <p:nvPr/>
+        </p:nvSpPr>
+        <p:spPr>
+          <a:xfrm rot="20239385">
+            <a:off x="2821495" y="2649101"/>
+            <a:ext cx="4145962" cy="1614159"/>
+          </a:xfrm>
+          <a:prstGeom prst="ellipse">
+            <a:avLst/>
+          </a:prstGeom>
+        </p:spPr>
+        <p:style>
+          <a:lnRef idx="2">
+            <a:schemeClr val="dk1"/>
+          </a:lnRef>
+          <a:fillRef idx="1">
+            <a:schemeClr val="lt1"/>
+          </a:fillRef>
+          <a:effectRef idx="0">
+            <a:schemeClr val="dk1"/>
+          </a:effectRef>
+          <a:fontRef idx="minor">
+            <a:schemeClr val="dk1"/>
+          </a:fontRef>
+        </p:style>
+        <p:txBody>
+          <a:bodyPr rtlCol="0" anchor="ctr"/>
+          <a:lstStyle/>
+          <a:p>
+            <a:pPr algn="ctr"/>
+            <a:endParaRPr lang="en-US"/>
+          </a:p>
+        </p:txBody>
+      </p:sp>
+      <p:sp>
+        <p:nvSpPr>
+          <p:cNvPr id="8" name="Oval 7"/>
+          <p:cNvSpPr/>
+          <p:nvPr/>
+        </p:nvSpPr>
+        <p:spPr>
+          <a:xfrm rot="20239385">
+            <a:off x="3254329" y="2933518"/>
+            <a:ext cx="3264596" cy="1067007"/>
+          </a:xfrm>
+          <a:prstGeom prst="ellipse">
+            <a:avLst/>
+          </a:prstGeom>
+        </p:spPr>
+        <p:style>
+          <a:lnRef idx="2">
+            <a:schemeClr val="dk1"/>
+          </a:lnRef>
+          <a:fillRef idx="1">
+            <a:schemeClr val="lt1"/>
+          </a:fillRef>
+          <a:effectRef idx="0">
+            <a:schemeClr val="dk1"/>
+          </a:effectRef>
+          <a:fontRef idx="minor">
+            <a:schemeClr val="dk1"/>
+          </a:fontRef>
+        </p:style>
+        <p:txBody>
+          <a:bodyPr rtlCol="0" anchor="ctr"/>
+          <a:lstStyle/>
+          <a:p>
+            <a:pPr algn="ctr"/>
+            <a:endParaRPr lang="en-US"/>
+          </a:p>
+        </p:txBody>
+      </p:sp>
+      <p:sp>
+        <p:nvSpPr>
+          <p:cNvPr id="9" name="Oval 8"/>
+          <p:cNvSpPr/>
+          <p:nvPr/>
+        </p:nvSpPr>
+        <p:spPr>
+          <a:xfrm rot="20239385">
+            <a:off x="3771256" y="3171333"/>
+            <a:ext cx="2215056" cy="631732"/>
+          </a:xfrm>
+          <a:prstGeom prst="ellipse">
+            <a:avLst/>
+          </a:prstGeom>
+        </p:spPr>
+        <p:style>
+          <a:lnRef idx="2">
+            <a:schemeClr val="dk1"/>
+          </a:lnRef>
+          <a:fillRef idx="1">
+            <a:schemeClr val="lt1"/>
+          </a:fillRef>
+          <a:effectRef idx="0">
+            <a:schemeClr val="dk1"/>
+          </a:effectRef>
+          <a:fontRef idx="minor">
+            <a:schemeClr val="dk1"/>
+          </a:fontRef>
+        </p:style>
+        <p:txBody>
+          <a:bodyPr rtlCol="0" anchor="ctr"/>
+          <a:lstStyle/>
+          <a:p>
+            <a:pPr algn="ctr"/>
+            <a:endParaRPr lang="en-US"/>
+          </a:p>
+        </p:txBody>
+      </p:sp>
+      <p:cxnSp>
+        <p:nvCxnSpPr>
+          <p:cNvPr id="11" name="Straight Arrow Connector 10"/>
+          <p:cNvCxnSpPr/>
+          <p:nvPr/>
+        </p:nvCxnSpPr>
+        <p:spPr>
+          <a:xfrm flipH="1" flipV="1">
+            <a:off x="3174831" y="4827447"/>
+            <a:ext cx="2" cy="582117"/>
+          </a:xfrm>
+          <a:prstGeom prst="straightConnector1">
+            <a:avLst/>
+          </a:prstGeom>
+          <a:ln>
+            <a:solidFill>
+              <a:srgbClr val="FF0000"/>
+            </a:solidFill>
+            <a:tailEnd type="arrow"/>
+          </a:ln>
+        </p:spPr>
+        <p:style>
+          <a:lnRef idx="1">
+            <a:schemeClr val="dk1"/>
+          </a:lnRef>
+          <a:fillRef idx="0">
+            <a:schemeClr val="dk1"/>
+          </a:fillRef>
+          <a:effectRef idx="0">
+            <a:schemeClr val="dk1"/>
+          </a:effectRef>
+          <a:fontRef idx="minor">
+            <a:schemeClr val="tx1"/>
+          </a:fontRef>
+        </p:style>
+      </p:cxnSp>
+      <p:cxnSp>
+        <p:nvCxnSpPr>
+          <p:cNvPr id="30" name="Straight Arrow Connector 29"/>
+          <p:cNvCxnSpPr/>
+          <p:nvPr/>
+        </p:nvCxnSpPr>
+        <p:spPr>
+          <a:xfrm flipV="1">
+            <a:off x="3174835" y="4455082"/>
+            <a:ext cx="46739" cy="372366"/>
+          </a:xfrm>
+          <a:prstGeom prst="straightConnector1">
+            <a:avLst/>
+          </a:prstGeom>
+          <a:ln>
+            <a:solidFill>
+              <a:srgbClr val="FF0000"/>
+            </a:solidFill>
+            <a:tailEnd type="arrow"/>
+          </a:ln>
+        </p:spPr>
+        <p:style>
+          <a:lnRef idx="1">
+            <a:schemeClr val="dk1"/>
+          </a:lnRef>
+          <a:fillRef idx="0">
+            <a:schemeClr val="dk1"/>
+          </a:fillRef>
+          <a:effectRef idx="0">
+            <a:schemeClr val="dk1"/>
+          </a:effectRef>
+          <a:fontRef idx="minor">
+            <a:schemeClr val="tx1"/>
+          </a:fontRef>
+        </p:style>
+      </p:cxnSp>
+      <p:cxnSp>
+        <p:nvCxnSpPr>
+          <p:cNvPr id="32" name="Straight Arrow Connector 31"/>
+          <p:cNvCxnSpPr/>
+          <p:nvPr/>
+        </p:nvCxnSpPr>
+        <p:spPr>
+          <a:xfrm flipV="1">
+            <a:off x="3221574" y="4248951"/>
+            <a:ext cx="113037" cy="206131"/>
+          </a:xfrm>
+          <a:prstGeom prst="straightConnector1">
+            <a:avLst/>
+          </a:prstGeom>
+          <a:ln>
+            <a:solidFill>
+              <a:srgbClr val="FF0000"/>
+            </a:solidFill>
+            <a:tailEnd type="arrow"/>
+          </a:ln>
+        </p:spPr>
+        <p:style>
+          <a:lnRef idx="1">
+            <a:schemeClr val="dk1"/>
+          </a:lnRef>
+          <a:fillRef idx="0">
+            <a:schemeClr val="dk1"/>
+          </a:fillRef>
+          <a:effectRef idx="0">
+            <a:schemeClr val="dk1"/>
+          </a:effectRef>
+          <a:fontRef idx="minor">
+            <a:schemeClr val="tx1"/>
+          </a:fontRef>
+        </p:style>
+      </p:cxnSp>
+      <p:cxnSp>
+        <p:nvCxnSpPr>
+          <p:cNvPr id="34" name="Straight Arrow Connector 33"/>
+          <p:cNvCxnSpPr/>
+          <p:nvPr/>
+        </p:nvCxnSpPr>
+        <p:spPr>
+          <a:xfrm flipV="1">
+            <a:off x="3337936" y="4159185"/>
+            <a:ext cx="118872" cy="93092"/>
+          </a:xfrm>
+          <a:prstGeom prst="straightConnector1">
+            <a:avLst/>
+          </a:prstGeom>
+          <a:ln>
+            <a:solidFill>
+              <a:srgbClr val="FF0000"/>
+            </a:solidFill>
+            <a:tailEnd type="arrow"/>
+          </a:ln>
+        </p:spPr>
+        <p:style>
+          <a:lnRef idx="1">
+            <a:schemeClr val="dk1"/>
+          </a:lnRef>
+          <a:fillRef idx="0">
+            <a:schemeClr val="dk1"/>
+          </a:fillRef>
+          <a:effectRef idx="0">
+            <a:schemeClr val="dk1"/>
+          </a:effectRef>
+          <a:fontRef idx="minor">
+            <a:schemeClr val="tx1"/>
+          </a:fontRef>
+        </p:style>
+      </p:cxnSp>
+    </p:spTree>
+    <p:extLst>
+      <p:ext uri="{BB962C8B-B14F-4D97-AF65-F5344CB8AC3E}">
+        <p14:creationId xmlns:p14="http://schemas.microsoft.com/office/powerpoint/2010/main" val="1857380799"/>
+      </p:ext>
+    </p:extLst>
+  </p:cSld>
+  <p:clrMapOvr>
+    <a:masterClrMapping/>
+  </p:clrMapOvr>
+</p:sld>
+</file>
+
+<file path=ppt/slides/slide6.xml><?xml version="1.0" encoding="utf-8"?>
+<p:sld xmlns:a="http://schemas.openxmlformats.org/drawingml/2006/main" xmlns:r="http://schemas.openxmlformats.org/officeDocument/2006/relationships" xmlns:p="http://schemas.openxmlformats.org/presentationml/2006/main">
+  <p:cSld>
+    <p:spTree>
+      <p:nvGrpSpPr>
+        <p:cNvPr id="1" name=""/>
+        <p:cNvGrpSpPr/>
+        <p:nvPr/>
+      </p:nvGrpSpPr>
+      <p:grpSpPr>
+        <a:xfrm>
+          <a:off x="0" y="0"/>
+          <a:ext cx="0" cy="0"/>
+          <a:chOff x="0" y="0"/>
+          <a:chExt cx="0" cy="0"/>
+        </a:xfrm>
+      </p:grpSpPr>
+      <p:sp>
+        <p:nvSpPr>
+          <p:cNvPr id="4" name="Oval 3"/>
+          <p:cNvSpPr/>
+          <p:nvPr/>
+        </p:nvSpPr>
+        <p:spPr>
+          <a:xfrm>
+            <a:off x="1785620" y="5163108"/>
+            <a:ext cx="903111" cy="903111"/>
+          </a:xfrm>
+          <a:prstGeom prst="ellipse">
+            <a:avLst/>
+          </a:prstGeom>
+          <a:noFill/>
+        </p:spPr>
+        <p:style>
+          <a:lnRef idx="2">
+            <a:schemeClr val="dk1"/>
+          </a:lnRef>
+          <a:fillRef idx="1">
+            <a:schemeClr val="lt1"/>
+          </a:fillRef>
+          <a:effectRef idx="0">
+            <a:schemeClr val="dk1"/>
+          </a:effectRef>
+          <a:fontRef idx="minor">
+            <a:schemeClr val="dk1"/>
+          </a:fontRef>
+        </p:style>
+        <p:txBody>
+          <a:bodyPr rtlCol="0" anchor="ctr"/>
+          <a:lstStyle/>
+          <a:p>
+            <a:pPr algn="ctr"/>
+            <a:endParaRPr lang="en-US"/>
+          </a:p>
+        </p:txBody>
+      </p:sp>
+      <p:sp>
+        <p:nvSpPr>
+          <p:cNvPr id="5" name="Oval 4"/>
+          <p:cNvSpPr/>
+          <p:nvPr/>
+        </p:nvSpPr>
+        <p:spPr>
+          <a:xfrm>
+            <a:off x="4181686" y="5163108"/>
+            <a:ext cx="903111" cy="903111"/>
+          </a:xfrm>
+          <a:prstGeom prst="ellipse">
+            <a:avLst/>
+          </a:prstGeom>
+          <a:noFill/>
+        </p:spPr>
+        <p:style>
+          <a:lnRef idx="2">
+            <a:schemeClr val="dk1"/>
+          </a:lnRef>
+          <a:fillRef idx="1">
+            <a:schemeClr val="lt1"/>
+          </a:fillRef>
+          <a:effectRef idx="0">
+            <a:schemeClr val="dk1"/>
+          </a:effectRef>
+          <a:fontRef idx="minor">
+            <a:schemeClr val="dk1"/>
+          </a:fontRef>
+        </p:style>
+        <p:txBody>
+          <a:bodyPr rtlCol="0" anchor="ctr"/>
+          <a:lstStyle/>
+          <a:p>
+            <a:pPr algn="ctr"/>
+            <a:endParaRPr lang="en-US"/>
+          </a:p>
+        </p:txBody>
+      </p:sp>
+      <p:sp>
+        <p:nvSpPr>
+          <p:cNvPr id="6" name="Oval 5"/>
+          <p:cNvSpPr/>
+          <p:nvPr/>
+        </p:nvSpPr>
+        <p:spPr>
+          <a:xfrm>
+            <a:off x="6577752" y="5163108"/>
+            <a:ext cx="903111" cy="903111"/>
+          </a:xfrm>
+          <a:prstGeom prst="ellipse">
+            <a:avLst/>
+          </a:prstGeom>
+          <a:noFill/>
+        </p:spPr>
+        <p:style>
+          <a:lnRef idx="2">
+            <a:schemeClr val="dk1"/>
+          </a:lnRef>
+          <a:fillRef idx="1">
+            <a:schemeClr val="lt1"/>
+          </a:fillRef>
+          <a:effectRef idx="0">
+            <a:schemeClr val="dk1"/>
+          </a:effectRef>
+          <a:fontRef idx="minor">
+            <a:schemeClr val="dk1"/>
+          </a:fontRef>
+        </p:style>
+        <p:txBody>
+          <a:bodyPr rtlCol="0" anchor="ctr"/>
+          <a:lstStyle/>
+          <a:p>
+            <a:pPr algn="ctr"/>
+            <a:endParaRPr lang="en-US"/>
+          </a:p>
+        </p:txBody>
+      </p:sp>
+      <p:sp>
+        <p:nvSpPr>
+          <p:cNvPr id="7" name="Oval 6"/>
+          <p:cNvSpPr/>
+          <p:nvPr/>
+        </p:nvSpPr>
+        <p:spPr>
+          <a:xfrm>
+            <a:off x="1785620" y="3017750"/>
+            <a:ext cx="903111" cy="903111"/>
+          </a:xfrm>
+          <a:prstGeom prst="ellipse">
+            <a:avLst/>
+          </a:prstGeom>
+          <a:noFill/>
+        </p:spPr>
+        <p:style>
+          <a:lnRef idx="2">
+            <a:schemeClr val="dk1"/>
+          </a:lnRef>
+          <a:fillRef idx="1">
+            <a:schemeClr val="lt1"/>
+          </a:fillRef>
+          <a:effectRef idx="0">
+            <a:schemeClr val="dk1"/>
+          </a:effectRef>
+          <a:fontRef idx="minor">
+            <a:schemeClr val="dk1"/>
+          </a:fontRef>
+        </p:style>
+        <p:txBody>
+          <a:bodyPr rtlCol="0" anchor="ctr"/>
+          <a:lstStyle/>
+          <a:p>
+            <a:pPr algn="ctr"/>
+            <a:endParaRPr lang="en-US"/>
+          </a:p>
+        </p:txBody>
+      </p:sp>
+      <p:sp>
+        <p:nvSpPr>
+          <p:cNvPr id="8" name="Oval 7"/>
+          <p:cNvSpPr/>
+          <p:nvPr/>
+        </p:nvSpPr>
+        <p:spPr>
+          <a:xfrm>
+            <a:off x="4181686" y="3017750"/>
+            <a:ext cx="903111" cy="903111"/>
+          </a:xfrm>
+          <a:prstGeom prst="ellipse">
+            <a:avLst/>
+          </a:prstGeom>
+          <a:noFill/>
+        </p:spPr>
+        <p:style>
+          <a:lnRef idx="2">
+            <a:schemeClr val="dk1"/>
+          </a:lnRef>
+          <a:fillRef idx="1">
+            <a:schemeClr val="lt1"/>
+          </a:fillRef>
+          <a:effectRef idx="0">
+            <a:schemeClr val="dk1"/>
+          </a:effectRef>
+          <a:fontRef idx="minor">
+            <a:schemeClr val="dk1"/>
+          </a:fontRef>
+        </p:style>
+        <p:txBody>
+          <a:bodyPr rtlCol="0" anchor="ctr"/>
+          <a:lstStyle/>
+          <a:p>
+            <a:pPr algn="ctr"/>
+            <a:endParaRPr lang="en-US"/>
+          </a:p>
+        </p:txBody>
+      </p:sp>
+      <p:sp>
+        <p:nvSpPr>
+          <p:cNvPr id="9" name="Oval 8"/>
+          <p:cNvSpPr/>
+          <p:nvPr/>
+        </p:nvSpPr>
+        <p:spPr>
+          <a:xfrm>
+            <a:off x="6577752" y="3017750"/>
+            <a:ext cx="903111" cy="903111"/>
+          </a:xfrm>
+          <a:prstGeom prst="ellipse">
+            <a:avLst/>
+          </a:prstGeom>
+          <a:noFill/>
+        </p:spPr>
+        <p:style>
+          <a:lnRef idx="2">
+            <a:schemeClr val="dk1"/>
+          </a:lnRef>
+          <a:fillRef idx="1">
+            <a:schemeClr val="lt1"/>
+          </a:fillRef>
+          <a:effectRef idx="0">
+            <a:schemeClr val="dk1"/>
+          </a:effectRef>
+          <a:fontRef idx="minor">
+            <a:schemeClr val="dk1"/>
+          </a:fontRef>
+        </p:style>
+        <p:txBody>
+          <a:bodyPr rtlCol="0" anchor="ctr"/>
+          <a:lstStyle/>
+          <a:p>
+            <a:pPr algn="ctr"/>
+            <a:endParaRPr lang="en-US"/>
+          </a:p>
+        </p:txBody>
+      </p:sp>
+      <p:sp>
+        <p:nvSpPr>
+          <p:cNvPr id="13" name="Oval 12"/>
+          <p:cNvSpPr/>
+          <p:nvPr/>
+        </p:nvSpPr>
+        <p:spPr>
+          <a:xfrm>
+            <a:off x="1785620" y="874188"/>
+            <a:ext cx="903111" cy="903111"/>
+          </a:xfrm>
+          <a:prstGeom prst="ellipse">
+            <a:avLst/>
+          </a:prstGeom>
+          <a:noFill/>
+        </p:spPr>
+        <p:style>
+          <a:lnRef idx="2">
+            <a:schemeClr val="dk1"/>
+          </a:lnRef>
+          <a:fillRef idx="1">
+            <a:schemeClr val="lt1"/>
+          </a:fillRef>
+          <a:effectRef idx="0">
+            <a:schemeClr val="dk1"/>
+          </a:effectRef>
+          <a:fontRef idx="minor">
+            <a:schemeClr val="dk1"/>
+          </a:fontRef>
+        </p:style>
+        <p:txBody>
+          <a:bodyPr rtlCol="0" anchor="ctr"/>
+          <a:lstStyle/>
+          <a:p>
+            <a:pPr algn="ctr"/>
+            <a:endParaRPr lang="en-US"/>
+          </a:p>
+        </p:txBody>
+      </p:sp>
+      <p:sp>
+        <p:nvSpPr>
+          <p:cNvPr id="14" name="Oval 13"/>
+          <p:cNvSpPr/>
+          <p:nvPr/>
+        </p:nvSpPr>
+        <p:spPr>
+          <a:xfrm>
+            <a:off x="4181686" y="874188"/>
+            <a:ext cx="903111" cy="903111"/>
+          </a:xfrm>
+          <a:prstGeom prst="ellipse">
+            <a:avLst/>
+          </a:prstGeom>
+          <a:noFill/>
+        </p:spPr>
+        <p:style>
+          <a:lnRef idx="2">
+            <a:schemeClr val="dk1"/>
+          </a:lnRef>
+          <a:fillRef idx="1">
+            <a:schemeClr val="lt1"/>
+          </a:fillRef>
+          <a:effectRef idx="0">
+            <a:schemeClr val="dk1"/>
+          </a:effectRef>
+          <a:fontRef idx="minor">
+            <a:schemeClr val="dk1"/>
+          </a:fontRef>
+        </p:style>
+        <p:txBody>
+          <a:bodyPr rtlCol="0" anchor="ctr"/>
+          <a:lstStyle/>
+          <a:p>
+            <a:pPr algn="ctr"/>
+            <a:endParaRPr lang="en-US"/>
+          </a:p>
+        </p:txBody>
+      </p:sp>
+      <p:sp>
+        <p:nvSpPr>
+          <p:cNvPr id="15" name="Oval 14"/>
+          <p:cNvSpPr/>
+          <p:nvPr/>
+        </p:nvSpPr>
+        <p:spPr>
+          <a:xfrm>
+            <a:off x="6577752" y="874188"/>
+            <a:ext cx="903111" cy="903111"/>
+          </a:xfrm>
+          <a:prstGeom prst="ellipse">
+            <a:avLst/>
+          </a:prstGeom>
+          <a:noFill/>
+        </p:spPr>
+        <p:style>
+          <a:lnRef idx="2">
+            <a:schemeClr val="dk1"/>
+          </a:lnRef>
+          <a:fillRef idx="1">
+            <a:schemeClr val="lt1"/>
+          </a:fillRef>
+          <a:effectRef idx="0">
+            <a:schemeClr val="dk1"/>
+          </a:effectRef>
+          <a:fontRef idx="minor">
+            <a:schemeClr val="dk1"/>
+          </a:fontRef>
+        </p:style>
+        <p:txBody>
+          <a:bodyPr rtlCol="0" anchor="ctr"/>
+          <a:lstStyle/>
+          <a:p>
+            <a:pPr algn="ctr"/>
+            <a:endParaRPr lang="en-US"/>
+          </a:p>
+        </p:txBody>
+      </p:sp>
+      <p:cxnSp>
+        <p:nvCxnSpPr>
+          <p:cNvPr id="16" name="Straight Arrow Connector 15"/>
+          <p:cNvCxnSpPr>
+            <a:stCxn id="4" idx="7"/>
+            <a:endCxn id="8" idx="3"/>
+          </p:cNvCxnSpPr>
+          <p:nvPr/>
+        </p:nvCxnSpPr>
+        <p:spPr>
+          <a:xfrm flipV="1">
+            <a:off x="2556473" y="3788603"/>
+            <a:ext cx="1757471" cy="1506763"/>
+          </a:xfrm>
+          <a:prstGeom prst="straightConnector1">
+            <a:avLst/>
+          </a:prstGeom>
+          <a:ln>
+            <a:tailEnd type="arrow"/>
+          </a:ln>
+        </p:spPr>
+        <p:style>
+          <a:lnRef idx="1">
+            <a:schemeClr val="dk1"/>
+          </a:lnRef>
+          <a:fillRef idx="0">
+            <a:schemeClr val="dk1"/>
+          </a:fillRef>
+          <a:effectRef idx="0">
+            <a:schemeClr val="dk1"/>
+          </a:effectRef>
+          <a:fontRef idx="minor">
+            <a:schemeClr val="tx1"/>
+          </a:fontRef>
+        </p:style>
+      </p:cxnSp>
+      <p:cxnSp>
+        <p:nvCxnSpPr>
+          <p:cNvPr id="19" name="Straight Arrow Connector 18"/>
+          <p:cNvCxnSpPr>
+            <a:stCxn id="8" idx="7"/>
+            <a:endCxn id="15" idx="3"/>
+          </p:cNvCxnSpPr>
+          <p:nvPr/>
+        </p:nvCxnSpPr>
+        <p:spPr>
+          <a:xfrm flipV="1">
+            <a:off x="4952539" y="1645041"/>
+            <a:ext cx="1757471" cy="1504967"/>
+          </a:xfrm>
+          <a:prstGeom prst="straightConnector1">
+            <a:avLst/>
+          </a:prstGeom>
+          <a:ln>
+            <a:tailEnd type="arrow"/>
+          </a:ln>
+        </p:spPr>
+        <p:style>
+          <a:lnRef idx="1">
+            <a:schemeClr val="dk1"/>
+          </a:lnRef>
+          <a:fillRef idx="0">
+            <a:schemeClr val="dk1"/>
+          </a:fillRef>
+          <a:effectRef idx="0">
+            <a:schemeClr val="dk1"/>
+          </a:effectRef>
+          <a:fontRef idx="minor">
+            <a:schemeClr val="tx1"/>
+          </a:fontRef>
+        </p:style>
+      </p:cxnSp>
+      <p:cxnSp>
+        <p:nvCxnSpPr>
+          <p:cNvPr id="22" name="Straight Arrow Connector 21"/>
+          <p:cNvCxnSpPr>
+            <a:stCxn id="8" idx="0"/>
+            <a:endCxn id="14" idx="4"/>
+          </p:cNvCxnSpPr>
+          <p:nvPr/>
+        </p:nvCxnSpPr>
+        <p:spPr>
+          <a:xfrm flipV="1">
+            <a:off x="4633242" y="1777299"/>
+            <a:ext cx="0" cy="1240451"/>
+          </a:xfrm>
+          <a:prstGeom prst="straightConnector1">
+            <a:avLst/>
+          </a:prstGeom>
+          <a:ln>
+            <a:tailEnd type="arrow"/>
+          </a:ln>
+        </p:spPr>
+        <p:style>
+          <a:lnRef idx="1">
+            <a:schemeClr val="dk1"/>
+          </a:lnRef>
+          <a:fillRef idx="0">
+            <a:schemeClr val="dk1"/>
+          </a:fillRef>
+          <a:effectRef idx="0">
+            <a:schemeClr val="dk1"/>
+          </a:effectRef>
+          <a:fontRef idx="minor">
+            <a:schemeClr val="tx1"/>
+          </a:fontRef>
+        </p:style>
+      </p:cxnSp>
+      <p:cxnSp>
+        <p:nvCxnSpPr>
+          <p:cNvPr id="25" name="Straight Arrow Connector 24"/>
+          <p:cNvCxnSpPr>
+            <a:stCxn id="8" idx="1"/>
+            <a:endCxn id="13" idx="5"/>
+          </p:cNvCxnSpPr>
+          <p:nvPr/>
+        </p:nvCxnSpPr>
+        <p:spPr>
+          <a:xfrm flipH="1" flipV="1">
+            <a:off x="2556473" y="1645041"/>
+            <a:ext cx="1757471" cy="1504967"/>
+          </a:xfrm>
+          <a:prstGeom prst="straightConnector1">
+            <a:avLst/>
+          </a:prstGeom>
+          <a:ln>
+            <a:tailEnd type="arrow"/>
+          </a:ln>
+        </p:spPr>
+        <p:style>
+          <a:lnRef idx="1">
+            <a:schemeClr val="dk1"/>
+          </a:lnRef>
+          <a:fillRef idx="0">
+            <a:schemeClr val="dk1"/>
+          </a:fillRef>
+          <a:effectRef idx="0">
+            <a:schemeClr val="dk1"/>
+          </a:effectRef>
+          <a:fontRef idx="minor">
+            <a:schemeClr val="tx1"/>
+          </a:fontRef>
+        </p:style>
+      </p:cxnSp>
+      <p:cxnSp>
+        <p:nvCxnSpPr>
+          <p:cNvPr id="28" name="Straight Arrow Connector 27"/>
+          <p:cNvCxnSpPr>
+            <a:stCxn id="6" idx="1"/>
+            <a:endCxn id="8" idx="5"/>
+          </p:cNvCxnSpPr>
+          <p:nvPr/>
+        </p:nvCxnSpPr>
+        <p:spPr>
+          <a:xfrm flipH="1" flipV="1">
+            <a:off x="4952539" y="3788603"/>
+            <a:ext cx="1757471" cy="1506763"/>
+          </a:xfrm>
+          <a:prstGeom prst="straightConnector1">
+            <a:avLst/>
+          </a:prstGeom>
+          <a:ln>
+            <a:tailEnd type="arrow"/>
+          </a:ln>
+        </p:spPr>
+        <p:style>
+          <a:lnRef idx="1">
+            <a:schemeClr val="dk1"/>
+          </a:lnRef>
+          <a:fillRef idx="0">
+            <a:schemeClr val="dk1"/>
+          </a:fillRef>
+          <a:effectRef idx="0">
+            <a:schemeClr val="dk1"/>
+          </a:effectRef>
+          <a:fontRef idx="minor">
+            <a:schemeClr val="tx1"/>
+          </a:fontRef>
+        </p:style>
+      </p:cxnSp>
+      <p:cxnSp>
+        <p:nvCxnSpPr>
+          <p:cNvPr id="31" name="Straight Arrow Connector 30"/>
+          <p:cNvCxnSpPr>
+            <a:stCxn id="5" idx="0"/>
+            <a:endCxn id="8" idx="4"/>
+          </p:cNvCxnSpPr>
+          <p:nvPr/>
+        </p:nvCxnSpPr>
+        <p:spPr>
+          <a:xfrm flipV="1">
+            <a:off x="4633242" y="3920861"/>
+            <a:ext cx="0" cy="1242247"/>
+          </a:xfrm>
+          <a:prstGeom prst="straightConnector1">
+            <a:avLst/>
+          </a:prstGeom>
+          <a:ln>
+            <a:tailEnd type="arrow"/>
+          </a:ln>
+        </p:spPr>
+        <p:style>
+          <a:lnRef idx="1">
+            <a:schemeClr val="dk1"/>
+          </a:lnRef>
+          <a:fillRef idx="0">
+            <a:schemeClr val="dk1"/>
+          </a:fillRef>
+          <a:effectRef idx="0">
+            <a:schemeClr val="dk1"/>
+          </a:effectRef>
+          <a:fontRef idx="minor">
+            <a:schemeClr val="tx1"/>
+          </a:fontRef>
+        </p:style>
+      </p:cxnSp>
+      <p:cxnSp>
+        <p:nvCxnSpPr>
+          <p:cNvPr id="34" name="Straight Arrow Connector 33"/>
+          <p:cNvCxnSpPr>
+            <a:stCxn id="7" idx="7"/>
+            <a:endCxn id="14" idx="3"/>
+          </p:cNvCxnSpPr>
+          <p:nvPr/>
+        </p:nvCxnSpPr>
+        <p:spPr>
+          <a:xfrm flipV="1">
+            <a:off x="2556473" y="1645041"/>
+            <a:ext cx="1757471" cy="1504967"/>
+          </a:xfrm>
+          <a:prstGeom prst="straightConnector1">
+            <a:avLst/>
+          </a:prstGeom>
+          <a:ln>
+            <a:tailEnd type="arrow"/>
+          </a:ln>
+        </p:spPr>
+        <p:style>
+          <a:lnRef idx="1">
+            <a:schemeClr val="dk1"/>
+          </a:lnRef>
+          <a:fillRef idx="0">
+            <a:schemeClr val="dk1"/>
+          </a:fillRef>
+          <a:effectRef idx="0">
+            <a:schemeClr val="dk1"/>
+          </a:effectRef>
+          <a:fontRef idx="minor">
+            <a:schemeClr val="tx1"/>
+          </a:fontRef>
+        </p:style>
+      </p:cxnSp>
+      <p:cxnSp>
+        <p:nvCxnSpPr>
+          <p:cNvPr id="38" name="Straight Arrow Connector 37"/>
+          <p:cNvCxnSpPr>
+            <a:stCxn id="9" idx="1"/>
+            <a:endCxn id="14" idx="5"/>
+          </p:cNvCxnSpPr>
+          <p:nvPr/>
+        </p:nvCxnSpPr>
+        <p:spPr>
+          <a:xfrm flipH="1" flipV="1">
+            <a:off x="4952539" y="1645041"/>
+            <a:ext cx="1757471" cy="1504967"/>
+          </a:xfrm>
+          <a:prstGeom prst="straightConnector1">
+            <a:avLst/>
+          </a:prstGeom>
+          <a:ln>
+            <a:tailEnd type="arrow"/>
+          </a:ln>
+        </p:spPr>
+        <p:style>
+          <a:lnRef idx="1">
+            <a:schemeClr val="dk1"/>
+          </a:lnRef>
+          <a:fillRef idx="0">
+            <a:schemeClr val="dk1"/>
+          </a:fillRef>
+          <a:effectRef idx="0">
+            <a:schemeClr val="dk1"/>
+          </a:effectRef>
+          <a:fontRef idx="minor">
+            <a:schemeClr val="tx1"/>
+          </a:fontRef>
+        </p:style>
+      </p:cxnSp>
+      <p:graphicFrame>
+        <p:nvGraphicFramePr>
+          <p:cNvPr id="41" name="Object 40"/>
+          <p:cNvGraphicFramePr>
+            <a:graphicFrameLocks noChangeAspect="1"/>
+          </p:cNvGraphicFramePr>
+          <p:nvPr>
+            <p:extLst>
+              <p:ext uri="{D42A27DB-BD31-4B8C-83A1-F6EECF244321}">
+                <p14:modId xmlns:p14="http://schemas.microsoft.com/office/powerpoint/2010/main" val="243965469"/>
+              </p:ext>
+            </p:extLst>
+          </p:nvPr>
+        </p:nvGraphicFramePr>
+        <p:xfrm>
+          <a:off x="4551007" y="3250120"/>
+          <a:ext cx="279400" cy="457200"/>
+        </p:xfrm>
+        <a:graphic>
+          <a:graphicData uri="http://schemas.openxmlformats.org/presentationml/2006/ole">
+            <mc:AlternateContent xmlns:mc="http://schemas.openxmlformats.org/markup-compatibility/2006">
+              <mc:Choice xmlns:v="urn:schemas-microsoft-com:vml" Requires="v">
+                <p:oleObj spid="_x0000_s6150" name="Equation" r:id="rId3" imgW="139700" imgH="228600" progId="Equation.3">
+                  <p:embed/>
+                </p:oleObj>
+              </mc:Choice>
+              <mc:Fallback>
+                <p:oleObj name="Equation" r:id="rId3" imgW="139700" imgH="228600" progId="Equation.3">
+                  <p:embed/>
+                  <p:pic>
+                    <p:nvPicPr>
+                      <p:cNvPr id="0" name=""/>
+                      <p:cNvPicPr/>
+                      <p:nvPr/>
+                    </p:nvPicPr>
+                    <p:blipFill>
+                      <a:blip r:embed="rId4">
+                        <a:alphaModFix/>
+                      </a:blip>
+                      <a:stretch>
+                        <a:fillRect/>
+                      </a:stretch>
+                    </p:blipFill>
+                    <p:spPr>
+                      <a:xfrm>
+                        <a:off x="4551007" y="3250120"/>
+                        <a:ext cx="279400" cy="457200"/>
+                      </a:xfrm>
+                      <a:prstGeom prst="rect">
+                        <a:avLst/>
+                      </a:prstGeom>
+                    </p:spPr>
+                  </p:pic>
+                </p:oleObj>
+              </mc:Fallback>
+            </mc:AlternateContent>
+          </a:graphicData>
+        </a:graphic>
+      </p:graphicFrame>
+      <p:graphicFrame>
+        <p:nvGraphicFramePr>
+          <p:cNvPr id="42" name="Object 41"/>
+          <p:cNvGraphicFramePr>
+            <a:graphicFrameLocks noChangeAspect="1"/>
+          </p:cNvGraphicFramePr>
+          <p:nvPr>
+            <p:extLst>
+              <p:ext uri="{D42A27DB-BD31-4B8C-83A1-F6EECF244321}">
+                <p14:modId xmlns:p14="http://schemas.microsoft.com/office/powerpoint/2010/main" val="845483840"/>
+              </p:ext>
+            </p:extLst>
+          </p:nvPr>
+        </p:nvGraphicFramePr>
+        <p:xfrm>
+          <a:off x="4509129" y="1095323"/>
+          <a:ext cx="330200" cy="457200"/>
+        </p:xfrm>
+        <a:graphic>
+          <a:graphicData uri="http://schemas.openxmlformats.org/presentationml/2006/ole">
+            <mc:AlternateContent xmlns:mc="http://schemas.openxmlformats.org/markup-compatibility/2006">
+              <mc:Choice xmlns:v="urn:schemas-microsoft-com:vml" Requires="v">
+                <p:oleObj spid="_x0000_s6151" name="Equation" r:id="rId5" imgW="165100" imgH="228600" progId="Equation.3">
+                  <p:embed/>
+                </p:oleObj>
+              </mc:Choice>
+              <mc:Fallback>
+                <p:oleObj name="Equation" r:id="rId5" imgW="165100" imgH="228600" progId="Equation.3">
+                  <p:embed/>
+                  <p:pic>
+                    <p:nvPicPr>
+                      <p:cNvPr id="0" name=""/>
+                      <p:cNvPicPr/>
+                      <p:nvPr/>
+                    </p:nvPicPr>
+                    <p:blipFill>
+                      <a:blip r:embed="rId6">
+                        <a:alphaModFix/>
+                      </a:blip>
+                      <a:stretch>
+                        <a:fillRect/>
+                      </a:stretch>
+                    </p:blipFill>
+                    <p:spPr>
+                      <a:xfrm>
+                        <a:off x="4509129" y="1095323"/>
+                        <a:ext cx="330200" cy="457200"/>
+                      </a:xfrm>
+                      <a:prstGeom prst="rect">
+                        <a:avLst/>
+                      </a:prstGeom>
+                    </p:spPr>
+                  </p:pic>
+                </p:oleObj>
+              </mc:Fallback>
+            </mc:AlternateContent>
+          </a:graphicData>
+        </a:graphic>
+      </p:graphicFrame>
+      <p:cxnSp>
+        <p:nvCxnSpPr>
+          <p:cNvPr id="43" name="Straight Arrow Connector 42"/>
+          <p:cNvCxnSpPr>
+            <a:stCxn id="14" idx="0"/>
+          </p:cNvCxnSpPr>
+          <p:nvPr/>
+        </p:nvCxnSpPr>
+        <p:spPr>
+          <a:xfrm flipV="1">
+            <a:off x="4633242" y="322492"/>
+            <a:ext cx="0" cy="551696"/>
+          </a:xfrm>
+          <a:prstGeom prst="straightConnector1">
+            <a:avLst/>
+          </a:prstGeom>
+          <a:ln>
+            <a:tailEnd type="arrow"/>
+          </a:ln>
+        </p:spPr>
+        <p:style>
+          <a:lnRef idx="1">
+            <a:schemeClr val="dk1"/>
+          </a:lnRef>
+          <a:fillRef idx="0">
+            <a:schemeClr val="dk1"/>
+          </a:fillRef>
+          <a:effectRef idx="0">
+            <a:schemeClr val="dk1"/>
+          </a:effectRef>
+          <a:fontRef idx="minor">
+            <a:schemeClr val="tx1"/>
+          </a:fontRef>
+        </p:style>
+      </p:cxnSp>
+      <p:graphicFrame>
+        <p:nvGraphicFramePr>
+          <p:cNvPr id="46" name="Object 45"/>
+          <p:cNvGraphicFramePr>
+            <a:graphicFrameLocks noChangeAspect="1"/>
+          </p:cNvGraphicFramePr>
+          <p:nvPr>
+            <p:extLst>
+              <p:ext uri="{D42A27DB-BD31-4B8C-83A1-F6EECF244321}">
+                <p14:modId xmlns:p14="http://schemas.microsoft.com/office/powerpoint/2010/main" val="3329699391"/>
+              </p:ext>
+            </p:extLst>
+          </p:nvPr>
+        </p:nvGraphicFramePr>
+        <p:xfrm>
+          <a:off x="4344029" y="2535150"/>
+          <a:ext cx="330200" cy="482600"/>
+        </p:xfrm>
+        <a:graphic>
+          <a:graphicData uri="http://schemas.openxmlformats.org/presentationml/2006/ole">
+            <mc:AlternateContent xmlns:mc="http://schemas.openxmlformats.org/markup-compatibility/2006">
+              <mc:Choice xmlns:v="urn:schemas-microsoft-com:vml" Requires="v">
+                <p:oleObj spid="_x0000_s6152" name="Equation" r:id="rId7" imgW="165100" imgH="241300" progId="Equation.3">
+                  <p:embed/>
+                </p:oleObj>
+              </mc:Choice>
+              <mc:Fallback>
+                <p:oleObj name="Equation" r:id="rId7" imgW="165100" imgH="241300" progId="Equation.3">
+                  <p:embed/>
+                  <p:pic>
+                    <p:nvPicPr>
+                      <p:cNvPr id="0" name=""/>
+                      <p:cNvPicPr/>
+                      <p:nvPr/>
+                    </p:nvPicPr>
+                    <p:blipFill>
+                      <a:blip r:embed="rId8">
+                        <a:alphaModFix/>
+                      </a:blip>
+                      <a:stretch>
+                        <a:fillRect/>
+                      </a:stretch>
+                    </p:blipFill>
+                    <p:spPr>
+                      <a:xfrm>
+                        <a:off x="4344029" y="2535150"/>
+                        <a:ext cx="330200" cy="482600"/>
+                      </a:xfrm>
+                      <a:prstGeom prst="rect">
+                        <a:avLst/>
+                      </a:prstGeom>
+                    </p:spPr>
+                  </p:pic>
+                </p:oleObj>
+              </mc:Fallback>
+            </mc:AlternateContent>
+          </a:graphicData>
+        </a:graphic>
+      </p:graphicFrame>
+      <p:graphicFrame>
+        <p:nvGraphicFramePr>
+          <p:cNvPr id="47" name="Object 46"/>
+          <p:cNvGraphicFramePr>
+            <a:graphicFrameLocks noChangeAspect="1"/>
+          </p:cNvGraphicFramePr>
+          <p:nvPr>
+            <p:extLst>
+              <p:ext uri="{D42A27DB-BD31-4B8C-83A1-F6EECF244321}">
+                <p14:modId xmlns:p14="http://schemas.microsoft.com/office/powerpoint/2010/main" val="3947918767"/>
+              </p:ext>
+            </p:extLst>
+          </p:nvPr>
+        </p:nvGraphicFramePr>
+        <p:xfrm>
+          <a:off x="4733925" y="1646238"/>
+          <a:ext cx="330200" cy="508000"/>
+        </p:xfrm>
+        <a:graphic>
+          <a:graphicData uri="http://schemas.openxmlformats.org/presentationml/2006/ole">
+            <mc:AlternateContent xmlns:mc="http://schemas.openxmlformats.org/markup-compatibility/2006">
+              <mc:Choice xmlns:v="urn:schemas-microsoft-com:vml" Requires="v">
+                <p:oleObj spid="_x0000_s6153" name="Equation" r:id="rId9" imgW="165100" imgH="254000" progId="Equation.3">
+                  <p:embed/>
+                </p:oleObj>
+              </mc:Choice>
+              <mc:Fallback>
+                <p:oleObj name="Equation" r:id="rId9" imgW="165100" imgH="254000" progId="Equation.3">
+                  <p:embed/>
+                  <p:pic>
+                    <p:nvPicPr>
+                      <p:cNvPr id="0" name=""/>
+                      <p:cNvPicPr/>
+                      <p:nvPr/>
+                    </p:nvPicPr>
+                    <p:blipFill>
+                      <a:blip r:embed="rId10">
+                        <a:alphaModFix/>
+                      </a:blip>
+                      <a:stretch>
+                        <a:fillRect/>
+                      </a:stretch>
+                    </p:blipFill>
+                    <p:spPr>
+                      <a:xfrm>
+                        <a:off x="4733925" y="1646238"/>
+                        <a:ext cx="330200" cy="508000"/>
+                      </a:xfrm>
+                      <a:prstGeom prst="rect">
+                        <a:avLst/>
+                      </a:prstGeom>
+                    </p:spPr>
+                  </p:pic>
+                </p:oleObj>
+              </mc:Fallback>
+            </mc:AlternateContent>
+          </a:graphicData>
+        </a:graphic>
+      </p:graphicFrame>
+      <p:graphicFrame>
+        <p:nvGraphicFramePr>
+          <p:cNvPr id="48" name="Object 47"/>
+          <p:cNvGraphicFramePr>
+            <a:graphicFrameLocks noChangeAspect="1"/>
+          </p:cNvGraphicFramePr>
+          <p:nvPr>
+            <p:extLst>
+              <p:ext uri="{D42A27DB-BD31-4B8C-83A1-F6EECF244321}">
+                <p14:modId xmlns:p14="http://schemas.microsoft.com/office/powerpoint/2010/main" val="453788914"/>
+              </p:ext>
+            </p:extLst>
+          </p:nvPr>
+        </p:nvGraphicFramePr>
+        <p:xfrm>
+          <a:off x="4313238" y="379413"/>
+          <a:ext cx="330200" cy="508000"/>
+        </p:xfrm>
+        <a:graphic>
+          <a:graphicData uri="http://schemas.openxmlformats.org/presentationml/2006/ole">
+            <mc:AlternateContent xmlns:mc="http://schemas.openxmlformats.org/markup-compatibility/2006">
+              <mc:Choice xmlns:v="urn:schemas-microsoft-com:vml" Requires="v">
+                <p:oleObj spid="_x0000_s6154" name="Equation" r:id="rId11" imgW="165100" imgH="254000" progId="Equation.3">
+                  <p:embed/>
+                </p:oleObj>
+              </mc:Choice>
+              <mc:Fallback>
+                <p:oleObj name="Equation" r:id="rId11" imgW="165100" imgH="254000" progId="Equation.3">
+                  <p:embed/>
+                  <p:pic>
+                    <p:nvPicPr>
+                      <p:cNvPr id="0" name=""/>
+                      <p:cNvPicPr/>
+                      <p:nvPr/>
+                    </p:nvPicPr>
+                    <p:blipFill>
+                      <a:blip r:embed="rId12">
+                        <a:alphaModFix/>
+                      </a:blip>
+                      <a:stretch>
+                        <a:fillRect/>
+                      </a:stretch>
+                    </p:blipFill>
+                    <p:spPr>
+                      <a:xfrm>
+                        <a:off x="4313238" y="379413"/>
+                        <a:ext cx="330200" cy="508000"/>
+                      </a:xfrm>
+                      <a:prstGeom prst="rect">
+                        <a:avLst/>
+                      </a:prstGeom>
+                    </p:spPr>
+                  </p:pic>
+                </p:oleObj>
+              </mc:Fallback>
+            </mc:AlternateContent>
+          </a:graphicData>
+        </a:graphic>
+      </p:graphicFrame>
+    </p:spTree>
+    <p:extLst>
+      <p:ext uri="{BB962C8B-B14F-4D97-AF65-F5344CB8AC3E}">
+        <p14:creationId xmlns:p14="http://schemas.microsoft.com/office/powerpoint/2010/main" val="751073030"/>
+      </p:ext>
+    </p:extLst>
+  </p:cSld>
+  <p:clrMapOvr>
+    <a:masterClrMapping/>
+  </p:clrMapOvr>
+</p:sld>
+</file>
+
+<file path=ppt/slides/slide7.xml><?xml version="1.0" encoding="utf-8"?>
+<p:sld xmlns:a="http://schemas.openxmlformats.org/drawingml/2006/main" xmlns:r="http://schemas.openxmlformats.org/officeDocument/2006/relationships" xmlns:p="http://schemas.openxmlformats.org/presentationml/2006/main">
+  <p:cSld>
+    <p:spTree>
+      <p:nvGrpSpPr>
+        <p:cNvPr id="1" name=""/>
+        <p:cNvGrpSpPr/>
+        <p:nvPr/>
+      </p:nvGrpSpPr>
+      <p:grpSpPr>
+        <a:xfrm>
+          <a:off x="0" y="0"/>
+          <a:ext cx="0" cy="0"/>
+          <a:chOff x="0" y="0"/>
+          <a:chExt cx="0" cy="0"/>
+        </a:xfrm>
+      </p:grpSpPr>
+      <p:cxnSp>
+        <p:nvCxnSpPr>
+          <p:cNvPr id="5" name="Straight Connector 4"/>
+          <p:cNvCxnSpPr/>
+          <p:nvPr/>
+        </p:nvCxnSpPr>
+        <p:spPr>
+          <a:xfrm flipV="1">
+            <a:off x="1262052" y="3700459"/>
+            <a:ext cx="6913851" cy="0"/>
+          </a:xfrm>
+          <a:prstGeom prst="line">
+            <a:avLst/>
+          </a:prstGeom>
+          <a:ln>
+            <a:solidFill>
+              <a:schemeClr val="tx1"/>
+            </a:solidFill>
+          </a:ln>
+          <a:effectLst/>
+        </p:spPr>
+        <p:style>
+          <a:lnRef idx="2">
+            <a:schemeClr val="accent1"/>
+          </a:lnRef>
+          <a:fillRef idx="0">
+            <a:schemeClr val="accent1"/>
+          </a:fillRef>
+          <a:effectRef idx="1">
+            <a:schemeClr val="accent1"/>
+          </a:effectRef>
+          <a:fontRef idx="minor">
+            <a:schemeClr val="tx1"/>
+          </a:fontRef>
+        </p:style>
+      </p:cxnSp>
+      <p:cxnSp>
+        <p:nvCxnSpPr>
+          <p:cNvPr id="6" name="Straight Connector 5"/>
+          <p:cNvCxnSpPr/>
+          <p:nvPr/>
+        </p:nvCxnSpPr>
+        <p:spPr>
+          <a:xfrm>
+            <a:off x="4718978" y="1567991"/>
+            <a:ext cx="0" cy="4233575"/>
+          </a:xfrm>
+          <a:prstGeom prst="line">
+            <a:avLst/>
+          </a:prstGeom>
+          <a:ln>
+            <a:solidFill>
+              <a:schemeClr val="tx1"/>
+            </a:solidFill>
+          </a:ln>
+          <a:effectLst/>
+        </p:spPr>
+        <p:style>
+          <a:lnRef idx="2">
+            <a:schemeClr val="accent1"/>
+          </a:lnRef>
+          <a:fillRef idx="0">
+            <a:schemeClr val="accent1"/>
+          </a:fillRef>
+          <a:effectRef idx="1">
+            <a:schemeClr val="accent1"/>
+          </a:effectRef>
+          <a:fontRef idx="minor">
+            <a:schemeClr val="tx1"/>
+          </a:fontRef>
+        </p:style>
+      </p:cxnSp>
+      <p:sp>
+        <p:nvSpPr>
+          <p:cNvPr id="9" name="Oval 8"/>
+          <p:cNvSpPr/>
+          <p:nvPr/>
+        </p:nvSpPr>
+        <p:spPr>
+          <a:xfrm>
+            <a:off x="2916046" y="4453094"/>
+            <a:ext cx="47033" cy="47040"/>
+          </a:xfrm>
+          <a:prstGeom prst="ellipse">
+            <a:avLst/>
+          </a:prstGeom>
+          <a:ln/>
+        </p:spPr>
+        <p:style>
+          <a:lnRef idx="2">
+            <a:schemeClr val="dk1">
+              <a:shade val="50000"/>
+            </a:schemeClr>
+          </a:lnRef>
+          <a:fillRef idx="1">
+            <a:schemeClr val="dk1"/>
+          </a:fillRef>
+          <a:effectRef idx="0">
+            <a:schemeClr val="dk1"/>
+          </a:effectRef>
+          <a:fontRef idx="minor">
+            <a:schemeClr val="lt1"/>
+          </a:fontRef>
+        </p:style>
+        <p:txBody>
+          <a:bodyPr rtlCol="0" anchor="ctr"/>
+          <a:lstStyle/>
+          <a:p>
+            <a:pPr algn="ctr"/>
+            <a:endParaRPr lang="en-US"/>
+          </a:p>
+        </p:txBody>
+      </p:sp>
+      <p:sp>
+        <p:nvSpPr>
+          <p:cNvPr id="11" name="Oval 10"/>
+          <p:cNvSpPr/>
+          <p:nvPr/>
+        </p:nvSpPr>
+        <p:spPr>
+          <a:xfrm>
+            <a:off x="3930716" y="4581974"/>
+            <a:ext cx="47033" cy="47040"/>
+          </a:xfrm>
+          <a:prstGeom prst="ellipse">
+            <a:avLst/>
+          </a:prstGeom>
+          <a:ln/>
+        </p:spPr>
+        <p:style>
+          <a:lnRef idx="2">
+            <a:schemeClr val="dk1">
+              <a:shade val="50000"/>
+            </a:schemeClr>
+          </a:lnRef>
+          <a:fillRef idx="1">
+            <a:schemeClr val="dk1"/>
+          </a:fillRef>
+          <a:effectRef idx="0">
+            <a:schemeClr val="dk1"/>
+          </a:effectRef>
+          <a:fontRef idx="minor">
+            <a:schemeClr val="lt1"/>
+          </a:fontRef>
+        </p:style>
+        <p:txBody>
+          <a:bodyPr rtlCol="0" anchor="ctr"/>
+          <a:lstStyle/>
+          <a:p>
+            <a:pPr algn="ctr"/>
+            <a:endParaRPr lang="en-US"/>
+          </a:p>
+        </p:txBody>
+      </p:sp>
+      <p:sp>
+        <p:nvSpPr>
+          <p:cNvPr id="12" name="Oval 11"/>
+          <p:cNvSpPr/>
+          <p:nvPr/>
+        </p:nvSpPr>
+        <p:spPr>
+          <a:xfrm>
+            <a:off x="5102166" y="3150703"/>
+            <a:ext cx="47033" cy="47040"/>
+          </a:xfrm>
+          <a:prstGeom prst="ellipse">
+            <a:avLst/>
+          </a:prstGeom>
+          <a:ln/>
+        </p:spPr>
+        <p:style>
+          <a:lnRef idx="2">
+            <a:schemeClr val="dk1">
+              <a:shade val="50000"/>
+            </a:schemeClr>
+          </a:lnRef>
+          <a:fillRef idx="1">
+            <a:schemeClr val="dk1"/>
+          </a:fillRef>
+          <a:effectRef idx="0">
+            <a:schemeClr val="dk1"/>
+          </a:effectRef>
+          <a:fontRef idx="minor">
+            <a:schemeClr val="lt1"/>
+          </a:fontRef>
+        </p:style>
+        <p:txBody>
+          <a:bodyPr rtlCol="0" anchor="ctr"/>
+          <a:lstStyle/>
+          <a:p>
+            <a:pPr algn="ctr"/>
+            <a:endParaRPr lang="en-US"/>
+          </a:p>
+        </p:txBody>
+      </p:sp>
+      <p:sp>
+        <p:nvSpPr>
+          <p:cNvPr id="13" name="Oval 12"/>
+          <p:cNvSpPr/>
+          <p:nvPr/>
+        </p:nvSpPr>
+        <p:spPr>
+          <a:xfrm>
+            <a:off x="6806656" y="3098306"/>
+            <a:ext cx="47033" cy="47040"/>
+          </a:xfrm>
+          <a:prstGeom prst="ellipse">
+            <a:avLst/>
+          </a:prstGeom>
+          <a:ln/>
+        </p:spPr>
+        <p:style>
+          <a:lnRef idx="2">
+            <a:schemeClr val="dk1">
+              <a:shade val="50000"/>
+            </a:schemeClr>
+          </a:lnRef>
+          <a:fillRef idx="1">
+            <a:schemeClr val="dk1"/>
+          </a:fillRef>
+          <a:effectRef idx="0">
+            <a:schemeClr val="dk1"/>
+          </a:effectRef>
+          <a:fontRef idx="minor">
+            <a:schemeClr val="lt1"/>
+          </a:fontRef>
+        </p:style>
+        <p:txBody>
+          <a:bodyPr rtlCol="0" anchor="ctr"/>
+          <a:lstStyle/>
+          <a:p>
+            <a:pPr algn="ctr"/>
+            <a:endParaRPr lang="en-US"/>
+          </a:p>
+        </p:txBody>
+      </p:sp>
+      <p:sp>
+        <p:nvSpPr>
+          <p:cNvPr id="14" name="Oval 13"/>
+          <p:cNvSpPr/>
+          <p:nvPr/>
+        </p:nvSpPr>
+        <p:spPr>
+          <a:xfrm>
+            <a:off x="5924330" y="3074786"/>
+            <a:ext cx="47033" cy="47040"/>
+          </a:xfrm>
+          <a:prstGeom prst="ellipse">
+            <a:avLst/>
+          </a:prstGeom>
+          <a:ln/>
+        </p:spPr>
+        <p:style>
+          <a:lnRef idx="2">
+            <a:schemeClr val="dk1">
+              <a:shade val="50000"/>
+            </a:schemeClr>
+          </a:lnRef>
+          <a:fillRef idx="1">
+            <a:schemeClr val="dk1"/>
+          </a:fillRef>
+          <a:effectRef idx="0">
+            <a:schemeClr val="dk1"/>
+          </a:effectRef>
+          <a:fontRef idx="minor">
+            <a:schemeClr val="lt1"/>
+          </a:fontRef>
+        </p:style>
+        <p:txBody>
+          <a:bodyPr rtlCol="0" anchor="ctr"/>
+          <a:lstStyle/>
+          <a:p>
+            <a:pPr algn="ctr"/>
+            <a:endParaRPr lang="en-US"/>
+          </a:p>
+        </p:txBody>
+      </p:sp>
+      <p:sp>
+        <p:nvSpPr>
+          <p:cNvPr id="17" name="Oval 16"/>
+          <p:cNvSpPr/>
+          <p:nvPr/>
+        </p:nvSpPr>
+        <p:spPr>
+          <a:xfrm>
+            <a:off x="7158489" y="2098233"/>
+            <a:ext cx="47033" cy="47040"/>
+          </a:xfrm>
+          <a:prstGeom prst="ellipse">
+            <a:avLst/>
+          </a:prstGeom>
+          <a:ln/>
+        </p:spPr>
+        <p:style>
+          <a:lnRef idx="2">
+            <a:schemeClr val="dk1">
+              <a:shade val="50000"/>
+            </a:schemeClr>
+          </a:lnRef>
+          <a:fillRef idx="1">
+            <a:schemeClr val="dk1"/>
+          </a:fillRef>
+          <a:effectRef idx="0">
+            <a:schemeClr val="dk1"/>
+          </a:effectRef>
+          <a:fontRef idx="minor">
+            <a:schemeClr val="lt1"/>
+          </a:fontRef>
+        </p:style>
+        <p:txBody>
+          <a:bodyPr rtlCol="0" anchor="ctr"/>
+          <a:lstStyle/>
+          <a:p>
+            <a:pPr algn="ctr"/>
+            <a:endParaRPr lang="en-US"/>
+          </a:p>
+        </p:txBody>
+      </p:sp>
+      <p:sp>
+        <p:nvSpPr>
+          <p:cNvPr id="18" name="Oval 17"/>
+          <p:cNvSpPr/>
+          <p:nvPr/>
+        </p:nvSpPr>
+        <p:spPr>
+          <a:xfrm>
+            <a:off x="2206174" y="5311090"/>
+            <a:ext cx="47033" cy="47040"/>
+          </a:xfrm>
+          <a:prstGeom prst="ellipse">
+            <a:avLst/>
+          </a:prstGeom>
+          <a:ln/>
+        </p:spPr>
+        <p:style>
+          <a:lnRef idx="2">
+            <a:schemeClr val="dk1">
+              <a:shade val="50000"/>
+            </a:schemeClr>
+          </a:lnRef>
+          <a:fillRef idx="1">
+            <a:schemeClr val="dk1"/>
+          </a:fillRef>
+          <a:effectRef idx="0">
+            <a:schemeClr val="dk1"/>
+          </a:effectRef>
+          <a:fontRef idx="minor">
+            <a:schemeClr val="lt1"/>
+          </a:fontRef>
+        </p:style>
+        <p:txBody>
+          <a:bodyPr rtlCol="0" anchor="ctr"/>
+          <a:lstStyle/>
+          <a:p>
+            <a:pPr algn="ctr"/>
+            <a:endParaRPr lang="en-US"/>
+          </a:p>
+        </p:txBody>
+      </p:sp>
+      <p:sp>
+        <p:nvSpPr>
+          <p:cNvPr id="19" name="Oval 18"/>
+          <p:cNvSpPr/>
+          <p:nvPr/>
+        </p:nvSpPr>
+        <p:spPr>
+          <a:xfrm>
+            <a:off x="4208539" y="3919019"/>
+            <a:ext cx="47033" cy="47040"/>
+          </a:xfrm>
+          <a:prstGeom prst="ellipse">
+            <a:avLst/>
+          </a:prstGeom>
+          <a:ln/>
+        </p:spPr>
+        <p:style>
+          <a:lnRef idx="2">
+            <a:schemeClr val="dk1">
+              <a:shade val="50000"/>
+            </a:schemeClr>
+          </a:lnRef>
+          <a:fillRef idx="1">
+            <a:schemeClr val="dk1"/>
+          </a:fillRef>
+          <a:effectRef idx="0">
+            <a:schemeClr val="dk1"/>
+          </a:effectRef>
+          <a:fontRef idx="minor">
+            <a:schemeClr val="lt1"/>
+          </a:fontRef>
+        </p:style>
+        <p:txBody>
+          <a:bodyPr rtlCol="0" anchor="ctr"/>
+          <a:lstStyle/>
+          <a:p>
+            <a:pPr algn="ctr"/>
+            <a:endParaRPr lang="en-US"/>
+          </a:p>
+        </p:txBody>
+      </p:sp>
+      <p:cxnSp>
+        <p:nvCxnSpPr>
+          <p:cNvPr id="21" name="Straight Connector 20"/>
+          <p:cNvCxnSpPr/>
+          <p:nvPr/>
+        </p:nvCxnSpPr>
+        <p:spPr>
+          <a:xfrm flipV="1">
+            <a:off x="1708866" y="2289267"/>
+            <a:ext cx="5941836" cy="3068863"/>
+          </a:xfrm>
+          <a:prstGeom prst="line">
+            <a:avLst/>
+          </a:prstGeom>
+          <a:ln>
+            <a:solidFill>
+              <a:srgbClr val="FF0000"/>
+            </a:solidFill>
+          </a:ln>
+        </p:spPr>
+        <p:style>
+          <a:lnRef idx="1">
+            <a:schemeClr val="accent2"/>
+          </a:lnRef>
+          <a:fillRef idx="0">
+            <a:schemeClr val="accent2"/>
+          </a:fillRef>
+          <a:effectRef idx="0">
+            <a:schemeClr val="accent2"/>
+          </a:effectRef>
+          <a:fontRef idx="minor">
+            <a:schemeClr val="tx1"/>
+          </a:fontRef>
+        </p:style>
+      </p:cxnSp>
+      <p:sp>
+        <p:nvSpPr>
+          <p:cNvPr id="24" name="Freeform 23"/>
+          <p:cNvSpPr/>
+          <p:nvPr/>
+        </p:nvSpPr>
+        <p:spPr>
+          <a:xfrm>
+            <a:off x="1536411" y="1364137"/>
+            <a:ext cx="6004547" cy="4829427"/>
+          </a:xfrm>
+          <a:custGeom>
+            <a:avLst/>
+            <a:gdLst>
+              <a:gd name="connsiteX0" fmla="*/ 0 w 6004547"/>
+              <a:gd name="connsiteY0" fmla="*/ 4829427 h 4829427"/>
+              <a:gd name="connsiteX1" fmla="*/ 689818 w 6004547"/>
+              <a:gd name="connsiteY1" fmla="*/ 3967032 h 4829427"/>
+              <a:gd name="connsiteX2" fmla="*/ 1410991 w 6004547"/>
+              <a:gd name="connsiteY2" fmla="*/ 3104637 h 4829427"/>
+              <a:gd name="connsiteX3" fmla="*/ 1818610 w 6004547"/>
+              <a:gd name="connsiteY3" fmla="*/ 1426887 h 4829427"/>
+              <a:gd name="connsiteX4" fmla="*/ 2633849 w 6004547"/>
+              <a:gd name="connsiteY4" fmla="*/ 3841593 h 4829427"/>
+              <a:gd name="connsiteX5" fmla="*/ 2649526 w 6004547"/>
+              <a:gd name="connsiteY5" fmla="*/ 705611 h 4829427"/>
+              <a:gd name="connsiteX6" fmla="*/ 2806303 w 6004547"/>
+              <a:gd name="connsiteY6" fmla="*/ 15 h 4829427"/>
+              <a:gd name="connsiteX7" fmla="*/ 3370699 w 6004547"/>
+              <a:gd name="connsiteY7" fmla="*/ 689931 h 4829427"/>
+              <a:gd name="connsiteX8" fmla="*/ 3637220 w 6004547"/>
+              <a:gd name="connsiteY8" fmla="*/ 2163842 h 4829427"/>
+              <a:gd name="connsiteX9" fmla="*/ 4029161 w 6004547"/>
+              <a:gd name="connsiteY9" fmla="*/ 3622074 h 4829427"/>
+              <a:gd name="connsiteX10" fmla="*/ 4468136 w 6004547"/>
+              <a:gd name="connsiteY10" fmla="*/ 1520966 h 4829427"/>
+              <a:gd name="connsiteX11" fmla="*/ 4797367 w 6004547"/>
+              <a:gd name="connsiteY11" fmla="*/ 705611 h 4829427"/>
+              <a:gd name="connsiteX12" fmla="*/ 5283375 w 6004547"/>
+              <a:gd name="connsiteY12" fmla="*/ 1724805 h 4829427"/>
+              <a:gd name="connsiteX13" fmla="*/ 5659639 w 6004547"/>
+              <a:gd name="connsiteY13" fmla="*/ 1677765 h 4829427"/>
+              <a:gd name="connsiteX14" fmla="*/ 5643961 w 6004547"/>
+              <a:gd name="connsiteY14" fmla="*/ 486092 h 4829427"/>
+              <a:gd name="connsiteX15" fmla="*/ 6004547 w 6004547"/>
+              <a:gd name="connsiteY15" fmla="*/ 313613 h 4829427"/>
+              <a:gd name="connsiteX16" fmla="*/ 6004547 w 6004547"/>
+              <a:gd name="connsiteY16" fmla="*/ 313613 h 4829427"/>
+            </a:gdLst>
+            <a:ahLst/>
+            <a:cxnLst>
+              <a:cxn ang="0">
+                <a:pos x="connsiteX0" y="connsiteY0"/>
+              </a:cxn>
+              <a:cxn ang="0">
+                <a:pos x="connsiteX1" y="connsiteY1"/>
+              </a:cxn>
+              <a:cxn ang="0">
+                <a:pos x="connsiteX2" y="connsiteY2"/>
+              </a:cxn>
+              <a:cxn ang="0">
+                <a:pos x="connsiteX3" y="connsiteY3"/>
+              </a:cxn>
+              <a:cxn ang="0">
+                <a:pos x="connsiteX4" y="connsiteY4"/>
+              </a:cxn>
+              <a:cxn ang="0">
+                <a:pos x="connsiteX5" y="connsiteY5"/>
+              </a:cxn>
+              <a:cxn ang="0">
+                <a:pos x="connsiteX6" y="connsiteY6"/>
+              </a:cxn>
+              <a:cxn ang="0">
+                <a:pos x="connsiteX7" y="connsiteY7"/>
+              </a:cxn>
+              <a:cxn ang="0">
+                <a:pos x="connsiteX8" y="connsiteY8"/>
+              </a:cxn>
+              <a:cxn ang="0">
+                <a:pos x="connsiteX9" y="connsiteY9"/>
+              </a:cxn>
+              <a:cxn ang="0">
+                <a:pos x="connsiteX10" y="connsiteY10"/>
+              </a:cxn>
+              <a:cxn ang="0">
+                <a:pos x="connsiteX11" y="connsiteY11"/>
+              </a:cxn>
+              <a:cxn ang="0">
+                <a:pos x="connsiteX12" y="connsiteY12"/>
+              </a:cxn>
+              <a:cxn ang="0">
+                <a:pos x="connsiteX13" y="connsiteY13"/>
+              </a:cxn>
+              <a:cxn ang="0">
+                <a:pos x="connsiteX14" y="connsiteY14"/>
+              </a:cxn>
+              <a:cxn ang="0">
+                <a:pos x="connsiteX15" y="connsiteY15"/>
+              </a:cxn>
+              <a:cxn ang="0">
+                <a:pos x="connsiteX16" y="connsiteY16"/>
+              </a:cxn>
+            </a:cxnLst>
+            <a:rect l="l" t="t" r="r" b="b"/>
+            <a:pathLst>
+              <a:path w="6004547" h="4829427">
+                <a:moveTo>
+                  <a:pt x="0" y="4829427"/>
+                </a:moveTo>
+                <a:cubicBezTo>
+                  <a:pt x="227326" y="4541962"/>
+                  <a:pt x="454653" y="4254497"/>
+                  <a:pt x="689818" y="3967032"/>
+                </a:cubicBezTo>
+                <a:cubicBezTo>
+                  <a:pt x="924983" y="3679567"/>
+                  <a:pt x="1222859" y="3527994"/>
+                  <a:pt x="1410991" y="3104637"/>
+                </a:cubicBezTo>
+                <a:cubicBezTo>
+                  <a:pt x="1599123" y="2681280"/>
+                  <a:pt x="1614800" y="1304061"/>
+                  <a:pt x="1818610" y="1426887"/>
+                </a:cubicBezTo>
+                <a:cubicBezTo>
+                  <a:pt x="2022420" y="1549713"/>
+                  <a:pt x="2495363" y="3961806"/>
+                  <a:pt x="2633849" y="3841593"/>
+                </a:cubicBezTo>
+                <a:cubicBezTo>
+                  <a:pt x="2772335" y="3721380"/>
+                  <a:pt x="2620784" y="1345874"/>
+                  <a:pt x="2649526" y="705611"/>
+                </a:cubicBezTo>
+                <a:cubicBezTo>
+                  <a:pt x="2678268" y="65348"/>
+                  <a:pt x="2686108" y="2628"/>
+                  <a:pt x="2806303" y="15"/>
+                </a:cubicBezTo>
+                <a:cubicBezTo>
+                  <a:pt x="2926498" y="-2598"/>
+                  <a:pt x="3232213" y="329293"/>
+                  <a:pt x="3370699" y="689931"/>
+                </a:cubicBezTo>
+                <a:cubicBezTo>
+                  <a:pt x="3509185" y="1050569"/>
+                  <a:pt x="3527476" y="1675151"/>
+                  <a:pt x="3637220" y="2163842"/>
+                </a:cubicBezTo>
+                <a:cubicBezTo>
+                  <a:pt x="3746964" y="2652532"/>
+                  <a:pt x="3890675" y="3729220"/>
+                  <a:pt x="4029161" y="3622074"/>
+                </a:cubicBezTo>
+                <a:cubicBezTo>
+                  <a:pt x="4167647" y="3514928"/>
+                  <a:pt x="4340102" y="2007043"/>
+                  <a:pt x="4468136" y="1520966"/>
+                </a:cubicBezTo>
+                <a:cubicBezTo>
+                  <a:pt x="4596170" y="1034889"/>
+                  <a:pt x="4661494" y="671638"/>
+                  <a:pt x="4797367" y="705611"/>
+                </a:cubicBezTo>
+                <a:cubicBezTo>
+                  <a:pt x="4933240" y="739584"/>
+                  <a:pt x="5139663" y="1562779"/>
+                  <a:pt x="5283375" y="1724805"/>
+                </a:cubicBezTo>
+                <a:cubicBezTo>
+                  <a:pt x="5427087" y="1886831"/>
+                  <a:pt x="5599541" y="1884217"/>
+                  <a:pt x="5659639" y="1677765"/>
+                </a:cubicBezTo>
+                <a:cubicBezTo>
+                  <a:pt x="5719737" y="1471313"/>
+                  <a:pt x="5586476" y="713451"/>
+                  <a:pt x="5643961" y="486092"/>
+                </a:cubicBezTo>
+                <a:cubicBezTo>
+                  <a:pt x="5701446" y="258733"/>
+                  <a:pt x="6004547" y="313613"/>
+                  <a:pt x="6004547" y="313613"/>
+                </a:cubicBezTo>
+                <a:lnTo>
+                  <a:pt x="6004547" y="313613"/>
+                </a:lnTo>
+              </a:path>
+            </a:pathLst>
+          </a:custGeom>
+          <a:ln>
+            <a:solidFill>
+              <a:srgbClr val="3366FF"/>
+            </a:solidFill>
+          </a:ln>
+        </p:spPr>
+        <p:style>
+          <a:lnRef idx="1">
+            <a:schemeClr val="accent6"/>
+          </a:lnRef>
+          <a:fillRef idx="0">
+            <a:schemeClr val="accent6"/>
+          </a:fillRef>
+          <a:effectRef idx="0">
+            <a:schemeClr val="accent6"/>
+          </a:effectRef>
+          <a:fontRef idx="minor">
+            <a:schemeClr val="tx1"/>
+          </a:fontRef>
+        </p:style>
+        <p:txBody>
+          <a:bodyPr rtlCol="0" anchor="ctr"/>
+          <a:lstStyle/>
+          <a:p>
+            <a:pPr algn="ctr"/>
+            <a:endParaRPr lang="en-US"/>
+          </a:p>
+        </p:txBody>
+      </p:sp>
+    </p:spTree>
+    <p:extLst>
+      <p:ext uri="{BB962C8B-B14F-4D97-AF65-F5344CB8AC3E}">
+        <p14:creationId xmlns:p14="http://schemas.microsoft.com/office/powerpoint/2010/main" val="177272746"/>
       </p:ext>
     </p:extLst>
   </p:cSld>

--- a/_site/figures.pptx
+++ b/_site/figures.pptx
@@ -12,6 +12,7 @@
     <p:sldId id="260" r:id="rId6"/>
     <p:sldId id="261" r:id="rId7"/>
     <p:sldId id="262" r:id="rId8"/>
+    <p:sldId id="263" r:id="rId9"/>
   </p:sldIdLst>
   <p:sldSz cx="9144000" cy="6858000" type="screen4x3"/>
   <p:notesSz cx="6858000" cy="9144000"/>
@@ -294,7 +295,7 @@
           <a:p>
             <a:fld id="{BCBC1232-296F-3A42-9190-52DD26955895}" type="datetimeFigureOut">
               <a:rPr lang="en-US" smtClean="0"/>
-              <a:t>12/28/14</a:t>
+              <a:t>1/11/15</a:t>
             </a:fld>
             <a:endParaRPr lang="en-US"/>
           </a:p>
@@ -464,7 +465,7 @@
           <a:p>
             <a:fld id="{BCBC1232-296F-3A42-9190-52DD26955895}" type="datetimeFigureOut">
               <a:rPr lang="en-US" smtClean="0"/>
-              <a:t>12/28/14</a:t>
+              <a:t>1/11/15</a:t>
             </a:fld>
             <a:endParaRPr lang="en-US"/>
           </a:p>
@@ -644,7 +645,7 @@
           <a:p>
             <a:fld id="{BCBC1232-296F-3A42-9190-52DD26955895}" type="datetimeFigureOut">
               <a:rPr lang="en-US" smtClean="0"/>
-              <a:t>12/28/14</a:t>
+              <a:t>1/11/15</a:t>
             </a:fld>
             <a:endParaRPr lang="en-US"/>
           </a:p>
@@ -814,7 +815,7 @@
           <a:p>
             <a:fld id="{BCBC1232-296F-3A42-9190-52DD26955895}" type="datetimeFigureOut">
               <a:rPr lang="en-US" smtClean="0"/>
-              <a:t>12/28/14</a:t>
+              <a:t>1/11/15</a:t>
             </a:fld>
             <a:endParaRPr lang="en-US"/>
           </a:p>
@@ -1060,7 +1061,7 @@
           <a:p>
             <a:fld id="{BCBC1232-296F-3A42-9190-52DD26955895}" type="datetimeFigureOut">
               <a:rPr lang="en-US" smtClean="0"/>
-              <a:t>12/28/14</a:t>
+              <a:t>1/11/15</a:t>
             </a:fld>
             <a:endParaRPr lang="en-US"/>
           </a:p>
@@ -1348,7 +1349,7 @@
           <a:p>
             <a:fld id="{BCBC1232-296F-3A42-9190-52DD26955895}" type="datetimeFigureOut">
               <a:rPr lang="en-US" smtClean="0"/>
-              <a:t>12/28/14</a:t>
+              <a:t>1/11/15</a:t>
             </a:fld>
             <a:endParaRPr lang="en-US"/>
           </a:p>
@@ -1770,7 +1771,7 @@
           <a:p>
             <a:fld id="{BCBC1232-296F-3A42-9190-52DD26955895}" type="datetimeFigureOut">
               <a:rPr lang="en-US" smtClean="0"/>
-              <a:t>12/28/14</a:t>
+              <a:t>1/11/15</a:t>
             </a:fld>
             <a:endParaRPr lang="en-US"/>
           </a:p>
@@ -1888,7 +1889,7 @@
           <a:p>
             <a:fld id="{BCBC1232-296F-3A42-9190-52DD26955895}" type="datetimeFigureOut">
               <a:rPr lang="en-US" smtClean="0"/>
-              <a:t>12/28/14</a:t>
+              <a:t>1/11/15</a:t>
             </a:fld>
             <a:endParaRPr lang="en-US"/>
           </a:p>
@@ -1983,7 +1984,7 @@
           <a:p>
             <a:fld id="{BCBC1232-296F-3A42-9190-52DD26955895}" type="datetimeFigureOut">
               <a:rPr lang="en-US" smtClean="0"/>
-              <a:t>12/28/14</a:t>
+              <a:t>1/11/15</a:t>
             </a:fld>
             <a:endParaRPr lang="en-US"/>
           </a:p>
@@ -2260,7 +2261,7 @@
           <a:p>
             <a:fld id="{BCBC1232-296F-3A42-9190-52DD26955895}" type="datetimeFigureOut">
               <a:rPr lang="en-US" smtClean="0"/>
-              <a:t>12/28/14</a:t>
+              <a:t>1/11/15</a:t>
             </a:fld>
             <a:endParaRPr lang="en-US"/>
           </a:p>
@@ -2513,7 +2514,7 @@
           <a:p>
             <a:fld id="{BCBC1232-296F-3A42-9190-52DD26955895}" type="datetimeFigureOut">
               <a:rPr lang="en-US" smtClean="0"/>
-              <a:t>12/28/14</a:t>
+              <a:t>1/11/15</a:t>
             </a:fld>
             <a:endParaRPr lang="en-US"/>
           </a:p>
@@ -2726,7 +2727,7 @@
           <a:p>
             <a:fld id="{BCBC1232-296F-3A42-9190-52DD26955895}" type="datetimeFigureOut">
               <a:rPr lang="en-US" smtClean="0"/>
-              <a:t>12/28/14</a:t>
+              <a:t>1/11/15</a:t>
             </a:fld>
             <a:endParaRPr lang="en-US"/>
           </a:p>
@@ -3167,7 +3168,7 @@
           <a:graphicData uri="http://schemas.openxmlformats.org/presentationml/2006/ole">
             <mc:AlternateContent xmlns:mc="http://schemas.openxmlformats.org/markup-compatibility/2006">
               <mc:Choice xmlns:v="urn:schemas-microsoft-com:vml" Requires="v">
-                <p:oleObj spid="_x0000_s1064" name="Equation" r:id="rId3" imgW="139700" imgH="203200" progId="Equation.3">
+                <p:oleObj spid="_x0000_s1097" name="Equation" r:id="rId3" imgW="139700" imgH="203200" progId="Equation.3">
                   <p:embed/>
                 </p:oleObj>
               </mc:Choice>
@@ -3483,7 +3484,7 @@
           <a:graphicData uri="http://schemas.openxmlformats.org/presentationml/2006/ole">
             <mc:AlternateContent xmlns:mc="http://schemas.openxmlformats.org/markup-compatibility/2006">
               <mc:Choice xmlns:v="urn:schemas-microsoft-com:vml" Requires="v">
-                <p:oleObj spid="_x0000_s1065" name="Equation" r:id="rId5" imgW="152400" imgH="203200" progId="Equation.3">
+                <p:oleObj spid="_x0000_s1098" name="Equation" r:id="rId5" imgW="152400" imgH="203200" progId="Equation.3">
                   <p:embed/>
                 </p:oleObj>
               </mc:Choice>
@@ -3540,7 +3541,7 @@
           <a:graphicData uri="http://schemas.openxmlformats.org/presentationml/2006/ole">
             <mc:AlternateContent xmlns:mc="http://schemas.openxmlformats.org/markup-compatibility/2006">
               <mc:Choice xmlns:v="urn:schemas-microsoft-com:vml" Requires="v">
-                <p:oleObj spid="_x0000_s1066" name="Equation" r:id="rId7" imgW="177800" imgH="203200" progId="Equation.3">
+                <p:oleObj spid="_x0000_s1099" name="Equation" r:id="rId7" imgW="177800" imgH="203200" progId="Equation.3">
                   <p:embed/>
                 </p:oleObj>
               </mc:Choice>
@@ -3597,7 +3598,7 @@
           <a:graphicData uri="http://schemas.openxmlformats.org/presentationml/2006/ole">
             <mc:AlternateContent xmlns:mc="http://schemas.openxmlformats.org/markup-compatibility/2006">
               <mc:Choice xmlns:v="urn:schemas-microsoft-com:vml" Requires="v">
-                <p:oleObj spid="_x0000_s1067" name="Equation" r:id="rId9" imgW="177800" imgH="215900" progId="Equation.3">
+                <p:oleObj spid="_x0000_s1100" name="Equation" r:id="rId9" imgW="177800" imgH="215900" progId="Equation.3">
                   <p:embed/>
                 </p:oleObj>
               </mc:Choice>
@@ -3654,7 +3655,7 @@
           <a:graphicData uri="http://schemas.openxmlformats.org/presentationml/2006/ole">
             <mc:AlternateContent xmlns:mc="http://schemas.openxmlformats.org/markup-compatibility/2006">
               <mc:Choice xmlns:v="urn:schemas-microsoft-com:vml" Requires="v">
-                <p:oleObj spid="_x0000_s1068" name="Equation" r:id="rId11" imgW="127000" imgH="165100" progId="Equation.3">
+                <p:oleObj spid="_x0000_s1101" name="Equation" r:id="rId11" imgW="127000" imgH="165100" progId="Equation.3">
                   <p:embed/>
                 </p:oleObj>
               </mc:Choice>
@@ -3756,7 +3757,7 @@
           <a:graphicData uri="http://schemas.openxmlformats.org/presentationml/2006/ole">
             <mc:AlternateContent xmlns:mc="http://schemas.openxmlformats.org/markup-compatibility/2006">
               <mc:Choice xmlns:v="urn:schemas-microsoft-com:vml" Requires="v">
-                <p:oleObj spid="_x0000_s1069" name="Equation" r:id="rId13" imgW="177800" imgH="203200" progId="Equation.3">
+                <p:oleObj spid="_x0000_s1102" name="Equation" r:id="rId13" imgW="177800" imgH="203200" progId="Equation.3">
                   <p:embed/>
                 </p:oleObj>
               </mc:Choice>
@@ -3941,7 +3942,7 @@
           <a:graphicData uri="http://schemas.openxmlformats.org/presentationml/2006/ole">
             <mc:AlternateContent xmlns:mc="http://schemas.openxmlformats.org/markup-compatibility/2006">
               <mc:Choice xmlns:v="urn:schemas-microsoft-com:vml" Requires="v">
-                <p:oleObj spid="_x0000_s1070" name="Equation" r:id="rId15" imgW="203200" imgH="203200" progId="Equation.3">
+                <p:oleObj spid="_x0000_s1103" name="Equation" r:id="rId15" imgW="203200" imgH="203200" progId="Equation.3">
                   <p:embed/>
                 </p:oleObj>
               </mc:Choice>
@@ -4000,7 +4001,7 @@
           <a:graphicData uri="http://schemas.openxmlformats.org/presentationml/2006/ole">
             <mc:AlternateContent xmlns:mc="http://schemas.openxmlformats.org/markup-compatibility/2006">
               <mc:Choice xmlns:v="urn:schemas-microsoft-com:vml" Requires="v">
-                <p:oleObj spid="_x0000_s1071" name="Equation" r:id="rId17" imgW="203200" imgH="215900" progId="Equation.3">
+                <p:oleObj spid="_x0000_s1104" name="Equation" r:id="rId17" imgW="203200" imgH="215900" progId="Equation.3">
                   <p:embed/>
                 </p:oleObj>
               </mc:Choice>
@@ -4120,7 +4121,7 @@
           <a:graphicData uri="http://schemas.openxmlformats.org/presentationml/2006/ole">
             <mc:AlternateContent xmlns:mc="http://schemas.openxmlformats.org/markup-compatibility/2006">
               <mc:Choice xmlns:v="urn:schemas-microsoft-com:vml" Requires="v">
-                <p:oleObj spid="_x0000_s2062" name="Equation" r:id="rId4" imgW="127000" imgH="165100" progId="Equation.3">
+                <p:oleObj spid="_x0000_s2075" name="Equation" r:id="rId4" imgW="127000" imgH="165100" progId="Equation.3">
                   <p:embed/>
                 </p:oleObj>
               </mc:Choice>
@@ -4177,7 +4178,7 @@
           <a:graphicData uri="http://schemas.openxmlformats.org/presentationml/2006/ole">
             <mc:AlternateContent xmlns:mc="http://schemas.openxmlformats.org/markup-compatibility/2006">
               <mc:Choice xmlns:v="urn:schemas-microsoft-com:vml" Requires="v">
-                <p:oleObj spid="_x0000_s2063" name="Equation" r:id="rId6" imgW="114300" imgH="139700" progId="Equation.3">
+                <p:oleObj spid="_x0000_s2076" name="Equation" r:id="rId6" imgW="114300" imgH="139700" progId="Equation.3">
                   <p:embed/>
                 </p:oleObj>
               </mc:Choice>
@@ -4234,7 +4235,7 @@
           <a:graphicData uri="http://schemas.openxmlformats.org/presentationml/2006/ole">
             <mc:AlternateContent xmlns:mc="http://schemas.openxmlformats.org/markup-compatibility/2006">
               <mc:Choice xmlns:v="urn:schemas-microsoft-com:vml" Requires="v">
-                <p:oleObj spid="_x0000_s2064" name="Equation" r:id="rId8" imgW="1574800" imgH="215900" progId="Equation.3">
+                <p:oleObj spid="_x0000_s2077" name="Equation" r:id="rId8" imgW="1574800" imgH="215900" progId="Equation.3">
                   <p:embed/>
                 </p:oleObj>
               </mc:Choice>
@@ -4291,7 +4292,7 @@
           <a:graphicData uri="http://schemas.openxmlformats.org/presentationml/2006/ole">
             <mc:AlternateContent xmlns:mc="http://schemas.openxmlformats.org/markup-compatibility/2006">
               <mc:Choice xmlns:v="urn:schemas-microsoft-com:vml" Requires="v">
-                <p:oleObj spid="_x0000_s2065" name="Equation" r:id="rId10" imgW="647700" imgH="393700" progId="Equation.3">
+                <p:oleObj spid="_x0000_s2078" name="Equation" r:id="rId10" imgW="647700" imgH="393700" progId="Equation.3">
                   <p:embed/>
                 </p:oleObj>
               </mc:Choice>
@@ -5626,7 +5627,7 @@
           <a:graphicData uri="http://schemas.openxmlformats.org/presentationml/2006/ole">
             <mc:AlternateContent xmlns:mc="http://schemas.openxmlformats.org/markup-compatibility/2006">
               <mc:Choice xmlns:v="urn:schemas-microsoft-com:vml" Requires="v">
-                <p:oleObj spid="_x0000_s3332" name="Equation" r:id="rId3" imgW="254000" imgH="241300" progId="Equation.3">
+                <p:oleObj spid="_x0000_s3429" name="Equation" r:id="rId3" imgW="254000" imgH="241300" progId="Equation.3">
                   <p:embed/>
                 </p:oleObj>
               </mc:Choice>
@@ -5775,7 +5776,7 @@
           <a:graphicData uri="http://schemas.openxmlformats.org/presentationml/2006/ole">
             <mc:AlternateContent xmlns:mc="http://schemas.openxmlformats.org/markup-compatibility/2006">
               <mc:Choice xmlns:v="urn:schemas-microsoft-com:vml" Requires="v">
-                <p:oleObj spid="_x0000_s3333" name="Equation" r:id="rId5" imgW="254000" imgH="241300" progId="Equation.3">
+                <p:oleObj spid="_x0000_s3430" name="Equation" r:id="rId5" imgW="254000" imgH="241300" progId="Equation.3">
                   <p:embed/>
                 </p:oleObj>
               </mc:Choice>
@@ -5879,7 +5880,7 @@
           <a:graphicData uri="http://schemas.openxmlformats.org/presentationml/2006/ole">
             <mc:AlternateContent xmlns:mc="http://schemas.openxmlformats.org/markup-compatibility/2006">
               <mc:Choice xmlns:v="urn:schemas-microsoft-com:vml" Requires="v">
-                <p:oleObj spid="_x0000_s3334" name="Equation" r:id="rId7" imgW="254000" imgH="241300" progId="Equation.3">
+                <p:oleObj spid="_x0000_s3431" name="Equation" r:id="rId7" imgW="254000" imgH="241300" progId="Equation.3">
                   <p:embed/>
                 </p:oleObj>
               </mc:Choice>
@@ -5983,7 +5984,7 @@
           <a:graphicData uri="http://schemas.openxmlformats.org/presentationml/2006/ole">
             <mc:AlternateContent xmlns:mc="http://schemas.openxmlformats.org/markup-compatibility/2006">
               <mc:Choice xmlns:v="urn:schemas-microsoft-com:vml" Requires="v">
-                <p:oleObj spid="_x0000_s3335" name="Equation" r:id="rId9" imgW="266700" imgH="241300" progId="Equation.3">
+                <p:oleObj spid="_x0000_s3432" name="Equation" r:id="rId9" imgW="266700" imgH="241300" progId="Equation.3">
                   <p:embed/>
                 </p:oleObj>
               </mc:Choice>
@@ -6087,7 +6088,7 @@
           <a:graphicData uri="http://schemas.openxmlformats.org/presentationml/2006/ole">
             <mc:AlternateContent xmlns:mc="http://schemas.openxmlformats.org/markup-compatibility/2006">
               <mc:Choice xmlns:v="urn:schemas-microsoft-com:vml" Requires="v">
-                <p:oleObj spid="_x0000_s3336" name="Equation" r:id="rId11" imgW="266700" imgH="241300" progId="Equation.3">
+                <p:oleObj spid="_x0000_s3433" name="Equation" r:id="rId11" imgW="266700" imgH="241300" progId="Equation.3">
                   <p:embed/>
                 </p:oleObj>
               </mc:Choice>
@@ -6191,7 +6192,7 @@
           <a:graphicData uri="http://schemas.openxmlformats.org/presentationml/2006/ole">
             <mc:AlternateContent xmlns:mc="http://schemas.openxmlformats.org/markup-compatibility/2006">
               <mc:Choice xmlns:v="urn:schemas-microsoft-com:vml" Requires="v">
-                <p:oleObj spid="_x0000_s3337" name="Equation" r:id="rId13" imgW="254000" imgH="241300" progId="Equation.3">
+                <p:oleObj spid="_x0000_s3434" name="Equation" r:id="rId13" imgW="254000" imgH="241300" progId="Equation.3">
                   <p:embed/>
                 </p:oleObj>
               </mc:Choice>
@@ -6340,7 +6341,7 @@
           <a:graphicData uri="http://schemas.openxmlformats.org/presentationml/2006/ole">
             <mc:AlternateContent xmlns:mc="http://schemas.openxmlformats.org/markup-compatibility/2006">
               <mc:Choice xmlns:v="urn:schemas-microsoft-com:vml" Requires="v">
-                <p:oleObj spid="_x0000_s3338" name="Equation" r:id="rId15" imgW="266700" imgH="241300" progId="Equation.3">
+                <p:oleObj spid="_x0000_s3435" name="Equation" r:id="rId15" imgW="266700" imgH="241300" progId="Equation.3">
                   <p:embed/>
                 </p:oleObj>
               </mc:Choice>
@@ -6399,7 +6400,7 @@
           <a:graphicData uri="http://schemas.openxmlformats.org/presentationml/2006/ole">
             <mc:AlternateContent xmlns:mc="http://schemas.openxmlformats.org/markup-compatibility/2006">
               <mc:Choice xmlns:v="urn:schemas-microsoft-com:vml" Requires="v">
-                <p:oleObj spid="_x0000_s3339" name="Equation" r:id="rId17" imgW="254000" imgH="241300" progId="Equation.3">
+                <p:oleObj spid="_x0000_s3436" name="Equation" r:id="rId17" imgW="254000" imgH="241300" progId="Equation.3">
                   <p:embed/>
                 </p:oleObj>
               </mc:Choice>
@@ -6458,7 +6459,7 @@
           <a:graphicData uri="http://schemas.openxmlformats.org/presentationml/2006/ole">
             <mc:AlternateContent xmlns:mc="http://schemas.openxmlformats.org/markup-compatibility/2006">
               <mc:Choice xmlns:v="urn:schemas-microsoft-com:vml" Requires="v">
-                <p:oleObj spid="_x0000_s3340" name="Equation" r:id="rId19" imgW="254000" imgH="241300" progId="Equation.3">
+                <p:oleObj spid="_x0000_s3437" name="Equation" r:id="rId19" imgW="254000" imgH="241300" progId="Equation.3">
                   <p:embed/>
                 </p:oleObj>
               </mc:Choice>
@@ -6562,7 +6563,7 @@
           <a:graphicData uri="http://schemas.openxmlformats.org/presentationml/2006/ole">
             <mc:AlternateContent xmlns:mc="http://schemas.openxmlformats.org/markup-compatibility/2006">
               <mc:Choice xmlns:v="urn:schemas-microsoft-com:vml" Requires="v">
-                <p:oleObj spid="_x0000_s3341" name="Equation" r:id="rId21" imgW="279400" imgH="241300" progId="Equation.3">
+                <p:oleObj spid="_x0000_s3438" name="Equation" r:id="rId21" imgW="279400" imgH="241300" progId="Equation.3">
                   <p:embed/>
                 </p:oleObj>
               </mc:Choice>
@@ -6711,7 +6712,7 @@
           <a:graphicData uri="http://schemas.openxmlformats.org/presentationml/2006/ole">
             <mc:AlternateContent xmlns:mc="http://schemas.openxmlformats.org/markup-compatibility/2006">
               <mc:Choice xmlns:v="urn:schemas-microsoft-com:vml" Requires="v">
-                <p:oleObj spid="_x0000_s3342" name="Equation" r:id="rId23" imgW="279400" imgH="241300" progId="Equation.3">
+                <p:oleObj spid="_x0000_s3439" name="Equation" r:id="rId23" imgW="279400" imgH="241300" progId="Equation.3">
                   <p:embed/>
                 </p:oleObj>
               </mc:Choice>
@@ -6815,7 +6816,7 @@
           <a:graphicData uri="http://schemas.openxmlformats.org/presentationml/2006/ole">
             <mc:AlternateContent xmlns:mc="http://schemas.openxmlformats.org/markup-compatibility/2006">
               <mc:Choice xmlns:v="urn:schemas-microsoft-com:vml" Requires="v">
-                <p:oleObj spid="_x0000_s3343" name="Equation" r:id="rId25" imgW="279400" imgH="241300" progId="Equation.3">
+                <p:oleObj spid="_x0000_s3440" name="Equation" r:id="rId25" imgW="279400" imgH="241300" progId="Equation.3">
                   <p:embed/>
                 </p:oleObj>
               </mc:Choice>
@@ -6919,7 +6920,7 @@
           <a:graphicData uri="http://schemas.openxmlformats.org/presentationml/2006/ole">
             <mc:AlternateContent xmlns:mc="http://schemas.openxmlformats.org/markup-compatibility/2006">
               <mc:Choice xmlns:v="urn:schemas-microsoft-com:vml" Requires="v">
-                <p:oleObj spid="_x0000_s3344" name="Equation" r:id="rId27" imgW="279400" imgH="241300" progId="Equation.3">
+                <p:oleObj spid="_x0000_s3441" name="Equation" r:id="rId27" imgW="279400" imgH="241300" progId="Equation.3">
                   <p:embed/>
                 </p:oleObj>
               </mc:Choice>
@@ -7023,7 +7024,7 @@
           <a:graphicData uri="http://schemas.openxmlformats.org/presentationml/2006/ole">
             <mc:AlternateContent xmlns:mc="http://schemas.openxmlformats.org/markup-compatibility/2006">
               <mc:Choice xmlns:v="urn:schemas-microsoft-com:vml" Requires="v">
-                <p:oleObj spid="_x0000_s3345" name="Equation" r:id="rId29" imgW="279400" imgH="241300" progId="Equation.3">
+                <p:oleObj spid="_x0000_s3442" name="Equation" r:id="rId29" imgW="279400" imgH="241300" progId="Equation.3">
                   <p:embed/>
                 </p:oleObj>
               </mc:Choice>
@@ -7127,7 +7128,7 @@
           <a:graphicData uri="http://schemas.openxmlformats.org/presentationml/2006/ole">
             <mc:AlternateContent xmlns:mc="http://schemas.openxmlformats.org/markup-compatibility/2006">
               <mc:Choice xmlns:v="urn:schemas-microsoft-com:vml" Requires="v">
-                <p:oleObj spid="_x0000_s3346" name="Equation" r:id="rId31" imgW="279400" imgH="241300" progId="Equation.3">
+                <p:oleObj spid="_x0000_s3443" name="Equation" r:id="rId31" imgW="279400" imgH="241300" progId="Equation.3">
                   <p:embed/>
                 </p:oleObj>
               </mc:Choice>
@@ -7276,7 +7277,7 @@
           <a:graphicData uri="http://schemas.openxmlformats.org/presentationml/2006/ole">
             <mc:AlternateContent xmlns:mc="http://schemas.openxmlformats.org/markup-compatibility/2006">
               <mc:Choice xmlns:v="urn:schemas-microsoft-com:vml" Requires="v">
-                <p:oleObj spid="_x0000_s3347" name="Equation" r:id="rId33" imgW="279400" imgH="241300" progId="Equation.3">
+                <p:oleObj spid="_x0000_s3444" name="Equation" r:id="rId33" imgW="279400" imgH="241300" progId="Equation.3">
                   <p:embed/>
                 </p:oleObj>
               </mc:Choice>
@@ -7335,7 +7336,7 @@
           <a:graphicData uri="http://schemas.openxmlformats.org/presentationml/2006/ole">
             <mc:AlternateContent xmlns:mc="http://schemas.openxmlformats.org/markup-compatibility/2006">
               <mc:Choice xmlns:v="urn:schemas-microsoft-com:vml" Requires="v">
-                <p:oleObj spid="_x0000_s3348" name="Equation" r:id="rId35" imgW="279400" imgH="241300" progId="Equation.3">
+                <p:oleObj spid="_x0000_s3445" name="Equation" r:id="rId35" imgW="279400" imgH="241300" progId="Equation.3">
                   <p:embed/>
                 </p:oleObj>
               </mc:Choice>
@@ -7394,7 +7395,7 @@
           <a:graphicData uri="http://schemas.openxmlformats.org/presentationml/2006/ole">
             <mc:AlternateContent xmlns:mc="http://schemas.openxmlformats.org/markup-compatibility/2006">
               <mc:Choice xmlns:v="urn:schemas-microsoft-com:vml" Requires="v">
-                <p:oleObj spid="_x0000_s3349" name="Equation" r:id="rId37" imgW="279400" imgH="241300" progId="Equation.3">
+                <p:oleObj spid="_x0000_s3446" name="Equation" r:id="rId37" imgW="279400" imgH="241300" progId="Equation.3">
                   <p:embed/>
                 </p:oleObj>
               </mc:Choice>
@@ -7498,7 +7499,7 @@
           <a:graphicData uri="http://schemas.openxmlformats.org/presentationml/2006/ole">
             <mc:AlternateContent xmlns:mc="http://schemas.openxmlformats.org/markup-compatibility/2006">
               <mc:Choice xmlns:v="urn:schemas-microsoft-com:vml" Requires="v">
-                <p:oleObj spid="_x0000_s3350" name="Equation" r:id="rId39" imgW="139700" imgH="228600" progId="Equation.3">
+                <p:oleObj spid="_x0000_s3447" name="Equation" r:id="rId39" imgW="139700" imgH="228600" progId="Equation.3">
                   <p:embed/>
                 </p:oleObj>
               </mc:Choice>
@@ -7647,7 +7648,7 @@
           <a:graphicData uri="http://schemas.openxmlformats.org/presentationml/2006/ole">
             <mc:AlternateContent xmlns:mc="http://schemas.openxmlformats.org/markup-compatibility/2006">
               <mc:Choice xmlns:v="urn:schemas-microsoft-com:vml" Requires="v">
-                <p:oleObj spid="_x0000_s3351" name="Equation" r:id="rId41" imgW="139700" imgH="228600" progId="Equation.3">
+                <p:oleObj spid="_x0000_s3448" name="Equation" r:id="rId41" imgW="139700" imgH="228600" progId="Equation.3">
                   <p:embed/>
                 </p:oleObj>
               </mc:Choice>
@@ -7706,7 +7707,7 @@
           <a:graphicData uri="http://schemas.openxmlformats.org/presentationml/2006/ole">
             <mc:AlternateContent xmlns:mc="http://schemas.openxmlformats.org/markup-compatibility/2006">
               <mc:Choice xmlns:v="urn:schemas-microsoft-com:vml" Requires="v">
-                <p:oleObj spid="_x0000_s3352" name="Equation" r:id="rId43" imgW="139700" imgH="241300" progId="Equation.3">
+                <p:oleObj spid="_x0000_s3449" name="Equation" r:id="rId43" imgW="139700" imgH="241300" progId="Equation.3">
                   <p:embed/>
                 </p:oleObj>
               </mc:Choice>
@@ -7810,7 +7811,7 @@
           <a:graphicData uri="http://schemas.openxmlformats.org/presentationml/2006/ole">
             <mc:AlternateContent xmlns:mc="http://schemas.openxmlformats.org/markup-compatibility/2006">
               <mc:Choice xmlns:v="urn:schemas-microsoft-com:vml" Requires="v">
-                <p:oleObj spid="_x0000_s3353" name="Equation" r:id="rId45" imgW="165100" imgH="228600" progId="Equation.3">
+                <p:oleObj spid="_x0000_s3450" name="Equation" r:id="rId45" imgW="165100" imgH="228600" progId="Equation.3">
                   <p:embed/>
                 </p:oleObj>
               </mc:Choice>
@@ -7959,7 +7960,7 @@
           <a:graphicData uri="http://schemas.openxmlformats.org/presentationml/2006/ole">
             <mc:AlternateContent xmlns:mc="http://schemas.openxmlformats.org/markup-compatibility/2006">
               <mc:Choice xmlns:v="urn:schemas-microsoft-com:vml" Requires="v">
-                <p:oleObj spid="_x0000_s3354" name="Equation" r:id="rId47" imgW="165100" imgH="228600" progId="Equation.3">
+                <p:oleObj spid="_x0000_s3451" name="Equation" r:id="rId47" imgW="165100" imgH="228600" progId="Equation.3">
                   <p:embed/>
                 </p:oleObj>
               </mc:Choice>
@@ -8018,7 +8019,7 @@
           <a:graphicData uri="http://schemas.openxmlformats.org/presentationml/2006/ole">
             <mc:AlternateContent xmlns:mc="http://schemas.openxmlformats.org/markup-compatibility/2006">
               <mc:Choice xmlns:v="urn:schemas-microsoft-com:vml" Requires="v">
-                <p:oleObj spid="_x0000_s3355" name="Equation" r:id="rId49" imgW="165100" imgH="241300" progId="Equation.3">
+                <p:oleObj spid="_x0000_s3452" name="Equation" r:id="rId49" imgW="165100" imgH="241300" progId="Equation.3">
                   <p:embed/>
                 </p:oleObj>
               </mc:Choice>
@@ -8286,7 +8287,7 @@
           <a:graphicData uri="http://schemas.openxmlformats.org/presentationml/2006/ole">
             <mc:AlternateContent xmlns:mc="http://schemas.openxmlformats.org/markup-compatibility/2006">
               <mc:Choice xmlns:v="urn:schemas-microsoft-com:vml" Requires="v">
-                <p:oleObj spid="_x0000_s4168" name="Equation" r:id="rId3" imgW="127000" imgH="165100" progId="Equation.3">
+                <p:oleObj spid="_x0000_s4205" name="Equation" r:id="rId3" imgW="127000" imgH="165100" progId="Equation.3">
                   <p:embed/>
                 </p:oleObj>
               </mc:Choice>
@@ -8343,7 +8344,7 @@
           <a:graphicData uri="http://schemas.openxmlformats.org/presentationml/2006/ole">
             <mc:AlternateContent xmlns:mc="http://schemas.openxmlformats.org/markup-compatibility/2006">
               <mc:Choice xmlns:v="urn:schemas-microsoft-com:vml" Requires="v">
-                <p:oleObj spid="_x0000_s4169" name="Equation" r:id="rId5" imgW="152400" imgH="203200" progId="Equation.3">
+                <p:oleObj spid="_x0000_s4206" name="Equation" r:id="rId5" imgW="152400" imgH="203200" progId="Equation.3">
                   <p:embed/>
                 </p:oleObj>
               </mc:Choice>
@@ -8400,7 +8401,7 @@
           <a:graphicData uri="http://schemas.openxmlformats.org/presentationml/2006/ole">
             <mc:AlternateContent xmlns:mc="http://schemas.openxmlformats.org/markup-compatibility/2006">
               <mc:Choice xmlns:v="urn:schemas-microsoft-com:vml" Requires="v">
-                <p:oleObj spid="_x0000_s4170" name="Equation" r:id="rId7" imgW="177800" imgH="203200" progId="Equation.3">
+                <p:oleObj spid="_x0000_s4207" name="Equation" r:id="rId7" imgW="177800" imgH="203200" progId="Equation.3">
                   <p:embed/>
                 </p:oleObj>
               </mc:Choice>
@@ -8457,7 +8458,7 @@
           <a:graphicData uri="http://schemas.openxmlformats.org/presentationml/2006/ole">
             <mc:AlternateContent xmlns:mc="http://schemas.openxmlformats.org/markup-compatibility/2006">
               <mc:Choice xmlns:v="urn:schemas-microsoft-com:vml" Requires="v">
-                <p:oleObj spid="_x0000_s4171" name="Equation" r:id="rId9" imgW="165100" imgH="215900" progId="Equation.3">
+                <p:oleObj spid="_x0000_s4208" name="Equation" r:id="rId9" imgW="165100" imgH="215900" progId="Equation.3">
                   <p:embed/>
                 </p:oleObj>
               </mc:Choice>
@@ -8514,7 +8515,7 @@
           <a:graphicData uri="http://schemas.openxmlformats.org/presentationml/2006/ole">
             <mc:AlternateContent xmlns:mc="http://schemas.openxmlformats.org/markup-compatibility/2006">
               <mc:Choice xmlns:v="urn:schemas-microsoft-com:vml" Requires="v">
-                <p:oleObj spid="_x0000_s4172" name="Equation" r:id="rId11" imgW="508000" imgH="203200" progId="Equation.3">
+                <p:oleObj spid="_x0000_s4209" name="Equation" r:id="rId11" imgW="508000" imgH="203200" progId="Equation.3">
                   <p:embed/>
                 </p:oleObj>
               </mc:Choice>
@@ -8571,7 +8572,7 @@
           <a:graphicData uri="http://schemas.openxmlformats.org/presentationml/2006/ole">
             <mc:AlternateContent xmlns:mc="http://schemas.openxmlformats.org/markup-compatibility/2006">
               <mc:Choice xmlns:v="urn:schemas-microsoft-com:vml" Requires="v">
-                <p:oleObj spid="_x0000_s4173" name="Equation" r:id="rId13" imgW="317500" imgH="177800" progId="Equation.3">
+                <p:oleObj spid="_x0000_s4210" name="Equation" r:id="rId13" imgW="317500" imgH="177800" progId="Equation.3">
                   <p:embed/>
                 </p:oleObj>
               </mc:Choice>
@@ -8628,7 +8629,7 @@
           <a:graphicData uri="http://schemas.openxmlformats.org/presentationml/2006/ole">
             <mc:AlternateContent xmlns:mc="http://schemas.openxmlformats.org/markup-compatibility/2006">
               <mc:Choice xmlns:v="urn:schemas-microsoft-com:vml" Requires="v">
-                <p:oleObj spid="_x0000_s4174" name="Equation" r:id="rId15" imgW="330200" imgH="177800" progId="Equation.3">
+                <p:oleObj spid="_x0000_s4211" name="Equation" r:id="rId15" imgW="330200" imgH="177800" progId="Equation.3">
                   <p:embed/>
                 </p:oleObj>
               </mc:Choice>
@@ -8685,7 +8686,7 @@
           <a:graphicData uri="http://schemas.openxmlformats.org/presentationml/2006/ole">
             <mc:AlternateContent xmlns:mc="http://schemas.openxmlformats.org/markup-compatibility/2006">
               <mc:Choice xmlns:v="urn:schemas-microsoft-com:vml" Requires="v">
-                <p:oleObj spid="_x0000_s4175" name="Equation" r:id="rId17" imgW="177800" imgH="203200" progId="Equation.3">
+                <p:oleObj spid="_x0000_s4212" name="Equation" r:id="rId17" imgW="177800" imgH="203200" progId="Equation.3">
                   <p:embed/>
                 </p:oleObj>
               </mc:Choice>
@@ -8742,7 +8743,7 @@
           <a:graphicData uri="http://schemas.openxmlformats.org/presentationml/2006/ole">
             <mc:AlternateContent xmlns:mc="http://schemas.openxmlformats.org/markup-compatibility/2006">
               <mc:Choice xmlns:v="urn:schemas-microsoft-com:vml" Requires="v">
-                <p:oleObj spid="_x0000_s4176" name="Equation" r:id="rId19" imgW="203200" imgH="203200" progId="Equation.3">
+                <p:oleObj spid="_x0000_s4213" name="Equation" r:id="rId19" imgW="203200" imgH="203200" progId="Equation.3">
                   <p:embed/>
                 </p:oleObj>
               </mc:Choice>
@@ -8799,7 +8800,7 @@
           <a:graphicData uri="http://schemas.openxmlformats.org/presentationml/2006/ole">
             <mc:AlternateContent xmlns:mc="http://schemas.openxmlformats.org/markup-compatibility/2006">
               <mc:Choice xmlns:v="urn:schemas-microsoft-com:vml" Requires="v">
-                <p:oleObj spid="_x0000_s4177" name="Equation" r:id="rId21" imgW="203200" imgH="203200" progId="Equation.3">
+                <p:oleObj spid="_x0000_s4214" name="Equation" r:id="rId21" imgW="203200" imgH="203200" progId="Equation.3">
                   <p:embed/>
                 </p:oleObj>
               </mc:Choice>
@@ -8856,7 +8857,7 @@
           <a:graphicData uri="http://schemas.openxmlformats.org/presentationml/2006/ole">
             <mc:AlternateContent xmlns:mc="http://schemas.openxmlformats.org/markup-compatibility/2006">
               <mc:Choice xmlns:v="urn:schemas-microsoft-com:vml" Requires="v">
-                <p:oleObj spid="_x0000_s4178" name="Equation" r:id="rId23" imgW="1625600" imgH="241300" progId="Equation.3">
+                <p:oleObj spid="_x0000_s4215" name="Equation" r:id="rId23" imgW="1625600" imgH="241300" progId="Equation.3">
                   <p:embed/>
                 </p:oleObj>
               </mc:Choice>
@@ -8913,7 +8914,7 @@
           <a:graphicData uri="http://schemas.openxmlformats.org/presentationml/2006/ole">
             <mc:AlternateContent xmlns:mc="http://schemas.openxmlformats.org/markup-compatibility/2006">
               <mc:Choice xmlns:v="urn:schemas-microsoft-com:vml" Requires="v">
-                <p:oleObj spid="_x0000_s4179" name="Equation" r:id="rId25" imgW="114300" imgH="165100" progId="Equation.3">
+                <p:oleObj spid="_x0000_s4216" name="Equation" r:id="rId25" imgW="114300" imgH="165100" progId="Equation.3">
                   <p:embed/>
                 </p:oleObj>
               </mc:Choice>
@@ -10041,7 +10042,7 @@
           <a:graphicData uri="http://schemas.openxmlformats.org/presentationml/2006/ole">
             <mc:AlternateContent xmlns:mc="http://schemas.openxmlformats.org/markup-compatibility/2006">
               <mc:Choice xmlns:v="urn:schemas-microsoft-com:vml" Requires="v">
-                <p:oleObj spid="_x0000_s6150" name="Equation" r:id="rId3" imgW="139700" imgH="228600" progId="Equation.3">
+                <p:oleObj spid="_x0000_s6166" name="Equation" r:id="rId3" imgW="139700" imgH="228600" progId="Equation.3">
                   <p:embed/>
                 </p:oleObj>
               </mc:Choice>
@@ -10100,7 +10101,7 @@
           <a:graphicData uri="http://schemas.openxmlformats.org/presentationml/2006/ole">
             <mc:AlternateContent xmlns:mc="http://schemas.openxmlformats.org/markup-compatibility/2006">
               <mc:Choice xmlns:v="urn:schemas-microsoft-com:vml" Requires="v">
-                <p:oleObj spid="_x0000_s6151" name="Equation" r:id="rId5" imgW="165100" imgH="228600" progId="Equation.3">
+                <p:oleObj spid="_x0000_s6167" name="Equation" r:id="rId5" imgW="165100" imgH="228600" progId="Equation.3">
                   <p:embed/>
                 </p:oleObj>
               </mc:Choice>
@@ -10194,7 +10195,7 @@
           <a:graphicData uri="http://schemas.openxmlformats.org/presentationml/2006/ole">
             <mc:AlternateContent xmlns:mc="http://schemas.openxmlformats.org/markup-compatibility/2006">
               <mc:Choice xmlns:v="urn:schemas-microsoft-com:vml" Requires="v">
-                <p:oleObj spid="_x0000_s6152" name="Equation" r:id="rId7" imgW="165100" imgH="241300" progId="Equation.3">
+                <p:oleObj spid="_x0000_s6168" name="Equation" r:id="rId7" imgW="165100" imgH="241300" progId="Equation.3">
                   <p:embed/>
                 </p:oleObj>
               </mc:Choice>
@@ -10253,7 +10254,7 @@
           <a:graphicData uri="http://schemas.openxmlformats.org/presentationml/2006/ole">
             <mc:AlternateContent xmlns:mc="http://schemas.openxmlformats.org/markup-compatibility/2006">
               <mc:Choice xmlns:v="urn:schemas-microsoft-com:vml" Requires="v">
-                <p:oleObj spid="_x0000_s6153" name="Equation" r:id="rId9" imgW="165100" imgH="254000" progId="Equation.3">
+                <p:oleObj spid="_x0000_s6169" name="Equation" r:id="rId9" imgW="165100" imgH="254000" progId="Equation.3">
                   <p:embed/>
                 </p:oleObj>
               </mc:Choice>
@@ -10312,7 +10313,7 @@
           <a:graphicData uri="http://schemas.openxmlformats.org/presentationml/2006/ole">
             <mc:AlternateContent xmlns:mc="http://schemas.openxmlformats.org/markup-compatibility/2006">
               <mc:Choice xmlns:v="urn:schemas-microsoft-com:vml" Requires="v">
-                <p:oleObj spid="_x0000_s6154" name="Equation" r:id="rId11" imgW="165100" imgH="254000" progId="Equation.3">
+                <p:oleObj spid="_x0000_s6170" name="Equation" r:id="rId11" imgW="165100" imgH="254000" progId="Equation.3">
                   <p:embed/>
                 </p:oleObj>
               </mc:Choice>
@@ -11037,6 +11038,2819 @@
     <p:extLst>
       <p:ext uri="{BB962C8B-B14F-4D97-AF65-F5344CB8AC3E}">
         <p14:creationId xmlns:p14="http://schemas.microsoft.com/office/powerpoint/2010/main" val="177272746"/>
+      </p:ext>
+    </p:extLst>
+  </p:cSld>
+  <p:clrMapOvr>
+    <a:masterClrMapping/>
+  </p:clrMapOvr>
+</p:sld>
+</file>
+
+<file path=ppt/slides/slide8.xml><?xml version="1.0" encoding="utf-8"?>
+<p:sld xmlns:a="http://schemas.openxmlformats.org/drawingml/2006/main" xmlns:r="http://schemas.openxmlformats.org/officeDocument/2006/relationships" xmlns:p="http://schemas.openxmlformats.org/presentationml/2006/main">
+  <p:cSld>
+    <p:spTree>
+      <p:nvGrpSpPr>
+        <p:cNvPr id="1" name=""/>
+        <p:cNvGrpSpPr/>
+        <p:nvPr/>
+      </p:nvGrpSpPr>
+      <p:grpSpPr>
+        <a:xfrm>
+          <a:off x="0" y="0"/>
+          <a:ext cx="0" cy="0"/>
+          <a:chOff x="0" y="0"/>
+          <a:chExt cx="0" cy="0"/>
+        </a:xfrm>
+      </p:grpSpPr>
+      <p:sp>
+        <p:nvSpPr>
+          <p:cNvPr id="4" name="Oval 3"/>
+          <p:cNvSpPr/>
+          <p:nvPr/>
+        </p:nvSpPr>
+        <p:spPr>
+          <a:xfrm>
+            <a:off x="3698287" y="1606558"/>
+            <a:ext cx="903111" cy="903111"/>
+          </a:xfrm>
+          <a:prstGeom prst="ellipse">
+            <a:avLst/>
+          </a:prstGeom>
+          <a:noFill/>
+        </p:spPr>
+        <p:style>
+          <a:lnRef idx="2">
+            <a:schemeClr val="dk1"/>
+          </a:lnRef>
+          <a:fillRef idx="1">
+            <a:schemeClr val="lt1"/>
+          </a:fillRef>
+          <a:effectRef idx="0">
+            <a:schemeClr val="dk1"/>
+          </a:effectRef>
+          <a:fontRef idx="minor">
+            <a:schemeClr val="dk1"/>
+          </a:fontRef>
+        </p:style>
+        <p:txBody>
+          <a:bodyPr rtlCol="0" anchor="ctr"/>
+          <a:lstStyle/>
+          <a:p>
+            <a:pPr algn="ctr"/>
+            <a:endParaRPr lang="en-US"/>
+          </a:p>
+        </p:txBody>
+      </p:sp>
+      <p:sp>
+        <p:nvSpPr>
+          <p:cNvPr id="5" name="Oval 4"/>
+          <p:cNvSpPr/>
+          <p:nvPr/>
+        </p:nvSpPr>
+        <p:spPr>
+          <a:xfrm>
+            <a:off x="4838381" y="4267744"/>
+            <a:ext cx="903111" cy="903111"/>
+          </a:xfrm>
+          <a:prstGeom prst="ellipse">
+            <a:avLst/>
+          </a:prstGeom>
+          <a:noFill/>
+        </p:spPr>
+        <p:style>
+          <a:lnRef idx="2">
+            <a:schemeClr val="dk1"/>
+          </a:lnRef>
+          <a:fillRef idx="1">
+            <a:schemeClr val="lt1"/>
+          </a:fillRef>
+          <a:effectRef idx="0">
+            <a:schemeClr val="dk1"/>
+          </a:effectRef>
+          <a:fontRef idx="minor">
+            <a:schemeClr val="dk1"/>
+          </a:fontRef>
+        </p:style>
+        <p:txBody>
+          <a:bodyPr rtlCol="0" anchor="ctr"/>
+          <a:lstStyle/>
+          <a:p>
+            <a:pPr algn="ctr"/>
+            <a:endParaRPr lang="en-US"/>
+          </a:p>
+        </p:txBody>
+      </p:sp>
+      <p:sp>
+        <p:nvSpPr>
+          <p:cNvPr id="6" name="Oval 5"/>
+          <p:cNvSpPr/>
+          <p:nvPr/>
+        </p:nvSpPr>
+        <p:spPr>
+          <a:xfrm>
+            <a:off x="1628835" y="3597906"/>
+            <a:ext cx="903111" cy="903111"/>
+          </a:xfrm>
+          <a:prstGeom prst="ellipse">
+            <a:avLst/>
+          </a:prstGeom>
+          <a:noFill/>
+        </p:spPr>
+        <p:style>
+          <a:lnRef idx="2">
+            <a:schemeClr val="dk1"/>
+          </a:lnRef>
+          <a:fillRef idx="1">
+            <a:schemeClr val="lt1"/>
+          </a:fillRef>
+          <a:effectRef idx="0">
+            <a:schemeClr val="dk1"/>
+          </a:effectRef>
+          <a:fontRef idx="minor">
+            <a:schemeClr val="dk1"/>
+          </a:fontRef>
+        </p:style>
+        <p:txBody>
+          <a:bodyPr rtlCol="0" anchor="ctr"/>
+          <a:lstStyle/>
+          <a:p>
+            <a:pPr algn="ctr"/>
+            <a:endParaRPr lang="en-US"/>
+          </a:p>
+        </p:txBody>
+      </p:sp>
+      <p:sp>
+        <p:nvSpPr>
+          <p:cNvPr id="7" name="Oval 6"/>
+          <p:cNvSpPr/>
+          <p:nvPr/>
+        </p:nvSpPr>
+        <p:spPr>
+          <a:xfrm>
+            <a:off x="6500213" y="1758957"/>
+            <a:ext cx="903111" cy="903111"/>
+          </a:xfrm>
+          <a:prstGeom prst="ellipse">
+            <a:avLst/>
+          </a:prstGeom>
+          <a:noFill/>
+        </p:spPr>
+        <p:style>
+          <a:lnRef idx="2">
+            <a:schemeClr val="dk1"/>
+          </a:lnRef>
+          <a:fillRef idx="1">
+            <a:schemeClr val="lt1"/>
+          </a:fillRef>
+          <a:effectRef idx="0">
+            <a:schemeClr val="dk1"/>
+          </a:effectRef>
+          <a:fontRef idx="minor">
+            <a:schemeClr val="dk1"/>
+          </a:fontRef>
+        </p:style>
+        <p:txBody>
+          <a:bodyPr rtlCol="0" anchor="ctr"/>
+          <a:lstStyle/>
+          <a:p>
+            <a:pPr algn="ctr"/>
+            <a:endParaRPr lang="en-US"/>
+          </a:p>
+        </p:txBody>
+      </p:sp>
+      <p:cxnSp>
+        <p:nvCxnSpPr>
+          <p:cNvPr id="10" name="Straight Arrow Connector 9"/>
+          <p:cNvCxnSpPr/>
+          <p:nvPr/>
+        </p:nvCxnSpPr>
+        <p:spPr>
+          <a:xfrm flipV="1">
+            <a:off x="2547624" y="2367666"/>
+            <a:ext cx="3968267" cy="1575199"/>
+          </a:xfrm>
+          <a:prstGeom prst="straightConnector1">
+            <a:avLst/>
+          </a:prstGeom>
+          <a:ln>
+            <a:tailEnd type="arrow"/>
+          </a:ln>
+        </p:spPr>
+        <p:style>
+          <a:lnRef idx="1">
+            <a:schemeClr val="dk1"/>
+          </a:lnRef>
+          <a:fillRef idx="0">
+            <a:schemeClr val="dk1"/>
+          </a:fillRef>
+          <a:effectRef idx="0">
+            <a:schemeClr val="dk1"/>
+          </a:effectRef>
+          <a:fontRef idx="minor">
+            <a:schemeClr val="tx1"/>
+          </a:fontRef>
+        </p:style>
+      </p:cxnSp>
+      <p:sp>
+        <p:nvSpPr>
+          <p:cNvPr id="21" name="Freeform 20"/>
+          <p:cNvSpPr/>
+          <p:nvPr/>
+        </p:nvSpPr>
+        <p:spPr>
+          <a:xfrm>
+            <a:off x="2179188" y="2210866"/>
+            <a:ext cx="1534777" cy="1387039"/>
+          </a:xfrm>
+          <a:custGeom>
+            <a:avLst/>
+            <a:gdLst>
+              <a:gd name="connsiteX0" fmla="*/ 0 w 1755898"/>
+              <a:gd name="connsiteY0" fmla="*/ 1285752 h 1285752"/>
+              <a:gd name="connsiteX1" fmla="*/ 564396 w 1755898"/>
+              <a:gd name="connsiteY1" fmla="*/ 297918 h 1285752"/>
+              <a:gd name="connsiteX2" fmla="*/ 1755898 w 1755898"/>
+              <a:gd name="connsiteY2" fmla="*/ 0 h 1285752"/>
+            </a:gdLst>
+            <a:ahLst/>
+            <a:cxnLst>
+              <a:cxn ang="0">
+                <a:pos x="connsiteX0" y="connsiteY0"/>
+              </a:cxn>
+              <a:cxn ang="0">
+                <a:pos x="connsiteX1" y="connsiteY1"/>
+              </a:cxn>
+              <a:cxn ang="0">
+                <a:pos x="connsiteX2" y="connsiteY2"/>
+              </a:cxn>
+            </a:cxnLst>
+            <a:rect l="l" t="t" r="r" b="b"/>
+            <a:pathLst>
+              <a:path w="1755898" h="1285752">
+                <a:moveTo>
+                  <a:pt x="0" y="1285752"/>
+                </a:moveTo>
+                <a:cubicBezTo>
+                  <a:pt x="135873" y="898981"/>
+                  <a:pt x="271746" y="512210"/>
+                  <a:pt x="564396" y="297918"/>
+                </a:cubicBezTo>
+                <a:cubicBezTo>
+                  <a:pt x="857046" y="83626"/>
+                  <a:pt x="1755898" y="0"/>
+                  <a:pt x="1755898" y="0"/>
+                </a:cubicBezTo>
+              </a:path>
+            </a:pathLst>
+          </a:custGeom>
+          <a:ln>
+            <a:tailEnd type="arrow" w="med" len="med"/>
+          </a:ln>
+        </p:spPr>
+        <p:style>
+          <a:lnRef idx="1">
+            <a:schemeClr val="dk1"/>
+          </a:lnRef>
+          <a:fillRef idx="0">
+            <a:schemeClr val="dk1"/>
+          </a:fillRef>
+          <a:effectRef idx="0">
+            <a:schemeClr val="dk1"/>
+          </a:effectRef>
+          <a:fontRef idx="minor">
+            <a:schemeClr val="tx1"/>
+          </a:fontRef>
+        </p:style>
+        <p:txBody>
+          <a:bodyPr rtlCol="0" anchor="ctr"/>
+          <a:lstStyle/>
+          <a:p>
+            <a:pPr algn="ctr"/>
+            <a:endParaRPr lang="en-US"/>
+          </a:p>
+        </p:txBody>
+      </p:sp>
+      <p:sp>
+        <p:nvSpPr>
+          <p:cNvPr id="22" name="Freeform 21"/>
+          <p:cNvSpPr/>
+          <p:nvPr/>
+        </p:nvSpPr>
+        <p:spPr>
+          <a:xfrm>
+            <a:off x="2414353" y="2461746"/>
+            <a:ext cx="1505056" cy="1238712"/>
+          </a:xfrm>
+          <a:custGeom>
+            <a:avLst/>
+            <a:gdLst>
+              <a:gd name="connsiteX0" fmla="*/ 1505056 w 1505056"/>
+              <a:gd name="connsiteY0" fmla="*/ 0 h 1238712"/>
+              <a:gd name="connsiteX1" fmla="*/ 1081759 w 1505056"/>
+              <a:gd name="connsiteY1" fmla="*/ 862395 h 1238712"/>
+              <a:gd name="connsiteX2" fmla="*/ 0 w 1505056"/>
+              <a:gd name="connsiteY2" fmla="*/ 1238712 h 1238712"/>
+            </a:gdLst>
+            <a:ahLst/>
+            <a:cxnLst>
+              <a:cxn ang="0">
+                <a:pos x="connsiteX0" y="connsiteY0"/>
+              </a:cxn>
+              <a:cxn ang="0">
+                <a:pos x="connsiteX1" y="connsiteY1"/>
+              </a:cxn>
+              <a:cxn ang="0">
+                <a:pos x="connsiteX2" y="connsiteY2"/>
+              </a:cxn>
+            </a:cxnLst>
+            <a:rect l="l" t="t" r="r" b="b"/>
+            <a:pathLst>
+              <a:path w="1505056" h="1238712">
+                <a:moveTo>
+                  <a:pt x="1505056" y="0"/>
+                </a:moveTo>
+                <a:cubicBezTo>
+                  <a:pt x="1418828" y="327971"/>
+                  <a:pt x="1332601" y="655943"/>
+                  <a:pt x="1081759" y="862395"/>
+                </a:cubicBezTo>
+                <a:cubicBezTo>
+                  <a:pt x="830917" y="1068847"/>
+                  <a:pt x="0" y="1238712"/>
+                  <a:pt x="0" y="1238712"/>
+                </a:cubicBezTo>
+              </a:path>
+            </a:pathLst>
+          </a:custGeom>
+          <a:ln>
+            <a:tailEnd type="arrow"/>
+          </a:ln>
+        </p:spPr>
+        <p:style>
+          <a:lnRef idx="1">
+            <a:schemeClr val="dk1"/>
+          </a:lnRef>
+          <a:fillRef idx="0">
+            <a:schemeClr val="dk1"/>
+          </a:fillRef>
+          <a:effectRef idx="0">
+            <a:schemeClr val="dk1"/>
+          </a:effectRef>
+          <a:fontRef idx="minor">
+            <a:schemeClr val="tx1"/>
+          </a:fontRef>
+        </p:style>
+        <p:txBody>
+          <a:bodyPr rtlCol="0" anchor="ctr"/>
+          <a:lstStyle/>
+          <a:p>
+            <a:pPr algn="ctr"/>
+            <a:endParaRPr lang="en-US"/>
+          </a:p>
+        </p:txBody>
+      </p:sp>
+      <p:cxnSp>
+        <p:nvCxnSpPr>
+          <p:cNvPr id="23" name="Straight Arrow Connector 22"/>
+          <p:cNvCxnSpPr/>
+          <p:nvPr/>
+        </p:nvCxnSpPr>
+        <p:spPr>
+          <a:xfrm>
+            <a:off x="4374061" y="2477426"/>
+            <a:ext cx="705496" cy="1805998"/>
+          </a:xfrm>
+          <a:prstGeom prst="straightConnector1">
+            <a:avLst/>
+          </a:prstGeom>
+          <a:ln>
+            <a:tailEnd type="arrow"/>
+          </a:ln>
+        </p:spPr>
+        <p:style>
+          <a:lnRef idx="1">
+            <a:schemeClr val="dk1"/>
+          </a:lnRef>
+          <a:fillRef idx="0">
+            <a:schemeClr val="dk1"/>
+          </a:fillRef>
+          <a:effectRef idx="0">
+            <a:schemeClr val="dk1"/>
+          </a:effectRef>
+          <a:fontRef idx="minor">
+            <a:schemeClr val="tx1"/>
+          </a:fontRef>
+        </p:style>
+      </p:cxnSp>
+      <p:cxnSp>
+        <p:nvCxnSpPr>
+          <p:cNvPr id="26" name="Straight Arrow Connector 25"/>
+          <p:cNvCxnSpPr/>
+          <p:nvPr/>
+        </p:nvCxnSpPr>
+        <p:spPr>
+          <a:xfrm flipH="1" flipV="1">
+            <a:off x="2516268" y="4220704"/>
+            <a:ext cx="2290757" cy="451556"/>
+          </a:xfrm>
+          <a:prstGeom prst="straightConnector1">
+            <a:avLst/>
+          </a:prstGeom>
+          <a:ln>
+            <a:tailEnd type="arrow"/>
+          </a:ln>
+        </p:spPr>
+        <p:style>
+          <a:lnRef idx="1">
+            <a:schemeClr val="dk1"/>
+          </a:lnRef>
+          <a:fillRef idx="0">
+            <a:schemeClr val="dk1"/>
+          </a:fillRef>
+          <a:effectRef idx="0">
+            <a:schemeClr val="dk1"/>
+          </a:effectRef>
+          <a:fontRef idx="minor">
+            <a:schemeClr val="tx1"/>
+          </a:fontRef>
+        </p:style>
+      </p:cxnSp>
+      <p:cxnSp>
+        <p:nvCxnSpPr>
+          <p:cNvPr id="30" name="Straight Arrow Connector 29"/>
+          <p:cNvCxnSpPr>
+            <a:stCxn id="7" idx="2"/>
+            <a:endCxn id="4" idx="6"/>
+          </p:cNvCxnSpPr>
+          <p:nvPr/>
+        </p:nvCxnSpPr>
+        <p:spPr>
+          <a:xfrm flipH="1" flipV="1">
+            <a:off x="4601398" y="2058114"/>
+            <a:ext cx="1898815" cy="152399"/>
+          </a:xfrm>
+          <a:prstGeom prst="straightConnector1">
+            <a:avLst/>
+          </a:prstGeom>
+          <a:ln>
+            <a:tailEnd type="arrow"/>
+          </a:ln>
+        </p:spPr>
+        <p:style>
+          <a:lnRef idx="1">
+            <a:schemeClr val="dk1"/>
+          </a:lnRef>
+          <a:fillRef idx="0">
+            <a:schemeClr val="dk1"/>
+          </a:fillRef>
+          <a:effectRef idx="0">
+            <a:schemeClr val="dk1"/>
+          </a:effectRef>
+          <a:fontRef idx="minor">
+            <a:schemeClr val="tx1"/>
+          </a:fontRef>
+        </p:style>
+      </p:cxnSp>
+      <p:sp>
+        <p:nvSpPr>
+          <p:cNvPr id="37" name="Freeform 36"/>
+          <p:cNvSpPr/>
+          <p:nvPr/>
+        </p:nvSpPr>
+        <p:spPr>
+          <a:xfrm>
+            <a:off x="6600211" y="2477426"/>
+            <a:ext cx="1003447" cy="1026401"/>
+          </a:xfrm>
+          <a:custGeom>
+            <a:avLst/>
+            <a:gdLst>
+              <a:gd name="connsiteX0" fmla="*/ 548795 w 727650"/>
+              <a:gd name="connsiteY0" fmla="*/ 0 h 642876"/>
+              <a:gd name="connsiteX1" fmla="*/ 721249 w 727650"/>
+              <a:gd name="connsiteY1" fmla="*/ 203839 h 642876"/>
+              <a:gd name="connsiteX2" fmla="*/ 658538 w 727650"/>
+              <a:gd name="connsiteY2" fmla="*/ 501757 h 642876"/>
+              <a:gd name="connsiteX3" fmla="*/ 360663 w 727650"/>
+              <a:gd name="connsiteY3" fmla="*/ 642876 h 642876"/>
+              <a:gd name="connsiteX4" fmla="*/ 78465 w 727650"/>
+              <a:gd name="connsiteY4" fmla="*/ 501757 h 642876"/>
+              <a:gd name="connsiteX5" fmla="*/ 76 w 727650"/>
+              <a:gd name="connsiteY5" fmla="*/ 313598 h 642876"/>
+              <a:gd name="connsiteX6" fmla="*/ 62787 w 727650"/>
+              <a:gd name="connsiteY6" fmla="*/ 78400 h 642876"/>
+            </a:gdLst>
+            <a:ahLst/>
+            <a:cxnLst>
+              <a:cxn ang="0">
+                <a:pos x="connsiteX0" y="connsiteY0"/>
+              </a:cxn>
+              <a:cxn ang="0">
+                <a:pos x="connsiteX1" y="connsiteY1"/>
+              </a:cxn>
+              <a:cxn ang="0">
+                <a:pos x="connsiteX2" y="connsiteY2"/>
+              </a:cxn>
+              <a:cxn ang="0">
+                <a:pos x="connsiteX3" y="connsiteY3"/>
+              </a:cxn>
+              <a:cxn ang="0">
+                <a:pos x="connsiteX4" y="connsiteY4"/>
+              </a:cxn>
+              <a:cxn ang="0">
+                <a:pos x="connsiteX5" y="connsiteY5"/>
+              </a:cxn>
+              <a:cxn ang="0">
+                <a:pos x="connsiteX6" y="connsiteY6"/>
+              </a:cxn>
+            </a:cxnLst>
+            <a:rect l="l" t="t" r="r" b="b"/>
+            <a:pathLst>
+              <a:path w="727650" h="642876">
+                <a:moveTo>
+                  <a:pt x="548795" y="0"/>
+                </a:moveTo>
+                <a:cubicBezTo>
+                  <a:pt x="625877" y="60106"/>
+                  <a:pt x="702959" y="120213"/>
+                  <a:pt x="721249" y="203839"/>
+                </a:cubicBezTo>
+                <a:cubicBezTo>
+                  <a:pt x="739539" y="287465"/>
+                  <a:pt x="718636" y="428584"/>
+                  <a:pt x="658538" y="501757"/>
+                </a:cubicBezTo>
+                <a:cubicBezTo>
+                  <a:pt x="598440" y="574930"/>
+                  <a:pt x="457342" y="642876"/>
+                  <a:pt x="360663" y="642876"/>
+                </a:cubicBezTo>
+                <a:cubicBezTo>
+                  <a:pt x="263984" y="642876"/>
+                  <a:pt x="138563" y="556637"/>
+                  <a:pt x="78465" y="501757"/>
+                </a:cubicBezTo>
+                <a:cubicBezTo>
+                  <a:pt x="18367" y="446877"/>
+                  <a:pt x="2689" y="384157"/>
+                  <a:pt x="76" y="313598"/>
+                </a:cubicBezTo>
+                <a:cubicBezTo>
+                  <a:pt x="-2537" y="243039"/>
+                  <a:pt x="62787" y="78400"/>
+                  <a:pt x="62787" y="78400"/>
+                </a:cubicBezTo>
+              </a:path>
+            </a:pathLst>
+          </a:custGeom>
+          <a:ln>
+            <a:tailEnd type="arrow"/>
+          </a:ln>
+        </p:spPr>
+        <p:style>
+          <a:lnRef idx="1">
+            <a:schemeClr val="dk1"/>
+          </a:lnRef>
+          <a:fillRef idx="0">
+            <a:schemeClr val="dk1"/>
+          </a:fillRef>
+          <a:effectRef idx="0">
+            <a:schemeClr val="dk1"/>
+          </a:effectRef>
+          <a:fontRef idx="minor">
+            <a:schemeClr val="tx1"/>
+          </a:fontRef>
+        </p:style>
+        <p:txBody>
+          <a:bodyPr rtlCol="0" anchor="ctr"/>
+          <a:lstStyle/>
+          <a:p>
+            <a:pPr algn="ctr"/>
+            <a:endParaRPr lang="en-US"/>
+          </a:p>
+        </p:txBody>
+      </p:sp>
+      <p:sp>
+        <p:nvSpPr>
+          <p:cNvPr id="38" name="Oval 37"/>
+          <p:cNvSpPr/>
+          <p:nvPr/>
+        </p:nvSpPr>
+        <p:spPr>
+          <a:xfrm>
+            <a:off x="-455919" y="2621036"/>
+            <a:ext cx="903111" cy="903111"/>
+          </a:xfrm>
+          <a:prstGeom prst="ellipse">
+            <a:avLst/>
+          </a:prstGeom>
+          <a:noFill/>
+        </p:spPr>
+        <p:style>
+          <a:lnRef idx="2">
+            <a:schemeClr val="dk1"/>
+          </a:lnRef>
+          <a:fillRef idx="1">
+            <a:schemeClr val="lt1"/>
+          </a:fillRef>
+          <a:effectRef idx="0">
+            <a:schemeClr val="dk1"/>
+          </a:effectRef>
+          <a:fontRef idx="minor">
+            <a:schemeClr val="dk1"/>
+          </a:fontRef>
+        </p:style>
+        <p:txBody>
+          <a:bodyPr rtlCol="0" anchor="ctr"/>
+          <a:lstStyle/>
+          <a:p>
+            <a:pPr algn="ctr"/>
+            <a:endParaRPr lang="en-US"/>
+          </a:p>
+        </p:txBody>
+      </p:sp>
+      <p:grpSp>
+        <p:nvGrpSpPr>
+          <p:cNvPr id="50" name="Group 49"/>
+          <p:cNvGrpSpPr/>
+          <p:nvPr/>
+        </p:nvGrpSpPr>
+        <p:grpSpPr>
+          <a:xfrm>
+            <a:off x="630011" y="2883221"/>
+            <a:ext cx="51361" cy="378741"/>
+            <a:chOff x="-665558" y="4289822"/>
+            <a:chExt cx="51361" cy="378741"/>
+          </a:xfrm>
+        </p:grpSpPr>
+        <p:sp>
+          <p:nvSpPr>
+            <p:cNvPr id="41" name="Oval 40"/>
+            <p:cNvSpPr/>
+            <p:nvPr/>
+          </p:nvSpPr>
+          <p:spPr>
+            <a:xfrm>
+              <a:off x="-659916" y="4289822"/>
+              <a:ext cx="45719" cy="45719"/>
+            </a:xfrm>
+            <a:prstGeom prst="ellipse">
+              <a:avLst/>
+            </a:prstGeom>
+            <a:solidFill>
+              <a:schemeClr val="tx1"/>
+            </a:solidFill>
+            <a:ln/>
+          </p:spPr>
+          <p:style>
+            <a:lnRef idx="2">
+              <a:schemeClr val="dk1"/>
+            </a:lnRef>
+            <a:fillRef idx="1">
+              <a:schemeClr val="lt1"/>
+            </a:fillRef>
+            <a:effectRef idx="0">
+              <a:schemeClr val="dk1"/>
+            </a:effectRef>
+            <a:fontRef idx="minor">
+              <a:schemeClr val="dk1"/>
+            </a:fontRef>
+          </p:style>
+          <p:txBody>
+            <a:bodyPr rtlCol="0" anchor="ctr"/>
+            <a:lstStyle/>
+            <a:p>
+              <a:pPr algn="ctr"/>
+              <a:endParaRPr lang="en-US"/>
+            </a:p>
+          </p:txBody>
+        </p:sp>
+        <p:sp>
+          <p:nvSpPr>
+            <p:cNvPr id="42" name="Oval 41"/>
+            <p:cNvSpPr/>
+            <p:nvPr/>
+          </p:nvSpPr>
+          <p:spPr>
+            <a:xfrm>
+              <a:off x="-662737" y="4456333"/>
+              <a:ext cx="45719" cy="45719"/>
+            </a:xfrm>
+            <a:prstGeom prst="ellipse">
+              <a:avLst/>
+            </a:prstGeom>
+            <a:solidFill>
+              <a:schemeClr val="tx1"/>
+            </a:solidFill>
+            <a:ln/>
+          </p:spPr>
+          <p:style>
+            <a:lnRef idx="2">
+              <a:schemeClr val="dk1"/>
+            </a:lnRef>
+            <a:fillRef idx="1">
+              <a:schemeClr val="lt1"/>
+            </a:fillRef>
+            <a:effectRef idx="0">
+              <a:schemeClr val="dk1"/>
+            </a:effectRef>
+            <a:fontRef idx="minor">
+              <a:schemeClr val="dk1"/>
+            </a:fontRef>
+          </p:style>
+          <p:txBody>
+            <a:bodyPr rtlCol="0" anchor="ctr"/>
+            <a:lstStyle/>
+            <a:p>
+              <a:pPr algn="ctr"/>
+              <a:endParaRPr lang="en-US"/>
+            </a:p>
+          </p:txBody>
+        </p:sp>
+        <p:sp>
+          <p:nvSpPr>
+            <p:cNvPr id="43" name="Oval 42"/>
+            <p:cNvSpPr/>
+            <p:nvPr/>
+          </p:nvSpPr>
+          <p:spPr>
+            <a:xfrm>
+              <a:off x="-665558" y="4622844"/>
+              <a:ext cx="45719" cy="45719"/>
+            </a:xfrm>
+            <a:prstGeom prst="ellipse">
+              <a:avLst/>
+            </a:prstGeom>
+            <a:solidFill>
+              <a:schemeClr val="tx1"/>
+            </a:solidFill>
+            <a:ln/>
+          </p:spPr>
+          <p:style>
+            <a:lnRef idx="2">
+              <a:schemeClr val="dk1"/>
+            </a:lnRef>
+            <a:fillRef idx="1">
+              <a:schemeClr val="lt1"/>
+            </a:fillRef>
+            <a:effectRef idx="0">
+              <a:schemeClr val="dk1"/>
+            </a:effectRef>
+            <a:fontRef idx="minor">
+              <a:schemeClr val="dk1"/>
+            </a:fontRef>
+          </p:style>
+          <p:txBody>
+            <a:bodyPr rtlCol="0" anchor="ctr"/>
+            <a:lstStyle/>
+            <a:p>
+              <a:pPr algn="ctr"/>
+              <a:endParaRPr lang="en-US"/>
+            </a:p>
+          </p:txBody>
+        </p:sp>
+      </p:grpSp>
+      <p:cxnSp>
+        <p:nvCxnSpPr>
+          <p:cNvPr id="44" name="Straight Arrow Connector 43"/>
+          <p:cNvCxnSpPr>
+            <a:stCxn id="38" idx="7"/>
+          </p:cNvCxnSpPr>
+          <p:nvPr/>
+        </p:nvCxnSpPr>
+        <p:spPr>
+          <a:xfrm flipV="1">
+            <a:off x="314934" y="2311484"/>
+            <a:ext cx="684073" cy="441810"/>
+          </a:xfrm>
+          <a:prstGeom prst="straightConnector1">
+            <a:avLst/>
+          </a:prstGeom>
+          <a:ln>
+            <a:tailEnd type="arrow"/>
+          </a:ln>
+        </p:spPr>
+        <p:style>
+          <a:lnRef idx="1">
+            <a:schemeClr val="dk1"/>
+          </a:lnRef>
+          <a:fillRef idx="0">
+            <a:schemeClr val="dk1"/>
+          </a:fillRef>
+          <a:effectRef idx="0">
+            <a:schemeClr val="dk1"/>
+          </a:effectRef>
+          <a:fontRef idx="minor">
+            <a:schemeClr val="tx1"/>
+          </a:fontRef>
+        </p:style>
+      </p:cxnSp>
+      <p:cxnSp>
+        <p:nvCxnSpPr>
+          <p:cNvPr id="47" name="Straight Arrow Connector 46"/>
+          <p:cNvCxnSpPr>
+            <a:stCxn id="38" idx="5"/>
+          </p:cNvCxnSpPr>
+          <p:nvPr/>
+        </p:nvCxnSpPr>
+        <p:spPr>
+          <a:xfrm>
+            <a:off x="314934" y="3391889"/>
+            <a:ext cx="684073" cy="428028"/>
+          </a:xfrm>
+          <a:prstGeom prst="straightConnector1">
+            <a:avLst/>
+          </a:prstGeom>
+          <a:ln>
+            <a:tailEnd type="arrow"/>
+          </a:ln>
+        </p:spPr>
+        <p:style>
+          <a:lnRef idx="1">
+            <a:schemeClr val="dk1"/>
+          </a:lnRef>
+          <a:fillRef idx="0">
+            <a:schemeClr val="dk1"/>
+          </a:fillRef>
+          <a:effectRef idx="0">
+            <a:schemeClr val="dk1"/>
+          </a:effectRef>
+          <a:fontRef idx="minor">
+            <a:schemeClr val="tx1"/>
+          </a:fontRef>
+        </p:style>
+      </p:cxnSp>
+      <p:grpSp>
+        <p:nvGrpSpPr>
+          <p:cNvPr id="63" name="Group 62"/>
+          <p:cNvGrpSpPr/>
+          <p:nvPr/>
+        </p:nvGrpSpPr>
+        <p:grpSpPr>
+          <a:xfrm>
+            <a:off x="-455919" y="518276"/>
+            <a:ext cx="1454926" cy="1508433"/>
+            <a:chOff x="-1078662" y="1606558"/>
+            <a:chExt cx="1454926" cy="1508433"/>
+          </a:xfrm>
+        </p:grpSpPr>
+        <p:sp>
+          <p:nvSpPr>
+            <p:cNvPr id="64" name="Oval 63"/>
+            <p:cNvSpPr/>
+            <p:nvPr/>
+          </p:nvSpPr>
+          <p:spPr>
+            <a:xfrm>
+              <a:off x="-1078662" y="1916110"/>
+              <a:ext cx="903111" cy="903111"/>
+            </a:xfrm>
+            <a:prstGeom prst="ellipse">
+              <a:avLst/>
+            </a:prstGeom>
+            <a:noFill/>
+          </p:spPr>
+          <p:style>
+            <a:lnRef idx="2">
+              <a:schemeClr val="dk1"/>
+            </a:lnRef>
+            <a:fillRef idx="1">
+              <a:schemeClr val="lt1"/>
+            </a:fillRef>
+            <a:effectRef idx="0">
+              <a:schemeClr val="dk1"/>
+            </a:effectRef>
+            <a:fontRef idx="minor">
+              <a:schemeClr val="dk1"/>
+            </a:fontRef>
+          </p:style>
+          <p:txBody>
+            <a:bodyPr rtlCol="0" anchor="ctr"/>
+            <a:lstStyle/>
+            <a:p>
+              <a:pPr algn="ctr"/>
+              <a:endParaRPr lang="en-US"/>
+            </a:p>
+          </p:txBody>
+        </p:sp>
+        <p:grpSp>
+          <p:nvGrpSpPr>
+            <p:cNvPr id="65" name="Group 64"/>
+            <p:cNvGrpSpPr/>
+            <p:nvPr/>
+          </p:nvGrpSpPr>
+          <p:grpSpPr>
+            <a:xfrm>
+              <a:off x="7268" y="2178295"/>
+              <a:ext cx="51361" cy="378741"/>
+              <a:chOff x="-665558" y="4289822"/>
+              <a:chExt cx="51361" cy="378741"/>
+            </a:xfrm>
+          </p:grpSpPr>
+          <p:sp>
+            <p:nvSpPr>
+              <p:cNvPr id="68" name="Oval 67"/>
+              <p:cNvSpPr/>
+              <p:nvPr/>
+            </p:nvSpPr>
+            <p:spPr>
+              <a:xfrm>
+                <a:off x="-659916" y="4289822"/>
+                <a:ext cx="45719" cy="45719"/>
+              </a:xfrm>
+              <a:prstGeom prst="ellipse">
+                <a:avLst/>
+              </a:prstGeom>
+              <a:solidFill>
+                <a:schemeClr val="tx1"/>
+              </a:solidFill>
+              <a:ln/>
+            </p:spPr>
+            <p:style>
+              <a:lnRef idx="2">
+                <a:schemeClr val="dk1"/>
+              </a:lnRef>
+              <a:fillRef idx="1">
+                <a:schemeClr val="lt1"/>
+              </a:fillRef>
+              <a:effectRef idx="0">
+                <a:schemeClr val="dk1"/>
+              </a:effectRef>
+              <a:fontRef idx="minor">
+                <a:schemeClr val="dk1"/>
+              </a:fontRef>
+            </p:style>
+            <p:txBody>
+              <a:bodyPr rtlCol="0" anchor="ctr"/>
+              <a:lstStyle/>
+              <a:p>
+                <a:pPr algn="ctr"/>
+                <a:endParaRPr lang="en-US"/>
+              </a:p>
+            </p:txBody>
+          </p:sp>
+          <p:sp>
+            <p:nvSpPr>
+              <p:cNvPr id="69" name="Oval 68"/>
+              <p:cNvSpPr/>
+              <p:nvPr/>
+            </p:nvSpPr>
+            <p:spPr>
+              <a:xfrm>
+                <a:off x="-662737" y="4456333"/>
+                <a:ext cx="45719" cy="45719"/>
+              </a:xfrm>
+              <a:prstGeom prst="ellipse">
+                <a:avLst/>
+              </a:prstGeom>
+              <a:solidFill>
+                <a:schemeClr val="tx1"/>
+              </a:solidFill>
+              <a:ln/>
+            </p:spPr>
+            <p:style>
+              <a:lnRef idx="2">
+                <a:schemeClr val="dk1"/>
+              </a:lnRef>
+              <a:fillRef idx="1">
+                <a:schemeClr val="lt1"/>
+              </a:fillRef>
+              <a:effectRef idx="0">
+                <a:schemeClr val="dk1"/>
+              </a:effectRef>
+              <a:fontRef idx="minor">
+                <a:schemeClr val="dk1"/>
+              </a:fontRef>
+            </p:style>
+            <p:txBody>
+              <a:bodyPr rtlCol="0" anchor="ctr"/>
+              <a:lstStyle/>
+              <a:p>
+                <a:pPr algn="ctr"/>
+                <a:endParaRPr lang="en-US"/>
+              </a:p>
+            </p:txBody>
+          </p:sp>
+          <p:sp>
+            <p:nvSpPr>
+              <p:cNvPr id="70" name="Oval 69"/>
+              <p:cNvSpPr/>
+              <p:nvPr/>
+            </p:nvSpPr>
+            <p:spPr>
+              <a:xfrm>
+                <a:off x="-665558" y="4622844"/>
+                <a:ext cx="45719" cy="45719"/>
+              </a:xfrm>
+              <a:prstGeom prst="ellipse">
+                <a:avLst/>
+              </a:prstGeom>
+              <a:solidFill>
+                <a:schemeClr val="tx1"/>
+              </a:solidFill>
+              <a:ln/>
+            </p:spPr>
+            <p:style>
+              <a:lnRef idx="2">
+                <a:schemeClr val="dk1"/>
+              </a:lnRef>
+              <a:fillRef idx="1">
+                <a:schemeClr val="lt1"/>
+              </a:fillRef>
+              <a:effectRef idx="0">
+                <a:schemeClr val="dk1"/>
+              </a:effectRef>
+              <a:fontRef idx="minor">
+                <a:schemeClr val="dk1"/>
+              </a:fontRef>
+            </p:style>
+            <p:txBody>
+              <a:bodyPr rtlCol="0" anchor="ctr"/>
+              <a:lstStyle/>
+              <a:p>
+                <a:pPr algn="ctr"/>
+                <a:endParaRPr lang="en-US"/>
+              </a:p>
+            </p:txBody>
+          </p:sp>
+        </p:grpSp>
+        <p:cxnSp>
+          <p:nvCxnSpPr>
+            <p:cNvPr id="66" name="Straight Arrow Connector 65"/>
+            <p:cNvCxnSpPr>
+              <a:stCxn id="64" idx="7"/>
+            </p:cNvCxnSpPr>
+            <p:nvPr/>
+          </p:nvCxnSpPr>
+          <p:spPr>
+            <a:xfrm flipV="1">
+              <a:off x="-307809" y="1606558"/>
+              <a:ext cx="684073" cy="441810"/>
+            </a:xfrm>
+            <a:prstGeom prst="straightConnector1">
+              <a:avLst/>
+            </a:prstGeom>
+            <a:ln>
+              <a:tailEnd type="arrow"/>
+            </a:ln>
+          </p:spPr>
+          <p:style>
+            <a:lnRef idx="1">
+              <a:schemeClr val="dk1"/>
+            </a:lnRef>
+            <a:fillRef idx="0">
+              <a:schemeClr val="dk1"/>
+            </a:fillRef>
+            <a:effectRef idx="0">
+              <a:schemeClr val="dk1"/>
+            </a:effectRef>
+            <a:fontRef idx="minor">
+              <a:schemeClr val="tx1"/>
+            </a:fontRef>
+          </p:style>
+        </p:cxnSp>
+        <p:cxnSp>
+          <p:nvCxnSpPr>
+            <p:cNvPr id="67" name="Straight Arrow Connector 66"/>
+            <p:cNvCxnSpPr>
+              <a:stCxn id="64" idx="5"/>
+            </p:cNvCxnSpPr>
+            <p:nvPr/>
+          </p:nvCxnSpPr>
+          <p:spPr>
+            <a:xfrm>
+              <a:off x="-307809" y="2686963"/>
+              <a:ext cx="684073" cy="428028"/>
+            </a:xfrm>
+            <a:prstGeom prst="straightConnector1">
+              <a:avLst/>
+            </a:prstGeom>
+            <a:ln>
+              <a:tailEnd type="arrow"/>
+            </a:ln>
+          </p:spPr>
+          <p:style>
+            <a:lnRef idx="1">
+              <a:schemeClr val="dk1"/>
+            </a:lnRef>
+            <a:fillRef idx="0">
+              <a:schemeClr val="dk1"/>
+            </a:fillRef>
+            <a:effectRef idx="0">
+              <a:schemeClr val="dk1"/>
+            </a:effectRef>
+            <a:fontRef idx="minor">
+              <a:schemeClr val="tx1"/>
+            </a:fontRef>
+          </p:style>
+        </p:cxnSp>
+      </p:grpSp>
+      <p:grpSp>
+        <p:nvGrpSpPr>
+          <p:cNvPr id="87" name="Group 86"/>
+          <p:cNvGrpSpPr/>
+          <p:nvPr/>
+        </p:nvGrpSpPr>
+        <p:grpSpPr>
+          <a:xfrm>
+            <a:off x="-454342" y="4766340"/>
+            <a:ext cx="1454926" cy="1508433"/>
+            <a:chOff x="-1078662" y="1606558"/>
+            <a:chExt cx="1454926" cy="1508433"/>
+          </a:xfrm>
+        </p:grpSpPr>
+        <p:sp>
+          <p:nvSpPr>
+            <p:cNvPr id="88" name="Oval 87"/>
+            <p:cNvSpPr/>
+            <p:nvPr/>
+          </p:nvSpPr>
+          <p:spPr>
+            <a:xfrm>
+              <a:off x="-1078662" y="1916110"/>
+              <a:ext cx="903111" cy="903111"/>
+            </a:xfrm>
+            <a:prstGeom prst="ellipse">
+              <a:avLst/>
+            </a:prstGeom>
+            <a:noFill/>
+          </p:spPr>
+          <p:style>
+            <a:lnRef idx="2">
+              <a:schemeClr val="dk1"/>
+            </a:lnRef>
+            <a:fillRef idx="1">
+              <a:schemeClr val="lt1"/>
+            </a:fillRef>
+            <a:effectRef idx="0">
+              <a:schemeClr val="dk1"/>
+            </a:effectRef>
+            <a:fontRef idx="minor">
+              <a:schemeClr val="dk1"/>
+            </a:fontRef>
+          </p:style>
+          <p:txBody>
+            <a:bodyPr rtlCol="0" anchor="ctr"/>
+            <a:lstStyle/>
+            <a:p>
+              <a:pPr algn="ctr"/>
+              <a:endParaRPr lang="en-US"/>
+            </a:p>
+          </p:txBody>
+        </p:sp>
+        <p:grpSp>
+          <p:nvGrpSpPr>
+            <p:cNvPr id="89" name="Group 88"/>
+            <p:cNvGrpSpPr/>
+            <p:nvPr/>
+          </p:nvGrpSpPr>
+          <p:grpSpPr>
+            <a:xfrm>
+              <a:off x="7268" y="2178295"/>
+              <a:ext cx="51361" cy="378741"/>
+              <a:chOff x="-665558" y="4289822"/>
+              <a:chExt cx="51361" cy="378741"/>
+            </a:xfrm>
+          </p:grpSpPr>
+          <p:sp>
+            <p:nvSpPr>
+              <p:cNvPr id="92" name="Oval 91"/>
+              <p:cNvSpPr/>
+              <p:nvPr/>
+            </p:nvSpPr>
+            <p:spPr>
+              <a:xfrm>
+                <a:off x="-659916" y="4289822"/>
+                <a:ext cx="45719" cy="45719"/>
+              </a:xfrm>
+              <a:prstGeom prst="ellipse">
+                <a:avLst/>
+              </a:prstGeom>
+              <a:solidFill>
+                <a:schemeClr val="tx1"/>
+              </a:solidFill>
+              <a:ln/>
+            </p:spPr>
+            <p:style>
+              <a:lnRef idx="2">
+                <a:schemeClr val="dk1"/>
+              </a:lnRef>
+              <a:fillRef idx="1">
+                <a:schemeClr val="lt1"/>
+              </a:fillRef>
+              <a:effectRef idx="0">
+                <a:schemeClr val="dk1"/>
+              </a:effectRef>
+              <a:fontRef idx="minor">
+                <a:schemeClr val="dk1"/>
+              </a:fontRef>
+            </p:style>
+            <p:txBody>
+              <a:bodyPr rtlCol="0" anchor="ctr"/>
+              <a:lstStyle/>
+              <a:p>
+                <a:pPr algn="ctr"/>
+                <a:endParaRPr lang="en-US"/>
+              </a:p>
+            </p:txBody>
+          </p:sp>
+          <p:sp>
+            <p:nvSpPr>
+              <p:cNvPr id="93" name="Oval 92"/>
+              <p:cNvSpPr/>
+              <p:nvPr/>
+            </p:nvSpPr>
+            <p:spPr>
+              <a:xfrm>
+                <a:off x="-662737" y="4456333"/>
+                <a:ext cx="45719" cy="45719"/>
+              </a:xfrm>
+              <a:prstGeom prst="ellipse">
+                <a:avLst/>
+              </a:prstGeom>
+              <a:solidFill>
+                <a:schemeClr val="tx1"/>
+              </a:solidFill>
+              <a:ln/>
+            </p:spPr>
+            <p:style>
+              <a:lnRef idx="2">
+                <a:schemeClr val="dk1"/>
+              </a:lnRef>
+              <a:fillRef idx="1">
+                <a:schemeClr val="lt1"/>
+              </a:fillRef>
+              <a:effectRef idx="0">
+                <a:schemeClr val="dk1"/>
+              </a:effectRef>
+              <a:fontRef idx="minor">
+                <a:schemeClr val="dk1"/>
+              </a:fontRef>
+            </p:style>
+            <p:txBody>
+              <a:bodyPr rtlCol="0" anchor="ctr"/>
+              <a:lstStyle/>
+              <a:p>
+                <a:pPr algn="ctr"/>
+                <a:endParaRPr lang="en-US"/>
+              </a:p>
+            </p:txBody>
+          </p:sp>
+          <p:sp>
+            <p:nvSpPr>
+              <p:cNvPr id="94" name="Oval 93"/>
+              <p:cNvSpPr/>
+              <p:nvPr/>
+            </p:nvSpPr>
+            <p:spPr>
+              <a:xfrm>
+                <a:off x="-665558" y="4622844"/>
+                <a:ext cx="45719" cy="45719"/>
+              </a:xfrm>
+              <a:prstGeom prst="ellipse">
+                <a:avLst/>
+              </a:prstGeom>
+              <a:solidFill>
+                <a:schemeClr val="tx1"/>
+              </a:solidFill>
+              <a:ln/>
+            </p:spPr>
+            <p:style>
+              <a:lnRef idx="2">
+                <a:schemeClr val="dk1"/>
+              </a:lnRef>
+              <a:fillRef idx="1">
+                <a:schemeClr val="lt1"/>
+              </a:fillRef>
+              <a:effectRef idx="0">
+                <a:schemeClr val="dk1"/>
+              </a:effectRef>
+              <a:fontRef idx="minor">
+                <a:schemeClr val="dk1"/>
+              </a:fontRef>
+            </p:style>
+            <p:txBody>
+              <a:bodyPr rtlCol="0" anchor="ctr"/>
+              <a:lstStyle/>
+              <a:p>
+                <a:pPr algn="ctr"/>
+                <a:endParaRPr lang="en-US"/>
+              </a:p>
+            </p:txBody>
+          </p:sp>
+        </p:grpSp>
+        <p:cxnSp>
+          <p:nvCxnSpPr>
+            <p:cNvPr id="90" name="Straight Arrow Connector 89"/>
+            <p:cNvCxnSpPr>
+              <a:stCxn id="88" idx="7"/>
+            </p:cNvCxnSpPr>
+            <p:nvPr/>
+          </p:nvCxnSpPr>
+          <p:spPr>
+            <a:xfrm flipV="1">
+              <a:off x="-307809" y="1606558"/>
+              <a:ext cx="684073" cy="441810"/>
+            </a:xfrm>
+            <a:prstGeom prst="straightConnector1">
+              <a:avLst/>
+            </a:prstGeom>
+            <a:ln>
+              <a:tailEnd type="arrow"/>
+            </a:ln>
+          </p:spPr>
+          <p:style>
+            <a:lnRef idx="1">
+              <a:schemeClr val="dk1"/>
+            </a:lnRef>
+            <a:fillRef idx="0">
+              <a:schemeClr val="dk1"/>
+            </a:fillRef>
+            <a:effectRef idx="0">
+              <a:schemeClr val="dk1"/>
+            </a:effectRef>
+            <a:fontRef idx="minor">
+              <a:schemeClr val="tx1"/>
+            </a:fontRef>
+          </p:style>
+        </p:cxnSp>
+        <p:cxnSp>
+          <p:nvCxnSpPr>
+            <p:cNvPr id="91" name="Straight Arrow Connector 90"/>
+            <p:cNvCxnSpPr>
+              <a:stCxn id="88" idx="5"/>
+            </p:cNvCxnSpPr>
+            <p:nvPr/>
+          </p:nvCxnSpPr>
+          <p:spPr>
+            <a:xfrm>
+              <a:off x="-307809" y="2686963"/>
+              <a:ext cx="684073" cy="428028"/>
+            </a:xfrm>
+            <a:prstGeom prst="straightConnector1">
+              <a:avLst/>
+            </a:prstGeom>
+            <a:ln>
+              <a:tailEnd type="arrow"/>
+            </a:ln>
+          </p:spPr>
+          <p:style>
+            <a:lnRef idx="1">
+              <a:schemeClr val="dk1"/>
+            </a:lnRef>
+            <a:fillRef idx="0">
+              <a:schemeClr val="dk1"/>
+            </a:fillRef>
+            <a:effectRef idx="0">
+              <a:schemeClr val="dk1"/>
+            </a:effectRef>
+            <a:fontRef idx="minor">
+              <a:schemeClr val="tx1"/>
+            </a:fontRef>
+          </p:style>
+        </p:cxnSp>
+      </p:grpSp>
+      <p:grpSp>
+        <p:nvGrpSpPr>
+          <p:cNvPr id="95" name="Group 94"/>
+          <p:cNvGrpSpPr>
+            <a:grpSpLocks noChangeAspect="1"/>
+          </p:cNvGrpSpPr>
+          <p:nvPr/>
+        </p:nvGrpSpPr>
+        <p:grpSpPr>
+          <a:xfrm>
+            <a:off x="-32042" y="4036945"/>
+            <a:ext cx="86802" cy="640072"/>
+            <a:chOff x="-665558" y="4289822"/>
+            <a:chExt cx="51361" cy="378741"/>
+          </a:xfrm>
+        </p:grpSpPr>
+        <p:sp>
+          <p:nvSpPr>
+            <p:cNvPr id="96" name="Oval 95"/>
+            <p:cNvSpPr/>
+            <p:nvPr/>
+          </p:nvSpPr>
+          <p:spPr>
+            <a:xfrm>
+              <a:off x="-659916" y="4289822"/>
+              <a:ext cx="45719" cy="45719"/>
+            </a:xfrm>
+            <a:prstGeom prst="ellipse">
+              <a:avLst/>
+            </a:prstGeom>
+            <a:solidFill>
+              <a:schemeClr val="tx1"/>
+            </a:solidFill>
+            <a:ln/>
+          </p:spPr>
+          <p:style>
+            <a:lnRef idx="2">
+              <a:schemeClr val="dk1"/>
+            </a:lnRef>
+            <a:fillRef idx="1">
+              <a:schemeClr val="lt1"/>
+            </a:fillRef>
+            <a:effectRef idx="0">
+              <a:schemeClr val="dk1"/>
+            </a:effectRef>
+            <a:fontRef idx="minor">
+              <a:schemeClr val="dk1"/>
+            </a:fontRef>
+          </p:style>
+          <p:txBody>
+            <a:bodyPr rtlCol="0" anchor="ctr"/>
+            <a:lstStyle/>
+            <a:p>
+              <a:pPr algn="ctr"/>
+              <a:endParaRPr lang="en-US"/>
+            </a:p>
+          </p:txBody>
+        </p:sp>
+        <p:sp>
+          <p:nvSpPr>
+            <p:cNvPr id="97" name="Oval 96"/>
+            <p:cNvSpPr/>
+            <p:nvPr/>
+          </p:nvSpPr>
+          <p:spPr>
+            <a:xfrm>
+              <a:off x="-662737" y="4456333"/>
+              <a:ext cx="45719" cy="45719"/>
+            </a:xfrm>
+            <a:prstGeom prst="ellipse">
+              <a:avLst/>
+            </a:prstGeom>
+            <a:solidFill>
+              <a:schemeClr val="tx1"/>
+            </a:solidFill>
+            <a:ln/>
+          </p:spPr>
+          <p:style>
+            <a:lnRef idx="2">
+              <a:schemeClr val="dk1"/>
+            </a:lnRef>
+            <a:fillRef idx="1">
+              <a:schemeClr val="lt1"/>
+            </a:fillRef>
+            <a:effectRef idx="0">
+              <a:schemeClr val="dk1"/>
+            </a:effectRef>
+            <a:fontRef idx="minor">
+              <a:schemeClr val="dk1"/>
+            </a:fontRef>
+          </p:style>
+          <p:txBody>
+            <a:bodyPr rtlCol="0" anchor="ctr"/>
+            <a:lstStyle/>
+            <a:p>
+              <a:pPr algn="ctr"/>
+              <a:endParaRPr lang="en-US"/>
+            </a:p>
+          </p:txBody>
+        </p:sp>
+        <p:sp>
+          <p:nvSpPr>
+            <p:cNvPr id="98" name="Oval 97"/>
+            <p:cNvSpPr/>
+            <p:nvPr/>
+          </p:nvSpPr>
+          <p:spPr>
+            <a:xfrm>
+              <a:off x="-665558" y="4622844"/>
+              <a:ext cx="45719" cy="45719"/>
+            </a:xfrm>
+            <a:prstGeom prst="ellipse">
+              <a:avLst/>
+            </a:prstGeom>
+            <a:solidFill>
+              <a:schemeClr val="tx1"/>
+            </a:solidFill>
+            <a:ln/>
+          </p:spPr>
+          <p:style>
+            <a:lnRef idx="2">
+              <a:schemeClr val="dk1"/>
+            </a:lnRef>
+            <a:fillRef idx="1">
+              <a:schemeClr val="lt1"/>
+            </a:fillRef>
+            <a:effectRef idx="0">
+              <a:schemeClr val="dk1"/>
+            </a:effectRef>
+            <a:fontRef idx="minor">
+              <a:schemeClr val="dk1"/>
+            </a:fontRef>
+          </p:style>
+          <p:txBody>
+            <a:bodyPr rtlCol="0" anchor="ctr"/>
+            <a:lstStyle/>
+            <a:p>
+              <a:pPr algn="ctr"/>
+              <a:endParaRPr lang="en-US"/>
+            </a:p>
+          </p:txBody>
+        </p:sp>
+      </p:grpSp>
+      <p:grpSp>
+        <p:nvGrpSpPr>
+          <p:cNvPr id="134" name="Group 133"/>
+          <p:cNvGrpSpPr/>
+          <p:nvPr/>
+        </p:nvGrpSpPr>
+        <p:grpSpPr>
+          <a:xfrm>
+            <a:off x="8128706" y="518276"/>
+            <a:ext cx="1454926" cy="1508433"/>
+            <a:chOff x="8128706" y="518276"/>
+            <a:chExt cx="1454926" cy="1508433"/>
+          </a:xfrm>
+        </p:grpSpPr>
+        <p:sp>
+          <p:nvSpPr>
+            <p:cNvPr id="100" name="Oval 99"/>
+            <p:cNvSpPr/>
+            <p:nvPr/>
+          </p:nvSpPr>
+          <p:spPr>
+            <a:xfrm rot="10800000">
+              <a:off x="8680521" y="814046"/>
+              <a:ext cx="903111" cy="903111"/>
+            </a:xfrm>
+            <a:prstGeom prst="ellipse">
+              <a:avLst/>
+            </a:prstGeom>
+            <a:noFill/>
+          </p:spPr>
+          <p:style>
+            <a:lnRef idx="2">
+              <a:schemeClr val="dk1"/>
+            </a:lnRef>
+            <a:fillRef idx="1">
+              <a:schemeClr val="lt1"/>
+            </a:fillRef>
+            <a:effectRef idx="0">
+              <a:schemeClr val="dk1"/>
+            </a:effectRef>
+            <a:fontRef idx="minor">
+              <a:schemeClr val="dk1"/>
+            </a:fontRef>
+          </p:style>
+          <p:txBody>
+            <a:bodyPr rtlCol="0" anchor="ctr"/>
+            <a:lstStyle/>
+            <a:p>
+              <a:pPr algn="ctr"/>
+              <a:endParaRPr lang="en-US"/>
+            </a:p>
+          </p:txBody>
+        </p:sp>
+        <p:grpSp>
+          <p:nvGrpSpPr>
+            <p:cNvPr id="101" name="Group 100"/>
+            <p:cNvGrpSpPr/>
+            <p:nvPr/>
+          </p:nvGrpSpPr>
+          <p:grpSpPr>
+            <a:xfrm rot="10800000">
+              <a:off x="8446341" y="1076231"/>
+              <a:ext cx="51361" cy="378741"/>
+              <a:chOff x="-665558" y="4289822"/>
+              <a:chExt cx="51361" cy="378741"/>
+            </a:xfrm>
+          </p:grpSpPr>
+          <p:sp>
+            <p:nvSpPr>
+              <p:cNvPr id="104" name="Oval 103"/>
+              <p:cNvSpPr/>
+              <p:nvPr/>
+            </p:nvSpPr>
+            <p:spPr>
+              <a:xfrm>
+                <a:off x="-659916" y="4289822"/>
+                <a:ext cx="45719" cy="45719"/>
+              </a:xfrm>
+              <a:prstGeom prst="ellipse">
+                <a:avLst/>
+              </a:prstGeom>
+              <a:solidFill>
+                <a:schemeClr val="tx1"/>
+              </a:solidFill>
+              <a:ln/>
+            </p:spPr>
+            <p:style>
+              <a:lnRef idx="2">
+                <a:schemeClr val="dk1"/>
+              </a:lnRef>
+              <a:fillRef idx="1">
+                <a:schemeClr val="lt1"/>
+              </a:fillRef>
+              <a:effectRef idx="0">
+                <a:schemeClr val="dk1"/>
+              </a:effectRef>
+              <a:fontRef idx="minor">
+                <a:schemeClr val="dk1"/>
+              </a:fontRef>
+            </p:style>
+            <p:txBody>
+              <a:bodyPr rtlCol="0" anchor="ctr"/>
+              <a:lstStyle/>
+              <a:p>
+                <a:pPr algn="ctr"/>
+                <a:endParaRPr lang="en-US"/>
+              </a:p>
+            </p:txBody>
+          </p:sp>
+          <p:sp>
+            <p:nvSpPr>
+              <p:cNvPr id="105" name="Oval 104"/>
+              <p:cNvSpPr/>
+              <p:nvPr/>
+            </p:nvSpPr>
+            <p:spPr>
+              <a:xfrm>
+                <a:off x="-662737" y="4456333"/>
+                <a:ext cx="45719" cy="45719"/>
+              </a:xfrm>
+              <a:prstGeom prst="ellipse">
+                <a:avLst/>
+              </a:prstGeom>
+              <a:solidFill>
+                <a:schemeClr val="tx1"/>
+              </a:solidFill>
+              <a:ln/>
+            </p:spPr>
+            <p:style>
+              <a:lnRef idx="2">
+                <a:schemeClr val="dk1"/>
+              </a:lnRef>
+              <a:fillRef idx="1">
+                <a:schemeClr val="lt1"/>
+              </a:fillRef>
+              <a:effectRef idx="0">
+                <a:schemeClr val="dk1"/>
+              </a:effectRef>
+              <a:fontRef idx="minor">
+                <a:schemeClr val="dk1"/>
+              </a:fontRef>
+            </p:style>
+            <p:txBody>
+              <a:bodyPr rtlCol="0" anchor="ctr"/>
+              <a:lstStyle/>
+              <a:p>
+                <a:pPr algn="ctr"/>
+                <a:endParaRPr lang="en-US"/>
+              </a:p>
+            </p:txBody>
+          </p:sp>
+          <p:sp>
+            <p:nvSpPr>
+              <p:cNvPr id="106" name="Oval 105"/>
+              <p:cNvSpPr/>
+              <p:nvPr/>
+            </p:nvSpPr>
+            <p:spPr>
+              <a:xfrm>
+                <a:off x="-665558" y="4622844"/>
+                <a:ext cx="45719" cy="45719"/>
+              </a:xfrm>
+              <a:prstGeom prst="ellipse">
+                <a:avLst/>
+              </a:prstGeom>
+              <a:solidFill>
+                <a:schemeClr val="tx1"/>
+              </a:solidFill>
+              <a:ln/>
+            </p:spPr>
+            <p:style>
+              <a:lnRef idx="2">
+                <a:schemeClr val="dk1"/>
+              </a:lnRef>
+              <a:fillRef idx="1">
+                <a:schemeClr val="lt1"/>
+              </a:fillRef>
+              <a:effectRef idx="0">
+                <a:schemeClr val="dk1"/>
+              </a:effectRef>
+              <a:fontRef idx="minor">
+                <a:schemeClr val="dk1"/>
+              </a:fontRef>
+            </p:style>
+            <p:txBody>
+              <a:bodyPr rtlCol="0" anchor="ctr"/>
+              <a:lstStyle/>
+              <a:p>
+                <a:pPr algn="ctr"/>
+                <a:endParaRPr lang="en-US"/>
+              </a:p>
+            </p:txBody>
+          </p:sp>
+        </p:grpSp>
+        <p:cxnSp>
+          <p:nvCxnSpPr>
+            <p:cNvPr id="102" name="Straight Arrow Connector 101"/>
+            <p:cNvCxnSpPr>
+              <a:endCxn id="100" idx="7"/>
+            </p:cNvCxnSpPr>
+            <p:nvPr/>
+          </p:nvCxnSpPr>
+          <p:spPr>
+            <a:xfrm flipV="1">
+              <a:off x="8128706" y="1584899"/>
+              <a:ext cx="684073" cy="441810"/>
+            </a:xfrm>
+            <a:prstGeom prst="straightConnector1">
+              <a:avLst/>
+            </a:prstGeom>
+            <a:ln>
+              <a:tailEnd type="arrow"/>
+            </a:ln>
+          </p:spPr>
+          <p:style>
+            <a:lnRef idx="1">
+              <a:schemeClr val="dk1"/>
+            </a:lnRef>
+            <a:fillRef idx="0">
+              <a:schemeClr val="dk1"/>
+            </a:fillRef>
+            <a:effectRef idx="0">
+              <a:schemeClr val="dk1"/>
+            </a:effectRef>
+            <a:fontRef idx="minor">
+              <a:schemeClr val="tx1"/>
+            </a:fontRef>
+          </p:style>
+        </p:cxnSp>
+        <p:cxnSp>
+          <p:nvCxnSpPr>
+            <p:cNvPr id="103" name="Straight Arrow Connector 102"/>
+            <p:cNvCxnSpPr>
+              <a:endCxn id="100" idx="5"/>
+            </p:cNvCxnSpPr>
+            <p:nvPr/>
+          </p:nvCxnSpPr>
+          <p:spPr>
+            <a:xfrm>
+              <a:off x="8128706" y="518276"/>
+              <a:ext cx="684073" cy="428028"/>
+            </a:xfrm>
+            <a:prstGeom prst="straightConnector1">
+              <a:avLst/>
+            </a:prstGeom>
+            <a:ln>
+              <a:tailEnd type="arrow"/>
+            </a:ln>
+          </p:spPr>
+          <p:style>
+            <a:lnRef idx="1">
+              <a:schemeClr val="dk1"/>
+            </a:lnRef>
+            <a:fillRef idx="0">
+              <a:schemeClr val="dk1"/>
+            </a:fillRef>
+            <a:effectRef idx="0">
+              <a:schemeClr val="dk1"/>
+            </a:effectRef>
+            <a:fontRef idx="minor">
+              <a:schemeClr val="tx1"/>
+            </a:fontRef>
+          </p:style>
+        </p:cxnSp>
+      </p:grpSp>
+      <p:grpSp>
+        <p:nvGrpSpPr>
+          <p:cNvPr id="123" name="Group 122"/>
+          <p:cNvGrpSpPr>
+            <a:grpSpLocks noChangeAspect="1"/>
+          </p:cNvGrpSpPr>
+          <p:nvPr/>
+        </p:nvGrpSpPr>
+        <p:grpSpPr>
+          <a:xfrm>
+            <a:off x="9100599" y="4036945"/>
+            <a:ext cx="86802" cy="640072"/>
+            <a:chOff x="-665558" y="4289822"/>
+            <a:chExt cx="51361" cy="378741"/>
+          </a:xfrm>
+        </p:grpSpPr>
+        <p:sp>
+          <p:nvSpPr>
+            <p:cNvPr id="124" name="Oval 123"/>
+            <p:cNvSpPr/>
+            <p:nvPr/>
+          </p:nvSpPr>
+          <p:spPr>
+            <a:xfrm>
+              <a:off x="-659916" y="4289822"/>
+              <a:ext cx="45719" cy="45719"/>
+            </a:xfrm>
+            <a:prstGeom prst="ellipse">
+              <a:avLst/>
+            </a:prstGeom>
+            <a:solidFill>
+              <a:schemeClr val="tx1"/>
+            </a:solidFill>
+            <a:ln/>
+          </p:spPr>
+          <p:style>
+            <a:lnRef idx="2">
+              <a:schemeClr val="dk1"/>
+            </a:lnRef>
+            <a:fillRef idx="1">
+              <a:schemeClr val="lt1"/>
+            </a:fillRef>
+            <a:effectRef idx="0">
+              <a:schemeClr val="dk1"/>
+            </a:effectRef>
+            <a:fontRef idx="minor">
+              <a:schemeClr val="dk1"/>
+            </a:fontRef>
+          </p:style>
+          <p:txBody>
+            <a:bodyPr rtlCol="0" anchor="ctr"/>
+            <a:lstStyle/>
+            <a:p>
+              <a:pPr algn="ctr"/>
+              <a:endParaRPr lang="en-US"/>
+            </a:p>
+          </p:txBody>
+        </p:sp>
+        <p:sp>
+          <p:nvSpPr>
+            <p:cNvPr id="125" name="Oval 124"/>
+            <p:cNvSpPr/>
+            <p:nvPr/>
+          </p:nvSpPr>
+          <p:spPr>
+            <a:xfrm>
+              <a:off x="-662737" y="4456333"/>
+              <a:ext cx="45719" cy="45719"/>
+            </a:xfrm>
+            <a:prstGeom prst="ellipse">
+              <a:avLst/>
+            </a:prstGeom>
+            <a:solidFill>
+              <a:schemeClr val="tx1"/>
+            </a:solidFill>
+            <a:ln/>
+          </p:spPr>
+          <p:style>
+            <a:lnRef idx="2">
+              <a:schemeClr val="dk1"/>
+            </a:lnRef>
+            <a:fillRef idx="1">
+              <a:schemeClr val="lt1"/>
+            </a:fillRef>
+            <a:effectRef idx="0">
+              <a:schemeClr val="dk1"/>
+            </a:effectRef>
+            <a:fontRef idx="minor">
+              <a:schemeClr val="dk1"/>
+            </a:fontRef>
+          </p:style>
+          <p:txBody>
+            <a:bodyPr rtlCol="0" anchor="ctr"/>
+            <a:lstStyle/>
+            <a:p>
+              <a:pPr algn="ctr"/>
+              <a:endParaRPr lang="en-US"/>
+            </a:p>
+          </p:txBody>
+        </p:sp>
+        <p:sp>
+          <p:nvSpPr>
+            <p:cNvPr id="126" name="Oval 125"/>
+            <p:cNvSpPr/>
+            <p:nvPr/>
+          </p:nvSpPr>
+          <p:spPr>
+            <a:xfrm>
+              <a:off x="-665558" y="4622844"/>
+              <a:ext cx="45719" cy="45719"/>
+            </a:xfrm>
+            <a:prstGeom prst="ellipse">
+              <a:avLst/>
+            </a:prstGeom>
+            <a:solidFill>
+              <a:schemeClr val="tx1"/>
+            </a:solidFill>
+            <a:ln/>
+          </p:spPr>
+          <p:style>
+            <a:lnRef idx="2">
+              <a:schemeClr val="dk1"/>
+            </a:lnRef>
+            <a:fillRef idx="1">
+              <a:schemeClr val="lt1"/>
+            </a:fillRef>
+            <a:effectRef idx="0">
+              <a:schemeClr val="dk1"/>
+            </a:effectRef>
+            <a:fontRef idx="minor">
+              <a:schemeClr val="dk1"/>
+            </a:fontRef>
+          </p:style>
+          <p:txBody>
+            <a:bodyPr rtlCol="0" anchor="ctr"/>
+            <a:lstStyle/>
+            <a:p>
+              <a:pPr algn="ctr"/>
+              <a:endParaRPr lang="en-US"/>
+            </a:p>
+          </p:txBody>
+        </p:sp>
+      </p:grpSp>
+      <p:grpSp>
+        <p:nvGrpSpPr>
+          <p:cNvPr id="135" name="Group 134"/>
+          <p:cNvGrpSpPr/>
+          <p:nvPr/>
+        </p:nvGrpSpPr>
+        <p:grpSpPr>
+          <a:xfrm>
+            <a:off x="8128706" y="2311484"/>
+            <a:ext cx="1454926" cy="1508433"/>
+            <a:chOff x="8128706" y="518276"/>
+            <a:chExt cx="1454926" cy="1508433"/>
+          </a:xfrm>
+        </p:grpSpPr>
+        <p:sp>
+          <p:nvSpPr>
+            <p:cNvPr id="136" name="Oval 135"/>
+            <p:cNvSpPr/>
+            <p:nvPr/>
+          </p:nvSpPr>
+          <p:spPr>
+            <a:xfrm rot="10800000">
+              <a:off x="8680521" y="814046"/>
+              <a:ext cx="903111" cy="903111"/>
+            </a:xfrm>
+            <a:prstGeom prst="ellipse">
+              <a:avLst/>
+            </a:prstGeom>
+            <a:noFill/>
+          </p:spPr>
+          <p:style>
+            <a:lnRef idx="2">
+              <a:schemeClr val="dk1"/>
+            </a:lnRef>
+            <a:fillRef idx="1">
+              <a:schemeClr val="lt1"/>
+            </a:fillRef>
+            <a:effectRef idx="0">
+              <a:schemeClr val="dk1"/>
+            </a:effectRef>
+            <a:fontRef idx="minor">
+              <a:schemeClr val="dk1"/>
+            </a:fontRef>
+          </p:style>
+          <p:txBody>
+            <a:bodyPr rtlCol="0" anchor="ctr"/>
+            <a:lstStyle/>
+            <a:p>
+              <a:pPr algn="ctr"/>
+              <a:endParaRPr lang="en-US"/>
+            </a:p>
+          </p:txBody>
+        </p:sp>
+        <p:grpSp>
+          <p:nvGrpSpPr>
+            <p:cNvPr id="137" name="Group 136"/>
+            <p:cNvGrpSpPr/>
+            <p:nvPr/>
+          </p:nvGrpSpPr>
+          <p:grpSpPr>
+            <a:xfrm rot="10800000">
+              <a:off x="8446341" y="1076231"/>
+              <a:ext cx="51361" cy="378741"/>
+              <a:chOff x="-665558" y="4289822"/>
+              <a:chExt cx="51361" cy="378741"/>
+            </a:xfrm>
+          </p:grpSpPr>
+          <p:sp>
+            <p:nvSpPr>
+              <p:cNvPr id="140" name="Oval 139"/>
+              <p:cNvSpPr/>
+              <p:nvPr/>
+            </p:nvSpPr>
+            <p:spPr>
+              <a:xfrm>
+                <a:off x="-659916" y="4289822"/>
+                <a:ext cx="45719" cy="45719"/>
+              </a:xfrm>
+              <a:prstGeom prst="ellipse">
+                <a:avLst/>
+              </a:prstGeom>
+              <a:solidFill>
+                <a:schemeClr val="tx1"/>
+              </a:solidFill>
+              <a:ln/>
+            </p:spPr>
+            <p:style>
+              <a:lnRef idx="2">
+                <a:schemeClr val="dk1"/>
+              </a:lnRef>
+              <a:fillRef idx="1">
+                <a:schemeClr val="lt1"/>
+              </a:fillRef>
+              <a:effectRef idx="0">
+                <a:schemeClr val="dk1"/>
+              </a:effectRef>
+              <a:fontRef idx="minor">
+                <a:schemeClr val="dk1"/>
+              </a:fontRef>
+            </p:style>
+            <p:txBody>
+              <a:bodyPr rtlCol="0" anchor="ctr"/>
+              <a:lstStyle/>
+              <a:p>
+                <a:pPr algn="ctr"/>
+                <a:endParaRPr lang="en-US"/>
+              </a:p>
+            </p:txBody>
+          </p:sp>
+          <p:sp>
+            <p:nvSpPr>
+              <p:cNvPr id="141" name="Oval 140"/>
+              <p:cNvSpPr/>
+              <p:nvPr/>
+            </p:nvSpPr>
+            <p:spPr>
+              <a:xfrm>
+                <a:off x="-662737" y="4456333"/>
+                <a:ext cx="45719" cy="45719"/>
+              </a:xfrm>
+              <a:prstGeom prst="ellipse">
+                <a:avLst/>
+              </a:prstGeom>
+              <a:solidFill>
+                <a:schemeClr val="tx1"/>
+              </a:solidFill>
+              <a:ln/>
+            </p:spPr>
+            <p:style>
+              <a:lnRef idx="2">
+                <a:schemeClr val="dk1"/>
+              </a:lnRef>
+              <a:fillRef idx="1">
+                <a:schemeClr val="lt1"/>
+              </a:fillRef>
+              <a:effectRef idx="0">
+                <a:schemeClr val="dk1"/>
+              </a:effectRef>
+              <a:fontRef idx="minor">
+                <a:schemeClr val="dk1"/>
+              </a:fontRef>
+            </p:style>
+            <p:txBody>
+              <a:bodyPr rtlCol="0" anchor="ctr"/>
+              <a:lstStyle/>
+              <a:p>
+                <a:pPr algn="ctr"/>
+                <a:endParaRPr lang="en-US"/>
+              </a:p>
+            </p:txBody>
+          </p:sp>
+          <p:sp>
+            <p:nvSpPr>
+              <p:cNvPr id="142" name="Oval 141"/>
+              <p:cNvSpPr/>
+              <p:nvPr/>
+            </p:nvSpPr>
+            <p:spPr>
+              <a:xfrm>
+                <a:off x="-665558" y="4622844"/>
+                <a:ext cx="45719" cy="45719"/>
+              </a:xfrm>
+              <a:prstGeom prst="ellipse">
+                <a:avLst/>
+              </a:prstGeom>
+              <a:solidFill>
+                <a:schemeClr val="tx1"/>
+              </a:solidFill>
+              <a:ln/>
+            </p:spPr>
+            <p:style>
+              <a:lnRef idx="2">
+                <a:schemeClr val="dk1"/>
+              </a:lnRef>
+              <a:fillRef idx="1">
+                <a:schemeClr val="lt1"/>
+              </a:fillRef>
+              <a:effectRef idx="0">
+                <a:schemeClr val="dk1"/>
+              </a:effectRef>
+              <a:fontRef idx="minor">
+                <a:schemeClr val="dk1"/>
+              </a:fontRef>
+            </p:style>
+            <p:txBody>
+              <a:bodyPr rtlCol="0" anchor="ctr"/>
+              <a:lstStyle/>
+              <a:p>
+                <a:pPr algn="ctr"/>
+                <a:endParaRPr lang="en-US"/>
+              </a:p>
+            </p:txBody>
+          </p:sp>
+        </p:grpSp>
+        <p:cxnSp>
+          <p:nvCxnSpPr>
+            <p:cNvPr id="138" name="Straight Arrow Connector 137"/>
+            <p:cNvCxnSpPr>
+              <a:endCxn id="136" idx="7"/>
+            </p:cNvCxnSpPr>
+            <p:nvPr/>
+          </p:nvCxnSpPr>
+          <p:spPr>
+            <a:xfrm flipV="1">
+              <a:off x="8128706" y="1584899"/>
+              <a:ext cx="684073" cy="441810"/>
+            </a:xfrm>
+            <a:prstGeom prst="straightConnector1">
+              <a:avLst/>
+            </a:prstGeom>
+            <a:ln>
+              <a:tailEnd type="arrow"/>
+            </a:ln>
+          </p:spPr>
+          <p:style>
+            <a:lnRef idx="1">
+              <a:schemeClr val="dk1"/>
+            </a:lnRef>
+            <a:fillRef idx="0">
+              <a:schemeClr val="dk1"/>
+            </a:fillRef>
+            <a:effectRef idx="0">
+              <a:schemeClr val="dk1"/>
+            </a:effectRef>
+            <a:fontRef idx="minor">
+              <a:schemeClr val="tx1"/>
+            </a:fontRef>
+          </p:style>
+        </p:cxnSp>
+        <p:cxnSp>
+          <p:nvCxnSpPr>
+            <p:cNvPr id="139" name="Straight Arrow Connector 138"/>
+            <p:cNvCxnSpPr>
+              <a:endCxn id="136" idx="5"/>
+            </p:cNvCxnSpPr>
+            <p:nvPr/>
+          </p:nvCxnSpPr>
+          <p:spPr>
+            <a:xfrm>
+              <a:off x="8128706" y="518276"/>
+              <a:ext cx="684073" cy="428028"/>
+            </a:xfrm>
+            <a:prstGeom prst="straightConnector1">
+              <a:avLst/>
+            </a:prstGeom>
+            <a:ln>
+              <a:tailEnd type="arrow"/>
+            </a:ln>
+          </p:spPr>
+          <p:style>
+            <a:lnRef idx="1">
+              <a:schemeClr val="dk1"/>
+            </a:lnRef>
+            <a:fillRef idx="0">
+              <a:schemeClr val="dk1"/>
+            </a:fillRef>
+            <a:effectRef idx="0">
+              <a:schemeClr val="dk1"/>
+            </a:effectRef>
+            <a:fontRef idx="minor">
+              <a:schemeClr val="tx1"/>
+            </a:fontRef>
+          </p:style>
+        </p:cxnSp>
+      </p:grpSp>
+      <p:grpSp>
+        <p:nvGrpSpPr>
+          <p:cNvPr id="143" name="Group 142"/>
+          <p:cNvGrpSpPr/>
+          <p:nvPr/>
+        </p:nvGrpSpPr>
+        <p:grpSpPr>
+          <a:xfrm>
+            <a:off x="8128706" y="4766340"/>
+            <a:ext cx="1454926" cy="1508433"/>
+            <a:chOff x="8128706" y="518276"/>
+            <a:chExt cx="1454926" cy="1508433"/>
+          </a:xfrm>
+        </p:grpSpPr>
+        <p:sp>
+          <p:nvSpPr>
+            <p:cNvPr id="144" name="Oval 143"/>
+            <p:cNvSpPr/>
+            <p:nvPr/>
+          </p:nvSpPr>
+          <p:spPr>
+            <a:xfrm rot="10800000">
+              <a:off x="8680521" y="814046"/>
+              <a:ext cx="903111" cy="903111"/>
+            </a:xfrm>
+            <a:prstGeom prst="ellipse">
+              <a:avLst/>
+            </a:prstGeom>
+            <a:noFill/>
+          </p:spPr>
+          <p:style>
+            <a:lnRef idx="2">
+              <a:schemeClr val="dk1"/>
+            </a:lnRef>
+            <a:fillRef idx="1">
+              <a:schemeClr val="lt1"/>
+            </a:fillRef>
+            <a:effectRef idx="0">
+              <a:schemeClr val="dk1"/>
+            </a:effectRef>
+            <a:fontRef idx="minor">
+              <a:schemeClr val="dk1"/>
+            </a:fontRef>
+          </p:style>
+          <p:txBody>
+            <a:bodyPr rtlCol="0" anchor="ctr"/>
+            <a:lstStyle/>
+            <a:p>
+              <a:pPr algn="ctr"/>
+              <a:endParaRPr lang="en-US"/>
+            </a:p>
+          </p:txBody>
+        </p:sp>
+        <p:grpSp>
+          <p:nvGrpSpPr>
+            <p:cNvPr id="145" name="Group 144"/>
+            <p:cNvGrpSpPr/>
+            <p:nvPr/>
+          </p:nvGrpSpPr>
+          <p:grpSpPr>
+            <a:xfrm rot="10800000">
+              <a:off x="8446341" y="1076231"/>
+              <a:ext cx="51361" cy="378741"/>
+              <a:chOff x="-665558" y="4289822"/>
+              <a:chExt cx="51361" cy="378741"/>
+            </a:xfrm>
+          </p:grpSpPr>
+          <p:sp>
+            <p:nvSpPr>
+              <p:cNvPr id="148" name="Oval 147"/>
+              <p:cNvSpPr/>
+              <p:nvPr/>
+            </p:nvSpPr>
+            <p:spPr>
+              <a:xfrm>
+                <a:off x="-659916" y="4289822"/>
+                <a:ext cx="45719" cy="45719"/>
+              </a:xfrm>
+              <a:prstGeom prst="ellipse">
+                <a:avLst/>
+              </a:prstGeom>
+              <a:solidFill>
+                <a:schemeClr val="tx1"/>
+              </a:solidFill>
+              <a:ln/>
+            </p:spPr>
+            <p:style>
+              <a:lnRef idx="2">
+                <a:schemeClr val="dk1"/>
+              </a:lnRef>
+              <a:fillRef idx="1">
+                <a:schemeClr val="lt1"/>
+              </a:fillRef>
+              <a:effectRef idx="0">
+                <a:schemeClr val="dk1"/>
+              </a:effectRef>
+              <a:fontRef idx="minor">
+                <a:schemeClr val="dk1"/>
+              </a:fontRef>
+            </p:style>
+            <p:txBody>
+              <a:bodyPr rtlCol="0" anchor="ctr"/>
+              <a:lstStyle/>
+              <a:p>
+                <a:pPr algn="ctr"/>
+                <a:endParaRPr lang="en-US"/>
+              </a:p>
+            </p:txBody>
+          </p:sp>
+          <p:sp>
+            <p:nvSpPr>
+              <p:cNvPr id="149" name="Oval 148"/>
+              <p:cNvSpPr/>
+              <p:nvPr/>
+            </p:nvSpPr>
+            <p:spPr>
+              <a:xfrm>
+                <a:off x="-662737" y="4456333"/>
+                <a:ext cx="45719" cy="45719"/>
+              </a:xfrm>
+              <a:prstGeom prst="ellipse">
+                <a:avLst/>
+              </a:prstGeom>
+              <a:solidFill>
+                <a:schemeClr val="tx1"/>
+              </a:solidFill>
+              <a:ln/>
+            </p:spPr>
+            <p:style>
+              <a:lnRef idx="2">
+                <a:schemeClr val="dk1"/>
+              </a:lnRef>
+              <a:fillRef idx="1">
+                <a:schemeClr val="lt1"/>
+              </a:fillRef>
+              <a:effectRef idx="0">
+                <a:schemeClr val="dk1"/>
+              </a:effectRef>
+              <a:fontRef idx="minor">
+                <a:schemeClr val="dk1"/>
+              </a:fontRef>
+            </p:style>
+            <p:txBody>
+              <a:bodyPr rtlCol="0" anchor="ctr"/>
+              <a:lstStyle/>
+              <a:p>
+                <a:pPr algn="ctr"/>
+                <a:endParaRPr lang="en-US"/>
+              </a:p>
+            </p:txBody>
+          </p:sp>
+          <p:sp>
+            <p:nvSpPr>
+              <p:cNvPr id="150" name="Oval 149"/>
+              <p:cNvSpPr/>
+              <p:nvPr/>
+            </p:nvSpPr>
+            <p:spPr>
+              <a:xfrm>
+                <a:off x="-665558" y="4622844"/>
+                <a:ext cx="45719" cy="45719"/>
+              </a:xfrm>
+              <a:prstGeom prst="ellipse">
+                <a:avLst/>
+              </a:prstGeom>
+              <a:solidFill>
+                <a:schemeClr val="tx1"/>
+              </a:solidFill>
+              <a:ln/>
+            </p:spPr>
+            <p:style>
+              <a:lnRef idx="2">
+                <a:schemeClr val="dk1"/>
+              </a:lnRef>
+              <a:fillRef idx="1">
+                <a:schemeClr val="lt1"/>
+              </a:fillRef>
+              <a:effectRef idx="0">
+                <a:schemeClr val="dk1"/>
+              </a:effectRef>
+              <a:fontRef idx="minor">
+                <a:schemeClr val="dk1"/>
+              </a:fontRef>
+            </p:style>
+            <p:txBody>
+              <a:bodyPr rtlCol="0" anchor="ctr"/>
+              <a:lstStyle/>
+              <a:p>
+                <a:pPr algn="ctr"/>
+                <a:endParaRPr lang="en-US"/>
+              </a:p>
+            </p:txBody>
+          </p:sp>
+        </p:grpSp>
+        <p:cxnSp>
+          <p:nvCxnSpPr>
+            <p:cNvPr id="146" name="Straight Arrow Connector 145"/>
+            <p:cNvCxnSpPr>
+              <a:endCxn id="144" idx="7"/>
+            </p:cNvCxnSpPr>
+            <p:nvPr/>
+          </p:nvCxnSpPr>
+          <p:spPr>
+            <a:xfrm flipV="1">
+              <a:off x="8128706" y="1584899"/>
+              <a:ext cx="684073" cy="441810"/>
+            </a:xfrm>
+            <a:prstGeom prst="straightConnector1">
+              <a:avLst/>
+            </a:prstGeom>
+            <a:ln>
+              <a:tailEnd type="arrow"/>
+            </a:ln>
+          </p:spPr>
+          <p:style>
+            <a:lnRef idx="1">
+              <a:schemeClr val="dk1"/>
+            </a:lnRef>
+            <a:fillRef idx="0">
+              <a:schemeClr val="dk1"/>
+            </a:fillRef>
+            <a:effectRef idx="0">
+              <a:schemeClr val="dk1"/>
+            </a:effectRef>
+            <a:fontRef idx="minor">
+              <a:schemeClr val="tx1"/>
+            </a:fontRef>
+          </p:style>
+        </p:cxnSp>
+        <p:cxnSp>
+          <p:nvCxnSpPr>
+            <p:cNvPr id="147" name="Straight Arrow Connector 146"/>
+            <p:cNvCxnSpPr>
+              <a:endCxn id="144" idx="5"/>
+            </p:cNvCxnSpPr>
+            <p:nvPr/>
+          </p:nvCxnSpPr>
+          <p:spPr>
+            <a:xfrm>
+              <a:off x="8128706" y="518276"/>
+              <a:ext cx="684073" cy="428028"/>
+            </a:xfrm>
+            <a:prstGeom prst="straightConnector1">
+              <a:avLst/>
+            </a:prstGeom>
+            <a:ln>
+              <a:tailEnd type="arrow"/>
+            </a:ln>
+          </p:spPr>
+          <p:style>
+            <a:lnRef idx="1">
+              <a:schemeClr val="dk1"/>
+            </a:lnRef>
+            <a:fillRef idx="0">
+              <a:schemeClr val="dk1"/>
+            </a:fillRef>
+            <a:effectRef idx="0">
+              <a:schemeClr val="dk1"/>
+            </a:effectRef>
+            <a:fontRef idx="minor">
+              <a:schemeClr val="tx1"/>
+            </a:fontRef>
+          </p:style>
+        </p:cxnSp>
+      </p:grpSp>
+      <p:graphicFrame>
+        <p:nvGraphicFramePr>
+          <p:cNvPr id="151" name="Object 150"/>
+          <p:cNvGraphicFramePr>
+            <a:graphicFrameLocks noChangeAspect="1"/>
+          </p:cNvGraphicFramePr>
+          <p:nvPr>
+            <p:extLst>
+              <p:ext uri="{D42A27DB-BD31-4B8C-83A1-F6EECF244321}">
+                <p14:modId xmlns:p14="http://schemas.microsoft.com/office/powerpoint/2010/main" val="1217069259"/>
+              </p:ext>
+            </p:extLst>
+          </p:nvPr>
+        </p:nvGraphicFramePr>
+        <p:xfrm>
+          <a:off x="-150108" y="1004628"/>
+          <a:ext cx="330200" cy="457200"/>
+        </p:xfrm>
+        <a:graphic>
+          <a:graphicData uri="http://schemas.openxmlformats.org/presentationml/2006/ole">
+            <mc:AlternateContent xmlns:mc="http://schemas.openxmlformats.org/markup-compatibility/2006">
+              <mc:Choice xmlns:v="urn:schemas-microsoft-com:vml" Requires="v">
+                <p:oleObj spid="_x0000_s7175" name="Equation" r:id="rId3" imgW="165100" imgH="228600" progId="Equation.3">
+                  <p:embed/>
+                </p:oleObj>
+              </mc:Choice>
+              <mc:Fallback>
+                <p:oleObj name="Equation" r:id="rId3" imgW="165100" imgH="228600" progId="Equation.3">
+                  <p:embed/>
+                  <p:pic>
+                    <p:nvPicPr>
+                      <p:cNvPr id="0" name=""/>
+                      <p:cNvPicPr/>
+                      <p:nvPr/>
+                    </p:nvPicPr>
+                    <p:blipFill>
+                      <a:blip r:embed="rId4">
+                        <a:alphaModFix/>
+                      </a:blip>
+                      <a:stretch>
+                        <a:fillRect/>
+                      </a:stretch>
+                    </p:blipFill>
+                    <p:spPr>
+                      <a:xfrm>
+                        <a:off x="-150108" y="1004628"/>
+                        <a:ext cx="330200" cy="457200"/>
+                      </a:xfrm>
+                      <a:prstGeom prst="rect">
+                        <a:avLst/>
+                      </a:prstGeom>
+                    </p:spPr>
+                  </p:pic>
+                </p:oleObj>
+              </mc:Fallback>
+            </mc:AlternateContent>
+          </a:graphicData>
+        </a:graphic>
+      </p:graphicFrame>
+      <p:graphicFrame>
+        <p:nvGraphicFramePr>
+          <p:cNvPr id="152" name="Object 151"/>
+          <p:cNvGraphicFramePr>
+            <a:graphicFrameLocks noChangeAspect="1"/>
+          </p:cNvGraphicFramePr>
+          <p:nvPr>
+            <p:extLst>
+              <p:ext uri="{D42A27DB-BD31-4B8C-83A1-F6EECF244321}">
+                <p14:modId xmlns:p14="http://schemas.microsoft.com/office/powerpoint/2010/main" val="571435540"/>
+              </p:ext>
+            </p:extLst>
+          </p:nvPr>
+        </p:nvGraphicFramePr>
+        <p:xfrm>
+          <a:off x="-150813" y="2817813"/>
+          <a:ext cx="330201" cy="457200"/>
+        </p:xfrm>
+        <a:graphic>
+          <a:graphicData uri="http://schemas.openxmlformats.org/presentationml/2006/ole">
+            <mc:AlternateContent xmlns:mc="http://schemas.openxmlformats.org/markup-compatibility/2006">
+              <mc:Choice xmlns:v="urn:schemas-microsoft-com:vml" Requires="v">
+                <p:oleObj spid="_x0000_s7176" name="Equation" r:id="rId5" imgW="165100" imgH="228600" progId="Equation.3">
+                  <p:embed/>
+                </p:oleObj>
+              </mc:Choice>
+              <mc:Fallback>
+                <p:oleObj name="Equation" r:id="rId5" imgW="165100" imgH="228600" progId="Equation.3">
+                  <p:embed/>
+                  <p:pic>
+                    <p:nvPicPr>
+                      <p:cNvPr id="0" name=""/>
+                      <p:cNvPicPr/>
+                      <p:nvPr/>
+                    </p:nvPicPr>
+                    <p:blipFill>
+                      <a:blip r:embed="rId6">
+                        <a:alphaModFix/>
+                      </a:blip>
+                      <a:stretch>
+                        <a:fillRect/>
+                      </a:stretch>
+                    </p:blipFill>
+                    <p:spPr>
+                      <a:xfrm>
+                        <a:off x="-150813" y="2817813"/>
+                        <a:ext cx="330201" cy="457200"/>
+                      </a:xfrm>
+                      <a:prstGeom prst="rect">
+                        <a:avLst/>
+                      </a:prstGeom>
+                    </p:spPr>
+                  </p:pic>
+                </p:oleObj>
+              </mc:Fallback>
+            </mc:AlternateContent>
+          </a:graphicData>
+        </a:graphic>
+      </p:graphicFrame>
+      <p:graphicFrame>
+        <p:nvGraphicFramePr>
+          <p:cNvPr id="153" name="Object 152"/>
+          <p:cNvGraphicFramePr>
+            <a:graphicFrameLocks noChangeAspect="1"/>
+          </p:cNvGraphicFramePr>
+          <p:nvPr>
+            <p:extLst>
+              <p:ext uri="{D42A27DB-BD31-4B8C-83A1-F6EECF244321}">
+                <p14:modId xmlns:p14="http://schemas.microsoft.com/office/powerpoint/2010/main" val="2217236599"/>
+              </p:ext>
+            </p:extLst>
+          </p:nvPr>
+        </p:nvGraphicFramePr>
+        <p:xfrm>
+          <a:off x="-176213" y="5275263"/>
+          <a:ext cx="381001" cy="457200"/>
+        </p:xfrm>
+        <a:graphic>
+          <a:graphicData uri="http://schemas.openxmlformats.org/presentationml/2006/ole">
+            <mc:AlternateContent xmlns:mc="http://schemas.openxmlformats.org/markup-compatibility/2006">
+              <mc:Choice xmlns:v="urn:schemas-microsoft-com:vml" Requires="v">
+                <p:oleObj spid="_x0000_s7177" name="Equation" r:id="rId7" imgW="190500" imgH="228600" progId="Equation.3">
+                  <p:embed/>
+                </p:oleObj>
+              </mc:Choice>
+              <mc:Fallback>
+                <p:oleObj name="Equation" r:id="rId7" imgW="190500" imgH="228600" progId="Equation.3">
+                  <p:embed/>
+                  <p:pic>
+                    <p:nvPicPr>
+                      <p:cNvPr id="0" name=""/>
+                      <p:cNvPicPr/>
+                      <p:nvPr/>
+                    </p:nvPicPr>
+                    <p:blipFill>
+                      <a:blip r:embed="rId8">
+                        <a:alphaModFix/>
+                      </a:blip>
+                      <a:stretch>
+                        <a:fillRect/>
+                      </a:stretch>
+                    </p:blipFill>
+                    <p:spPr>
+                      <a:xfrm>
+                        <a:off x="-176213" y="5275263"/>
+                        <a:ext cx="381001" cy="457200"/>
+                      </a:xfrm>
+                      <a:prstGeom prst="rect">
+                        <a:avLst/>
+                      </a:prstGeom>
+                    </p:spPr>
+                  </p:pic>
+                </p:oleObj>
+              </mc:Fallback>
+            </mc:AlternateContent>
+          </a:graphicData>
+        </a:graphic>
+      </p:graphicFrame>
+      <p:graphicFrame>
+        <p:nvGraphicFramePr>
+          <p:cNvPr id="154" name="Object 153"/>
+          <p:cNvGraphicFramePr>
+            <a:graphicFrameLocks noChangeAspect="1"/>
+          </p:cNvGraphicFramePr>
+          <p:nvPr>
+            <p:extLst>
+              <p:ext uri="{D42A27DB-BD31-4B8C-83A1-F6EECF244321}">
+                <p14:modId xmlns:p14="http://schemas.microsoft.com/office/powerpoint/2010/main" val="4093432448"/>
+              </p:ext>
+            </p:extLst>
+          </p:nvPr>
+        </p:nvGraphicFramePr>
+        <p:xfrm>
+          <a:off x="8990945" y="982092"/>
+          <a:ext cx="330200" cy="457200"/>
+        </p:xfrm>
+        <a:graphic>
+          <a:graphicData uri="http://schemas.openxmlformats.org/presentationml/2006/ole">
+            <mc:AlternateContent xmlns:mc="http://schemas.openxmlformats.org/markup-compatibility/2006">
+              <mc:Choice xmlns:v="urn:schemas-microsoft-com:vml" Requires="v">
+                <p:oleObj spid="_x0000_s7178" name="Equation" r:id="rId9" imgW="165100" imgH="228600" progId="Equation.3">
+                  <p:embed/>
+                </p:oleObj>
+              </mc:Choice>
+              <mc:Fallback>
+                <p:oleObj name="Equation" r:id="rId9" imgW="165100" imgH="228600" progId="Equation.3">
+                  <p:embed/>
+                  <p:pic>
+                    <p:nvPicPr>
+                      <p:cNvPr id="0" name=""/>
+                      <p:cNvPicPr/>
+                      <p:nvPr/>
+                    </p:nvPicPr>
+                    <p:blipFill>
+                      <a:blip r:embed="rId10">
+                        <a:alphaModFix/>
+                      </a:blip>
+                      <a:stretch>
+                        <a:fillRect/>
+                      </a:stretch>
+                    </p:blipFill>
+                    <p:spPr>
+                      <a:xfrm>
+                        <a:off x="8990945" y="982092"/>
+                        <a:ext cx="330200" cy="457200"/>
+                      </a:xfrm>
+                      <a:prstGeom prst="rect">
+                        <a:avLst/>
+                      </a:prstGeom>
+                    </p:spPr>
+                  </p:pic>
+                </p:oleObj>
+              </mc:Fallback>
+            </mc:AlternateContent>
+          </a:graphicData>
+        </a:graphic>
+      </p:graphicFrame>
+      <p:graphicFrame>
+        <p:nvGraphicFramePr>
+          <p:cNvPr id="155" name="Object 154"/>
+          <p:cNvGraphicFramePr>
+            <a:graphicFrameLocks noChangeAspect="1"/>
+          </p:cNvGraphicFramePr>
+          <p:nvPr>
+            <p:extLst>
+              <p:ext uri="{D42A27DB-BD31-4B8C-83A1-F6EECF244321}">
+                <p14:modId xmlns:p14="http://schemas.microsoft.com/office/powerpoint/2010/main" val="2393717802"/>
+              </p:ext>
+            </p:extLst>
+          </p:nvPr>
+        </p:nvGraphicFramePr>
+        <p:xfrm>
+          <a:off x="8990945" y="2784514"/>
+          <a:ext cx="330200" cy="457200"/>
+        </p:xfrm>
+        <a:graphic>
+          <a:graphicData uri="http://schemas.openxmlformats.org/presentationml/2006/ole">
+            <mc:AlternateContent xmlns:mc="http://schemas.openxmlformats.org/markup-compatibility/2006">
+              <mc:Choice xmlns:v="urn:schemas-microsoft-com:vml" Requires="v">
+                <p:oleObj spid="_x0000_s7179" name="Equation" r:id="rId11" imgW="165100" imgH="228600" progId="Equation.3">
+                  <p:embed/>
+                </p:oleObj>
+              </mc:Choice>
+              <mc:Fallback>
+                <p:oleObj name="Equation" r:id="rId11" imgW="165100" imgH="228600" progId="Equation.3">
+                  <p:embed/>
+                  <p:pic>
+                    <p:nvPicPr>
+                      <p:cNvPr id="0" name=""/>
+                      <p:cNvPicPr/>
+                      <p:nvPr/>
+                    </p:nvPicPr>
+                    <p:blipFill>
+                      <a:blip r:embed="rId12">
+                        <a:alphaModFix/>
+                      </a:blip>
+                      <a:stretch>
+                        <a:fillRect/>
+                      </a:stretch>
+                    </p:blipFill>
+                    <p:spPr>
+                      <a:xfrm>
+                        <a:off x="8990945" y="2784514"/>
+                        <a:ext cx="330200" cy="457200"/>
+                      </a:xfrm>
+                      <a:prstGeom prst="rect">
+                        <a:avLst/>
+                      </a:prstGeom>
+                    </p:spPr>
+                  </p:pic>
+                </p:oleObj>
+              </mc:Fallback>
+            </mc:AlternateContent>
+          </a:graphicData>
+        </a:graphic>
+      </p:graphicFrame>
+      <p:graphicFrame>
+        <p:nvGraphicFramePr>
+          <p:cNvPr id="156" name="Object 155"/>
+          <p:cNvGraphicFramePr>
+            <a:graphicFrameLocks noChangeAspect="1"/>
+          </p:cNvGraphicFramePr>
+          <p:nvPr>
+            <p:extLst>
+              <p:ext uri="{D42A27DB-BD31-4B8C-83A1-F6EECF244321}">
+                <p14:modId xmlns:p14="http://schemas.microsoft.com/office/powerpoint/2010/main" val="70441255"/>
+              </p:ext>
+            </p:extLst>
+          </p:nvPr>
+        </p:nvGraphicFramePr>
+        <p:xfrm>
+          <a:off x="8977510" y="5243903"/>
+          <a:ext cx="355600" cy="457200"/>
+        </p:xfrm>
+        <a:graphic>
+          <a:graphicData uri="http://schemas.openxmlformats.org/presentationml/2006/ole">
+            <mc:AlternateContent xmlns:mc="http://schemas.openxmlformats.org/markup-compatibility/2006">
+              <mc:Choice xmlns:v="urn:schemas-microsoft-com:vml" Requires="v">
+                <p:oleObj spid="_x0000_s7180" name="Equation" r:id="rId13" imgW="177800" imgH="228600" progId="Equation.3">
+                  <p:embed/>
+                </p:oleObj>
+              </mc:Choice>
+              <mc:Fallback>
+                <p:oleObj name="Equation" r:id="rId13" imgW="177800" imgH="228600" progId="Equation.3">
+                  <p:embed/>
+                  <p:pic>
+                    <p:nvPicPr>
+                      <p:cNvPr id="0" name=""/>
+                      <p:cNvPicPr/>
+                      <p:nvPr/>
+                    </p:nvPicPr>
+                    <p:blipFill>
+                      <a:blip r:embed="rId14">
+                        <a:alphaModFix/>
+                      </a:blip>
+                      <a:stretch>
+                        <a:fillRect/>
+                      </a:stretch>
+                    </p:blipFill>
+                    <p:spPr>
+                      <a:xfrm>
+                        <a:off x="8977510" y="5243903"/>
+                        <a:ext cx="355600" cy="457200"/>
+                      </a:xfrm>
+                      <a:prstGeom prst="rect">
+                        <a:avLst/>
+                      </a:prstGeom>
+                    </p:spPr>
+                  </p:pic>
+                </p:oleObj>
+              </mc:Fallback>
+            </mc:AlternateContent>
+          </a:graphicData>
+        </a:graphic>
+      </p:graphicFrame>
+    </p:spTree>
+    <p:extLst>
+      <p:ext uri="{BB962C8B-B14F-4D97-AF65-F5344CB8AC3E}">
+        <p14:creationId xmlns:p14="http://schemas.microsoft.com/office/powerpoint/2010/main" val="3907921399"/>
       </p:ext>
     </p:extLst>
   </p:cSld>

--- a/_site/figures.pptx
+++ b/_site/figures.pptx
@@ -4,6 +4,9 @@
   <p:sldMasterIdLst>
     <p:sldMasterId id="2147483648" r:id="rId1"/>
   </p:sldMasterIdLst>
+  <p:notesMasterIdLst>
+    <p:notesMasterId r:id="rId15"/>
+  </p:notesMasterIdLst>
   <p:sldIdLst>
     <p:sldId id="256" r:id="rId2"/>
     <p:sldId id="257" r:id="rId3"/>
@@ -13,6 +16,11 @@
     <p:sldId id="261" r:id="rId7"/>
     <p:sldId id="262" r:id="rId8"/>
     <p:sldId id="263" r:id="rId9"/>
+    <p:sldId id="264" r:id="rId10"/>
+    <p:sldId id="265" r:id="rId11"/>
+    <p:sldId id="266" r:id="rId12"/>
+    <p:sldId id="267" r:id="rId13"/>
+    <p:sldId id="268" r:id="rId14"/>
   </p:sldIdLst>
   <p:sldSz cx="9144000" cy="6858000" type="screen4x3"/>
   <p:notesSz cx="6858000" cy="9144000"/>
@@ -112,6 +120,440 @@
     </a:lvl9pPr>
   </p:defaultTextStyle>
 </p:presentation>
+</file>
+
+<file path=ppt/notesMasters/notesMaster1.xml><?xml version="1.0" encoding="utf-8"?>
+<p:notesMaster xmlns:a="http://schemas.openxmlformats.org/drawingml/2006/main" xmlns:r="http://schemas.openxmlformats.org/officeDocument/2006/relationships" xmlns:p="http://schemas.openxmlformats.org/presentationml/2006/main">
+  <p:cSld>
+    <p:bg>
+      <p:bgRef idx="1001">
+        <a:schemeClr val="bg1"/>
+      </p:bgRef>
+    </p:bg>
+    <p:spTree>
+      <p:nvGrpSpPr>
+        <p:cNvPr id="1" name=""/>
+        <p:cNvGrpSpPr/>
+        <p:nvPr/>
+      </p:nvGrpSpPr>
+      <p:grpSpPr>
+        <a:xfrm>
+          <a:off x="0" y="0"/>
+          <a:ext cx="0" cy="0"/>
+          <a:chOff x="0" y="0"/>
+          <a:chExt cx="0" cy="0"/>
+        </a:xfrm>
+      </p:grpSpPr>
+      <p:sp>
+        <p:nvSpPr>
+          <p:cNvPr id="2" name="Header Placeholder 1"/>
+          <p:cNvSpPr>
+            <a:spLocks noGrp="1"/>
+          </p:cNvSpPr>
+          <p:nvPr>
+            <p:ph type="hdr" sz="quarter"/>
+          </p:nvPr>
+        </p:nvSpPr>
+        <p:spPr>
+          <a:xfrm>
+            <a:off x="0" y="0"/>
+            <a:ext cx="2971800" cy="457200"/>
+          </a:xfrm>
+          <a:prstGeom prst="rect">
+            <a:avLst/>
+          </a:prstGeom>
+        </p:spPr>
+        <p:txBody>
+          <a:bodyPr vert="horz" lIns="91440" tIns="45720" rIns="91440" bIns="45720" rtlCol="0"/>
+          <a:lstStyle>
+            <a:lvl1pPr algn="l">
+              <a:defRPr sz="1200"/>
+            </a:lvl1pPr>
+          </a:lstStyle>
+          <a:p>
+            <a:endParaRPr lang="en-US"/>
+          </a:p>
+        </p:txBody>
+      </p:sp>
+      <p:sp>
+        <p:nvSpPr>
+          <p:cNvPr id="3" name="Date Placeholder 2"/>
+          <p:cNvSpPr>
+            <a:spLocks noGrp="1"/>
+          </p:cNvSpPr>
+          <p:nvPr>
+            <p:ph type="dt" idx="1"/>
+          </p:nvPr>
+        </p:nvSpPr>
+        <p:spPr>
+          <a:xfrm>
+            <a:off x="3884613" y="0"/>
+            <a:ext cx="2971800" cy="457200"/>
+          </a:xfrm>
+          <a:prstGeom prst="rect">
+            <a:avLst/>
+          </a:prstGeom>
+        </p:spPr>
+        <p:txBody>
+          <a:bodyPr vert="horz" lIns="91440" tIns="45720" rIns="91440" bIns="45720" rtlCol="0"/>
+          <a:lstStyle>
+            <a:lvl1pPr algn="r">
+              <a:defRPr sz="1200"/>
+            </a:lvl1pPr>
+          </a:lstStyle>
+          <a:p>
+            <a:fld id="{C758F73B-546F-9342-9206-7D6C003DA71F}" type="datetimeFigureOut">
+              <a:rPr lang="en-US" smtClean="0"/>
+              <a:t>1/11/15</a:t>
+            </a:fld>
+            <a:endParaRPr lang="en-US"/>
+          </a:p>
+        </p:txBody>
+      </p:sp>
+      <p:sp>
+        <p:nvSpPr>
+          <p:cNvPr id="4" name="Slide Image Placeholder 3"/>
+          <p:cNvSpPr>
+            <a:spLocks noGrp="1" noRot="1" noChangeAspect="1"/>
+          </p:cNvSpPr>
+          <p:nvPr>
+            <p:ph type="sldImg" idx="2"/>
+          </p:nvPr>
+        </p:nvSpPr>
+        <p:spPr>
+          <a:xfrm>
+            <a:off x="1143000" y="685800"/>
+            <a:ext cx="4572000" cy="3429000"/>
+          </a:xfrm>
+          <a:prstGeom prst="rect">
+            <a:avLst/>
+          </a:prstGeom>
+          <a:noFill/>
+          <a:ln w="12700">
+            <a:solidFill>
+              <a:prstClr val="black"/>
+            </a:solidFill>
+          </a:ln>
+        </p:spPr>
+        <p:txBody>
+          <a:bodyPr vert="horz" lIns="91440" tIns="45720" rIns="91440" bIns="45720" rtlCol="0" anchor="ctr"/>
+          <a:lstStyle/>
+          <a:p>
+            <a:endParaRPr lang="en-US"/>
+          </a:p>
+        </p:txBody>
+      </p:sp>
+      <p:sp>
+        <p:nvSpPr>
+          <p:cNvPr id="5" name="Notes Placeholder 4"/>
+          <p:cNvSpPr>
+            <a:spLocks noGrp="1"/>
+          </p:cNvSpPr>
+          <p:nvPr>
+            <p:ph type="body" sz="quarter" idx="3"/>
+          </p:nvPr>
+        </p:nvSpPr>
+        <p:spPr>
+          <a:xfrm>
+            <a:off x="685800" y="4343400"/>
+            <a:ext cx="5486400" cy="4114800"/>
+          </a:xfrm>
+          <a:prstGeom prst="rect">
+            <a:avLst/>
+          </a:prstGeom>
+        </p:spPr>
+        <p:txBody>
+          <a:bodyPr vert="horz" lIns="91440" tIns="45720" rIns="91440" bIns="45720" rtlCol="0"/>
+          <a:lstStyle/>
+          <a:p>
+            <a:pPr lvl="0"/>
+            <a:r>
+              <a:rPr lang="en-US" smtClean="0"/>
+              <a:t>Click to edit Master text styles</a:t>
+            </a:r>
+          </a:p>
+          <a:p>
+            <a:pPr lvl="1"/>
+            <a:r>
+              <a:rPr lang="en-US" smtClean="0"/>
+              <a:t>Second level</a:t>
+            </a:r>
+          </a:p>
+          <a:p>
+            <a:pPr lvl="2"/>
+            <a:r>
+              <a:rPr lang="en-US" smtClean="0"/>
+              <a:t>Third level</a:t>
+            </a:r>
+          </a:p>
+          <a:p>
+            <a:pPr lvl="3"/>
+            <a:r>
+              <a:rPr lang="en-US" smtClean="0"/>
+              <a:t>Fourth level</a:t>
+            </a:r>
+          </a:p>
+          <a:p>
+            <a:pPr lvl="4"/>
+            <a:r>
+              <a:rPr lang="en-US" smtClean="0"/>
+              <a:t>Fifth level</a:t>
+            </a:r>
+            <a:endParaRPr lang="en-US"/>
+          </a:p>
+        </p:txBody>
+      </p:sp>
+      <p:sp>
+        <p:nvSpPr>
+          <p:cNvPr id="6" name="Footer Placeholder 5"/>
+          <p:cNvSpPr>
+            <a:spLocks noGrp="1"/>
+          </p:cNvSpPr>
+          <p:nvPr>
+            <p:ph type="ftr" sz="quarter" idx="4"/>
+          </p:nvPr>
+        </p:nvSpPr>
+        <p:spPr>
+          <a:xfrm>
+            <a:off x="0" y="8685213"/>
+            <a:ext cx="2971800" cy="457200"/>
+          </a:xfrm>
+          <a:prstGeom prst="rect">
+            <a:avLst/>
+          </a:prstGeom>
+        </p:spPr>
+        <p:txBody>
+          <a:bodyPr vert="horz" lIns="91440" tIns="45720" rIns="91440" bIns="45720" rtlCol="0" anchor="b"/>
+          <a:lstStyle>
+            <a:lvl1pPr algn="l">
+              <a:defRPr sz="1200"/>
+            </a:lvl1pPr>
+          </a:lstStyle>
+          <a:p>
+            <a:endParaRPr lang="en-US"/>
+          </a:p>
+        </p:txBody>
+      </p:sp>
+      <p:sp>
+        <p:nvSpPr>
+          <p:cNvPr id="7" name="Slide Number Placeholder 6"/>
+          <p:cNvSpPr>
+            <a:spLocks noGrp="1"/>
+          </p:cNvSpPr>
+          <p:nvPr>
+            <p:ph type="sldNum" sz="quarter" idx="5"/>
+          </p:nvPr>
+        </p:nvSpPr>
+        <p:spPr>
+          <a:xfrm>
+            <a:off x="3884613" y="8685213"/>
+            <a:ext cx="2971800" cy="457200"/>
+          </a:xfrm>
+          <a:prstGeom prst="rect">
+            <a:avLst/>
+          </a:prstGeom>
+        </p:spPr>
+        <p:txBody>
+          <a:bodyPr vert="horz" lIns="91440" tIns="45720" rIns="91440" bIns="45720" rtlCol="0" anchor="b"/>
+          <a:lstStyle>
+            <a:lvl1pPr algn="r">
+              <a:defRPr sz="1200"/>
+            </a:lvl1pPr>
+          </a:lstStyle>
+          <a:p>
+            <a:fld id="{C194D72B-3244-0449-89FF-8848F0898462}" type="slidenum">
+              <a:rPr lang="en-US" smtClean="0"/>
+              <a:t>‹#›</a:t>
+            </a:fld>
+            <a:endParaRPr lang="en-US"/>
+          </a:p>
+        </p:txBody>
+      </p:sp>
+    </p:spTree>
+    <p:extLst>
+      <p:ext uri="{BB962C8B-B14F-4D97-AF65-F5344CB8AC3E}">
+        <p14:creationId xmlns:p14="http://schemas.microsoft.com/office/powerpoint/2010/main" val="3330357970"/>
+      </p:ext>
+    </p:extLst>
+  </p:cSld>
+  <p:clrMap bg1="lt1" tx1="dk1" bg2="lt2" tx2="dk2" accent1="accent1" accent2="accent2" accent3="accent3" accent4="accent4" accent5="accent5" accent6="accent6" hlink="hlink" folHlink="folHlink"/>
+  <p:notesStyle>
+    <a:lvl1pPr marL="0" algn="l" defTabSz="457200" rtl="0" eaLnBrk="1" latinLnBrk="0" hangingPunct="1">
+      <a:defRPr sz="1200" kern="1200">
+        <a:solidFill>
+          <a:schemeClr val="tx1"/>
+        </a:solidFill>
+        <a:latin typeface="+mn-lt"/>
+        <a:ea typeface="+mn-ea"/>
+        <a:cs typeface="+mn-cs"/>
+      </a:defRPr>
+    </a:lvl1pPr>
+    <a:lvl2pPr marL="457200" algn="l" defTabSz="457200" rtl="0" eaLnBrk="1" latinLnBrk="0" hangingPunct="1">
+      <a:defRPr sz="1200" kern="1200">
+        <a:solidFill>
+          <a:schemeClr val="tx1"/>
+        </a:solidFill>
+        <a:latin typeface="+mn-lt"/>
+        <a:ea typeface="+mn-ea"/>
+        <a:cs typeface="+mn-cs"/>
+      </a:defRPr>
+    </a:lvl2pPr>
+    <a:lvl3pPr marL="914400" algn="l" defTabSz="457200" rtl="0" eaLnBrk="1" latinLnBrk="0" hangingPunct="1">
+      <a:defRPr sz="1200" kern="1200">
+        <a:solidFill>
+          <a:schemeClr val="tx1"/>
+        </a:solidFill>
+        <a:latin typeface="+mn-lt"/>
+        <a:ea typeface="+mn-ea"/>
+        <a:cs typeface="+mn-cs"/>
+      </a:defRPr>
+    </a:lvl3pPr>
+    <a:lvl4pPr marL="1371600" algn="l" defTabSz="457200" rtl="0" eaLnBrk="1" latinLnBrk="0" hangingPunct="1">
+      <a:defRPr sz="1200" kern="1200">
+        <a:solidFill>
+          <a:schemeClr val="tx1"/>
+        </a:solidFill>
+        <a:latin typeface="+mn-lt"/>
+        <a:ea typeface="+mn-ea"/>
+        <a:cs typeface="+mn-cs"/>
+      </a:defRPr>
+    </a:lvl4pPr>
+    <a:lvl5pPr marL="1828800" algn="l" defTabSz="457200" rtl="0" eaLnBrk="1" latinLnBrk="0" hangingPunct="1">
+      <a:defRPr sz="1200" kern="1200">
+        <a:solidFill>
+          <a:schemeClr val="tx1"/>
+        </a:solidFill>
+        <a:latin typeface="+mn-lt"/>
+        <a:ea typeface="+mn-ea"/>
+        <a:cs typeface="+mn-cs"/>
+      </a:defRPr>
+    </a:lvl5pPr>
+    <a:lvl6pPr marL="2286000" algn="l" defTabSz="457200" rtl="0" eaLnBrk="1" latinLnBrk="0" hangingPunct="1">
+      <a:defRPr sz="1200" kern="1200">
+        <a:solidFill>
+          <a:schemeClr val="tx1"/>
+        </a:solidFill>
+        <a:latin typeface="+mn-lt"/>
+        <a:ea typeface="+mn-ea"/>
+        <a:cs typeface="+mn-cs"/>
+      </a:defRPr>
+    </a:lvl6pPr>
+    <a:lvl7pPr marL="2743200" algn="l" defTabSz="457200" rtl="0" eaLnBrk="1" latinLnBrk="0" hangingPunct="1">
+      <a:defRPr sz="1200" kern="1200">
+        <a:solidFill>
+          <a:schemeClr val="tx1"/>
+        </a:solidFill>
+        <a:latin typeface="+mn-lt"/>
+        <a:ea typeface="+mn-ea"/>
+        <a:cs typeface="+mn-cs"/>
+      </a:defRPr>
+    </a:lvl7pPr>
+    <a:lvl8pPr marL="3200400" algn="l" defTabSz="457200" rtl="0" eaLnBrk="1" latinLnBrk="0" hangingPunct="1">
+      <a:defRPr sz="1200" kern="1200">
+        <a:solidFill>
+          <a:schemeClr val="tx1"/>
+        </a:solidFill>
+        <a:latin typeface="+mn-lt"/>
+        <a:ea typeface="+mn-ea"/>
+        <a:cs typeface="+mn-cs"/>
+      </a:defRPr>
+    </a:lvl8pPr>
+    <a:lvl9pPr marL="3657600" algn="l" defTabSz="457200" rtl="0" eaLnBrk="1" latinLnBrk="0" hangingPunct="1">
+      <a:defRPr sz="1200" kern="1200">
+        <a:solidFill>
+          <a:schemeClr val="tx1"/>
+        </a:solidFill>
+        <a:latin typeface="+mn-lt"/>
+        <a:ea typeface="+mn-ea"/>
+        <a:cs typeface="+mn-cs"/>
+      </a:defRPr>
+    </a:lvl9pPr>
+  </p:notesStyle>
+</p:notesMaster>
+</file>
+
+<file path=ppt/notesSlides/notesSlide1.xml><?xml version="1.0" encoding="utf-8"?>
+<p:notes xmlns:a="http://schemas.openxmlformats.org/drawingml/2006/main" xmlns:r="http://schemas.openxmlformats.org/officeDocument/2006/relationships" xmlns:p="http://schemas.openxmlformats.org/presentationml/2006/main">
+  <p:cSld>
+    <p:spTree>
+      <p:nvGrpSpPr>
+        <p:cNvPr id="1" name=""/>
+        <p:cNvGrpSpPr/>
+        <p:nvPr/>
+      </p:nvGrpSpPr>
+      <p:grpSpPr>
+        <a:xfrm>
+          <a:off x="0" y="0"/>
+          <a:ext cx="0" cy="0"/>
+          <a:chOff x="0" y="0"/>
+          <a:chExt cx="0" cy="0"/>
+        </a:xfrm>
+      </p:grpSpPr>
+      <p:sp>
+        <p:nvSpPr>
+          <p:cNvPr id="2" name="Slide Image Placeholder 1"/>
+          <p:cNvSpPr>
+            <a:spLocks noGrp="1" noRot="1" noChangeAspect="1"/>
+          </p:cNvSpPr>
+          <p:nvPr>
+            <p:ph type="sldImg"/>
+          </p:nvPr>
+        </p:nvSpPr>
+        <p:spPr/>
+      </p:sp>
+      <p:sp>
+        <p:nvSpPr>
+          <p:cNvPr id="3" name="Notes Placeholder 2"/>
+          <p:cNvSpPr>
+            <a:spLocks noGrp="1"/>
+          </p:cNvSpPr>
+          <p:nvPr>
+            <p:ph type="body" idx="1"/>
+          </p:nvPr>
+        </p:nvSpPr>
+        <p:spPr/>
+        <p:txBody>
+          <a:bodyPr/>
+          <a:lstStyle/>
+          <a:p>
+            <a:endParaRPr lang="en-US" dirty="0"/>
+          </a:p>
+        </p:txBody>
+      </p:sp>
+      <p:sp>
+        <p:nvSpPr>
+          <p:cNvPr id="4" name="Slide Number Placeholder 3"/>
+          <p:cNvSpPr>
+            <a:spLocks noGrp="1"/>
+          </p:cNvSpPr>
+          <p:nvPr>
+            <p:ph type="sldNum" sz="quarter" idx="10"/>
+          </p:nvPr>
+        </p:nvSpPr>
+        <p:spPr/>
+        <p:txBody>
+          <a:bodyPr/>
+          <a:lstStyle/>
+          <a:p>
+            <a:fld id="{C194D72B-3244-0449-89FF-8848F0898462}" type="slidenum">
+              <a:rPr lang="en-US" smtClean="0"/>
+              <a:t>9</a:t>
+            </a:fld>
+            <a:endParaRPr lang="en-US"/>
+          </a:p>
+        </p:txBody>
+      </p:sp>
+    </p:spTree>
+    <p:extLst>
+      <p:ext uri="{BB962C8B-B14F-4D97-AF65-F5344CB8AC3E}">
+        <p14:creationId xmlns:p14="http://schemas.microsoft.com/office/powerpoint/2010/main" val="2476706520"/>
+      </p:ext>
+    </p:extLst>
+  </p:cSld>
+  <p:clrMapOvr>
+    <a:masterClrMapping/>
+  </p:clrMapOvr>
+</p:notes>
 </file>
 
 <file path=ppt/slideLayouts/slideLayout1.xml><?xml version="1.0" encoding="utf-8"?>
@@ -3168,7 +3610,7 @@
           <a:graphicData uri="http://schemas.openxmlformats.org/presentationml/2006/ole">
             <mc:AlternateContent xmlns:mc="http://schemas.openxmlformats.org/markup-compatibility/2006">
               <mc:Choice xmlns:v="urn:schemas-microsoft-com:vml" Requires="v">
-                <p:oleObj spid="_x0000_s1097" name="Equation" r:id="rId3" imgW="139700" imgH="203200" progId="Equation.3">
+                <p:oleObj spid="_x0000_s1105" name="Equation" r:id="rId3" imgW="139700" imgH="203200" progId="Equation.3">
                   <p:embed/>
                 </p:oleObj>
               </mc:Choice>
@@ -3484,7 +3926,7 @@
           <a:graphicData uri="http://schemas.openxmlformats.org/presentationml/2006/ole">
             <mc:AlternateContent xmlns:mc="http://schemas.openxmlformats.org/markup-compatibility/2006">
               <mc:Choice xmlns:v="urn:schemas-microsoft-com:vml" Requires="v">
-                <p:oleObj spid="_x0000_s1098" name="Equation" r:id="rId5" imgW="152400" imgH="203200" progId="Equation.3">
+                <p:oleObj spid="_x0000_s1106" name="Equation" r:id="rId5" imgW="152400" imgH="203200" progId="Equation.3">
                   <p:embed/>
                 </p:oleObj>
               </mc:Choice>
@@ -3541,7 +3983,7 @@
           <a:graphicData uri="http://schemas.openxmlformats.org/presentationml/2006/ole">
             <mc:AlternateContent xmlns:mc="http://schemas.openxmlformats.org/markup-compatibility/2006">
               <mc:Choice xmlns:v="urn:schemas-microsoft-com:vml" Requires="v">
-                <p:oleObj spid="_x0000_s1099" name="Equation" r:id="rId7" imgW="177800" imgH="203200" progId="Equation.3">
+                <p:oleObj spid="_x0000_s1107" name="Equation" r:id="rId7" imgW="177800" imgH="203200" progId="Equation.3">
                   <p:embed/>
                 </p:oleObj>
               </mc:Choice>
@@ -3598,7 +4040,7 @@
           <a:graphicData uri="http://schemas.openxmlformats.org/presentationml/2006/ole">
             <mc:AlternateContent xmlns:mc="http://schemas.openxmlformats.org/markup-compatibility/2006">
               <mc:Choice xmlns:v="urn:schemas-microsoft-com:vml" Requires="v">
-                <p:oleObj spid="_x0000_s1100" name="Equation" r:id="rId9" imgW="177800" imgH="215900" progId="Equation.3">
+                <p:oleObj spid="_x0000_s1108" name="Equation" r:id="rId9" imgW="177800" imgH="215900" progId="Equation.3">
                   <p:embed/>
                 </p:oleObj>
               </mc:Choice>
@@ -3655,7 +4097,7 @@
           <a:graphicData uri="http://schemas.openxmlformats.org/presentationml/2006/ole">
             <mc:AlternateContent xmlns:mc="http://schemas.openxmlformats.org/markup-compatibility/2006">
               <mc:Choice xmlns:v="urn:schemas-microsoft-com:vml" Requires="v">
-                <p:oleObj spid="_x0000_s1101" name="Equation" r:id="rId11" imgW="127000" imgH="165100" progId="Equation.3">
+                <p:oleObj spid="_x0000_s1109" name="Equation" r:id="rId11" imgW="127000" imgH="165100" progId="Equation.3">
                   <p:embed/>
                 </p:oleObj>
               </mc:Choice>
@@ -3757,7 +4199,7 @@
           <a:graphicData uri="http://schemas.openxmlformats.org/presentationml/2006/ole">
             <mc:AlternateContent xmlns:mc="http://schemas.openxmlformats.org/markup-compatibility/2006">
               <mc:Choice xmlns:v="urn:schemas-microsoft-com:vml" Requires="v">
-                <p:oleObj spid="_x0000_s1102" name="Equation" r:id="rId13" imgW="177800" imgH="203200" progId="Equation.3">
+                <p:oleObj spid="_x0000_s1110" name="Equation" r:id="rId13" imgW="177800" imgH="203200" progId="Equation.3">
                   <p:embed/>
                 </p:oleObj>
               </mc:Choice>
@@ -3942,7 +4384,7 @@
           <a:graphicData uri="http://schemas.openxmlformats.org/presentationml/2006/ole">
             <mc:AlternateContent xmlns:mc="http://schemas.openxmlformats.org/markup-compatibility/2006">
               <mc:Choice xmlns:v="urn:schemas-microsoft-com:vml" Requires="v">
-                <p:oleObj spid="_x0000_s1103" name="Equation" r:id="rId15" imgW="203200" imgH="203200" progId="Equation.3">
+                <p:oleObj spid="_x0000_s1111" name="Equation" r:id="rId15" imgW="203200" imgH="203200" progId="Equation.3">
                   <p:embed/>
                 </p:oleObj>
               </mc:Choice>
@@ -4001,7 +4443,7 @@
           <a:graphicData uri="http://schemas.openxmlformats.org/presentationml/2006/ole">
             <mc:AlternateContent xmlns:mc="http://schemas.openxmlformats.org/markup-compatibility/2006">
               <mc:Choice xmlns:v="urn:schemas-microsoft-com:vml" Requires="v">
-                <p:oleObj spid="_x0000_s1104" name="Equation" r:id="rId17" imgW="203200" imgH="215900" progId="Equation.3">
+                <p:oleObj spid="_x0000_s1112" name="Equation" r:id="rId17" imgW="203200" imgH="215900" progId="Equation.3">
                   <p:embed/>
                 </p:oleObj>
               </mc:Choice>
@@ -4058,6 +4500,7212 @@
 </p:sld>
 </file>
 
+<file path=ppt/slides/slide10.xml><?xml version="1.0" encoding="utf-8"?>
+<p:sld xmlns:a="http://schemas.openxmlformats.org/drawingml/2006/main" xmlns:r="http://schemas.openxmlformats.org/officeDocument/2006/relationships" xmlns:p="http://schemas.openxmlformats.org/presentationml/2006/main">
+  <p:cSld>
+    <p:spTree>
+      <p:nvGrpSpPr>
+        <p:cNvPr id="1" name=""/>
+        <p:cNvGrpSpPr/>
+        <p:nvPr/>
+      </p:nvGrpSpPr>
+      <p:grpSpPr>
+        <a:xfrm>
+          <a:off x="0" y="0"/>
+          <a:ext cx="0" cy="0"/>
+          <a:chOff x="0" y="0"/>
+          <a:chExt cx="0" cy="0"/>
+        </a:xfrm>
+      </p:grpSpPr>
+      <p:pic>
+        <p:nvPicPr>
+          <p:cNvPr id="5" name="Picture 4"/>
+          <p:cNvPicPr>
+            <a:picLocks noChangeAspect="1"/>
+          </p:cNvPicPr>
+          <p:nvPr/>
+        </p:nvPicPr>
+        <p:blipFill>
+          <a:blip r:embed="rId2"/>
+          <a:stretch>
+            <a:fillRect/>
+          </a:stretch>
+        </p:blipFill>
+        <p:spPr>
+          <a:xfrm>
+            <a:off x="1207041" y="1231176"/>
+            <a:ext cx="1394393" cy="1787683"/>
+          </a:xfrm>
+          <a:prstGeom prst="rect">
+            <a:avLst/>
+          </a:prstGeom>
+        </p:spPr>
+      </p:pic>
+      <p:cxnSp>
+        <p:nvCxnSpPr>
+          <p:cNvPr id="7" name="Straight Arrow Connector 6"/>
+          <p:cNvCxnSpPr/>
+          <p:nvPr/>
+        </p:nvCxnSpPr>
+        <p:spPr>
+          <a:xfrm>
+            <a:off x="3086956" y="2229861"/>
+            <a:ext cx="1763972" cy="0"/>
+          </a:xfrm>
+          <a:prstGeom prst="straightConnector1">
+            <a:avLst/>
+          </a:prstGeom>
+          <a:ln>
+            <a:tailEnd type="arrow"/>
+          </a:ln>
+        </p:spPr>
+        <p:style>
+          <a:lnRef idx="1">
+            <a:schemeClr val="dk1"/>
+          </a:lnRef>
+          <a:fillRef idx="0">
+            <a:schemeClr val="dk1"/>
+          </a:fillRef>
+          <a:effectRef idx="0">
+            <a:schemeClr val="dk1"/>
+          </a:effectRef>
+          <a:fontRef idx="minor">
+            <a:schemeClr val="tx1"/>
+          </a:fontRef>
+        </p:style>
+      </p:cxnSp>
+      <p:cxnSp>
+        <p:nvCxnSpPr>
+          <p:cNvPr id="9" name="Straight Connector 8"/>
+          <p:cNvCxnSpPr/>
+          <p:nvPr/>
+        </p:nvCxnSpPr>
+        <p:spPr>
+          <a:xfrm>
+            <a:off x="5168443" y="959698"/>
+            <a:ext cx="0" cy="1852321"/>
+          </a:xfrm>
+          <a:prstGeom prst="line">
+            <a:avLst/>
+          </a:prstGeom>
+        </p:spPr>
+        <p:style>
+          <a:lnRef idx="1">
+            <a:schemeClr val="dk1"/>
+          </a:lnRef>
+          <a:fillRef idx="0">
+            <a:schemeClr val="dk1"/>
+          </a:fillRef>
+          <a:effectRef idx="0">
+            <a:schemeClr val="dk1"/>
+          </a:effectRef>
+          <a:fontRef idx="minor">
+            <a:schemeClr val="tx1"/>
+          </a:fontRef>
+        </p:style>
+      </p:cxnSp>
+      <p:cxnSp>
+        <p:nvCxnSpPr>
+          <p:cNvPr id="11" name="Straight Connector 10"/>
+          <p:cNvCxnSpPr/>
+          <p:nvPr/>
+        </p:nvCxnSpPr>
+        <p:spPr>
+          <a:xfrm>
+            <a:off x="5168443" y="2812019"/>
+            <a:ext cx="2734160" cy="0"/>
+          </a:xfrm>
+          <a:prstGeom prst="line">
+            <a:avLst/>
+          </a:prstGeom>
+        </p:spPr>
+        <p:style>
+          <a:lnRef idx="1">
+            <a:schemeClr val="dk1"/>
+          </a:lnRef>
+          <a:fillRef idx="0">
+            <a:schemeClr val="dk1"/>
+          </a:fillRef>
+          <a:effectRef idx="0">
+            <a:schemeClr val="dk1"/>
+          </a:effectRef>
+          <a:fontRef idx="minor">
+            <a:schemeClr val="tx1"/>
+          </a:fontRef>
+        </p:style>
+      </p:cxnSp>
+      <p:sp>
+        <p:nvSpPr>
+          <p:cNvPr id="13" name="Freeform 12"/>
+          <p:cNvSpPr/>
+          <p:nvPr/>
+        </p:nvSpPr>
+        <p:spPr>
+          <a:xfrm>
+            <a:off x="5168443" y="1259383"/>
+            <a:ext cx="2769439" cy="1296665"/>
+          </a:xfrm>
+          <a:custGeom>
+            <a:avLst/>
+            <a:gdLst>
+              <a:gd name="connsiteX0" fmla="*/ 0 w 2769439"/>
+              <a:gd name="connsiteY0" fmla="*/ 1146890 h 1296665"/>
+              <a:gd name="connsiteX1" fmla="*/ 246957 w 2769439"/>
+              <a:gd name="connsiteY1" fmla="*/ 582373 h 1296665"/>
+              <a:gd name="connsiteX2" fmla="*/ 599752 w 2769439"/>
+              <a:gd name="connsiteY2" fmla="*/ 829349 h 1296665"/>
+              <a:gd name="connsiteX3" fmla="*/ 952546 w 2769439"/>
+              <a:gd name="connsiteY3" fmla="*/ 282473 h 1296665"/>
+              <a:gd name="connsiteX4" fmla="*/ 1199503 w 2769439"/>
+              <a:gd name="connsiteY4" fmla="*/ 1288019 h 1296665"/>
+              <a:gd name="connsiteX5" fmla="*/ 1411180 w 2769439"/>
+              <a:gd name="connsiteY5" fmla="*/ 794067 h 1296665"/>
+              <a:gd name="connsiteX6" fmla="*/ 1534658 w 2769439"/>
+              <a:gd name="connsiteY6" fmla="*/ 1252737 h 1296665"/>
+              <a:gd name="connsiteX7" fmla="*/ 1763974 w 2769439"/>
+              <a:gd name="connsiteY7" fmla="*/ 215 h 1296665"/>
+              <a:gd name="connsiteX8" fmla="*/ 2046210 w 2769439"/>
+              <a:gd name="connsiteY8" fmla="*/ 1146890 h 1296665"/>
+              <a:gd name="connsiteX9" fmla="*/ 2363725 w 2769439"/>
+              <a:gd name="connsiteY9" fmla="*/ 564732 h 1296665"/>
+              <a:gd name="connsiteX10" fmla="*/ 2593042 w 2769439"/>
+              <a:gd name="connsiteY10" fmla="*/ 882272 h 1296665"/>
+              <a:gd name="connsiteX11" fmla="*/ 2769439 w 2769439"/>
+              <a:gd name="connsiteY11" fmla="*/ 723502 h 1296665"/>
+            </a:gdLst>
+            <a:ahLst/>
+            <a:cxnLst>
+              <a:cxn ang="0">
+                <a:pos x="connsiteX0" y="connsiteY0"/>
+              </a:cxn>
+              <a:cxn ang="0">
+                <a:pos x="connsiteX1" y="connsiteY1"/>
+              </a:cxn>
+              <a:cxn ang="0">
+                <a:pos x="connsiteX2" y="connsiteY2"/>
+              </a:cxn>
+              <a:cxn ang="0">
+                <a:pos x="connsiteX3" y="connsiteY3"/>
+              </a:cxn>
+              <a:cxn ang="0">
+                <a:pos x="connsiteX4" y="connsiteY4"/>
+              </a:cxn>
+              <a:cxn ang="0">
+                <a:pos x="connsiteX5" y="connsiteY5"/>
+              </a:cxn>
+              <a:cxn ang="0">
+                <a:pos x="connsiteX6" y="connsiteY6"/>
+              </a:cxn>
+              <a:cxn ang="0">
+                <a:pos x="connsiteX7" y="connsiteY7"/>
+              </a:cxn>
+              <a:cxn ang="0">
+                <a:pos x="connsiteX8" y="connsiteY8"/>
+              </a:cxn>
+              <a:cxn ang="0">
+                <a:pos x="connsiteX9" y="connsiteY9"/>
+              </a:cxn>
+              <a:cxn ang="0">
+                <a:pos x="connsiteX10" y="connsiteY10"/>
+              </a:cxn>
+              <a:cxn ang="0">
+                <a:pos x="connsiteX11" y="connsiteY11"/>
+              </a:cxn>
+            </a:cxnLst>
+            <a:rect l="l" t="t" r="r" b="b"/>
+            <a:pathLst>
+              <a:path w="2769439" h="1296665">
+                <a:moveTo>
+                  <a:pt x="0" y="1146890"/>
+                </a:moveTo>
+                <a:cubicBezTo>
+                  <a:pt x="73499" y="891093"/>
+                  <a:pt x="146998" y="635296"/>
+                  <a:pt x="246957" y="582373"/>
+                </a:cubicBezTo>
+                <a:cubicBezTo>
+                  <a:pt x="346916" y="529450"/>
+                  <a:pt x="482154" y="879332"/>
+                  <a:pt x="599752" y="829349"/>
+                </a:cubicBezTo>
+                <a:cubicBezTo>
+                  <a:pt x="717350" y="779366"/>
+                  <a:pt x="852588" y="206028"/>
+                  <a:pt x="952546" y="282473"/>
+                </a:cubicBezTo>
+                <a:cubicBezTo>
+                  <a:pt x="1052504" y="358918"/>
+                  <a:pt x="1123064" y="1202753"/>
+                  <a:pt x="1199503" y="1288019"/>
+                </a:cubicBezTo>
+                <a:cubicBezTo>
+                  <a:pt x="1275942" y="1373285"/>
+                  <a:pt x="1355321" y="799947"/>
+                  <a:pt x="1411180" y="794067"/>
+                </a:cubicBezTo>
+                <a:cubicBezTo>
+                  <a:pt x="1467039" y="788187"/>
+                  <a:pt x="1475859" y="1385046"/>
+                  <a:pt x="1534658" y="1252737"/>
+                </a:cubicBezTo>
+                <a:cubicBezTo>
+                  <a:pt x="1593457" y="1120428"/>
+                  <a:pt x="1678715" y="17856"/>
+                  <a:pt x="1763974" y="215"/>
+                </a:cubicBezTo>
+                <a:cubicBezTo>
+                  <a:pt x="1849233" y="-17426"/>
+                  <a:pt x="1946252" y="1052804"/>
+                  <a:pt x="2046210" y="1146890"/>
+                </a:cubicBezTo>
+                <a:cubicBezTo>
+                  <a:pt x="2146169" y="1240976"/>
+                  <a:pt x="2272586" y="608835"/>
+                  <a:pt x="2363725" y="564732"/>
+                </a:cubicBezTo>
+                <a:cubicBezTo>
+                  <a:pt x="2454864" y="520629"/>
+                  <a:pt x="2525423" y="855810"/>
+                  <a:pt x="2593042" y="882272"/>
+                </a:cubicBezTo>
+                <a:cubicBezTo>
+                  <a:pt x="2660661" y="908734"/>
+                  <a:pt x="2769439" y="723502"/>
+                  <a:pt x="2769439" y="723502"/>
+                </a:cubicBezTo>
+              </a:path>
+            </a:pathLst>
+          </a:custGeom>
+          <a:noFill/>
+          <a:ln>
+            <a:solidFill>
+              <a:srgbClr val="FF0000"/>
+            </a:solidFill>
+          </a:ln>
+        </p:spPr>
+        <p:style>
+          <a:lnRef idx="1">
+            <a:schemeClr val="accent2"/>
+          </a:lnRef>
+          <a:fillRef idx="0">
+            <a:schemeClr val="accent2"/>
+          </a:fillRef>
+          <a:effectRef idx="0">
+            <a:schemeClr val="accent2"/>
+          </a:effectRef>
+          <a:fontRef idx="minor">
+            <a:schemeClr val="tx1"/>
+          </a:fontRef>
+        </p:style>
+        <p:txBody>
+          <a:bodyPr rtlCol="0" anchor="ctr"/>
+          <a:lstStyle/>
+          <a:p>
+            <a:pPr algn="ctr"/>
+            <a:endParaRPr lang="en-US"/>
+          </a:p>
+        </p:txBody>
+      </p:sp>
+      <p:pic>
+        <p:nvPicPr>
+          <p:cNvPr id="14" name="Picture 13" descr="rnn_ex.png"/>
+          <p:cNvPicPr>
+            <a:picLocks noChangeAspect="1"/>
+          </p:cNvPicPr>
+          <p:nvPr/>
+        </p:nvPicPr>
+        <p:blipFill>
+          <a:blip r:embed="rId3">
+            <a:extLst>
+              <a:ext uri="{28A0092B-C50C-407E-A947-70E740481C1C}">
+                <a14:useLocalDpi xmlns:a14="http://schemas.microsoft.com/office/drawing/2010/main" val="0"/>
+              </a:ext>
+            </a:extLst>
+          </a:blip>
+          <a:stretch>
+            <a:fillRect/>
+          </a:stretch>
+        </p:blipFill>
+        <p:spPr>
+          <a:xfrm>
+            <a:off x="2928198" y="4488812"/>
+            <a:ext cx="3502814" cy="2073699"/>
+          </a:xfrm>
+          <a:prstGeom prst="rect">
+            <a:avLst/>
+          </a:prstGeom>
+        </p:spPr>
+      </p:pic>
+      <p:cxnSp>
+        <p:nvCxnSpPr>
+          <p:cNvPr id="15" name="Straight Arrow Connector 14"/>
+          <p:cNvCxnSpPr/>
+          <p:nvPr/>
+        </p:nvCxnSpPr>
+        <p:spPr>
+          <a:xfrm flipH="1" flipV="1">
+            <a:off x="2204967" y="3210692"/>
+            <a:ext cx="1428819" cy="899698"/>
+          </a:xfrm>
+          <a:prstGeom prst="straightConnector1">
+            <a:avLst/>
+          </a:prstGeom>
+          <a:ln>
+            <a:tailEnd type="arrow"/>
+          </a:ln>
+        </p:spPr>
+        <p:style>
+          <a:lnRef idx="1">
+            <a:schemeClr val="dk1"/>
+          </a:lnRef>
+          <a:fillRef idx="0">
+            <a:schemeClr val="dk1"/>
+          </a:fillRef>
+          <a:effectRef idx="0">
+            <a:schemeClr val="dk1"/>
+          </a:effectRef>
+          <a:fontRef idx="minor">
+            <a:schemeClr val="tx1"/>
+          </a:fontRef>
+        </p:style>
+      </p:cxnSp>
+      <p:cxnSp>
+        <p:nvCxnSpPr>
+          <p:cNvPr id="17" name="Straight Arrow Connector 16"/>
+          <p:cNvCxnSpPr/>
+          <p:nvPr/>
+        </p:nvCxnSpPr>
+        <p:spPr>
+          <a:xfrm flipH="1">
+            <a:off x="5679996" y="3018859"/>
+            <a:ext cx="881987" cy="1267942"/>
+          </a:xfrm>
+          <a:prstGeom prst="straightConnector1">
+            <a:avLst/>
+          </a:prstGeom>
+          <a:ln>
+            <a:tailEnd type="arrow"/>
+          </a:ln>
+        </p:spPr>
+        <p:style>
+          <a:lnRef idx="1">
+            <a:schemeClr val="dk1"/>
+          </a:lnRef>
+          <a:fillRef idx="0">
+            <a:schemeClr val="dk1"/>
+          </a:fillRef>
+          <a:effectRef idx="0">
+            <a:schemeClr val="dk1"/>
+          </a:effectRef>
+          <a:fontRef idx="minor">
+            <a:schemeClr val="tx1"/>
+          </a:fontRef>
+        </p:style>
+      </p:cxnSp>
+      <p:sp>
+        <p:nvSpPr>
+          <p:cNvPr id="22" name="TextBox 21"/>
+          <p:cNvSpPr txBox="1"/>
+          <p:nvPr/>
+        </p:nvSpPr>
+        <p:spPr>
+          <a:xfrm>
+            <a:off x="3404470" y="1869963"/>
+            <a:ext cx="1005403" cy="369332"/>
+          </a:xfrm>
+          <a:prstGeom prst="rect">
+            <a:avLst/>
+          </a:prstGeom>
+          <a:noFill/>
+        </p:spPr>
+        <p:txBody>
+          <a:bodyPr wrap="none" rtlCol="0">
+            <a:spAutoFit/>
+          </a:bodyPr>
+          <a:lstStyle/>
+          <a:p>
+            <a:r>
+              <a:rPr lang="en-US" dirty="0" smtClean="0">
+                <a:latin typeface="Cambria"/>
+                <a:cs typeface="Cambria"/>
+              </a:rPr>
+              <a:t>Observe</a:t>
+            </a:r>
+            <a:endParaRPr lang="en-US" dirty="0">
+              <a:latin typeface="Cambria"/>
+              <a:cs typeface="Cambria"/>
+            </a:endParaRPr>
+          </a:p>
+        </p:txBody>
+      </p:sp>
+      <p:sp>
+        <p:nvSpPr>
+          <p:cNvPr id="23" name="TextBox 22"/>
+          <p:cNvSpPr txBox="1"/>
+          <p:nvPr/>
+        </p:nvSpPr>
+        <p:spPr>
+          <a:xfrm>
+            <a:off x="6050138" y="3557144"/>
+            <a:ext cx="761747" cy="369332"/>
+          </a:xfrm>
+          <a:prstGeom prst="rect">
+            <a:avLst/>
+          </a:prstGeom>
+          <a:noFill/>
+        </p:spPr>
+        <p:txBody>
+          <a:bodyPr wrap="none" rtlCol="0">
+            <a:spAutoFit/>
+          </a:bodyPr>
+          <a:lstStyle/>
+          <a:p>
+            <a:r>
+              <a:rPr lang="en-US" dirty="0" smtClean="0">
+                <a:latin typeface="Cambria"/>
+                <a:cs typeface="Cambria"/>
+              </a:rPr>
+              <a:t>Learn</a:t>
+            </a:r>
+            <a:endParaRPr lang="en-US" dirty="0">
+              <a:latin typeface="Cambria"/>
+              <a:cs typeface="Cambria"/>
+            </a:endParaRPr>
+          </a:p>
+        </p:txBody>
+      </p:sp>
+      <p:sp>
+        <p:nvSpPr>
+          <p:cNvPr id="24" name="TextBox 23"/>
+          <p:cNvSpPr txBox="1"/>
+          <p:nvPr/>
+        </p:nvSpPr>
+        <p:spPr>
+          <a:xfrm>
+            <a:off x="2127979" y="3568415"/>
+            <a:ext cx="800219" cy="369332"/>
+          </a:xfrm>
+          <a:prstGeom prst="rect">
+            <a:avLst/>
+          </a:prstGeom>
+          <a:noFill/>
+        </p:spPr>
+        <p:txBody>
+          <a:bodyPr wrap="none" rtlCol="0">
+            <a:spAutoFit/>
+          </a:bodyPr>
+          <a:lstStyle/>
+          <a:p>
+            <a:r>
+              <a:rPr lang="en-US" dirty="0" smtClean="0">
+                <a:latin typeface="Cambria"/>
+                <a:cs typeface="Cambria"/>
+              </a:rPr>
+              <a:t>Model</a:t>
+            </a:r>
+            <a:endParaRPr lang="en-US" dirty="0">
+              <a:latin typeface="Cambria"/>
+              <a:cs typeface="Cambria"/>
+            </a:endParaRPr>
+          </a:p>
+        </p:txBody>
+      </p:sp>
+    </p:spTree>
+    <p:extLst>
+      <p:ext uri="{BB962C8B-B14F-4D97-AF65-F5344CB8AC3E}">
+        <p14:creationId xmlns:p14="http://schemas.microsoft.com/office/powerpoint/2010/main" val="3423257809"/>
+      </p:ext>
+    </p:extLst>
+  </p:cSld>
+  <p:clrMapOvr>
+    <a:masterClrMapping/>
+  </p:clrMapOvr>
+</p:sld>
+</file>
+
+<file path=ppt/slides/slide11.xml><?xml version="1.0" encoding="utf-8"?>
+<p:sld xmlns:a="http://schemas.openxmlformats.org/drawingml/2006/main" xmlns:r="http://schemas.openxmlformats.org/officeDocument/2006/relationships" xmlns:p="http://schemas.openxmlformats.org/presentationml/2006/main">
+  <p:cSld>
+    <p:spTree>
+      <p:nvGrpSpPr>
+        <p:cNvPr id="1" name=""/>
+        <p:cNvGrpSpPr/>
+        <p:nvPr/>
+      </p:nvGrpSpPr>
+      <p:grpSpPr>
+        <a:xfrm>
+          <a:off x="0" y="0"/>
+          <a:ext cx="0" cy="0"/>
+          <a:chOff x="0" y="0"/>
+          <a:chExt cx="0" cy="0"/>
+        </a:xfrm>
+      </p:grpSpPr>
+      <p:grpSp>
+        <p:nvGrpSpPr>
+          <p:cNvPr id="29" name="Group 28"/>
+          <p:cNvGrpSpPr/>
+          <p:nvPr/>
+        </p:nvGrpSpPr>
+        <p:grpSpPr>
+          <a:xfrm>
+            <a:off x="224775" y="2762810"/>
+            <a:ext cx="3563151" cy="1326437"/>
+            <a:chOff x="728680" y="2377699"/>
+            <a:chExt cx="7499522" cy="2894459"/>
+          </a:xfrm>
+        </p:grpSpPr>
+        <p:grpSp>
+          <p:nvGrpSpPr>
+            <p:cNvPr id="30" name="Group 29"/>
+            <p:cNvGrpSpPr/>
+            <p:nvPr/>
+          </p:nvGrpSpPr>
+          <p:grpSpPr>
+            <a:xfrm>
+              <a:off x="728680" y="3040962"/>
+              <a:ext cx="1454926" cy="1508433"/>
+              <a:chOff x="-1078662" y="1606558"/>
+              <a:chExt cx="1454926" cy="1508433"/>
+            </a:xfrm>
+          </p:grpSpPr>
+          <p:sp>
+            <p:nvSpPr>
+              <p:cNvPr id="45" name="Oval 44"/>
+              <p:cNvSpPr/>
+              <p:nvPr/>
+            </p:nvSpPr>
+            <p:spPr>
+              <a:xfrm>
+                <a:off x="-1078662" y="1916110"/>
+                <a:ext cx="903111" cy="903111"/>
+              </a:xfrm>
+              <a:prstGeom prst="ellipse">
+                <a:avLst/>
+              </a:prstGeom>
+              <a:noFill/>
+            </p:spPr>
+            <p:style>
+              <a:lnRef idx="2">
+                <a:schemeClr val="dk1"/>
+              </a:lnRef>
+              <a:fillRef idx="1">
+                <a:schemeClr val="lt1"/>
+              </a:fillRef>
+              <a:effectRef idx="0">
+                <a:schemeClr val="dk1"/>
+              </a:effectRef>
+              <a:fontRef idx="minor">
+                <a:schemeClr val="dk1"/>
+              </a:fontRef>
+            </p:style>
+            <p:txBody>
+              <a:bodyPr rtlCol="0" anchor="ctr"/>
+              <a:lstStyle/>
+              <a:p>
+                <a:pPr algn="ctr"/>
+                <a:endParaRPr lang="en-US"/>
+              </a:p>
+            </p:txBody>
+          </p:sp>
+          <p:grpSp>
+            <p:nvGrpSpPr>
+              <p:cNvPr id="46" name="Group 45"/>
+              <p:cNvGrpSpPr/>
+              <p:nvPr/>
+            </p:nvGrpSpPr>
+            <p:grpSpPr>
+              <a:xfrm>
+                <a:off x="7268" y="2178295"/>
+                <a:ext cx="51361" cy="378741"/>
+                <a:chOff x="-665558" y="4289822"/>
+                <a:chExt cx="51361" cy="378741"/>
+              </a:xfrm>
+            </p:grpSpPr>
+            <p:sp>
+              <p:nvSpPr>
+                <p:cNvPr id="49" name="Oval 48"/>
+                <p:cNvSpPr/>
+                <p:nvPr/>
+              </p:nvSpPr>
+              <p:spPr>
+                <a:xfrm>
+                  <a:off x="-659916" y="4289822"/>
+                  <a:ext cx="45719" cy="45719"/>
+                </a:xfrm>
+                <a:prstGeom prst="ellipse">
+                  <a:avLst/>
+                </a:prstGeom>
+                <a:solidFill>
+                  <a:schemeClr val="tx1"/>
+                </a:solidFill>
+                <a:ln/>
+              </p:spPr>
+              <p:style>
+                <a:lnRef idx="2">
+                  <a:schemeClr val="dk1"/>
+                </a:lnRef>
+                <a:fillRef idx="1">
+                  <a:schemeClr val="lt1"/>
+                </a:fillRef>
+                <a:effectRef idx="0">
+                  <a:schemeClr val="dk1"/>
+                </a:effectRef>
+                <a:fontRef idx="minor">
+                  <a:schemeClr val="dk1"/>
+                </a:fontRef>
+              </p:style>
+              <p:txBody>
+                <a:bodyPr rtlCol="0" anchor="ctr"/>
+                <a:lstStyle/>
+                <a:p>
+                  <a:pPr algn="ctr"/>
+                  <a:endParaRPr lang="en-US"/>
+                </a:p>
+              </p:txBody>
+            </p:sp>
+            <p:sp>
+              <p:nvSpPr>
+                <p:cNvPr id="50" name="Oval 49"/>
+                <p:cNvSpPr/>
+                <p:nvPr/>
+              </p:nvSpPr>
+              <p:spPr>
+                <a:xfrm>
+                  <a:off x="-662737" y="4456333"/>
+                  <a:ext cx="45719" cy="45719"/>
+                </a:xfrm>
+                <a:prstGeom prst="ellipse">
+                  <a:avLst/>
+                </a:prstGeom>
+                <a:solidFill>
+                  <a:schemeClr val="tx1"/>
+                </a:solidFill>
+                <a:ln/>
+              </p:spPr>
+              <p:style>
+                <a:lnRef idx="2">
+                  <a:schemeClr val="dk1"/>
+                </a:lnRef>
+                <a:fillRef idx="1">
+                  <a:schemeClr val="lt1"/>
+                </a:fillRef>
+                <a:effectRef idx="0">
+                  <a:schemeClr val="dk1"/>
+                </a:effectRef>
+                <a:fontRef idx="minor">
+                  <a:schemeClr val="dk1"/>
+                </a:fontRef>
+              </p:style>
+              <p:txBody>
+                <a:bodyPr rtlCol="0" anchor="ctr"/>
+                <a:lstStyle/>
+                <a:p>
+                  <a:pPr algn="ctr"/>
+                  <a:endParaRPr lang="en-US"/>
+                </a:p>
+              </p:txBody>
+            </p:sp>
+            <p:sp>
+              <p:nvSpPr>
+                <p:cNvPr id="51" name="Oval 50"/>
+                <p:cNvSpPr/>
+                <p:nvPr/>
+              </p:nvSpPr>
+              <p:spPr>
+                <a:xfrm>
+                  <a:off x="-665558" y="4622844"/>
+                  <a:ext cx="45719" cy="45719"/>
+                </a:xfrm>
+                <a:prstGeom prst="ellipse">
+                  <a:avLst/>
+                </a:prstGeom>
+                <a:solidFill>
+                  <a:schemeClr val="tx1"/>
+                </a:solidFill>
+                <a:ln/>
+              </p:spPr>
+              <p:style>
+                <a:lnRef idx="2">
+                  <a:schemeClr val="dk1"/>
+                </a:lnRef>
+                <a:fillRef idx="1">
+                  <a:schemeClr val="lt1"/>
+                </a:fillRef>
+                <a:effectRef idx="0">
+                  <a:schemeClr val="dk1"/>
+                </a:effectRef>
+                <a:fontRef idx="minor">
+                  <a:schemeClr val="dk1"/>
+                </a:fontRef>
+              </p:style>
+              <p:txBody>
+                <a:bodyPr rtlCol="0" anchor="ctr"/>
+                <a:lstStyle/>
+                <a:p>
+                  <a:pPr algn="ctr"/>
+                  <a:endParaRPr lang="en-US"/>
+                </a:p>
+              </p:txBody>
+            </p:sp>
+          </p:grpSp>
+          <p:cxnSp>
+            <p:nvCxnSpPr>
+              <p:cNvPr id="47" name="Straight Arrow Connector 46"/>
+              <p:cNvCxnSpPr>
+                <a:stCxn id="45" idx="7"/>
+              </p:cNvCxnSpPr>
+              <p:nvPr/>
+            </p:nvCxnSpPr>
+            <p:spPr>
+              <a:xfrm flipV="1">
+                <a:off x="-307809" y="1606558"/>
+                <a:ext cx="684073" cy="441810"/>
+              </a:xfrm>
+              <a:prstGeom prst="straightConnector1">
+                <a:avLst/>
+              </a:prstGeom>
+              <a:ln>
+                <a:tailEnd type="arrow"/>
+              </a:ln>
+            </p:spPr>
+            <p:style>
+              <a:lnRef idx="1">
+                <a:schemeClr val="dk1"/>
+              </a:lnRef>
+              <a:fillRef idx="0">
+                <a:schemeClr val="dk1"/>
+              </a:fillRef>
+              <a:effectRef idx="0">
+                <a:schemeClr val="dk1"/>
+              </a:effectRef>
+              <a:fontRef idx="minor">
+                <a:schemeClr val="tx1"/>
+              </a:fontRef>
+            </p:style>
+          </p:cxnSp>
+          <p:cxnSp>
+            <p:nvCxnSpPr>
+              <p:cNvPr id="48" name="Straight Arrow Connector 47"/>
+              <p:cNvCxnSpPr>
+                <a:stCxn id="45" idx="5"/>
+              </p:cNvCxnSpPr>
+              <p:nvPr/>
+            </p:nvCxnSpPr>
+            <p:spPr>
+              <a:xfrm>
+                <a:off x="-307809" y="2686963"/>
+                <a:ext cx="684073" cy="428028"/>
+              </a:xfrm>
+              <a:prstGeom prst="straightConnector1">
+                <a:avLst/>
+              </a:prstGeom>
+              <a:ln>
+                <a:tailEnd type="arrow"/>
+              </a:ln>
+            </p:spPr>
+            <p:style>
+              <a:lnRef idx="1">
+                <a:schemeClr val="dk1"/>
+              </a:lnRef>
+              <a:fillRef idx="0">
+                <a:schemeClr val="dk1"/>
+              </a:fillRef>
+              <a:effectRef idx="0">
+                <a:schemeClr val="dk1"/>
+              </a:effectRef>
+              <a:fontRef idx="minor">
+                <a:schemeClr val="tx1"/>
+              </a:fontRef>
+            </p:style>
+          </p:cxnSp>
+        </p:grpSp>
+        <p:grpSp>
+          <p:nvGrpSpPr>
+            <p:cNvPr id="31" name="Group 30"/>
+            <p:cNvGrpSpPr/>
+            <p:nvPr/>
+          </p:nvGrpSpPr>
+          <p:grpSpPr>
+            <a:xfrm rot="2600335">
+              <a:off x="3131012" y="2377699"/>
+              <a:ext cx="2972563" cy="2894459"/>
+              <a:chOff x="1628835" y="1606558"/>
+              <a:chExt cx="2972563" cy="2894459"/>
+            </a:xfrm>
+          </p:grpSpPr>
+          <p:sp>
+            <p:nvSpPr>
+              <p:cNvPr id="41" name="Oval 40"/>
+              <p:cNvSpPr/>
+              <p:nvPr/>
+            </p:nvSpPr>
+            <p:spPr>
+              <a:xfrm>
+                <a:off x="3698287" y="1606558"/>
+                <a:ext cx="903111" cy="903111"/>
+              </a:xfrm>
+              <a:prstGeom prst="ellipse">
+                <a:avLst/>
+              </a:prstGeom>
+              <a:noFill/>
+            </p:spPr>
+            <p:style>
+              <a:lnRef idx="2">
+                <a:schemeClr val="dk1"/>
+              </a:lnRef>
+              <a:fillRef idx="1">
+                <a:schemeClr val="lt1"/>
+              </a:fillRef>
+              <a:effectRef idx="0">
+                <a:schemeClr val="dk1"/>
+              </a:effectRef>
+              <a:fontRef idx="minor">
+                <a:schemeClr val="dk1"/>
+              </a:fontRef>
+            </p:style>
+            <p:txBody>
+              <a:bodyPr rtlCol="0" anchor="ctr"/>
+              <a:lstStyle/>
+              <a:p>
+                <a:pPr algn="ctr"/>
+                <a:endParaRPr lang="en-US"/>
+              </a:p>
+            </p:txBody>
+          </p:sp>
+          <p:sp>
+            <p:nvSpPr>
+              <p:cNvPr id="42" name="Oval 41"/>
+              <p:cNvSpPr/>
+              <p:nvPr/>
+            </p:nvSpPr>
+            <p:spPr>
+              <a:xfrm>
+                <a:off x="1628835" y="3597906"/>
+                <a:ext cx="903111" cy="903111"/>
+              </a:xfrm>
+              <a:prstGeom prst="ellipse">
+                <a:avLst/>
+              </a:prstGeom>
+              <a:noFill/>
+            </p:spPr>
+            <p:style>
+              <a:lnRef idx="2">
+                <a:schemeClr val="dk1"/>
+              </a:lnRef>
+              <a:fillRef idx="1">
+                <a:schemeClr val="lt1"/>
+              </a:fillRef>
+              <a:effectRef idx="0">
+                <a:schemeClr val="dk1"/>
+              </a:effectRef>
+              <a:fontRef idx="minor">
+                <a:schemeClr val="dk1"/>
+              </a:fontRef>
+            </p:style>
+            <p:txBody>
+              <a:bodyPr rtlCol="0" anchor="ctr"/>
+              <a:lstStyle/>
+              <a:p>
+                <a:pPr algn="ctr"/>
+                <a:endParaRPr lang="en-US"/>
+              </a:p>
+            </p:txBody>
+          </p:sp>
+          <p:sp>
+            <p:nvSpPr>
+              <p:cNvPr id="43" name="Freeform 42"/>
+              <p:cNvSpPr/>
+              <p:nvPr/>
+            </p:nvSpPr>
+            <p:spPr>
+              <a:xfrm>
+                <a:off x="2179188" y="2210866"/>
+                <a:ext cx="1534777" cy="1387039"/>
+              </a:xfrm>
+              <a:custGeom>
+                <a:avLst/>
+                <a:gdLst>
+                  <a:gd name="connsiteX0" fmla="*/ 0 w 1755898"/>
+                  <a:gd name="connsiteY0" fmla="*/ 1285752 h 1285752"/>
+                  <a:gd name="connsiteX1" fmla="*/ 564396 w 1755898"/>
+                  <a:gd name="connsiteY1" fmla="*/ 297918 h 1285752"/>
+                  <a:gd name="connsiteX2" fmla="*/ 1755898 w 1755898"/>
+                  <a:gd name="connsiteY2" fmla="*/ 0 h 1285752"/>
+                </a:gdLst>
+                <a:ahLst/>
+                <a:cxnLst>
+                  <a:cxn ang="0">
+                    <a:pos x="connsiteX0" y="connsiteY0"/>
+                  </a:cxn>
+                  <a:cxn ang="0">
+                    <a:pos x="connsiteX1" y="connsiteY1"/>
+                  </a:cxn>
+                  <a:cxn ang="0">
+                    <a:pos x="connsiteX2" y="connsiteY2"/>
+                  </a:cxn>
+                </a:cxnLst>
+                <a:rect l="l" t="t" r="r" b="b"/>
+                <a:pathLst>
+                  <a:path w="1755898" h="1285752">
+                    <a:moveTo>
+                      <a:pt x="0" y="1285752"/>
+                    </a:moveTo>
+                    <a:cubicBezTo>
+                      <a:pt x="135873" y="898981"/>
+                      <a:pt x="271746" y="512210"/>
+                      <a:pt x="564396" y="297918"/>
+                    </a:cubicBezTo>
+                    <a:cubicBezTo>
+                      <a:pt x="857046" y="83626"/>
+                      <a:pt x="1755898" y="0"/>
+                      <a:pt x="1755898" y="0"/>
+                    </a:cubicBezTo>
+                  </a:path>
+                </a:pathLst>
+              </a:custGeom>
+              <a:ln>
+                <a:tailEnd type="arrow" w="med" len="med"/>
+              </a:ln>
+            </p:spPr>
+            <p:style>
+              <a:lnRef idx="1">
+                <a:schemeClr val="dk1"/>
+              </a:lnRef>
+              <a:fillRef idx="0">
+                <a:schemeClr val="dk1"/>
+              </a:fillRef>
+              <a:effectRef idx="0">
+                <a:schemeClr val="dk1"/>
+              </a:effectRef>
+              <a:fontRef idx="minor">
+                <a:schemeClr val="tx1"/>
+              </a:fontRef>
+            </p:style>
+            <p:txBody>
+              <a:bodyPr rtlCol="0" anchor="ctr"/>
+              <a:lstStyle/>
+              <a:p>
+                <a:pPr algn="ctr"/>
+                <a:endParaRPr lang="en-US"/>
+              </a:p>
+            </p:txBody>
+          </p:sp>
+          <p:sp>
+            <p:nvSpPr>
+              <p:cNvPr id="44" name="Freeform 43"/>
+              <p:cNvSpPr/>
+              <p:nvPr/>
+            </p:nvSpPr>
+            <p:spPr>
+              <a:xfrm>
+                <a:off x="2414353" y="2461746"/>
+                <a:ext cx="1505056" cy="1238712"/>
+              </a:xfrm>
+              <a:custGeom>
+                <a:avLst/>
+                <a:gdLst>
+                  <a:gd name="connsiteX0" fmla="*/ 1505056 w 1505056"/>
+                  <a:gd name="connsiteY0" fmla="*/ 0 h 1238712"/>
+                  <a:gd name="connsiteX1" fmla="*/ 1081759 w 1505056"/>
+                  <a:gd name="connsiteY1" fmla="*/ 862395 h 1238712"/>
+                  <a:gd name="connsiteX2" fmla="*/ 0 w 1505056"/>
+                  <a:gd name="connsiteY2" fmla="*/ 1238712 h 1238712"/>
+                </a:gdLst>
+                <a:ahLst/>
+                <a:cxnLst>
+                  <a:cxn ang="0">
+                    <a:pos x="connsiteX0" y="connsiteY0"/>
+                  </a:cxn>
+                  <a:cxn ang="0">
+                    <a:pos x="connsiteX1" y="connsiteY1"/>
+                  </a:cxn>
+                  <a:cxn ang="0">
+                    <a:pos x="connsiteX2" y="connsiteY2"/>
+                  </a:cxn>
+                </a:cxnLst>
+                <a:rect l="l" t="t" r="r" b="b"/>
+                <a:pathLst>
+                  <a:path w="1505056" h="1238712">
+                    <a:moveTo>
+                      <a:pt x="1505056" y="0"/>
+                    </a:moveTo>
+                    <a:cubicBezTo>
+                      <a:pt x="1418828" y="327971"/>
+                      <a:pt x="1332601" y="655943"/>
+                      <a:pt x="1081759" y="862395"/>
+                    </a:cubicBezTo>
+                    <a:cubicBezTo>
+                      <a:pt x="830917" y="1068847"/>
+                      <a:pt x="0" y="1238712"/>
+                      <a:pt x="0" y="1238712"/>
+                    </a:cubicBezTo>
+                  </a:path>
+                </a:pathLst>
+              </a:custGeom>
+              <a:ln>
+                <a:tailEnd type="arrow"/>
+              </a:ln>
+            </p:spPr>
+            <p:style>
+              <a:lnRef idx="1">
+                <a:schemeClr val="dk1"/>
+              </a:lnRef>
+              <a:fillRef idx="0">
+                <a:schemeClr val="dk1"/>
+              </a:fillRef>
+              <a:effectRef idx="0">
+                <a:schemeClr val="dk1"/>
+              </a:effectRef>
+              <a:fontRef idx="minor">
+                <a:schemeClr val="tx1"/>
+              </a:fontRef>
+            </p:style>
+            <p:txBody>
+              <a:bodyPr rtlCol="0" anchor="ctr"/>
+              <a:lstStyle/>
+              <a:p>
+                <a:pPr algn="ctr"/>
+                <a:endParaRPr lang="en-US"/>
+              </a:p>
+            </p:txBody>
+          </p:sp>
+        </p:grpSp>
+        <p:grpSp>
+          <p:nvGrpSpPr>
+            <p:cNvPr id="32" name="Group 31"/>
+            <p:cNvGrpSpPr/>
+            <p:nvPr/>
+          </p:nvGrpSpPr>
+          <p:grpSpPr>
+            <a:xfrm>
+              <a:off x="6773276" y="3040962"/>
+              <a:ext cx="1454926" cy="1508433"/>
+              <a:chOff x="8128706" y="518276"/>
+              <a:chExt cx="1454926" cy="1508433"/>
+            </a:xfrm>
+          </p:grpSpPr>
+          <p:sp>
+            <p:nvSpPr>
+              <p:cNvPr id="34" name="Oval 33"/>
+              <p:cNvSpPr/>
+              <p:nvPr/>
+            </p:nvSpPr>
+            <p:spPr>
+              <a:xfrm rot="10800000">
+                <a:off x="8680521" y="814046"/>
+                <a:ext cx="903111" cy="903111"/>
+              </a:xfrm>
+              <a:prstGeom prst="ellipse">
+                <a:avLst/>
+              </a:prstGeom>
+              <a:noFill/>
+            </p:spPr>
+            <p:style>
+              <a:lnRef idx="2">
+                <a:schemeClr val="dk1"/>
+              </a:lnRef>
+              <a:fillRef idx="1">
+                <a:schemeClr val="lt1"/>
+              </a:fillRef>
+              <a:effectRef idx="0">
+                <a:schemeClr val="dk1"/>
+              </a:effectRef>
+              <a:fontRef idx="minor">
+                <a:schemeClr val="dk1"/>
+              </a:fontRef>
+            </p:style>
+            <p:txBody>
+              <a:bodyPr rtlCol="0" anchor="ctr"/>
+              <a:lstStyle/>
+              <a:p>
+                <a:pPr algn="ctr"/>
+                <a:endParaRPr lang="en-US"/>
+              </a:p>
+            </p:txBody>
+          </p:sp>
+          <p:grpSp>
+            <p:nvGrpSpPr>
+              <p:cNvPr id="35" name="Group 34"/>
+              <p:cNvGrpSpPr/>
+              <p:nvPr/>
+            </p:nvGrpSpPr>
+            <p:grpSpPr>
+              <a:xfrm rot="10800000">
+                <a:off x="8446341" y="1076231"/>
+                <a:ext cx="51361" cy="378741"/>
+                <a:chOff x="-665558" y="4289822"/>
+                <a:chExt cx="51361" cy="378741"/>
+              </a:xfrm>
+            </p:grpSpPr>
+            <p:sp>
+              <p:nvSpPr>
+                <p:cNvPr id="38" name="Oval 37"/>
+                <p:cNvSpPr/>
+                <p:nvPr/>
+              </p:nvSpPr>
+              <p:spPr>
+                <a:xfrm>
+                  <a:off x="-659916" y="4289822"/>
+                  <a:ext cx="45719" cy="45719"/>
+                </a:xfrm>
+                <a:prstGeom prst="ellipse">
+                  <a:avLst/>
+                </a:prstGeom>
+                <a:solidFill>
+                  <a:schemeClr val="tx1"/>
+                </a:solidFill>
+                <a:ln/>
+              </p:spPr>
+              <p:style>
+                <a:lnRef idx="2">
+                  <a:schemeClr val="dk1"/>
+                </a:lnRef>
+                <a:fillRef idx="1">
+                  <a:schemeClr val="lt1"/>
+                </a:fillRef>
+                <a:effectRef idx="0">
+                  <a:schemeClr val="dk1"/>
+                </a:effectRef>
+                <a:fontRef idx="minor">
+                  <a:schemeClr val="dk1"/>
+                </a:fontRef>
+              </p:style>
+              <p:txBody>
+                <a:bodyPr rtlCol="0" anchor="ctr"/>
+                <a:lstStyle/>
+                <a:p>
+                  <a:pPr algn="ctr"/>
+                  <a:endParaRPr lang="en-US"/>
+                </a:p>
+              </p:txBody>
+            </p:sp>
+            <p:sp>
+              <p:nvSpPr>
+                <p:cNvPr id="39" name="Oval 38"/>
+                <p:cNvSpPr/>
+                <p:nvPr/>
+              </p:nvSpPr>
+              <p:spPr>
+                <a:xfrm>
+                  <a:off x="-662737" y="4456333"/>
+                  <a:ext cx="45719" cy="45719"/>
+                </a:xfrm>
+                <a:prstGeom prst="ellipse">
+                  <a:avLst/>
+                </a:prstGeom>
+                <a:solidFill>
+                  <a:schemeClr val="tx1"/>
+                </a:solidFill>
+                <a:ln/>
+              </p:spPr>
+              <p:style>
+                <a:lnRef idx="2">
+                  <a:schemeClr val="dk1"/>
+                </a:lnRef>
+                <a:fillRef idx="1">
+                  <a:schemeClr val="lt1"/>
+                </a:fillRef>
+                <a:effectRef idx="0">
+                  <a:schemeClr val="dk1"/>
+                </a:effectRef>
+                <a:fontRef idx="minor">
+                  <a:schemeClr val="dk1"/>
+                </a:fontRef>
+              </p:style>
+              <p:txBody>
+                <a:bodyPr rtlCol="0" anchor="ctr"/>
+                <a:lstStyle/>
+                <a:p>
+                  <a:pPr algn="ctr"/>
+                  <a:endParaRPr lang="en-US"/>
+                </a:p>
+              </p:txBody>
+            </p:sp>
+            <p:sp>
+              <p:nvSpPr>
+                <p:cNvPr id="40" name="Oval 39"/>
+                <p:cNvSpPr/>
+                <p:nvPr/>
+              </p:nvSpPr>
+              <p:spPr>
+                <a:xfrm>
+                  <a:off x="-665558" y="4622844"/>
+                  <a:ext cx="45719" cy="45719"/>
+                </a:xfrm>
+                <a:prstGeom prst="ellipse">
+                  <a:avLst/>
+                </a:prstGeom>
+                <a:solidFill>
+                  <a:schemeClr val="tx1"/>
+                </a:solidFill>
+                <a:ln/>
+              </p:spPr>
+              <p:style>
+                <a:lnRef idx="2">
+                  <a:schemeClr val="dk1"/>
+                </a:lnRef>
+                <a:fillRef idx="1">
+                  <a:schemeClr val="lt1"/>
+                </a:fillRef>
+                <a:effectRef idx="0">
+                  <a:schemeClr val="dk1"/>
+                </a:effectRef>
+                <a:fontRef idx="minor">
+                  <a:schemeClr val="dk1"/>
+                </a:fontRef>
+              </p:style>
+              <p:txBody>
+                <a:bodyPr rtlCol="0" anchor="ctr"/>
+                <a:lstStyle/>
+                <a:p>
+                  <a:pPr algn="ctr"/>
+                  <a:endParaRPr lang="en-US"/>
+                </a:p>
+              </p:txBody>
+            </p:sp>
+          </p:grpSp>
+          <p:cxnSp>
+            <p:nvCxnSpPr>
+              <p:cNvPr id="36" name="Straight Arrow Connector 35"/>
+              <p:cNvCxnSpPr>
+                <a:endCxn id="34" idx="7"/>
+              </p:cNvCxnSpPr>
+              <p:nvPr/>
+            </p:nvCxnSpPr>
+            <p:spPr>
+              <a:xfrm flipV="1">
+                <a:off x="8128706" y="1584899"/>
+                <a:ext cx="684073" cy="441810"/>
+              </a:xfrm>
+              <a:prstGeom prst="straightConnector1">
+                <a:avLst/>
+              </a:prstGeom>
+              <a:ln>
+                <a:tailEnd type="arrow"/>
+              </a:ln>
+            </p:spPr>
+            <p:style>
+              <a:lnRef idx="1">
+                <a:schemeClr val="dk1"/>
+              </a:lnRef>
+              <a:fillRef idx="0">
+                <a:schemeClr val="dk1"/>
+              </a:fillRef>
+              <a:effectRef idx="0">
+                <a:schemeClr val="dk1"/>
+              </a:effectRef>
+              <a:fontRef idx="minor">
+                <a:schemeClr val="tx1"/>
+              </a:fontRef>
+            </p:style>
+          </p:cxnSp>
+          <p:cxnSp>
+            <p:nvCxnSpPr>
+              <p:cNvPr id="37" name="Straight Arrow Connector 36"/>
+              <p:cNvCxnSpPr>
+                <a:endCxn id="34" idx="5"/>
+              </p:cNvCxnSpPr>
+              <p:nvPr/>
+            </p:nvCxnSpPr>
+            <p:spPr>
+              <a:xfrm>
+                <a:off x="8128706" y="518276"/>
+                <a:ext cx="684073" cy="428028"/>
+              </a:xfrm>
+              <a:prstGeom prst="straightConnector1">
+                <a:avLst/>
+              </a:prstGeom>
+              <a:ln>
+                <a:tailEnd type="arrow"/>
+              </a:ln>
+            </p:spPr>
+            <p:style>
+              <a:lnRef idx="1">
+                <a:schemeClr val="dk1"/>
+              </a:lnRef>
+              <a:fillRef idx="0">
+                <a:schemeClr val="dk1"/>
+              </a:fillRef>
+              <a:effectRef idx="0">
+                <a:schemeClr val="dk1"/>
+              </a:effectRef>
+              <a:fontRef idx="minor">
+                <a:schemeClr val="tx1"/>
+              </a:fontRef>
+            </p:style>
+          </p:cxnSp>
+        </p:grpSp>
+        <p:sp>
+          <p:nvSpPr>
+            <p:cNvPr id="33" name="Freeform 32"/>
+            <p:cNvSpPr/>
+            <p:nvPr/>
+          </p:nvSpPr>
+          <p:spPr>
+            <a:xfrm>
+              <a:off x="2816268" y="4185614"/>
+              <a:ext cx="1003447" cy="1026401"/>
+            </a:xfrm>
+            <a:custGeom>
+              <a:avLst/>
+              <a:gdLst>
+                <a:gd name="connsiteX0" fmla="*/ 548795 w 727650"/>
+                <a:gd name="connsiteY0" fmla="*/ 0 h 642876"/>
+                <a:gd name="connsiteX1" fmla="*/ 721249 w 727650"/>
+                <a:gd name="connsiteY1" fmla="*/ 203839 h 642876"/>
+                <a:gd name="connsiteX2" fmla="*/ 658538 w 727650"/>
+                <a:gd name="connsiteY2" fmla="*/ 501757 h 642876"/>
+                <a:gd name="connsiteX3" fmla="*/ 360663 w 727650"/>
+                <a:gd name="connsiteY3" fmla="*/ 642876 h 642876"/>
+                <a:gd name="connsiteX4" fmla="*/ 78465 w 727650"/>
+                <a:gd name="connsiteY4" fmla="*/ 501757 h 642876"/>
+                <a:gd name="connsiteX5" fmla="*/ 76 w 727650"/>
+                <a:gd name="connsiteY5" fmla="*/ 313598 h 642876"/>
+                <a:gd name="connsiteX6" fmla="*/ 62787 w 727650"/>
+                <a:gd name="connsiteY6" fmla="*/ 78400 h 642876"/>
+              </a:gdLst>
+              <a:ahLst/>
+              <a:cxnLst>
+                <a:cxn ang="0">
+                  <a:pos x="connsiteX0" y="connsiteY0"/>
+                </a:cxn>
+                <a:cxn ang="0">
+                  <a:pos x="connsiteX1" y="connsiteY1"/>
+                </a:cxn>
+                <a:cxn ang="0">
+                  <a:pos x="connsiteX2" y="connsiteY2"/>
+                </a:cxn>
+                <a:cxn ang="0">
+                  <a:pos x="connsiteX3" y="connsiteY3"/>
+                </a:cxn>
+                <a:cxn ang="0">
+                  <a:pos x="connsiteX4" y="connsiteY4"/>
+                </a:cxn>
+                <a:cxn ang="0">
+                  <a:pos x="connsiteX5" y="connsiteY5"/>
+                </a:cxn>
+                <a:cxn ang="0">
+                  <a:pos x="connsiteX6" y="connsiteY6"/>
+                </a:cxn>
+              </a:cxnLst>
+              <a:rect l="l" t="t" r="r" b="b"/>
+              <a:pathLst>
+                <a:path w="727650" h="642876">
+                  <a:moveTo>
+                    <a:pt x="548795" y="0"/>
+                  </a:moveTo>
+                  <a:cubicBezTo>
+                    <a:pt x="625877" y="60106"/>
+                    <a:pt x="702959" y="120213"/>
+                    <a:pt x="721249" y="203839"/>
+                  </a:cubicBezTo>
+                  <a:cubicBezTo>
+                    <a:pt x="739539" y="287465"/>
+                    <a:pt x="718636" y="428584"/>
+                    <a:pt x="658538" y="501757"/>
+                  </a:cubicBezTo>
+                  <a:cubicBezTo>
+                    <a:pt x="598440" y="574930"/>
+                    <a:pt x="457342" y="642876"/>
+                    <a:pt x="360663" y="642876"/>
+                  </a:cubicBezTo>
+                  <a:cubicBezTo>
+                    <a:pt x="263984" y="642876"/>
+                    <a:pt x="138563" y="556637"/>
+                    <a:pt x="78465" y="501757"/>
+                  </a:cubicBezTo>
+                  <a:cubicBezTo>
+                    <a:pt x="18367" y="446877"/>
+                    <a:pt x="2689" y="384157"/>
+                    <a:pt x="76" y="313598"/>
+                  </a:cubicBezTo>
+                  <a:cubicBezTo>
+                    <a:pt x="-2537" y="243039"/>
+                    <a:pt x="62787" y="78400"/>
+                    <a:pt x="62787" y="78400"/>
+                  </a:cubicBezTo>
+                </a:path>
+              </a:pathLst>
+            </a:custGeom>
+            <a:ln>
+              <a:tailEnd type="arrow"/>
+            </a:ln>
+          </p:spPr>
+          <p:style>
+            <a:lnRef idx="1">
+              <a:schemeClr val="dk1"/>
+            </a:lnRef>
+            <a:fillRef idx="0">
+              <a:schemeClr val="dk1"/>
+            </a:fillRef>
+            <a:effectRef idx="0">
+              <a:schemeClr val="dk1"/>
+            </a:effectRef>
+            <a:fontRef idx="minor">
+              <a:schemeClr val="tx1"/>
+            </a:fontRef>
+          </p:style>
+          <p:txBody>
+            <a:bodyPr rtlCol="0" anchor="ctr"/>
+            <a:lstStyle/>
+            <a:p>
+              <a:pPr algn="ctr"/>
+              <a:endParaRPr lang="en-US"/>
+            </a:p>
+          </p:txBody>
+        </p:sp>
+      </p:grpSp>
+      <p:grpSp>
+        <p:nvGrpSpPr>
+          <p:cNvPr id="143" name="Group 142"/>
+          <p:cNvGrpSpPr/>
+          <p:nvPr/>
+        </p:nvGrpSpPr>
+        <p:grpSpPr>
+          <a:xfrm>
+            <a:off x="4888024" y="1224952"/>
+            <a:ext cx="3563151" cy="4331739"/>
+            <a:chOff x="4888024" y="1224952"/>
+            <a:chExt cx="3563151" cy="4331739"/>
+          </a:xfrm>
+        </p:grpSpPr>
+        <p:grpSp>
+          <p:nvGrpSpPr>
+            <p:cNvPr id="68" name="Group 67"/>
+            <p:cNvGrpSpPr/>
+            <p:nvPr/>
+          </p:nvGrpSpPr>
+          <p:grpSpPr>
+            <a:xfrm>
+              <a:off x="4888024" y="4865425"/>
+              <a:ext cx="3563151" cy="691266"/>
+              <a:chOff x="4888024" y="3348284"/>
+              <a:chExt cx="3563151" cy="691266"/>
+            </a:xfrm>
+          </p:grpSpPr>
+          <p:sp>
+            <p:nvSpPr>
+              <p:cNvPr id="5" name="Oval 4"/>
+              <p:cNvSpPr/>
+              <p:nvPr/>
+            </p:nvSpPr>
+            <p:spPr>
+              <a:xfrm>
+                <a:off x="4888024" y="3490142"/>
+                <a:ext cx="429083" cy="413867"/>
+              </a:xfrm>
+              <a:prstGeom prst="ellipse">
+                <a:avLst/>
+              </a:prstGeom>
+              <a:noFill/>
+            </p:spPr>
+            <p:style>
+              <a:lnRef idx="2">
+                <a:schemeClr val="dk1"/>
+              </a:lnRef>
+              <a:fillRef idx="1">
+                <a:schemeClr val="lt1"/>
+              </a:fillRef>
+              <a:effectRef idx="0">
+                <a:schemeClr val="dk1"/>
+              </a:effectRef>
+              <a:fontRef idx="minor">
+                <a:schemeClr val="dk1"/>
+              </a:fontRef>
+            </p:style>
+            <p:txBody>
+              <a:bodyPr rtlCol="0" anchor="ctr"/>
+              <a:lstStyle/>
+              <a:p>
+                <a:pPr algn="ctr"/>
+                <a:endParaRPr lang="en-US"/>
+              </a:p>
+            </p:txBody>
+          </p:sp>
+          <p:grpSp>
+            <p:nvGrpSpPr>
+              <p:cNvPr id="6" name="Group 5"/>
+              <p:cNvGrpSpPr/>
+              <p:nvPr/>
+            </p:nvGrpSpPr>
+            <p:grpSpPr>
+              <a:xfrm>
+                <a:off x="5403968" y="3610293"/>
+                <a:ext cx="24402" cy="173565"/>
+                <a:chOff x="-665558" y="4289822"/>
+                <a:chExt cx="51361" cy="378741"/>
+              </a:xfrm>
+            </p:grpSpPr>
+            <p:sp>
+              <p:nvSpPr>
+                <p:cNvPr id="9" name="Oval 8"/>
+                <p:cNvSpPr/>
+                <p:nvPr/>
+              </p:nvSpPr>
+              <p:spPr>
+                <a:xfrm>
+                  <a:off x="-659916" y="4289822"/>
+                  <a:ext cx="45719" cy="45719"/>
+                </a:xfrm>
+                <a:prstGeom prst="ellipse">
+                  <a:avLst/>
+                </a:prstGeom>
+                <a:solidFill>
+                  <a:schemeClr val="tx1"/>
+                </a:solidFill>
+                <a:ln/>
+              </p:spPr>
+              <p:style>
+                <a:lnRef idx="2">
+                  <a:schemeClr val="dk1"/>
+                </a:lnRef>
+                <a:fillRef idx="1">
+                  <a:schemeClr val="lt1"/>
+                </a:fillRef>
+                <a:effectRef idx="0">
+                  <a:schemeClr val="dk1"/>
+                </a:effectRef>
+                <a:fontRef idx="minor">
+                  <a:schemeClr val="dk1"/>
+                </a:fontRef>
+              </p:style>
+              <p:txBody>
+                <a:bodyPr rtlCol="0" anchor="ctr"/>
+                <a:lstStyle/>
+                <a:p>
+                  <a:pPr algn="ctr"/>
+                  <a:endParaRPr lang="en-US"/>
+                </a:p>
+              </p:txBody>
+            </p:sp>
+            <p:sp>
+              <p:nvSpPr>
+                <p:cNvPr id="10" name="Oval 9"/>
+                <p:cNvSpPr/>
+                <p:nvPr/>
+              </p:nvSpPr>
+              <p:spPr>
+                <a:xfrm>
+                  <a:off x="-662737" y="4456333"/>
+                  <a:ext cx="45719" cy="45719"/>
+                </a:xfrm>
+                <a:prstGeom prst="ellipse">
+                  <a:avLst/>
+                </a:prstGeom>
+                <a:solidFill>
+                  <a:schemeClr val="tx1"/>
+                </a:solidFill>
+                <a:ln/>
+              </p:spPr>
+              <p:style>
+                <a:lnRef idx="2">
+                  <a:schemeClr val="dk1"/>
+                </a:lnRef>
+                <a:fillRef idx="1">
+                  <a:schemeClr val="lt1"/>
+                </a:fillRef>
+                <a:effectRef idx="0">
+                  <a:schemeClr val="dk1"/>
+                </a:effectRef>
+                <a:fontRef idx="minor">
+                  <a:schemeClr val="dk1"/>
+                </a:fontRef>
+              </p:style>
+              <p:txBody>
+                <a:bodyPr rtlCol="0" anchor="ctr"/>
+                <a:lstStyle/>
+                <a:p>
+                  <a:pPr algn="ctr"/>
+                  <a:endParaRPr lang="en-US"/>
+                </a:p>
+              </p:txBody>
+            </p:sp>
+            <p:sp>
+              <p:nvSpPr>
+                <p:cNvPr id="11" name="Oval 10"/>
+                <p:cNvSpPr/>
+                <p:nvPr/>
+              </p:nvSpPr>
+              <p:spPr>
+                <a:xfrm>
+                  <a:off x="-665558" y="4622844"/>
+                  <a:ext cx="45719" cy="45719"/>
+                </a:xfrm>
+                <a:prstGeom prst="ellipse">
+                  <a:avLst/>
+                </a:prstGeom>
+                <a:solidFill>
+                  <a:schemeClr val="tx1"/>
+                </a:solidFill>
+                <a:ln/>
+              </p:spPr>
+              <p:style>
+                <a:lnRef idx="2">
+                  <a:schemeClr val="dk1"/>
+                </a:lnRef>
+                <a:fillRef idx="1">
+                  <a:schemeClr val="lt1"/>
+                </a:fillRef>
+                <a:effectRef idx="0">
+                  <a:schemeClr val="dk1"/>
+                </a:effectRef>
+                <a:fontRef idx="minor">
+                  <a:schemeClr val="dk1"/>
+                </a:fontRef>
+              </p:style>
+              <p:txBody>
+                <a:bodyPr rtlCol="0" anchor="ctr"/>
+                <a:lstStyle/>
+                <a:p>
+                  <a:pPr algn="ctr"/>
+                  <a:endParaRPr lang="en-US"/>
+                </a:p>
+              </p:txBody>
+            </p:sp>
+          </p:grpSp>
+          <p:cxnSp>
+            <p:nvCxnSpPr>
+              <p:cNvPr id="7" name="Straight Arrow Connector 6"/>
+              <p:cNvCxnSpPr>
+                <a:stCxn id="5" idx="7"/>
+              </p:cNvCxnSpPr>
+              <p:nvPr/>
+            </p:nvCxnSpPr>
+            <p:spPr>
+              <a:xfrm flipV="1">
+                <a:off x="5254269" y="3348284"/>
+                <a:ext cx="325015" cy="202467"/>
+              </a:xfrm>
+              <a:prstGeom prst="straightConnector1">
+                <a:avLst/>
+              </a:prstGeom>
+              <a:ln>
+                <a:tailEnd type="arrow"/>
+              </a:ln>
+            </p:spPr>
+            <p:style>
+              <a:lnRef idx="1">
+                <a:schemeClr val="dk1"/>
+              </a:lnRef>
+              <a:fillRef idx="0">
+                <a:schemeClr val="dk1"/>
+              </a:fillRef>
+              <a:effectRef idx="0">
+                <a:schemeClr val="dk1"/>
+              </a:effectRef>
+              <a:fontRef idx="minor">
+                <a:schemeClr val="tx1"/>
+              </a:fontRef>
+            </p:style>
+          </p:cxnSp>
+          <p:cxnSp>
+            <p:nvCxnSpPr>
+              <p:cNvPr id="8" name="Straight Arrow Connector 7"/>
+              <p:cNvCxnSpPr>
+                <a:stCxn id="5" idx="5"/>
+              </p:cNvCxnSpPr>
+              <p:nvPr/>
+            </p:nvCxnSpPr>
+            <p:spPr>
+              <a:xfrm>
+                <a:off x="5254269" y="3843399"/>
+                <a:ext cx="325015" cy="196151"/>
+              </a:xfrm>
+              <a:prstGeom prst="straightConnector1">
+                <a:avLst/>
+              </a:prstGeom>
+              <a:ln>
+                <a:tailEnd type="arrow"/>
+              </a:ln>
+            </p:spPr>
+            <p:style>
+              <a:lnRef idx="1">
+                <a:schemeClr val="dk1"/>
+              </a:lnRef>
+              <a:fillRef idx="0">
+                <a:schemeClr val="dk1"/>
+              </a:fillRef>
+              <a:effectRef idx="0">
+                <a:schemeClr val="dk1"/>
+              </a:effectRef>
+              <a:fontRef idx="minor">
+                <a:schemeClr val="tx1"/>
+              </a:fontRef>
+            </p:style>
+          </p:cxnSp>
+          <p:sp>
+            <p:nvSpPr>
+              <p:cNvPr id="13" name="Oval 12"/>
+              <p:cNvSpPr/>
+              <p:nvPr/>
+            </p:nvSpPr>
+            <p:spPr>
+              <a:xfrm rot="2600335">
+                <a:off x="7032979" y="3506160"/>
+                <a:ext cx="429083" cy="413867"/>
+              </a:xfrm>
+              <a:prstGeom prst="ellipse">
+                <a:avLst/>
+              </a:prstGeom>
+              <a:noFill/>
+            </p:spPr>
+            <p:style>
+              <a:lnRef idx="2">
+                <a:schemeClr val="dk1"/>
+              </a:lnRef>
+              <a:fillRef idx="1">
+                <a:schemeClr val="lt1"/>
+              </a:fillRef>
+              <a:effectRef idx="0">
+                <a:schemeClr val="dk1"/>
+              </a:effectRef>
+              <a:fontRef idx="minor">
+                <a:schemeClr val="dk1"/>
+              </a:fontRef>
+            </p:style>
+            <p:txBody>
+              <a:bodyPr rtlCol="0" anchor="ctr"/>
+              <a:lstStyle/>
+              <a:p>
+                <a:pPr algn="ctr"/>
+                <a:endParaRPr lang="en-US"/>
+              </a:p>
+            </p:txBody>
+          </p:sp>
+          <p:sp>
+            <p:nvSpPr>
+              <p:cNvPr id="14" name="Oval 13"/>
+              <p:cNvSpPr/>
+              <p:nvPr/>
+            </p:nvSpPr>
+            <p:spPr>
+              <a:xfrm rot="2600335">
+                <a:off x="5991439" y="3495074"/>
+                <a:ext cx="429083" cy="413867"/>
+              </a:xfrm>
+              <a:prstGeom prst="ellipse">
+                <a:avLst/>
+              </a:prstGeom>
+              <a:noFill/>
+            </p:spPr>
+            <p:style>
+              <a:lnRef idx="2">
+                <a:schemeClr val="dk1"/>
+              </a:lnRef>
+              <a:fillRef idx="1">
+                <a:schemeClr val="lt1"/>
+              </a:fillRef>
+              <a:effectRef idx="0">
+                <a:schemeClr val="dk1"/>
+              </a:effectRef>
+              <a:fontRef idx="minor">
+                <a:schemeClr val="dk1"/>
+              </a:fontRef>
+            </p:style>
+            <p:txBody>
+              <a:bodyPr rtlCol="0" anchor="ctr"/>
+              <a:lstStyle/>
+              <a:p>
+                <a:pPr algn="ctr"/>
+                <a:endParaRPr lang="en-US"/>
+              </a:p>
+            </p:txBody>
+          </p:sp>
+          <p:sp>
+            <p:nvSpPr>
+              <p:cNvPr id="19" name="Oval 18"/>
+              <p:cNvSpPr/>
+              <p:nvPr/>
+            </p:nvSpPr>
+            <p:spPr>
+              <a:xfrm rot="10800000">
+                <a:off x="8022092" y="3483826"/>
+                <a:ext cx="429083" cy="413867"/>
+              </a:xfrm>
+              <a:prstGeom prst="ellipse">
+                <a:avLst/>
+              </a:prstGeom>
+              <a:noFill/>
+            </p:spPr>
+            <p:style>
+              <a:lnRef idx="2">
+                <a:schemeClr val="dk1"/>
+              </a:lnRef>
+              <a:fillRef idx="1">
+                <a:schemeClr val="lt1"/>
+              </a:fillRef>
+              <a:effectRef idx="0">
+                <a:schemeClr val="dk1"/>
+              </a:effectRef>
+              <a:fontRef idx="minor">
+                <a:schemeClr val="dk1"/>
+              </a:fontRef>
+            </p:style>
+            <p:txBody>
+              <a:bodyPr rtlCol="0" anchor="ctr"/>
+              <a:lstStyle/>
+              <a:p>
+                <a:pPr algn="ctr"/>
+                <a:endParaRPr lang="en-US"/>
+              </a:p>
+            </p:txBody>
+          </p:sp>
+          <p:grpSp>
+            <p:nvGrpSpPr>
+              <p:cNvPr id="20" name="Group 19"/>
+              <p:cNvGrpSpPr/>
+              <p:nvPr/>
+            </p:nvGrpSpPr>
+            <p:grpSpPr>
+              <a:xfrm rot="10800000">
+                <a:off x="7910829" y="3603977"/>
+                <a:ext cx="24402" cy="173565"/>
+                <a:chOff x="-665558" y="4289822"/>
+                <a:chExt cx="51361" cy="378741"/>
+              </a:xfrm>
+            </p:grpSpPr>
+            <p:sp>
+              <p:nvSpPr>
+                <p:cNvPr id="23" name="Oval 22"/>
+                <p:cNvSpPr/>
+                <p:nvPr/>
+              </p:nvSpPr>
+              <p:spPr>
+                <a:xfrm>
+                  <a:off x="-659916" y="4289822"/>
+                  <a:ext cx="45719" cy="45719"/>
+                </a:xfrm>
+                <a:prstGeom prst="ellipse">
+                  <a:avLst/>
+                </a:prstGeom>
+                <a:solidFill>
+                  <a:schemeClr val="tx1"/>
+                </a:solidFill>
+                <a:ln/>
+              </p:spPr>
+              <p:style>
+                <a:lnRef idx="2">
+                  <a:schemeClr val="dk1"/>
+                </a:lnRef>
+                <a:fillRef idx="1">
+                  <a:schemeClr val="lt1"/>
+                </a:fillRef>
+                <a:effectRef idx="0">
+                  <a:schemeClr val="dk1"/>
+                </a:effectRef>
+                <a:fontRef idx="minor">
+                  <a:schemeClr val="dk1"/>
+                </a:fontRef>
+              </p:style>
+              <p:txBody>
+                <a:bodyPr rtlCol="0" anchor="ctr"/>
+                <a:lstStyle/>
+                <a:p>
+                  <a:pPr algn="ctr"/>
+                  <a:endParaRPr lang="en-US"/>
+                </a:p>
+              </p:txBody>
+            </p:sp>
+            <p:sp>
+              <p:nvSpPr>
+                <p:cNvPr id="24" name="Oval 23"/>
+                <p:cNvSpPr/>
+                <p:nvPr/>
+              </p:nvSpPr>
+              <p:spPr>
+                <a:xfrm>
+                  <a:off x="-662737" y="4456333"/>
+                  <a:ext cx="45719" cy="45719"/>
+                </a:xfrm>
+                <a:prstGeom prst="ellipse">
+                  <a:avLst/>
+                </a:prstGeom>
+                <a:solidFill>
+                  <a:schemeClr val="tx1"/>
+                </a:solidFill>
+                <a:ln/>
+              </p:spPr>
+              <p:style>
+                <a:lnRef idx="2">
+                  <a:schemeClr val="dk1"/>
+                </a:lnRef>
+                <a:fillRef idx="1">
+                  <a:schemeClr val="lt1"/>
+                </a:fillRef>
+                <a:effectRef idx="0">
+                  <a:schemeClr val="dk1"/>
+                </a:effectRef>
+                <a:fontRef idx="minor">
+                  <a:schemeClr val="dk1"/>
+                </a:fontRef>
+              </p:style>
+              <p:txBody>
+                <a:bodyPr rtlCol="0" anchor="ctr"/>
+                <a:lstStyle/>
+                <a:p>
+                  <a:pPr algn="ctr"/>
+                  <a:endParaRPr lang="en-US"/>
+                </a:p>
+              </p:txBody>
+            </p:sp>
+            <p:sp>
+              <p:nvSpPr>
+                <p:cNvPr id="25" name="Oval 24"/>
+                <p:cNvSpPr/>
+                <p:nvPr/>
+              </p:nvSpPr>
+              <p:spPr>
+                <a:xfrm>
+                  <a:off x="-665558" y="4622844"/>
+                  <a:ext cx="45719" cy="45719"/>
+                </a:xfrm>
+                <a:prstGeom prst="ellipse">
+                  <a:avLst/>
+                </a:prstGeom>
+                <a:solidFill>
+                  <a:schemeClr val="tx1"/>
+                </a:solidFill>
+                <a:ln/>
+              </p:spPr>
+              <p:style>
+                <a:lnRef idx="2">
+                  <a:schemeClr val="dk1"/>
+                </a:lnRef>
+                <a:fillRef idx="1">
+                  <a:schemeClr val="lt1"/>
+                </a:fillRef>
+                <a:effectRef idx="0">
+                  <a:schemeClr val="dk1"/>
+                </a:effectRef>
+                <a:fontRef idx="minor">
+                  <a:schemeClr val="dk1"/>
+                </a:fontRef>
+              </p:style>
+              <p:txBody>
+                <a:bodyPr rtlCol="0" anchor="ctr"/>
+                <a:lstStyle/>
+                <a:p>
+                  <a:pPr algn="ctr"/>
+                  <a:endParaRPr lang="en-US"/>
+                </a:p>
+              </p:txBody>
+            </p:sp>
+          </p:grpSp>
+          <p:cxnSp>
+            <p:nvCxnSpPr>
+              <p:cNvPr id="21" name="Straight Arrow Connector 20"/>
+              <p:cNvCxnSpPr>
+                <a:endCxn id="19" idx="7"/>
+              </p:cNvCxnSpPr>
+              <p:nvPr/>
+            </p:nvCxnSpPr>
+            <p:spPr>
+              <a:xfrm flipV="1">
+                <a:off x="7759915" y="3837083"/>
+                <a:ext cx="325015" cy="202467"/>
+              </a:xfrm>
+              <a:prstGeom prst="straightConnector1">
+                <a:avLst/>
+              </a:prstGeom>
+              <a:ln>
+                <a:tailEnd type="arrow"/>
+              </a:ln>
+            </p:spPr>
+            <p:style>
+              <a:lnRef idx="1">
+                <a:schemeClr val="dk1"/>
+              </a:lnRef>
+              <a:fillRef idx="0">
+                <a:schemeClr val="dk1"/>
+              </a:fillRef>
+              <a:effectRef idx="0">
+                <a:schemeClr val="dk1"/>
+              </a:effectRef>
+              <a:fontRef idx="minor">
+                <a:schemeClr val="tx1"/>
+              </a:fontRef>
+            </p:style>
+          </p:cxnSp>
+          <p:cxnSp>
+            <p:nvCxnSpPr>
+              <p:cNvPr id="22" name="Straight Arrow Connector 21"/>
+              <p:cNvCxnSpPr>
+                <a:endCxn id="19" idx="5"/>
+              </p:cNvCxnSpPr>
+              <p:nvPr/>
+            </p:nvCxnSpPr>
+            <p:spPr>
+              <a:xfrm>
+                <a:off x="7759915" y="3348284"/>
+                <a:ext cx="325015" cy="196151"/>
+              </a:xfrm>
+              <a:prstGeom prst="straightConnector1">
+                <a:avLst/>
+              </a:prstGeom>
+              <a:ln>
+                <a:tailEnd type="arrow"/>
+              </a:ln>
+            </p:spPr>
+            <p:style>
+              <a:lnRef idx="1">
+                <a:schemeClr val="dk1"/>
+              </a:lnRef>
+              <a:fillRef idx="0">
+                <a:schemeClr val="dk1"/>
+              </a:fillRef>
+              <a:effectRef idx="0">
+                <a:schemeClr val="dk1"/>
+              </a:effectRef>
+              <a:fontRef idx="minor">
+                <a:schemeClr val="tx1"/>
+              </a:fontRef>
+            </p:style>
+          </p:cxnSp>
+        </p:grpSp>
+        <p:grpSp>
+          <p:nvGrpSpPr>
+            <p:cNvPr id="87" name="Group 86"/>
+            <p:cNvGrpSpPr/>
+            <p:nvPr/>
+          </p:nvGrpSpPr>
+          <p:grpSpPr>
+            <a:xfrm>
+              <a:off x="4888024" y="3431058"/>
+              <a:ext cx="3563151" cy="691266"/>
+              <a:chOff x="4888024" y="3348284"/>
+              <a:chExt cx="3563151" cy="691266"/>
+            </a:xfrm>
+          </p:grpSpPr>
+          <p:sp>
+            <p:nvSpPr>
+              <p:cNvPr id="88" name="Oval 87"/>
+              <p:cNvSpPr/>
+              <p:nvPr/>
+            </p:nvSpPr>
+            <p:spPr>
+              <a:xfrm>
+                <a:off x="4888024" y="3490142"/>
+                <a:ext cx="429083" cy="413867"/>
+              </a:xfrm>
+              <a:prstGeom prst="ellipse">
+                <a:avLst/>
+              </a:prstGeom>
+              <a:noFill/>
+            </p:spPr>
+            <p:style>
+              <a:lnRef idx="2">
+                <a:schemeClr val="dk1"/>
+              </a:lnRef>
+              <a:fillRef idx="1">
+                <a:schemeClr val="lt1"/>
+              </a:fillRef>
+              <a:effectRef idx="0">
+                <a:schemeClr val="dk1"/>
+              </a:effectRef>
+              <a:fontRef idx="minor">
+                <a:schemeClr val="dk1"/>
+              </a:fontRef>
+            </p:style>
+            <p:txBody>
+              <a:bodyPr rtlCol="0" anchor="ctr"/>
+              <a:lstStyle/>
+              <a:p>
+                <a:pPr algn="ctr"/>
+                <a:endParaRPr lang="en-US"/>
+              </a:p>
+            </p:txBody>
+          </p:sp>
+          <p:grpSp>
+            <p:nvGrpSpPr>
+              <p:cNvPr id="89" name="Group 88"/>
+              <p:cNvGrpSpPr/>
+              <p:nvPr/>
+            </p:nvGrpSpPr>
+            <p:grpSpPr>
+              <a:xfrm>
+                <a:off x="5403968" y="3610293"/>
+                <a:ext cx="24402" cy="173565"/>
+                <a:chOff x="-665558" y="4289822"/>
+                <a:chExt cx="51361" cy="378741"/>
+              </a:xfrm>
+            </p:grpSpPr>
+            <p:sp>
+              <p:nvSpPr>
+                <p:cNvPr id="101" name="Oval 100"/>
+                <p:cNvSpPr/>
+                <p:nvPr/>
+              </p:nvSpPr>
+              <p:spPr>
+                <a:xfrm>
+                  <a:off x="-659916" y="4289822"/>
+                  <a:ext cx="45719" cy="45719"/>
+                </a:xfrm>
+                <a:prstGeom prst="ellipse">
+                  <a:avLst/>
+                </a:prstGeom>
+                <a:solidFill>
+                  <a:schemeClr val="tx1"/>
+                </a:solidFill>
+                <a:ln/>
+              </p:spPr>
+              <p:style>
+                <a:lnRef idx="2">
+                  <a:schemeClr val="dk1"/>
+                </a:lnRef>
+                <a:fillRef idx="1">
+                  <a:schemeClr val="lt1"/>
+                </a:fillRef>
+                <a:effectRef idx="0">
+                  <a:schemeClr val="dk1"/>
+                </a:effectRef>
+                <a:fontRef idx="minor">
+                  <a:schemeClr val="dk1"/>
+                </a:fontRef>
+              </p:style>
+              <p:txBody>
+                <a:bodyPr rtlCol="0" anchor="ctr"/>
+                <a:lstStyle/>
+                <a:p>
+                  <a:pPr algn="ctr"/>
+                  <a:endParaRPr lang="en-US"/>
+                </a:p>
+              </p:txBody>
+            </p:sp>
+            <p:sp>
+              <p:nvSpPr>
+                <p:cNvPr id="102" name="Oval 101"/>
+                <p:cNvSpPr/>
+                <p:nvPr/>
+              </p:nvSpPr>
+              <p:spPr>
+                <a:xfrm>
+                  <a:off x="-662737" y="4456333"/>
+                  <a:ext cx="45719" cy="45719"/>
+                </a:xfrm>
+                <a:prstGeom prst="ellipse">
+                  <a:avLst/>
+                </a:prstGeom>
+                <a:solidFill>
+                  <a:schemeClr val="tx1"/>
+                </a:solidFill>
+                <a:ln/>
+              </p:spPr>
+              <p:style>
+                <a:lnRef idx="2">
+                  <a:schemeClr val="dk1"/>
+                </a:lnRef>
+                <a:fillRef idx="1">
+                  <a:schemeClr val="lt1"/>
+                </a:fillRef>
+                <a:effectRef idx="0">
+                  <a:schemeClr val="dk1"/>
+                </a:effectRef>
+                <a:fontRef idx="minor">
+                  <a:schemeClr val="dk1"/>
+                </a:fontRef>
+              </p:style>
+              <p:txBody>
+                <a:bodyPr rtlCol="0" anchor="ctr"/>
+                <a:lstStyle/>
+                <a:p>
+                  <a:pPr algn="ctr"/>
+                  <a:endParaRPr lang="en-US"/>
+                </a:p>
+              </p:txBody>
+            </p:sp>
+            <p:sp>
+              <p:nvSpPr>
+                <p:cNvPr id="103" name="Oval 102"/>
+                <p:cNvSpPr/>
+                <p:nvPr/>
+              </p:nvSpPr>
+              <p:spPr>
+                <a:xfrm>
+                  <a:off x="-665558" y="4622844"/>
+                  <a:ext cx="45719" cy="45719"/>
+                </a:xfrm>
+                <a:prstGeom prst="ellipse">
+                  <a:avLst/>
+                </a:prstGeom>
+                <a:solidFill>
+                  <a:schemeClr val="tx1"/>
+                </a:solidFill>
+                <a:ln/>
+              </p:spPr>
+              <p:style>
+                <a:lnRef idx="2">
+                  <a:schemeClr val="dk1"/>
+                </a:lnRef>
+                <a:fillRef idx="1">
+                  <a:schemeClr val="lt1"/>
+                </a:fillRef>
+                <a:effectRef idx="0">
+                  <a:schemeClr val="dk1"/>
+                </a:effectRef>
+                <a:fontRef idx="minor">
+                  <a:schemeClr val="dk1"/>
+                </a:fontRef>
+              </p:style>
+              <p:txBody>
+                <a:bodyPr rtlCol="0" anchor="ctr"/>
+                <a:lstStyle/>
+                <a:p>
+                  <a:pPr algn="ctr"/>
+                  <a:endParaRPr lang="en-US"/>
+                </a:p>
+              </p:txBody>
+            </p:sp>
+          </p:grpSp>
+          <p:cxnSp>
+            <p:nvCxnSpPr>
+              <p:cNvPr id="90" name="Straight Arrow Connector 89"/>
+              <p:cNvCxnSpPr>
+                <a:stCxn id="88" idx="7"/>
+              </p:cNvCxnSpPr>
+              <p:nvPr/>
+            </p:nvCxnSpPr>
+            <p:spPr>
+              <a:xfrm flipV="1">
+                <a:off x="5254269" y="3348284"/>
+                <a:ext cx="325015" cy="202467"/>
+              </a:xfrm>
+              <a:prstGeom prst="straightConnector1">
+                <a:avLst/>
+              </a:prstGeom>
+              <a:ln>
+                <a:tailEnd type="arrow"/>
+              </a:ln>
+            </p:spPr>
+            <p:style>
+              <a:lnRef idx="1">
+                <a:schemeClr val="dk1"/>
+              </a:lnRef>
+              <a:fillRef idx="0">
+                <a:schemeClr val="dk1"/>
+              </a:fillRef>
+              <a:effectRef idx="0">
+                <a:schemeClr val="dk1"/>
+              </a:effectRef>
+              <a:fontRef idx="minor">
+                <a:schemeClr val="tx1"/>
+              </a:fontRef>
+            </p:style>
+          </p:cxnSp>
+          <p:cxnSp>
+            <p:nvCxnSpPr>
+              <p:cNvPr id="91" name="Straight Arrow Connector 90"/>
+              <p:cNvCxnSpPr>
+                <a:stCxn id="88" idx="5"/>
+              </p:cNvCxnSpPr>
+              <p:nvPr/>
+            </p:nvCxnSpPr>
+            <p:spPr>
+              <a:xfrm>
+                <a:off x="5254269" y="3843399"/>
+                <a:ext cx="325015" cy="196151"/>
+              </a:xfrm>
+              <a:prstGeom prst="straightConnector1">
+                <a:avLst/>
+              </a:prstGeom>
+              <a:ln>
+                <a:tailEnd type="arrow"/>
+              </a:ln>
+            </p:spPr>
+            <p:style>
+              <a:lnRef idx="1">
+                <a:schemeClr val="dk1"/>
+              </a:lnRef>
+              <a:fillRef idx="0">
+                <a:schemeClr val="dk1"/>
+              </a:fillRef>
+              <a:effectRef idx="0">
+                <a:schemeClr val="dk1"/>
+              </a:effectRef>
+              <a:fontRef idx="minor">
+                <a:schemeClr val="tx1"/>
+              </a:fontRef>
+            </p:style>
+          </p:cxnSp>
+          <p:sp>
+            <p:nvSpPr>
+              <p:cNvPr id="92" name="Oval 91"/>
+              <p:cNvSpPr/>
+              <p:nvPr/>
+            </p:nvSpPr>
+            <p:spPr>
+              <a:xfrm rot="2600335">
+                <a:off x="7032979" y="3506160"/>
+                <a:ext cx="429083" cy="413867"/>
+              </a:xfrm>
+              <a:prstGeom prst="ellipse">
+                <a:avLst/>
+              </a:prstGeom>
+              <a:noFill/>
+            </p:spPr>
+            <p:style>
+              <a:lnRef idx="2">
+                <a:schemeClr val="dk1"/>
+              </a:lnRef>
+              <a:fillRef idx="1">
+                <a:schemeClr val="lt1"/>
+              </a:fillRef>
+              <a:effectRef idx="0">
+                <a:schemeClr val="dk1"/>
+              </a:effectRef>
+              <a:fontRef idx="minor">
+                <a:schemeClr val="dk1"/>
+              </a:fontRef>
+            </p:style>
+            <p:txBody>
+              <a:bodyPr rtlCol="0" anchor="ctr"/>
+              <a:lstStyle/>
+              <a:p>
+                <a:pPr algn="ctr"/>
+                <a:endParaRPr lang="en-US"/>
+              </a:p>
+            </p:txBody>
+          </p:sp>
+          <p:sp>
+            <p:nvSpPr>
+              <p:cNvPr id="93" name="Oval 92"/>
+              <p:cNvSpPr/>
+              <p:nvPr/>
+            </p:nvSpPr>
+            <p:spPr>
+              <a:xfrm rot="2600335">
+                <a:off x="5991439" y="3495074"/>
+                <a:ext cx="429083" cy="413867"/>
+              </a:xfrm>
+              <a:prstGeom prst="ellipse">
+                <a:avLst/>
+              </a:prstGeom>
+              <a:noFill/>
+            </p:spPr>
+            <p:style>
+              <a:lnRef idx="2">
+                <a:schemeClr val="dk1"/>
+              </a:lnRef>
+              <a:fillRef idx="1">
+                <a:schemeClr val="lt1"/>
+              </a:fillRef>
+              <a:effectRef idx="0">
+                <a:schemeClr val="dk1"/>
+              </a:effectRef>
+              <a:fontRef idx="minor">
+                <a:schemeClr val="dk1"/>
+              </a:fontRef>
+            </p:style>
+            <p:txBody>
+              <a:bodyPr rtlCol="0" anchor="ctr"/>
+              <a:lstStyle/>
+              <a:p>
+                <a:pPr algn="ctr"/>
+                <a:endParaRPr lang="en-US"/>
+              </a:p>
+            </p:txBody>
+          </p:sp>
+          <p:sp>
+            <p:nvSpPr>
+              <p:cNvPr id="94" name="Oval 93"/>
+              <p:cNvSpPr/>
+              <p:nvPr/>
+            </p:nvSpPr>
+            <p:spPr>
+              <a:xfrm rot="10800000">
+                <a:off x="8022092" y="3483826"/>
+                <a:ext cx="429083" cy="413867"/>
+              </a:xfrm>
+              <a:prstGeom prst="ellipse">
+                <a:avLst/>
+              </a:prstGeom>
+              <a:noFill/>
+            </p:spPr>
+            <p:style>
+              <a:lnRef idx="2">
+                <a:schemeClr val="dk1"/>
+              </a:lnRef>
+              <a:fillRef idx="1">
+                <a:schemeClr val="lt1"/>
+              </a:fillRef>
+              <a:effectRef idx="0">
+                <a:schemeClr val="dk1"/>
+              </a:effectRef>
+              <a:fontRef idx="minor">
+                <a:schemeClr val="dk1"/>
+              </a:fontRef>
+            </p:style>
+            <p:txBody>
+              <a:bodyPr rtlCol="0" anchor="ctr"/>
+              <a:lstStyle/>
+              <a:p>
+                <a:pPr algn="ctr"/>
+                <a:endParaRPr lang="en-US"/>
+              </a:p>
+            </p:txBody>
+          </p:sp>
+          <p:grpSp>
+            <p:nvGrpSpPr>
+              <p:cNvPr id="95" name="Group 94"/>
+              <p:cNvGrpSpPr/>
+              <p:nvPr/>
+            </p:nvGrpSpPr>
+            <p:grpSpPr>
+              <a:xfrm rot="10800000">
+                <a:off x="7910829" y="3603977"/>
+                <a:ext cx="24402" cy="173565"/>
+                <a:chOff x="-665558" y="4289822"/>
+                <a:chExt cx="51361" cy="378741"/>
+              </a:xfrm>
+            </p:grpSpPr>
+            <p:sp>
+              <p:nvSpPr>
+                <p:cNvPr id="98" name="Oval 97"/>
+                <p:cNvSpPr/>
+                <p:nvPr/>
+              </p:nvSpPr>
+              <p:spPr>
+                <a:xfrm>
+                  <a:off x="-659916" y="4289822"/>
+                  <a:ext cx="45719" cy="45719"/>
+                </a:xfrm>
+                <a:prstGeom prst="ellipse">
+                  <a:avLst/>
+                </a:prstGeom>
+                <a:solidFill>
+                  <a:schemeClr val="tx1"/>
+                </a:solidFill>
+                <a:ln/>
+              </p:spPr>
+              <p:style>
+                <a:lnRef idx="2">
+                  <a:schemeClr val="dk1"/>
+                </a:lnRef>
+                <a:fillRef idx="1">
+                  <a:schemeClr val="lt1"/>
+                </a:fillRef>
+                <a:effectRef idx="0">
+                  <a:schemeClr val="dk1"/>
+                </a:effectRef>
+                <a:fontRef idx="minor">
+                  <a:schemeClr val="dk1"/>
+                </a:fontRef>
+              </p:style>
+              <p:txBody>
+                <a:bodyPr rtlCol="0" anchor="ctr"/>
+                <a:lstStyle/>
+                <a:p>
+                  <a:pPr algn="ctr"/>
+                  <a:endParaRPr lang="en-US"/>
+                </a:p>
+              </p:txBody>
+            </p:sp>
+            <p:sp>
+              <p:nvSpPr>
+                <p:cNvPr id="99" name="Oval 98"/>
+                <p:cNvSpPr/>
+                <p:nvPr/>
+              </p:nvSpPr>
+              <p:spPr>
+                <a:xfrm>
+                  <a:off x="-662737" y="4456333"/>
+                  <a:ext cx="45719" cy="45719"/>
+                </a:xfrm>
+                <a:prstGeom prst="ellipse">
+                  <a:avLst/>
+                </a:prstGeom>
+                <a:solidFill>
+                  <a:schemeClr val="tx1"/>
+                </a:solidFill>
+                <a:ln/>
+              </p:spPr>
+              <p:style>
+                <a:lnRef idx="2">
+                  <a:schemeClr val="dk1"/>
+                </a:lnRef>
+                <a:fillRef idx="1">
+                  <a:schemeClr val="lt1"/>
+                </a:fillRef>
+                <a:effectRef idx="0">
+                  <a:schemeClr val="dk1"/>
+                </a:effectRef>
+                <a:fontRef idx="minor">
+                  <a:schemeClr val="dk1"/>
+                </a:fontRef>
+              </p:style>
+              <p:txBody>
+                <a:bodyPr rtlCol="0" anchor="ctr"/>
+                <a:lstStyle/>
+                <a:p>
+                  <a:pPr algn="ctr"/>
+                  <a:endParaRPr lang="en-US"/>
+                </a:p>
+              </p:txBody>
+            </p:sp>
+            <p:sp>
+              <p:nvSpPr>
+                <p:cNvPr id="100" name="Oval 99"/>
+                <p:cNvSpPr/>
+                <p:nvPr/>
+              </p:nvSpPr>
+              <p:spPr>
+                <a:xfrm>
+                  <a:off x="-665558" y="4622844"/>
+                  <a:ext cx="45719" cy="45719"/>
+                </a:xfrm>
+                <a:prstGeom prst="ellipse">
+                  <a:avLst/>
+                </a:prstGeom>
+                <a:solidFill>
+                  <a:schemeClr val="tx1"/>
+                </a:solidFill>
+                <a:ln/>
+              </p:spPr>
+              <p:style>
+                <a:lnRef idx="2">
+                  <a:schemeClr val="dk1"/>
+                </a:lnRef>
+                <a:fillRef idx="1">
+                  <a:schemeClr val="lt1"/>
+                </a:fillRef>
+                <a:effectRef idx="0">
+                  <a:schemeClr val="dk1"/>
+                </a:effectRef>
+                <a:fontRef idx="minor">
+                  <a:schemeClr val="dk1"/>
+                </a:fontRef>
+              </p:style>
+              <p:txBody>
+                <a:bodyPr rtlCol="0" anchor="ctr"/>
+                <a:lstStyle/>
+                <a:p>
+                  <a:pPr algn="ctr"/>
+                  <a:endParaRPr lang="en-US"/>
+                </a:p>
+              </p:txBody>
+            </p:sp>
+          </p:grpSp>
+          <p:cxnSp>
+            <p:nvCxnSpPr>
+              <p:cNvPr id="96" name="Straight Arrow Connector 95"/>
+              <p:cNvCxnSpPr>
+                <a:endCxn id="94" idx="7"/>
+              </p:cNvCxnSpPr>
+              <p:nvPr/>
+            </p:nvCxnSpPr>
+            <p:spPr>
+              <a:xfrm flipV="1">
+                <a:off x="7759915" y="3837083"/>
+                <a:ext cx="325015" cy="202467"/>
+              </a:xfrm>
+              <a:prstGeom prst="straightConnector1">
+                <a:avLst/>
+              </a:prstGeom>
+              <a:ln>
+                <a:tailEnd type="arrow"/>
+              </a:ln>
+            </p:spPr>
+            <p:style>
+              <a:lnRef idx="1">
+                <a:schemeClr val="dk1"/>
+              </a:lnRef>
+              <a:fillRef idx="0">
+                <a:schemeClr val="dk1"/>
+              </a:fillRef>
+              <a:effectRef idx="0">
+                <a:schemeClr val="dk1"/>
+              </a:effectRef>
+              <a:fontRef idx="minor">
+                <a:schemeClr val="tx1"/>
+              </a:fontRef>
+            </p:style>
+          </p:cxnSp>
+          <p:cxnSp>
+            <p:nvCxnSpPr>
+              <p:cNvPr id="97" name="Straight Arrow Connector 96"/>
+              <p:cNvCxnSpPr>
+                <a:endCxn id="94" idx="5"/>
+              </p:cNvCxnSpPr>
+              <p:nvPr/>
+            </p:nvCxnSpPr>
+            <p:spPr>
+              <a:xfrm>
+                <a:off x="7759915" y="3348284"/>
+                <a:ext cx="325015" cy="196151"/>
+              </a:xfrm>
+              <a:prstGeom prst="straightConnector1">
+                <a:avLst/>
+              </a:prstGeom>
+              <a:ln>
+                <a:tailEnd type="arrow"/>
+              </a:ln>
+            </p:spPr>
+            <p:style>
+              <a:lnRef idx="1">
+                <a:schemeClr val="dk1"/>
+              </a:lnRef>
+              <a:fillRef idx="0">
+                <a:schemeClr val="dk1"/>
+              </a:fillRef>
+              <a:effectRef idx="0">
+                <a:schemeClr val="dk1"/>
+              </a:effectRef>
+              <a:fontRef idx="minor">
+                <a:schemeClr val="tx1"/>
+              </a:fontRef>
+            </p:style>
+          </p:cxnSp>
+        </p:grpSp>
+        <p:grpSp>
+          <p:nvGrpSpPr>
+            <p:cNvPr id="104" name="Group 103"/>
+            <p:cNvGrpSpPr/>
+            <p:nvPr/>
+          </p:nvGrpSpPr>
+          <p:grpSpPr>
+            <a:xfrm>
+              <a:off x="4888024" y="2000980"/>
+              <a:ext cx="3563151" cy="691266"/>
+              <a:chOff x="4888024" y="3348284"/>
+              <a:chExt cx="3563151" cy="691266"/>
+            </a:xfrm>
+          </p:grpSpPr>
+          <p:sp>
+            <p:nvSpPr>
+              <p:cNvPr id="105" name="Oval 104"/>
+              <p:cNvSpPr/>
+              <p:nvPr/>
+            </p:nvSpPr>
+            <p:spPr>
+              <a:xfrm>
+                <a:off x="4888024" y="3490142"/>
+                <a:ext cx="429083" cy="413867"/>
+              </a:xfrm>
+              <a:prstGeom prst="ellipse">
+                <a:avLst/>
+              </a:prstGeom>
+              <a:noFill/>
+            </p:spPr>
+            <p:style>
+              <a:lnRef idx="2">
+                <a:schemeClr val="dk1"/>
+              </a:lnRef>
+              <a:fillRef idx="1">
+                <a:schemeClr val="lt1"/>
+              </a:fillRef>
+              <a:effectRef idx="0">
+                <a:schemeClr val="dk1"/>
+              </a:effectRef>
+              <a:fontRef idx="minor">
+                <a:schemeClr val="dk1"/>
+              </a:fontRef>
+            </p:style>
+            <p:txBody>
+              <a:bodyPr rtlCol="0" anchor="ctr"/>
+              <a:lstStyle/>
+              <a:p>
+                <a:pPr algn="ctr"/>
+                <a:endParaRPr lang="en-US"/>
+              </a:p>
+            </p:txBody>
+          </p:sp>
+          <p:grpSp>
+            <p:nvGrpSpPr>
+              <p:cNvPr id="106" name="Group 105"/>
+              <p:cNvGrpSpPr/>
+              <p:nvPr/>
+            </p:nvGrpSpPr>
+            <p:grpSpPr>
+              <a:xfrm>
+                <a:off x="5403968" y="3610293"/>
+                <a:ext cx="24402" cy="173565"/>
+                <a:chOff x="-665558" y="4289822"/>
+                <a:chExt cx="51361" cy="378741"/>
+              </a:xfrm>
+            </p:grpSpPr>
+            <p:sp>
+              <p:nvSpPr>
+                <p:cNvPr id="118" name="Oval 117"/>
+                <p:cNvSpPr/>
+                <p:nvPr/>
+              </p:nvSpPr>
+              <p:spPr>
+                <a:xfrm>
+                  <a:off x="-659916" y="4289822"/>
+                  <a:ext cx="45719" cy="45719"/>
+                </a:xfrm>
+                <a:prstGeom prst="ellipse">
+                  <a:avLst/>
+                </a:prstGeom>
+                <a:solidFill>
+                  <a:schemeClr val="tx1"/>
+                </a:solidFill>
+                <a:ln/>
+              </p:spPr>
+              <p:style>
+                <a:lnRef idx="2">
+                  <a:schemeClr val="dk1"/>
+                </a:lnRef>
+                <a:fillRef idx="1">
+                  <a:schemeClr val="lt1"/>
+                </a:fillRef>
+                <a:effectRef idx="0">
+                  <a:schemeClr val="dk1"/>
+                </a:effectRef>
+                <a:fontRef idx="minor">
+                  <a:schemeClr val="dk1"/>
+                </a:fontRef>
+              </p:style>
+              <p:txBody>
+                <a:bodyPr rtlCol="0" anchor="ctr"/>
+                <a:lstStyle/>
+                <a:p>
+                  <a:pPr algn="ctr"/>
+                  <a:endParaRPr lang="en-US"/>
+                </a:p>
+              </p:txBody>
+            </p:sp>
+            <p:sp>
+              <p:nvSpPr>
+                <p:cNvPr id="119" name="Oval 118"/>
+                <p:cNvSpPr/>
+                <p:nvPr/>
+              </p:nvSpPr>
+              <p:spPr>
+                <a:xfrm>
+                  <a:off x="-662737" y="4456333"/>
+                  <a:ext cx="45719" cy="45719"/>
+                </a:xfrm>
+                <a:prstGeom prst="ellipse">
+                  <a:avLst/>
+                </a:prstGeom>
+                <a:solidFill>
+                  <a:schemeClr val="tx1"/>
+                </a:solidFill>
+                <a:ln/>
+              </p:spPr>
+              <p:style>
+                <a:lnRef idx="2">
+                  <a:schemeClr val="dk1"/>
+                </a:lnRef>
+                <a:fillRef idx="1">
+                  <a:schemeClr val="lt1"/>
+                </a:fillRef>
+                <a:effectRef idx="0">
+                  <a:schemeClr val="dk1"/>
+                </a:effectRef>
+                <a:fontRef idx="minor">
+                  <a:schemeClr val="dk1"/>
+                </a:fontRef>
+              </p:style>
+              <p:txBody>
+                <a:bodyPr rtlCol="0" anchor="ctr"/>
+                <a:lstStyle/>
+                <a:p>
+                  <a:pPr algn="ctr"/>
+                  <a:endParaRPr lang="en-US"/>
+                </a:p>
+              </p:txBody>
+            </p:sp>
+            <p:sp>
+              <p:nvSpPr>
+                <p:cNvPr id="120" name="Oval 119"/>
+                <p:cNvSpPr/>
+                <p:nvPr/>
+              </p:nvSpPr>
+              <p:spPr>
+                <a:xfrm>
+                  <a:off x="-665558" y="4622844"/>
+                  <a:ext cx="45719" cy="45719"/>
+                </a:xfrm>
+                <a:prstGeom prst="ellipse">
+                  <a:avLst/>
+                </a:prstGeom>
+                <a:solidFill>
+                  <a:schemeClr val="tx1"/>
+                </a:solidFill>
+                <a:ln/>
+              </p:spPr>
+              <p:style>
+                <a:lnRef idx="2">
+                  <a:schemeClr val="dk1"/>
+                </a:lnRef>
+                <a:fillRef idx="1">
+                  <a:schemeClr val="lt1"/>
+                </a:fillRef>
+                <a:effectRef idx="0">
+                  <a:schemeClr val="dk1"/>
+                </a:effectRef>
+                <a:fontRef idx="minor">
+                  <a:schemeClr val="dk1"/>
+                </a:fontRef>
+              </p:style>
+              <p:txBody>
+                <a:bodyPr rtlCol="0" anchor="ctr"/>
+                <a:lstStyle/>
+                <a:p>
+                  <a:pPr algn="ctr"/>
+                  <a:endParaRPr lang="en-US"/>
+                </a:p>
+              </p:txBody>
+            </p:sp>
+          </p:grpSp>
+          <p:cxnSp>
+            <p:nvCxnSpPr>
+              <p:cNvPr id="107" name="Straight Arrow Connector 106"/>
+              <p:cNvCxnSpPr>
+                <a:stCxn id="105" idx="7"/>
+              </p:cNvCxnSpPr>
+              <p:nvPr/>
+            </p:nvCxnSpPr>
+            <p:spPr>
+              <a:xfrm flipV="1">
+                <a:off x="5254269" y="3348284"/>
+                <a:ext cx="325015" cy="202467"/>
+              </a:xfrm>
+              <a:prstGeom prst="straightConnector1">
+                <a:avLst/>
+              </a:prstGeom>
+              <a:ln>
+                <a:tailEnd type="arrow"/>
+              </a:ln>
+            </p:spPr>
+            <p:style>
+              <a:lnRef idx="1">
+                <a:schemeClr val="dk1"/>
+              </a:lnRef>
+              <a:fillRef idx="0">
+                <a:schemeClr val="dk1"/>
+              </a:fillRef>
+              <a:effectRef idx="0">
+                <a:schemeClr val="dk1"/>
+              </a:effectRef>
+              <a:fontRef idx="minor">
+                <a:schemeClr val="tx1"/>
+              </a:fontRef>
+            </p:style>
+          </p:cxnSp>
+          <p:cxnSp>
+            <p:nvCxnSpPr>
+              <p:cNvPr id="108" name="Straight Arrow Connector 107"/>
+              <p:cNvCxnSpPr>
+                <a:stCxn id="105" idx="5"/>
+              </p:cNvCxnSpPr>
+              <p:nvPr/>
+            </p:nvCxnSpPr>
+            <p:spPr>
+              <a:xfrm>
+                <a:off x="5254269" y="3843399"/>
+                <a:ext cx="325015" cy="196151"/>
+              </a:xfrm>
+              <a:prstGeom prst="straightConnector1">
+                <a:avLst/>
+              </a:prstGeom>
+              <a:ln>
+                <a:tailEnd type="arrow"/>
+              </a:ln>
+            </p:spPr>
+            <p:style>
+              <a:lnRef idx="1">
+                <a:schemeClr val="dk1"/>
+              </a:lnRef>
+              <a:fillRef idx="0">
+                <a:schemeClr val="dk1"/>
+              </a:fillRef>
+              <a:effectRef idx="0">
+                <a:schemeClr val="dk1"/>
+              </a:effectRef>
+              <a:fontRef idx="minor">
+                <a:schemeClr val="tx1"/>
+              </a:fontRef>
+            </p:style>
+          </p:cxnSp>
+          <p:sp>
+            <p:nvSpPr>
+              <p:cNvPr id="109" name="Oval 108"/>
+              <p:cNvSpPr/>
+              <p:nvPr/>
+            </p:nvSpPr>
+            <p:spPr>
+              <a:xfrm rot="2600335">
+                <a:off x="7032979" y="3506160"/>
+                <a:ext cx="429083" cy="413867"/>
+              </a:xfrm>
+              <a:prstGeom prst="ellipse">
+                <a:avLst/>
+              </a:prstGeom>
+              <a:noFill/>
+            </p:spPr>
+            <p:style>
+              <a:lnRef idx="2">
+                <a:schemeClr val="dk1"/>
+              </a:lnRef>
+              <a:fillRef idx="1">
+                <a:schemeClr val="lt1"/>
+              </a:fillRef>
+              <a:effectRef idx="0">
+                <a:schemeClr val="dk1"/>
+              </a:effectRef>
+              <a:fontRef idx="minor">
+                <a:schemeClr val="dk1"/>
+              </a:fontRef>
+            </p:style>
+            <p:txBody>
+              <a:bodyPr rtlCol="0" anchor="ctr"/>
+              <a:lstStyle/>
+              <a:p>
+                <a:pPr algn="ctr"/>
+                <a:endParaRPr lang="en-US"/>
+              </a:p>
+            </p:txBody>
+          </p:sp>
+          <p:sp>
+            <p:nvSpPr>
+              <p:cNvPr id="110" name="Oval 109"/>
+              <p:cNvSpPr/>
+              <p:nvPr/>
+            </p:nvSpPr>
+            <p:spPr>
+              <a:xfrm rot="2600335">
+                <a:off x="5991439" y="3495074"/>
+                <a:ext cx="429083" cy="413867"/>
+              </a:xfrm>
+              <a:prstGeom prst="ellipse">
+                <a:avLst/>
+              </a:prstGeom>
+              <a:noFill/>
+            </p:spPr>
+            <p:style>
+              <a:lnRef idx="2">
+                <a:schemeClr val="dk1"/>
+              </a:lnRef>
+              <a:fillRef idx="1">
+                <a:schemeClr val="lt1"/>
+              </a:fillRef>
+              <a:effectRef idx="0">
+                <a:schemeClr val="dk1"/>
+              </a:effectRef>
+              <a:fontRef idx="minor">
+                <a:schemeClr val="dk1"/>
+              </a:fontRef>
+            </p:style>
+            <p:txBody>
+              <a:bodyPr rtlCol="0" anchor="ctr"/>
+              <a:lstStyle/>
+              <a:p>
+                <a:pPr algn="ctr"/>
+                <a:endParaRPr lang="en-US"/>
+              </a:p>
+            </p:txBody>
+          </p:sp>
+          <p:sp>
+            <p:nvSpPr>
+              <p:cNvPr id="111" name="Oval 110"/>
+              <p:cNvSpPr/>
+              <p:nvPr/>
+            </p:nvSpPr>
+            <p:spPr>
+              <a:xfrm rot="10800000">
+                <a:off x="8022092" y="3483826"/>
+                <a:ext cx="429083" cy="413867"/>
+              </a:xfrm>
+              <a:prstGeom prst="ellipse">
+                <a:avLst/>
+              </a:prstGeom>
+              <a:noFill/>
+            </p:spPr>
+            <p:style>
+              <a:lnRef idx="2">
+                <a:schemeClr val="dk1"/>
+              </a:lnRef>
+              <a:fillRef idx="1">
+                <a:schemeClr val="lt1"/>
+              </a:fillRef>
+              <a:effectRef idx="0">
+                <a:schemeClr val="dk1"/>
+              </a:effectRef>
+              <a:fontRef idx="minor">
+                <a:schemeClr val="dk1"/>
+              </a:fontRef>
+            </p:style>
+            <p:txBody>
+              <a:bodyPr rtlCol="0" anchor="ctr"/>
+              <a:lstStyle/>
+              <a:p>
+                <a:pPr algn="ctr"/>
+                <a:endParaRPr lang="en-US"/>
+              </a:p>
+            </p:txBody>
+          </p:sp>
+          <p:grpSp>
+            <p:nvGrpSpPr>
+              <p:cNvPr id="112" name="Group 111"/>
+              <p:cNvGrpSpPr/>
+              <p:nvPr/>
+            </p:nvGrpSpPr>
+            <p:grpSpPr>
+              <a:xfrm rot="10800000">
+                <a:off x="7910829" y="3603977"/>
+                <a:ext cx="24402" cy="173565"/>
+                <a:chOff x="-665558" y="4289822"/>
+                <a:chExt cx="51361" cy="378741"/>
+              </a:xfrm>
+            </p:grpSpPr>
+            <p:sp>
+              <p:nvSpPr>
+                <p:cNvPr id="115" name="Oval 114"/>
+                <p:cNvSpPr/>
+                <p:nvPr/>
+              </p:nvSpPr>
+              <p:spPr>
+                <a:xfrm>
+                  <a:off x="-659916" y="4289822"/>
+                  <a:ext cx="45719" cy="45719"/>
+                </a:xfrm>
+                <a:prstGeom prst="ellipse">
+                  <a:avLst/>
+                </a:prstGeom>
+                <a:solidFill>
+                  <a:schemeClr val="tx1"/>
+                </a:solidFill>
+                <a:ln/>
+              </p:spPr>
+              <p:style>
+                <a:lnRef idx="2">
+                  <a:schemeClr val="dk1"/>
+                </a:lnRef>
+                <a:fillRef idx="1">
+                  <a:schemeClr val="lt1"/>
+                </a:fillRef>
+                <a:effectRef idx="0">
+                  <a:schemeClr val="dk1"/>
+                </a:effectRef>
+                <a:fontRef idx="minor">
+                  <a:schemeClr val="dk1"/>
+                </a:fontRef>
+              </p:style>
+              <p:txBody>
+                <a:bodyPr rtlCol="0" anchor="ctr"/>
+                <a:lstStyle/>
+                <a:p>
+                  <a:pPr algn="ctr"/>
+                  <a:endParaRPr lang="en-US"/>
+                </a:p>
+              </p:txBody>
+            </p:sp>
+            <p:sp>
+              <p:nvSpPr>
+                <p:cNvPr id="116" name="Oval 115"/>
+                <p:cNvSpPr/>
+                <p:nvPr/>
+              </p:nvSpPr>
+              <p:spPr>
+                <a:xfrm>
+                  <a:off x="-662737" y="4456333"/>
+                  <a:ext cx="45719" cy="45719"/>
+                </a:xfrm>
+                <a:prstGeom prst="ellipse">
+                  <a:avLst/>
+                </a:prstGeom>
+                <a:solidFill>
+                  <a:schemeClr val="tx1"/>
+                </a:solidFill>
+                <a:ln/>
+              </p:spPr>
+              <p:style>
+                <a:lnRef idx="2">
+                  <a:schemeClr val="dk1"/>
+                </a:lnRef>
+                <a:fillRef idx="1">
+                  <a:schemeClr val="lt1"/>
+                </a:fillRef>
+                <a:effectRef idx="0">
+                  <a:schemeClr val="dk1"/>
+                </a:effectRef>
+                <a:fontRef idx="minor">
+                  <a:schemeClr val="dk1"/>
+                </a:fontRef>
+              </p:style>
+              <p:txBody>
+                <a:bodyPr rtlCol="0" anchor="ctr"/>
+                <a:lstStyle/>
+                <a:p>
+                  <a:pPr algn="ctr"/>
+                  <a:endParaRPr lang="en-US"/>
+                </a:p>
+              </p:txBody>
+            </p:sp>
+            <p:sp>
+              <p:nvSpPr>
+                <p:cNvPr id="117" name="Oval 116"/>
+                <p:cNvSpPr/>
+                <p:nvPr/>
+              </p:nvSpPr>
+              <p:spPr>
+                <a:xfrm>
+                  <a:off x="-665558" y="4622844"/>
+                  <a:ext cx="45719" cy="45719"/>
+                </a:xfrm>
+                <a:prstGeom prst="ellipse">
+                  <a:avLst/>
+                </a:prstGeom>
+                <a:solidFill>
+                  <a:schemeClr val="tx1"/>
+                </a:solidFill>
+                <a:ln/>
+              </p:spPr>
+              <p:style>
+                <a:lnRef idx="2">
+                  <a:schemeClr val="dk1"/>
+                </a:lnRef>
+                <a:fillRef idx="1">
+                  <a:schemeClr val="lt1"/>
+                </a:fillRef>
+                <a:effectRef idx="0">
+                  <a:schemeClr val="dk1"/>
+                </a:effectRef>
+                <a:fontRef idx="minor">
+                  <a:schemeClr val="dk1"/>
+                </a:fontRef>
+              </p:style>
+              <p:txBody>
+                <a:bodyPr rtlCol="0" anchor="ctr"/>
+                <a:lstStyle/>
+                <a:p>
+                  <a:pPr algn="ctr"/>
+                  <a:endParaRPr lang="en-US"/>
+                </a:p>
+              </p:txBody>
+            </p:sp>
+          </p:grpSp>
+          <p:cxnSp>
+            <p:nvCxnSpPr>
+              <p:cNvPr id="113" name="Straight Arrow Connector 112"/>
+              <p:cNvCxnSpPr>
+                <a:endCxn id="111" idx="7"/>
+              </p:cNvCxnSpPr>
+              <p:nvPr/>
+            </p:nvCxnSpPr>
+            <p:spPr>
+              <a:xfrm flipV="1">
+                <a:off x="7759915" y="3837083"/>
+                <a:ext cx="325015" cy="202467"/>
+              </a:xfrm>
+              <a:prstGeom prst="straightConnector1">
+                <a:avLst/>
+              </a:prstGeom>
+              <a:ln>
+                <a:tailEnd type="arrow"/>
+              </a:ln>
+            </p:spPr>
+            <p:style>
+              <a:lnRef idx="1">
+                <a:schemeClr val="dk1"/>
+              </a:lnRef>
+              <a:fillRef idx="0">
+                <a:schemeClr val="dk1"/>
+              </a:fillRef>
+              <a:effectRef idx="0">
+                <a:schemeClr val="dk1"/>
+              </a:effectRef>
+              <a:fontRef idx="minor">
+                <a:schemeClr val="tx1"/>
+              </a:fontRef>
+            </p:style>
+          </p:cxnSp>
+          <p:cxnSp>
+            <p:nvCxnSpPr>
+              <p:cNvPr id="114" name="Straight Arrow Connector 113"/>
+              <p:cNvCxnSpPr>
+                <a:endCxn id="111" idx="5"/>
+              </p:cNvCxnSpPr>
+              <p:nvPr/>
+            </p:nvCxnSpPr>
+            <p:spPr>
+              <a:xfrm>
+                <a:off x="7759915" y="3348284"/>
+                <a:ext cx="325015" cy="196151"/>
+              </a:xfrm>
+              <a:prstGeom prst="straightConnector1">
+                <a:avLst/>
+              </a:prstGeom>
+              <a:ln>
+                <a:tailEnd type="arrow"/>
+              </a:ln>
+            </p:spPr>
+            <p:style>
+              <a:lnRef idx="1">
+                <a:schemeClr val="dk1"/>
+              </a:lnRef>
+              <a:fillRef idx="0">
+                <a:schemeClr val="dk1"/>
+              </a:fillRef>
+              <a:effectRef idx="0">
+                <a:schemeClr val="dk1"/>
+              </a:effectRef>
+              <a:fontRef idx="minor">
+                <a:schemeClr val="tx1"/>
+              </a:fontRef>
+            </p:style>
+          </p:cxnSp>
+        </p:grpSp>
+        <p:grpSp>
+          <p:nvGrpSpPr>
+            <p:cNvPr id="121" name="Group 120"/>
+            <p:cNvGrpSpPr/>
+            <p:nvPr/>
+          </p:nvGrpSpPr>
+          <p:grpSpPr>
+            <a:xfrm>
+              <a:off x="6715721" y="1224952"/>
+              <a:ext cx="51361" cy="378741"/>
+              <a:chOff x="-665558" y="4289822"/>
+              <a:chExt cx="51361" cy="378741"/>
+            </a:xfrm>
+          </p:grpSpPr>
+          <p:sp>
+            <p:nvSpPr>
+              <p:cNvPr id="122" name="Oval 121"/>
+              <p:cNvSpPr/>
+              <p:nvPr/>
+            </p:nvSpPr>
+            <p:spPr>
+              <a:xfrm>
+                <a:off x="-659916" y="4289822"/>
+                <a:ext cx="45719" cy="45719"/>
+              </a:xfrm>
+              <a:prstGeom prst="ellipse">
+                <a:avLst/>
+              </a:prstGeom>
+              <a:solidFill>
+                <a:schemeClr val="tx1"/>
+              </a:solidFill>
+              <a:ln/>
+            </p:spPr>
+            <p:style>
+              <a:lnRef idx="2">
+                <a:schemeClr val="dk1"/>
+              </a:lnRef>
+              <a:fillRef idx="1">
+                <a:schemeClr val="lt1"/>
+              </a:fillRef>
+              <a:effectRef idx="0">
+                <a:schemeClr val="dk1"/>
+              </a:effectRef>
+              <a:fontRef idx="minor">
+                <a:schemeClr val="dk1"/>
+              </a:fontRef>
+            </p:style>
+            <p:txBody>
+              <a:bodyPr rtlCol="0" anchor="ctr"/>
+              <a:lstStyle/>
+              <a:p>
+                <a:pPr algn="ctr"/>
+                <a:endParaRPr lang="en-US"/>
+              </a:p>
+            </p:txBody>
+          </p:sp>
+          <p:sp>
+            <p:nvSpPr>
+              <p:cNvPr id="123" name="Oval 122"/>
+              <p:cNvSpPr/>
+              <p:nvPr/>
+            </p:nvSpPr>
+            <p:spPr>
+              <a:xfrm>
+                <a:off x="-662737" y="4456333"/>
+                <a:ext cx="45719" cy="45719"/>
+              </a:xfrm>
+              <a:prstGeom prst="ellipse">
+                <a:avLst/>
+              </a:prstGeom>
+              <a:solidFill>
+                <a:schemeClr val="tx1"/>
+              </a:solidFill>
+              <a:ln/>
+            </p:spPr>
+            <p:style>
+              <a:lnRef idx="2">
+                <a:schemeClr val="dk1"/>
+              </a:lnRef>
+              <a:fillRef idx="1">
+                <a:schemeClr val="lt1"/>
+              </a:fillRef>
+              <a:effectRef idx="0">
+                <a:schemeClr val="dk1"/>
+              </a:effectRef>
+              <a:fontRef idx="minor">
+                <a:schemeClr val="dk1"/>
+              </a:fontRef>
+            </p:style>
+            <p:txBody>
+              <a:bodyPr rtlCol="0" anchor="ctr"/>
+              <a:lstStyle/>
+              <a:p>
+                <a:pPr algn="ctr"/>
+                <a:endParaRPr lang="en-US"/>
+              </a:p>
+            </p:txBody>
+          </p:sp>
+          <p:sp>
+            <p:nvSpPr>
+              <p:cNvPr id="124" name="Oval 123"/>
+              <p:cNvSpPr/>
+              <p:nvPr/>
+            </p:nvSpPr>
+            <p:spPr>
+              <a:xfrm>
+                <a:off x="-665558" y="4622844"/>
+                <a:ext cx="45719" cy="45719"/>
+              </a:xfrm>
+              <a:prstGeom prst="ellipse">
+                <a:avLst/>
+              </a:prstGeom>
+              <a:solidFill>
+                <a:schemeClr val="tx1"/>
+              </a:solidFill>
+              <a:ln/>
+            </p:spPr>
+            <p:style>
+              <a:lnRef idx="2">
+                <a:schemeClr val="dk1"/>
+              </a:lnRef>
+              <a:fillRef idx="1">
+                <a:schemeClr val="lt1"/>
+              </a:fillRef>
+              <a:effectRef idx="0">
+                <a:schemeClr val="dk1"/>
+              </a:effectRef>
+              <a:fontRef idx="minor">
+                <a:schemeClr val="dk1"/>
+              </a:fontRef>
+            </p:style>
+            <p:txBody>
+              <a:bodyPr rtlCol="0" anchor="ctr"/>
+              <a:lstStyle/>
+              <a:p>
+                <a:pPr algn="ctr"/>
+                <a:endParaRPr lang="en-US"/>
+              </a:p>
+            </p:txBody>
+          </p:sp>
+        </p:grpSp>
+        <p:cxnSp>
+          <p:nvCxnSpPr>
+            <p:cNvPr id="125" name="Straight Arrow Connector 124"/>
+            <p:cNvCxnSpPr>
+              <a:stCxn id="14" idx="1"/>
+              <a:endCxn id="93" idx="5"/>
+            </p:cNvCxnSpPr>
+            <p:nvPr/>
+          </p:nvCxnSpPr>
+          <p:spPr>
+            <a:xfrm flipV="1">
+              <a:off x="6196070" y="3995320"/>
+              <a:ext cx="19821" cy="1013290"/>
+            </a:xfrm>
+            <a:prstGeom prst="straightConnector1">
+              <a:avLst/>
+            </a:prstGeom>
+            <a:ln>
+              <a:tailEnd type="arrow"/>
+            </a:ln>
+          </p:spPr>
+          <p:style>
+            <a:lnRef idx="1">
+              <a:schemeClr val="dk1"/>
+            </a:lnRef>
+            <a:fillRef idx="0">
+              <a:schemeClr val="dk1"/>
+            </a:fillRef>
+            <a:effectRef idx="0">
+              <a:schemeClr val="dk1"/>
+            </a:effectRef>
+            <a:fontRef idx="minor">
+              <a:schemeClr val="tx1"/>
+            </a:fontRef>
+          </p:style>
+        </p:cxnSp>
+        <p:cxnSp>
+          <p:nvCxnSpPr>
+            <p:cNvPr id="128" name="Straight Arrow Connector 127"/>
+            <p:cNvCxnSpPr>
+              <a:stCxn id="93" idx="1"/>
+              <a:endCxn id="110" idx="5"/>
+            </p:cNvCxnSpPr>
+            <p:nvPr/>
+          </p:nvCxnSpPr>
+          <p:spPr>
+            <a:xfrm flipV="1">
+              <a:off x="6196070" y="2565242"/>
+              <a:ext cx="19821" cy="1009001"/>
+            </a:xfrm>
+            <a:prstGeom prst="straightConnector1">
+              <a:avLst/>
+            </a:prstGeom>
+            <a:ln>
+              <a:tailEnd type="arrow"/>
+            </a:ln>
+          </p:spPr>
+          <p:style>
+            <a:lnRef idx="1">
+              <a:schemeClr val="dk1"/>
+            </a:lnRef>
+            <a:fillRef idx="0">
+              <a:schemeClr val="dk1"/>
+            </a:fillRef>
+            <a:effectRef idx="0">
+              <a:schemeClr val="dk1"/>
+            </a:effectRef>
+            <a:fontRef idx="minor">
+              <a:schemeClr val="tx1"/>
+            </a:fontRef>
+          </p:style>
+        </p:cxnSp>
+        <p:cxnSp>
+          <p:nvCxnSpPr>
+            <p:cNvPr id="131" name="Straight Arrow Connector 130"/>
+            <p:cNvCxnSpPr>
+              <a:stCxn id="93" idx="0"/>
+              <a:endCxn id="109" idx="4"/>
+            </p:cNvCxnSpPr>
+            <p:nvPr/>
+          </p:nvCxnSpPr>
+          <p:spPr>
+            <a:xfrm flipV="1">
+              <a:off x="6348002" y="2516294"/>
+              <a:ext cx="757498" cy="1117984"/>
+            </a:xfrm>
+            <a:prstGeom prst="straightConnector1">
+              <a:avLst/>
+            </a:prstGeom>
+            <a:ln>
+              <a:tailEnd type="arrow"/>
+            </a:ln>
+          </p:spPr>
+          <p:style>
+            <a:lnRef idx="1">
+              <a:schemeClr val="dk1"/>
+            </a:lnRef>
+            <a:fillRef idx="0">
+              <a:schemeClr val="dk1"/>
+            </a:fillRef>
+            <a:effectRef idx="0">
+              <a:schemeClr val="dk1"/>
+            </a:effectRef>
+            <a:fontRef idx="minor">
+              <a:schemeClr val="tx1"/>
+            </a:fontRef>
+          </p:style>
+        </p:cxnSp>
+        <p:cxnSp>
+          <p:nvCxnSpPr>
+            <p:cNvPr id="134" name="Straight Arrow Connector 133"/>
+            <p:cNvCxnSpPr>
+              <a:stCxn id="14" idx="0"/>
+              <a:endCxn id="92" idx="4"/>
+            </p:cNvCxnSpPr>
+            <p:nvPr/>
+          </p:nvCxnSpPr>
+          <p:spPr>
+            <a:xfrm flipV="1">
+              <a:off x="6348002" y="3946372"/>
+              <a:ext cx="757498" cy="1122273"/>
+            </a:xfrm>
+            <a:prstGeom prst="straightConnector1">
+              <a:avLst/>
+            </a:prstGeom>
+            <a:ln>
+              <a:tailEnd type="arrow"/>
+            </a:ln>
+          </p:spPr>
+          <p:style>
+            <a:lnRef idx="1">
+              <a:schemeClr val="dk1"/>
+            </a:lnRef>
+            <a:fillRef idx="0">
+              <a:schemeClr val="dk1"/>
+            </a:fillRef>
+            <a:effectRef idx="0">
+              <a:schemeClr val="dk1"/>
+            </a:effectRef>
+            <a:fontRef idx="minor">
+              <a:schemeClr val="tx1"/>
+            </a:fontRef>
+          </p:style>
+        </p:cxnSp>
+        <p:cxnSp>
+          <p:nvCxnSpPr>
+            <p:cNvPr id="137" name="Straight Arrow Connector 136"/>
+            <p:cNvCxnSpPr>
+              <a:stCxn id="13" idx="2"/>
+              <a:endCxn id="93" idx="6"/>
+            </p:cNvCxnSpPr>
+            <p:nvPr/>
+          </p:nvCxnSpPr>
+          <p:spPr>
+            <a:xfrm flipH="1" flipV="1">
+              <a:off x="6362018" y="3932024"/>
+              <a:ext cx="729465" cy="1150968"/>
+            </a:xfrm>
+            <a:prstGeom prst="straightConnector1">
+              <a:avLst/>
+            </a:prstGeom>
+            <a:ln>
+              <a:tailEnd type="arrow"/>
+            </a:ln>
+          </p:spPr>
+          <p:style>
+            <a:lnRef idx="1">
+              <a:schemeClr val="dk1"/>
+            </a:lnRef>
+            <a:fillRef idx="0">
+              <a:schemeClr val="dk1"/>
+            </a:fillRef>
+            <a:effectRef idx="0">
+              <a:schemeClr val="dk1"/>
+            </a:effectRef>
+            <a:fontRef idx="minor">
+              <a:schemeClr val="tx1"/>
+            </a:fontRef>
+          </p:style>
+        </p:cxnSp>
+        <p:cxnSp>
+          <p:nvCxnSpPr>
+            <p:cNvPr id="140" name="Straight Arrow Connector 139"/>
+            <p:cNvCxnSpPr>
+              <a:stCxn id="92" idx="2"/>
+              <a:endCxn id="110" idx="6"/>
+            </p:cNvCxnSpPr>
+            <p:nvPr/>
+          </p:nvCxnSpPr>
+          <p:spPr>
+            <a:xfrm flipH="1" flipV="1">
+              <a:off x="6362018" y="2501946"/>
+              <a:ext cx="729465" cy="1146679"/>
+            </a:xfrm>
+            <a:prstGeom prst="straightConnector1">
+              <a:avLst/>
+            </a:prstGeom>
+            <a:ln>
+              <a:tailEnd type="arrow"/>
+            </a:ln>
+          </p:spPr>
+          <p:style>
+            <a:lnRef idx="1">
+              <a:schemeClr val="dk1"/>
+            </a:lnRef>
+            <a:fillRef idx="0">
+              <a:schemeClr val="dk1"/>
+            </a:fillRef>
+            <a:effectRef idx="0">
+              <a:schemeClr val="dk1"/>
+            </a:effectRef>
+            <a:fontRef idx="minor">
+              <a:schemeClr val="tx1"/>
+            </a:fontRef>
+          </p:style>
+        </p:cxnSp>
+      </p:grpSp>
+      <p:sp>
+        <p:nvSpPr>
+          <p:cNvPr id="144" name="Right Arrow 143"/>
+          <p:cNvSpPr/>
+          <p:nvPr/>
+        </p:nvSpPr>
+        <p:spPr>
+          <a:xfrm>
+            <a:off x="4057141" y="3258207"/>
+            <a:ext cx="599751" cy="316036"/>
+          </a:xfrm>
+          <a:prstGeom prst="rightArrow">
+            <a:avLst/>
+          </a:prstGeom>
+          <a:solidFill>
+            <a:schemeClr val="tx1"/>
+          </a:solidFill>
+          <a:ln>
+            <a:solidFill>
+              <a:schemeClr val="tx1"/>
+            </a:solidFill>
+          </a:ln>
+          <a:effectLst/>
+        </p:spPr>
+        <p:style>
+          <a:lnRef idx="1">
+            <a:schemeClr val="accent1"/>
+          </a:lnRef>
+          <a:fillRef idx="3">
+            <a:schemeClr val="accent1"/>
+          </a:fillRef>
+          <a:effectRef idx="2">
+            <a:schemeClr val="accent1"/>
+          </a:effectRef>
+          <a:fontRef idx="minor">
+            <a:schemeClr val="lt1"/>
+          </a:fontRef>
+        </p:style>
+        <p:txBody>
+          <a:bodyPr rtlCol="0" anchor="ctr"/>
+          <a:lstStyle/>
+          <a:p>
+            <a:pPr algn="ctr"/>
+            <a:endParaRPr lang="en-US">
+              <a:ln>
+                <a:solidFill>
+                  <a:srgbClr val="000000"/>
+                </a:solidFill>
+              </a:ln>
+              <a:solidFill>
+                <a:srgbClr val="000000"/>
+              </a:solidFill>
+            </a:endParaRPr>
+          </a:p>
+        </p:txBody>
+      </p:sp>
+      <p:graphicFrame>
+        <p:nvGraphicFramePr>
+          <p:cNvPr id="145" name="Object 144"/>
+          <p:cNvGraphicFramePr>
+            <a:graphicFrameLocks noChangeAspect="1"/>
+          </p:cNvGraphicFramePr>
+          <p:nvPr>
+            <p:extLst>
+              <p:ext uri="{D42A27DB-BD31-4B8C-83A1-F6EECF244321}">
+                <p14:modId xmlns:p14="http://schemas.microsoft.com/office/powerpoint/2010/main" val="1667483022"/>
+              </p:ext>
+            </p:extLst>
+          </p:nvPr>
+        </p:nvGraphicFramePr>
+        <p:xfrm>
+          <a:off x="1317938" y="4047500"/>
+          <a:ext cx="258861" cy="295841"/>
+        </p:xfrm>
+        <a:graphic>
+          <a:graphicData uri="http://schemas.openxmlformats.org/presentationml/2006/ole">
+            <mc:AlternateContent xmlns:mc="http://schemas.openxmlformats.org/markup-compatibility/2006">
+              <mc:Choice xmlns:v="urn:schemas-microsoft-com:vml" Requires="v">
+                <p:oleObj spid="_x0000_s10250" name="Equation" r:id="rId3" imgW="177800" imgH="203200" progId="Equation.3">
+                  <p:embed/>
+                </p:oleObj>
+              </mc:Choice>
+              <mc:Fallback>
+                <p:oleObj name="Equation" r:id="rId3" imgW="177800" imgH="203200" progId="Equation.3">
+                  <p:embed/>
+                  <p:pic>
+                    <p:nvPicPr>
+                      <p:cNvPr id="0" name=""/>
+                      <p:cNvPicPr/>
+                      <p:nvPr/>
+                    </p:nvPicPr>
+                    <p:blipFill>
+                      <a:blip r:embed="rId4"/>
+                      <a:stretch>
+                        <a:fillRect/>
+                      </a:stretch>
+                    </p:blipFill>
+                    <p:spPr>
+                      <a:xfrm>
+                        <a:off x="1317938" y="4047500"/>
+                        <a:ext cx="258861" cy="295841"/>
+                      </a:xfrm>
+                      <a:prstGeom prst="rect">
+                        <a:avLst/>
+                      </a:prstGeom>
+                    </p:spPr>
+                  </p:pic>
+                </p:oleObj>
+              </mc:Fallback>
+            </mc:AlternateContent>
+          </a:graphicData>
+        </a:graphic>
+      </p:graphicFrame>
+      <p:graphicFrame>
+        <p:nvGraphicFramePr>
+          <p:cNvPr id="146" name="Object 145"/>
+          <p:cNvGraphicFramePr>
+            <a:graphicFrameLocks noChangeAspect="1"/>
+          </p:cNvGraphicFramePr>
+          <p:nvPr>
+            <p:extLst>
+              <p:ext uri="{D42A27DB-BD31-4B8C-83A1-F6EECF244321}">
+                <p14:modId xmlns:p14="http://schemas.microsoft.com/office/powerpoint/2010/main" val="2017886948"/>
+              </p:ext>
+            </p:extLst>
+          </p:nvPr>
+        </p:nvGraphicFramePr>
+        <p:xfrm>
+          <a:off x="1899491" y="2789128"/>
+          <a:ext cx="296862" cy="295275"/>
+        </p:xfrm>
+        <a:graphic>
+          <a:graphicData uri="http://schemas.openxmlformats.org/presentationml/2006/ole">
+            <mc:AlternateContent xmlns:mc="http://schemas.openxmlformats.org/markup-compatibility/2006">
+              <mc:Choice xmlns:v="urn:schemas-microsoft-com:vml" Requires="v">
+                <p:oleObj spid="_x0000_s10251" name="Equation" r:id="rId5" imgW="203200" imgH="203200" progId="Equation.3">
+                  <p:embed/>
+                </p:oleObj>
+              </mc:Choice>
+              <mc:Fallback>
+                <p:oleObj name="Equation" r:id="rId5" imgW="203200" imgH="203200" progId="Equation.3">
+                  <p:embed/>
+                  <p:pic>
+                    <p:nvPicPr>
+                      <p:cNvPr id="0" name=""/>
+                      <p:cNvPicPr/>
+                      <p:nvPr/>
+                    </p:nvPicPr>
+                    <p:blipFill>
+                      <a:blip r:embed="rId6"/>
+                      <a:stretch>
+                        <a:fillRect/>
+                      </a:stretch>
+                    </p:blipFill>
+                    <p:spPr>
+                      <a:xfrm>
+                        <a:off x="1899491" y="2789128"/>
+                        <a:ext cx="296862" cy="295275"/>
+                      </a:xfrm>
+                      <a:prstGeom prst="rect">
+                        <a:avLst/>
+                      </a:prstGeom>
+                    </p:spPr>
+                  </p:pic>
+                </p:oleObj>
+              </mc:Fallback>
+            </mc:AlternateContent>
+          </a:graphicData>
+        </a:graphic>
+      </p:graphicFrame>
+      <p:graphicFrame>
+        <p:nvGraphicFramePr>
+          <p:cNvPr id="147" name="Object 146"/>
+          <p:cNvGraphicFramePr>
+            <a:graphicFrameLocks noChangeAspect="1"/>
+          </p:cNvGraphicFramePr>
+          <p:nvPr>
+            <p:extLst>
+              <p:ext uri="{D42A27DB-BD31-4B8C-83A1-F6EECF244321}">
+                <p14:modId xmlns:p14="http://schemas.microsoft.com/office/powerpoint/2010/main" val="1344522040"/>
+              </p:ext>
+            </p:extLst>
+          </p:nvPr>
+        </p:nvGraphicFramePr>
+        <p:xfrm>
+          <a:off x="2034321" y="3622487"/>
+          <a:ext cx="279400" cy="312738"/>
+        </p:xfrm>
+        <a:graphic>
+          <a:graphicData uri="http://schemas.openxmlformats.org/presentationml/2006/ole">
+            <mc:AlternateContent xmlns:mc="http://schemas.openxmlformats.org/markup-compatibility/2006">
+              <mc:Choice xmlns:v="urn:schemas-microsoft-com:vml" Requires="v">
+                <p:oleObj spid="_x0000_s10252" name="Equation" r:id="rId7" imgW="190500" imgH="215900" progId="Equation.3">
+                  <p:embed/>
+                </p:oleObj>
+              </mc:Choice>
+              <mc:Fallback>
+                <p:oleObj name="Equation" r:id="rId7" imgW="190500" imgH="215900" progId="Equation.3">
+                  <p:embed/>
+                  <p:pic>
+                    <p:nvPicPr>
+                      <p:cNvPr id="0" name=""/>
+                      <p:cNvPicPr/>
+                      <p:nvPr/>
+                    </p:nvPicPr>
+                    <p:blipFill>
+                      <a:blip r:embed="rId8"/>
+                      <a:stretch>
+                        <a:fillRect/>
+                      </a:stretch>
+                    </p:blipFill>
+                    <p:spPr>
+                      <a:xfrm>
+                        <a:off x="2034321" y="3622487"/>
+                        <a:ext cx="279400" cy="312738"/>
+                      </a:xfrm>
+                      <a:prstGeom prst="rect">
+                        <a:avLst/>
+                      </a:prstGeom>
+                    </p:spPr>
+                  </p:pic>
+                </p:oleObj>
+              </mc:Fallback>
+            </mc:AlternateContent>
+          </a:graphicData>
+        </a:graphic>
+      </p:graphicFrame>
+      <p:graphicFrame>
+        <p:nvGraphicFramePr>
+          <p:cNvPr id="148" name="Object 147"/>
+          <p:cNvGraphicFramePr>
+            <a:graphicFrameLocks noChangeAspect="1"/>
+          </p:cNvGraphicFramePr>
+          <p:nvPr>
+            <p:extLst>
+              <p:ext uri="{D42A27DB-BD31-4B8C-83A1-F6EECF244321}">
+                <p14:modId xmlns:p14="http://schemas.microsoft.com/office/powerpoint/2010/main" val="2285195064"/>
+              </p:ext>
+            </p:extLst>
+          </p:nvPr>
+        </p:nvGraphicFramePr>
+        <p:xfrm>
+          <a:off x="5937209" y="4093615"/>
+          <a:ext cx="258861" cy="295841"/>
+        </p:xfrm>
+        <a:graphic>
+          <a:graphicData uri="http://schemas.openxmlformats.org/presentationml/2006/ole">
+            <mc:AlternateContent xmlns:mc="http://schemas.openxmlformats.org/markup-compatibility/2006">
+              <mc:Choice xmlns:v="urn:schemas-microsoft-com:vml" Requires="v">
+                <p:oleObj spid="_x0000_s10253" name="Equation" r:id="rId9" imgW="177800" imgH="203200" progId="Equation.3">
+                  <p:embed/>
+                </p:oleObj>
+              </mc:Choice>
+              <mc:Fallback>
+                <p:oleObj name="Equation" r:id="rId9" imgW="177800" imgH="203200" progId="Equation.3">
+                  <p:embed/>
+                  <p:pic>
+                    <p:nvPicPr>
+                      <p:cNvPr id="0" name=""/>
+                      <p:cNvPicPr/>
+                      <p:nvPr/>
+                    </p:nvPicPr>
+                    <p:blipFill>
+                      <a:blip r:embed="rId4"/>
+                      <a:stretch>
+                        <a:fillRect/>
+                      </a:stretch>
+                    </p:blipFill>
+                    <p:spPr>
+                      <a:xfrm>
+                        <a:off x="5937209" y="4093615"/>
+                        <a:ext cx="258861" cy="295841"/>
+                      </a:xfrm>
+                      <a:prstGeom prst="rect">
+                        <a:avLst/>
+                      </a:prstGeom>
+                    </p:spPr>
+                  </p:pic>
+                </p:oleObj>
+              </mc:Fallback>
+            </mc:AlternateContent>
+          </a:graphicData>
+        </a:graphic>
+      </p:graphicFrame>
+      <p:graphicFrame>
+        <p:nvGraphicFramePr>
+          <p:cNvPr id="149" name="Object 148"/>
+          <p:cNvGraphicFramePr>
+            <a:graphicFrameLocks noChangeAspect="1"/>
+          </p:cNvGraphicFramePr>
+          <p:nvPr>
+            <p:extLst>
+              <p:ext uri="{D42A27DB-BD31-4B8C-83A1-F6EECF244321}">
+                <p14:modId xmlns:p14="http://schemas.microsoft.com/office/powerpoint/2010/main" val="1703352060"/>
+              </p:ext>
+            </p:extLst>
+          </p:nvPr>
+        </p:nvGraphicFramePr>
+        <p:xfrm>
+          <a:off x="6957069" y="4068919"/>
+          <a:ext cx="296862" cy="295275"/>
+        </p:xfrm>
+        <a:graphic>
+          <a:graphicData uri="http://schemas.openxmlformats.org/presentationml/2006/ole">
+            <mc:AlternateContent xmlns:mc="http://schemas.openxmlformats.org/markup-compatibility/2006">
+              <mc:Choice xmlns:v="urn:schemas-microsoft-com:vml" Requires="v">
+                <p:oleObj spid="_x0000_s10254" name="Equation" r:id="rId10" imgW="203200" imgH="203200" progId="Equation.3">
+                  <p:embed/>
+                </p:oleObj>
+              </mc:Choice>
+              <mc:Fallback>
+                <p:oleObj name="Equation" r:id="rId10" imgW="203200" imgH="203200" progId="Equation.3">
+                  <p:embed/>
+                  <p:pic>
+                    <p:nvPicPr>
+                      <p:cNvPr id="0" name=""/>
+                      <p:cNvPicPr/>
+                      <p:nvPr/>
+                    </p:nvPicPr>
+                    <p:blipFill>
+                      <a:blip r:embed="rId6"/>
+                      <a:stretch>
+                        <a:fillRect/>
+                      </a:stretch>
+                    </p:blipFill>
+                    <p:spPr>
+                      <a:xfrm>
+                        <a:off x="6957069" y="4068919"/>
+                        <a:ext cx="296862" cy="295275"/>
+                      </a:xfrm>
+                      <a:prstGeom prst="rect">
+                        <a:avLst/>
+                      </a:prstGeom>
+                    </p:spPr>
+                  </p:pic>
+                </p:oleObj>
+              </mc:Fallback>
+            </mc:AlternateContent>
+          </a:graphicData>
+        </a:graphic>
+      </p:graphicFrame>
+      <p:graphicFrame>
+        <p:nvGraphicFramePr>
+          <p:cNvPr id="150" name="Object 149"/>
+          <p:cNvGraphicFramePr>
+            <a:graphicFrameLocks noChangeAspect="1"/>
+          </p:cNvGraphicFramePr>
+          <p:nvPr>
+            <p:extLst>
+              <p:ext uri="{D42A27DB-BD31-4B8C-83A1-F6EECF244321}">
+                <p14:modId xmlns:p14="http://schemas.microsoft.com/office/powerpoint/2010/main" val="4012502469"/>
+              </p:ext>
+            </p:extLst>
+          </p:nvPr>
+        </p:nvGraphicFramePr>
+        <p:xfrm>
+          <a:off x="6508282" y="3920557"/>
+          <a:ext cx="279400" cy="312738"/>
+        </p:xfrm>
+        <a:graphic>
+          <a:graphicData uri="http://schemas.openxmlformats.org/presentationml/2006/ole">
+            <mc:AlternateContent xmlns:mc="http://schemas.openxmlformats.org/markup-compatibility/2006">
+              <mc:Choice xmlns:v="urn:schemas-microsoft-com:vml" Requires="v">
+                <p:oleObj spid="_x0000_s10255" name="Equation" r:id="rId11" imgW="190500" imgH="215900" progId="Equation.3">
+                  <p:embed/>
+                </p:oleObj>
+              </mc:Choice>
+              <mc:Fallback>
+                <p:oleObj name="Equation" r:id="rId11" imgW="190500" imgH="215900" progId="Equation.3">
+                  <p:embed/>
+                  <p:pic>
+                    <p:nvPicPr>
+                      <p:cNvPr id="0" name=""/>
+                      <p:cNvPicPr/>
+                      <p:nvPr/>
+                    </p:nvPicPr>
+                    <p:blipFill>
+                      <a:blip r:embed="rId8"/>
+                      <a:stretch>
+                        <a:fillRect/>
+                      </a:stretch>
+                    </p:blipFill>
+                    <p:spPr>
+                      <a:xfrm>
+                        <a:off x="6508282" y="3920557"/>
+                        <a:ext cx="279400" cy="312738"/>
+                      </a:xfrm>
+                      <a:prstGeom prst="rect">
+                        <a:avLst/>
+                      </a:prstGeom>
+                    </p:spPr>
+                  </p:pic>
+                </p:oleObj>
+              </mc:Fallback>
+            </mc:AlternateContent>
+          </a:graphicData>
+        </a:graphic>
+      </p:graphicFrame>
+      <p:graphicFrame>
+        <p:nvGraphicFramePr>
+          <p:cNvPr id="151" name="Object 150"/>
+          <p:cNvGraphicFramePr>
+            <a:graphicFrameLocks noChangeAspect="1"/>
+          </p:cNvGraphicFramePr>
+          <p:nvPr>
+            <p:extLst>
+              <p:ext uri="{D42A27DB-BD31-4B8C-83A1-F6EECF244321}">
+                <p14:modId xmlns:p14="http://schemas.microsoft.com/office/powerpoint/2010/main" val="2291496402"/>
+              </p:ext>
+            </p:extLst>
+          </p:nvPr>
+        </p:nvGraphicFramePr>
+        <p:xfrm>
+          <a:off x="5941207" y="2688233"/>
+          <a:ext cx="258861" cy="295841"/>
+        </p:xfrm>
+        <a:graphic>
+          <a:graphicData uri="http://schemas.openxmlformats.org/presentationml/2006/ole">
+            <mc:AlternateContent xmlns:mc="http://schemas.openxmlformats.org/markup-compatibility/2006">
+              <mc:Choice xmlns:v="urn:schemas-microsoft-com:vml" Requires="v">
+                <p:oleObj spid="_x0000_s10256" name="Equation" r:id="rId12" imgW="177800" imgH="203200" progId="Equation.3">
+                  <p:embed/>
+                </p:oleObj>
+              </mc:Choice>
+              <mc:Fallback>
+                <p:oleObj name="Equation" r:id="rId12" imgW="177800" imgH="203200" progId="Equation.3">
+                  <p:embed/>
+                  <p:pic>
+                    <p:nvPicPr>
+                      <p:cNvPr id="0" name=""/>
+                      <p:cNvPicPr/>
+                      <p:nvPr/>
+                    </p:nvPicPr>
+                    <p:blipFill>
+                      <a:blip r:embed="rId4"/>
+                      <a:stretch>
+                        <a:fillRect/>
+                      </a:stretch>
+                    </p:blipFill>
+                    <p:spPr>
+                      <a:xfrm>
+                        <a:off x="5941207" y="2688233"/>
+                        <a:ext cx="258861" cy="295841"/>
+                      </a:xfrm>
+                      <a:prstGeom prst="rect">
+                        <a:avLst/>
+                      </a:prstGeom>
+                    </p:spPr>
+                  </p:pic>
+                </p:oleObj>
+              </mc:Fallback>
+            </mc:AlternateContent>
+          </a:graphicData>
+        </a:graphic>
+      </p:graphicFrame>
+      <p:graphicFrame>
+        <p:nvGraphicFramePr>
+          <p:cNvPr id="152" name="Object 151"/>
+          <p:cNvGraphicFramePr>
+            <a:graphicFrameLocks noChangeAspect="1"/>
+          </p:cNvGraphicFramePr>
+          <p:nvPr>
+            <p:extLst>
+              <p:ext uri="{D42A27DB-BD31-4B8C-83A1-F6EECF244321}">
+                <p14:modId xmlns:p14="http://schemas.microsoft.com/office/powerpoint/2010/main" val="4091034475"/>
+              </p:ext>
+            </p:extLst>
+          </p:nvPr>
+        </p:nvGraphicFramePr>
+        <p:xfrm>
+          <a:off x="6961067" y="2663537"/>
+          <a:ext cx="296862" cy="295275"/>
+        </p:xfrm>
+        <a:graphic>
+          <a:graphicData uri="http://schemas.openxmlformats.org/presentationml/2006/ole">
+            <mc:AlternateContent xmlns:mc="http://schemas.openxmlformats.org/markup-compatibility/2006">
+              <mc:Choice xmlns:v="urn:schemas-microsoft-com:vml" Requires="v">
+                <p:oleObj spid="_x0000_s10257" name="Equation" r:id="rId13" imgW="203200" imgH="203200" progId="Equation.3">
+                  <p:embed/>
+                </p:oleObj>
+              </mc:Choice>
+              <mc:Fallback>
+                <p:oleObj name="Equation" r:id="rId13" imgW="203200" imgH="203200" progId="Equation.3">
+                  <p:embed/>
+                  <p:pic>
+                    <p:nvPicPr>
+                      <p:cNvPr id="0" name=""/>
+                      <p:cNvPicPr/>
+                      <p:nvPr/>
+                    </p:nvPicPr>
+                    <p:blipFill>
+                      <a:blip r:embed="rId6"/>
+                      <a:stretch>
+                        <a:fillRect/>
+                      </a:stretch>
+                    </p:blipFill>
+                    <p:spPr>
+                      <a:xfrm>
+                        <a:off x="6961067" y="2663537"/>
+                        <a:ext cx="296862" cy="295275"/>
+                      </a:xfrm>
+                      <a:prstGeom prst="rect">
+                        <a:avLst/>
+                      </a:prstGeom>
+                    </p:spPr>
+                  </p:pic>
+                </p:oleObj>
+              </mc:Fallback>
+            </mc:AlternateContent>
+          </a:graphicData>
+        </a:graphic>
+      </p:graphicFrame>
+      <p:graphicFrame>
+        <p:nvGraphicFramePr>
+          <p:cNvPr id="153" name="Object 152"/>
+          <p:cNvGraphicFramePr>
+            <a:graphicFrameLocks noChangeAspect="1"/>
+          </p:cNvGraphicFramePr>
+          <p:nvPr>
+            <p:extLst>
+              <p:ext uri="{D42A27DB-BD31-4B8C-83A1-F6EECF244321}">
+                <p14:modId xmlns:p14="http://schemas.microsoft.com/office/powerpoint/2010/main" val="75897383"/>
+              </p:ext>
+            </p:extLst>
+          </p:nvPr>
+        </p:nvGraphicFramePr>
+        <p:xfrm>
+          <a:off x="6512280" y="2515175"/>
+          <a:ext cx="279400" cy="312738"/>
+        </p:xfrm>
+        <a:graphic>
+          <a:graphicData uri="http://schemas.openxmlformats.org/presentationml/2006/ole">
+            <mc:AlternateContent xmlns:mc="http://schemas.openxmlformats.org/markup-compatibility/2006">
+              <mc:Choice xmlns:v="urn:schemas-microsoft-com:vml" Requires="v">
+                <p:oleObj spid="_x0000_s10258" name="Equation" r:id="rId14" imgW="190500" imgH="215900" progId="Equation.3">
+                  <p:embed/>
+                </p:oleObj>
+              </mc:Choice>
+              <mc:Fallback>
+                <p:oleObj name="Equation" r:id="rId14" imgW="190500" imgH="215900" progId="Equation.3">
+                  <p:embed/>
+                  <p:pic>
+                    <p:nvPicPr>
+                      <p:cNvPr id="0" name=""/>
+                      <p:cNvPicPr/>
+                      <p:nvPr/>
+                    </p:nvPicPr>
+                    <p:blipFill>
+                      <a:blip r:embed="rId8"/>
+                      <a:stretch>
+                        <a:fillRect/>
+                      </a:stretch>
+                    </p:blipFill>
+                    <p:spPr>
+                      <a:xfrm>
+                        <a:off x="6512280" y="2515175"/>
+                        <a:ext cx="279400" cy="312738"/>
+                      </a:xfrm>
+                      <a:prstGeom prst="rect">
+                        <a:avLst/>
+                      </a:prstGeom>
+                    </p:spPr>
+                  </p:pic>
+                </p:oleObj>
+              </mc:Fallback>
+            </mc:AlternateContent>
+          </a:graphicData>
+        </a:graphic>
+      </p:graphicFrame>
+    </p:spTree>
+    <p:extLst>
+      <p:ext uri="{BB962C8B-B14F-4D97-AF65-F5344CB8AC3E}">
+        <p14:creationId xmlns:p14="http://schemas.microsoft.com/office/powerpoint/2010/main" val="1449270987"/>
+      </p:ext>
+    </p:extLst>
+  </p:cSld>
+  <p:clrMapOvr>
+    <a:masterClrMapping/>
+  </p:clrMapOvr>
+</p:sld>
+</file>
+
+<file path=ppt/slides/slide12.xml><?xml version="1.0" encoding="utf-8"?>
+<p:sld xmlns:a="http://schemas.openxmlformats.org/drawingml/2006/main" xmlns:r="http://schemas.openxmlformats.org/officeDocument/2006/relationships" xmlns:p="http://schemas.openxmlformats.org/presentationml/2006/main">
+  <p:cSld>
+    <p:spTree>
+      <p:nvGrpSpPr>
+        <p:cNvPr id="1" name=""/>
+        <p:cNvGrpSpPr/>
+        <p:nvPr/>
+      </p:nvGrpSpPr>
+      <p:grpSpPr>
+        <a:xfrm>
+          <a:off x="0" y="0"/>
+          <a:ext cx="0" cy="0"/>
+          <a:chOff x="0" y="0"/>
+          <a:chExt cx="0" cy="0"/>
+        </a:xfrm>
+      </p:grpSpPr>
+      <p:sp>
+        <p:nvSpPr>
+          <p:cNvPr id="4" name="Oval 3"/>
+          <p:cNvSpPr/>
+          <p:nvPr/>
+        </p:nvSpPr>
+        <p:spPr>
+          <a:xfrm>
+            <a:off x="4189407" y="2730886"/>
+            <a:ext cx="903111" cy="903111"/>
+          </a:xfrm>
+          <a:prstGeom prst="ellipse">
+            <a:avLst/>
+          </a:prstGeom>
+          <a:noFill/>
+        </p:spPr>
+        <p:style>
+          <a:lnRef idx="2">
+            <a:schemeClr val="dk1"/>
+          </a:lnRef>
+          <a:fillRef idx="1">
+            <a:schemeClr val="lt1"/>
+          </a:fillRef>
+          <a:effectRef idx="0">
+            <a:schemeClr val="dk1"/>
+          </a:effectRef>
+          <a:fontRef idx="minor">
+            <a:schemeClr val="dk1"/>
+          </a:fontRef>
+        </p:style>
+        <p:txBody>
+          <a:bodyPr rtlCol="0" anchor="ctr"/>
+          <a:lstStyle/>
+          <a:p>
+            <a:pPr algn="ctr"/>
+            <a:endParaRPr lang="en-US"/>
+          </a:p>
+        </p:txBody>
+      </p:sp>
+      <p:sp>
+        <p:nvSpPr>
+          <p:cNvPr id="5" name="Freeform 4"/>
+          <p:cNvSpPr/>
+          <p:nvPr/>
+        </p:nvSpPr>
+        <p:spPr>
+          <a:xfrm rot="11575150">
+            <a:off x="4148287" y="1865043"/>
+            <a:ext cx="1003447" cy="1026401"/>
+          </a:xfrm>
+          <a:custGeom>
+            <a:avLst/>
+            <a:gdLst>
+              <a:gd name="connsiteX0" fmla="*/ 548795 w 727650"/>
+              <a:gd name="connsiteY0" fmla="*/ 0 h 642876"/>
+              <a:gd name="connsiteX1" fmla="*/ 721249 w 727650"/>
+              <a:gd name="connsiteY1" fmla="*/ 203839 h 642876"/>
+              <a:gd name="connsiteX2" fmla="*/ 658538 w 727650"/>
+              <a:gd name="connsiteY2" fmla="*/ 501757 h 642876"/>
+              <a:gd name="connsiteX3" fmla="*/ 360663 w 727650"/>
+              <a:gd name="connsiteY3" fmla="*/ 642876 h 642876"/>
+              <a:gd name="connsiteX4" fmla="*/ 78465 w 727650"/>
+              <a:gd name="connsiteY4" fmla="*/ 501757 h 642876"/>
+              <a:gd name="connsiteX5" fmla="*/ 76 w 727650"/>
+              <a:gd name="connsiteY5" fmla="*/ 313598 h 642876"/>
+              <a:gd name="connsiteX6" fmla="*/ 62787 w 727650"/>
+              <a:gd name="connsiteY6" fmla="*/ 78400 h 642876"/>
+            </a:gdLst>
+            <a:ahLst/>
+            <a:cxnLst>
+              <a:cxn ang="0">
+                <a:pos x="connsiteX0" y="connsiteY0"/>
+              </a:cxn>
+              <a:cxn ang="0">
+                <a:pos x="connsiteX1" y="connsiteY1"/>
+              </a:cxn>
+              <a:cxn ang="0">
+                <a:pos x="connsiteX2" y="connsiteY2"/>
+              </a:cxn>
+              <a:cxn ang="0">
+                <a:pos x="connsiteX3" y="connsiteY3"/>
+              </a:cxn>
+              <a:cxn ang="0">
+                <a:pos x="connsiteX4" y="connsiteY4"/>
+              </a:cxn>
+              <a:cxn ang="0">
+                <a:pos x="connsiteX5" y="connsiteY5"/>
+              </a:cxn>
+              <a:cxn ang="0">
+                <a:pos x="connsiteX6" y="connsiteY6"/>
+              </a:cxn>
+            </a:cxnLst>
+            <a:rect l="l" t="t" r="r" b="b"/>
+            <a:pathLst>
+              <a:path w="727650" h="642876">
+                <a:moveTo>
+                  <a:pt x="548795" y="0"/>
+                </a:moveTo>
+                <a:cubicBezTo>
+                  <a:pt x="625877" y="60106"/>
+                  <a:pt x="702959" y="120213"/>
+                  <a:pt x="721249" y="203839"/>
+                </a:cubicBezTo>
+                <a:cubicBezTo>
+                  <a:pt x="739539" y="287465"/>
+                  <a:pt x="718636" y="428584"/>
+                  <a:pt x="658538" y="501757"/>
+                </a:cubicBezTo>
+                <a:cubicBezTo>
+                  <a:pt x="598440" y="574930"/>
+                  <a:pt x="457342" y="642876"/>
+                  <a:pt x="360663" y="642876"/>
+                </a:cubicBezTo>
+                <a:cubicBezTo>
+                  <a:pt x="263984" y="642876"/>
+                  <a:pt x="138563" y="556637"/>
+                  <a:pt x="78465" y="501757"/>
+                </a:cubicBezTo>
+                <a:cubicBezTo>
+                  <a:pt x="18367" y="446877"/>
+                  <a:pt x="2689" y="384157"/>
+                  <a:pt x="76" y="313598"/>
+                </a:cubicBezTo>
+                <a:cubicBezTo>
+                  <a:pt x="-2537" y="243039"/>
+                  <a:pt x="62787" y="78400"/>
+                  <a:pt x="62787" y="78400"/>
+                </a:cubicBezTo>
+              </a:path>
+            </a:pathLst>
+          </a:custGeom>
+          <a:ln>
+            <a:tailEnd type="arrow"/>
+          </a:ln>
+        </p:spPr>
+        <p:style>
+          <a:lnRef idx="1">
+            <a:schemeClr val="dk1"/>
+          </a:lnRef>
+          <a:fillRef idx="0">
+            <a:schemeClr val="dk1"/>
+          </a:fillRef>
+          <a:effectRef idx="0">
+            <a:schemeClr val="dk1"/>
+          </a:effectRef>
+          <a:fontRef idx="minor">
+            <a:schemeClr val="tx1"/>
+          </a:fontRef>
+        </p:style>
+        <p:txBody>
+          <a:bodyPr rtlCol="0" anchor="ctr"/>
+          <a:lstStyle/>
+          <a:p>
+            <a:pPr algn="ctr"/>
+            <a:endParaRPr lang="en-US"/>
+          </a:p>
+        </p:txBody>
+      </p:sp>
+      <p:sp>
+        <p:nvSpPr>
+          <p:cNvPr id="6" name="Oval 5"/>
+          <p:cNvSpPr/>
+          <p:nvPr/>
+        </p:nvSpPr>
+        <p:spPr>
+          <a:xfrm>
+            <a:off x="4189407" y="134676"/>
+            <a:ext cx="903111" cy="903111"/>
+          </a:xfrm>
+          <a:prstGeom prst="ellipse">
+            <a:avLst/>
+          </a:prstGeom>
+          <a:noFill/>
+        </p:spPr>
+        <p:style>
+          <a:lnRef idx="2">
+            <a:schemeClr val="dk1"/>
+          </a:lnRef>
+          <a:fillRef idx="1">
+            <a:schemeClr val="lt1"/>
+          </a:fillRef>
+          <a:effectRef idx="0">
+            <a:schemeClr val="dk1"/>
+          </a:effectRef>
+          <a:fontRef idx="minor">
+            <a:schemeClr val="dk1"/>
+          </a:fontRef>
+        </p:style>
+        <p:txBody>
+          <a:bodyPr rtlCol="0" anchor="ctr"/>
+          <a:lstStyle/>
+          <a:p>
+            <a:pPr algn="ctr"/>
+            <a:endParaRPr lang="en-US"/>
+          </a:p>
+        </p:txBody>
+      </p:sp>
+      <p:cxnSp>
+        <p:nvCxnSpPr>
+          <p:cNvPr id="7" name="Straight Arrow Connector 6"/>
+          <p:cNvCxnSpPr>
+            <a:endCxn id="6" idx="2"/>
+          </p:cNvCxnSpPr>
+          <p:nvPr/>
+        </p:nvCxnSpPr>
+        <p:spPr>
+          <a:xfrm>
+            <a:off x="3245712" y="582158"/>
+            <a:ext cx="943695" cy="4074"/>
+          </a:xfrm>
+          <a:prstGeom prst="straightConnector1">
+            <a:avLst/>
+          </a:prstGeom>
+          <a:ln>
+            <a:tailEnd type="arrow"/>
+          </a:ln>
+        </p:spPr>
+        <p:style>
+          <a:lnRef idx="1">
+            <a:schemeClr val="dk1"/>
+          </a:lnRef>
+          <a:fillRef idx="0">
+            <a:schemeClr val="dk1"/>
+          </a:fillRef>
+          <a:effectRef idx="0">
+            <a:schemeClr val="dk1"/>
+          </a:effectRef>
+          <a:fontRef idx="minor">
+            <a:schemeClr val="tx1"/>
+          </a:fontRef>
+        </p:style>
+      </p:cxnSp>
+      <p:cxnSp>
+        <p:nvCxnSpPr>
+          <p:cNvPr id="10" name="Straight Arrow Connector 9"/>
+          <p:cNvCxnSpPr/>
+          <p:nvPr/>
+        </p:nvCxnSpPr>
+        <p:spPr>
+          <a:xfrm flipV="1">
+            <a:off x="4640963" y="1055428"/>
+            <a:ext cx="0" cy="728073"/>
+          </a:xfrm>
+          <a:prstGeom prst="straightConnector1">
+            <a:avLst/>
+          </a:prstGeom>
+          <a:ln>
+            <a:headEnd type="diamond" w="lg" len="lg"/>
+            <a:tailEnd type="none"/>
+          </a:ln>
+        </p:spPr>
+        <p:style>
+          <a:lnRef idx="1">
+            <a:schemeClr val="dk1"/>
+          </a:lnRef>
+          <a:fillRef idx="0">
+            <a:schemeClr val="dk1"/>
+          </a:fillRef>
+          <a:effectRef idx="0">
+            <a:schemeClr val="dk1"/>
+          </a:effectRef>
+          <a:fontRef idx="minor">
+            <a:schemeClr val="tx1"/>
+          </a:fontRef>
+        </p:style>
+      </p:cxnSp>
+      <p:cxnSp>
+        <p:nvCxnSpPr>
+          <p:cNvPr id="17" name="Straight Arrow Connector 16"/>
+          <p:cNvCxnSpPr>
+            <a:endCxn id="4" idx="3"/>
+          </p:cNvCxnSpPr>
+          <p:nvPr/>
+        </p:nvCxnSpPr>
+        <p:spPr>
+          <a:xfrm flipV="1">
+            <a:off x="3536737" y="3501739"/>
+            <a:ext cx="784928" cy="875564"/>
+          </a:xfrm>
+          <a:prstGeom prst="straightConnector1">
+            <a:avLst/>
+          </a:prstGeom>
+          <a:ln>
+            <a:tailEnd type="arrow"/>
+          </a:ln>
+        </p:spPr>
+        <p:style>
+          <a:lnRef idx="1">
+            <a:schemeClr val="dk1"/>
+          </a:lnRef>
+          <a:fillRef idx="0">
+            <a:schemeClr val="dk1"/>
+          </a:fillRef>
+          <a:effectRef idx="0">
+            <a:schemeClr val="dk1"/>
+          </a:effectRef>
+          <a:fontRef idx="minor">
+            <a:schemeClr val="tx1"/>
+          </a:fontRef>
+        </p:style>
+      </p:cxnSp>
+      <p:cxnSp>
+        <p:nvCxnSpPr>
+          <p:cNvPr id="21" name="Straight Arrow Connector 20"/>
+          <p:cNvCxnSpPr>
+            <a:stCxn id="4" idx="5"/>
+          </p:cNvCxnSpPr>
+          <p:nvPr/>
+        </p:nvCxnSpPr>
+        <p:spPr>
+          <a:xfrm>
+            <a:off x="4960260" y="3501739"/>
+            <a:ext cx="613898" cy="875564"/>
+          </a:xfrm>
+          <a:prstGeom prst="straightConnector1">
+            <a:avLst/>
+          </a:prstGeom>
+          <a:ln>
+            <a:tailEnd type="arrow"/>
+          </a:ln>
+        </p:spPr>
+        <p:style>
+          <a:lnRef idx="1">
+            <a:schemeClr val="dk1"/>
+          </a:lnRef>
+          <a:fillRef idx="0">
+            <a:schemeClr val="dk1"/>
+          </a:fillRef>
+          <a:effectRef idx="0">
+            <a:schemeClr val="dk1"/>
+          </a:effectRef>
+          <a:fontRef idx="minor">
+            <a:schemeClr val="tx1"/>
+          </a:fontRef>
+        </p:style>
+      </p:cxnSp>
+      <p:cxnSp>
+        <p:nvCxnSpPr>
+          <p:cNvPr id="28" name="Straight Arrow Connector 27"/>
+          <p:cNvCxnSpPr/>
+          <p:nvPr/>
+        </p:nvCxnSpPr>
+        <p:spPr>
+          <a:xfrm flipV="1">
+            <a:off x="5253774" y="3501739"/>
+            <a:ext cx="655539" cy="364037"/>
+          </a:xfrm>
+          <a:prstGeom prst="straightConnector1">
+            <a:avLst/>
+          </a:prstGeom>
+          <a:ln>
+            <a:headEnd type="diamond" w="lg" len="lg"/>
+            <a:tailEnd type="none"/>
+          </a:ln>
+        </p:spPr>
+        <p:style>
+          <a:lnRef idx="1">
+            <a:schemeClr val="dk1"/>
+          </a:lnRef>
+          <a:fillRef idx="0">
+            <a:schemeClr val="dk1"/>
+          </a:fillRef>
+          <a:effectRef idx="0">
+            <a:schemeClr val="dk1"/>
+          </a:effectRef>
+          <a:fontRef idx="minor">
+            <a:schemeClr val="tx1"/>
+          </a:fontRef>
+        </p:style>
+      </p:cxnSp>
+      <p:cxnSp>
+        <p:nvCxnSpPr>
+          <p:cNvPr id="30" name="Straight Arrow Connector 29"/>
+          <p:cNvCxnSpPr/>
+          <p:nvPr/>
+        </p:nvCxnSpPr>
+        <p:spPr>
+          <a:xfrm flipH="1" flipV="1">
+            <a:off x="3386830" y="3501739"/>
+            <a:ext cx="495316" cy="416962"/>
+          </a:xfrm>
+          <a:prstGeom prst="straightConnector1">
+            <a:avLst/>
+          </a:prstGeom>
+          <a:ln>
+            <a:headEnd type="diamond" w="lg" len="lg"/>
+            <a:tailEnd type="none"/>
+          </a:ln>
+        </p:spPr>
+        <p:style>
+          <a:lnRef idx="1">
+            <a:schemeClr val="dk1"/>
+          </a:lnRef>
+          <a:fillRef idx="0">
+            <a:schemeClr val="dk1"/>
+          </a:fillRef>
+          <a:effectRef idx="0">
+            <a:schemeClr val="dk1"/>
+          </a:effectRef>
+          <a:fontRef idx="minor">
+            <a:schemeClr val="tx1"/>
+          </a:fontRef>
+        </p:style>
+      </p:cxnSp>
+      <p:sp>
+        <p:nvSpPr>
+          <p:cNvPr id="35" name="Oval 34"/>
+          <p:cNvSpPr/>
+          <p:nvPr/>
+        </p:nvSpPr>
+        <p:spPr>
+          <a:xfrm>
+            <a:off x="2601839" y="2739116"/>
+            <a:ext cx="903111" cy="903111"/>
+          </a:xfrm>
+          <a:prstGeom prst="ellipse">
+            <a:avLst/>
+          </a:prstGeom>
+          <a:noFill/>
+        </p:spPr>
+        <p:style>
+          <a:lnRef idx="2">
+            <a:schemeClr val="dk1"/>
+          </a:lnRef>
+          <a:fillRef idx="1">
+            <a:schemeClr val="lt1"/>
+          </a:fillRef>
+          <a:effectRef idx="0">
+            <a:schemeClr val="dk1"/>
+          </a:effectRef>
+          <a:fontRef idx="minor">
+            <a:schemeClr val="dk1"/>
+          </a:fontRef>
+        </p:style>
+        <p:txBody>
+          <a:bodyPr rtlCol="0" anchor="ctr"/>
+          <a:lstStyle/>
+          <a:p>
+            <a:pPr algn="ctr"/>
+            <a:endParaRPr lang="en-US"/>
+          </a:p>
+        </p:txBody>
+      </p:sp>
+      <p:cxnSp>
+        <p:nvCxnSpPr>
+          <p:cNvPr id="36" name="Straight Arrow Connector 35"/>
+          <p:cNvCxnSpPr>
+            <a:endCxn id="35" idx="2"/>
+          </p:cNvCxnSpPr>
+          <p:nvPr/>
+        </p:nvCxnSpPr>
+        <p:spPr>
+          <a:xfrm>
+            <a:off x="1658144" y="3186598"/>
+            <a:ext cx="943695" cy="4074"/>
+          </a:xfrm>
+          <a:prstGeom prst="straightConnector1">
+            <a:avLst/>
+          </a:prstGeom>
+          <a:ln>
+            <a:tailEnd type="arrow"/>
+          </a:ln>
+        </p:spPr>
+        <p:style>
+          <a:lnRef idx="1">
+            <a:schemeClr val="dk1"/>
+          </a:lnRef>
+          <a:fillRef idx="0">
+            <a:schemeClr val="dk1"/>
+          </a:fillRef>
+          <a:effectRef idx="0">
+            <a:schemeClr val="dk1"/>
+          </a:effectRef>
+          <a:fontRef idx="minor">
+            <a:schemeClr val="tx1"/>
+          </a:fontRef>
+        </p:style>
+      </p:cxnSp>
+      <p:grpSp>
+        <p:nvGrpSpPr>
+          <p:cNvPr id="39" name="Group 38"/>
+          <p:cNvGrpSpPr/>
+          <p:nvPr/>
+        </p:nvGrpSpPr>
+        <p:grpSpPr>
+          <a:xfrm rot="10800000">
+            <a:off x="5818461" y="2739116"/>
+            <a:ext cx="1846806" cy="903111"/>
+            <a:chOff x="5926953" y="2618047"/>
+            <a:chExt cx="1846806" cy="903111"/>
+          </a:xfrm>
+        </p:grpSpPr>
+        <p:sp>
+          <p:nvSpPr>
+            <p:cNvPr id="37" name="Oval 36"/>
+            <p:cNvSpPr/>
+            <p:nvPr/>
+          </p:nvSpPr>
+          <p:spPr>
+            <a:xfrm>
+              <a:off x="6870648" y="2618047"/>
+              <a:ext cx="903111" cy="903111"/>
+            </a:xfrm>
+            <a:prstGeom prst="ellipse">
+              <a:avLst/>
+            </a:prstGeom>
+            <a:noFill/>
+          </p:spPr>
+          <p:style>
+            <a:lnRef idx="2">
+              <a:schemeClr val="dk1"/>
+            </a:lnRef>
+            <a:fillRef idx="1">
+              <a:schemeClr val="lt1"/>
+            </a:fillRef>
+            <a:effectRef idx="0">
+              <a:schemeClr val="dk1"/>
+            </a:effectRef>
+            <a:fontRef idx="minor">
+              <a:schemeClr val="dk1"/>
+            </a:fontRef>
+          </p:style>
+          <p:txBody>
+            <a:bodyPr rtlCol="0" anchor="ctr"/>
+            <a:lstStyle/>
+            <a:p>
+              <a:pPr algn="ctr"/>
+              <a:endParaRPr lang="en-US"/>
+            </a:p>
+          </p:txBody>
+        </p:sp>
+        <p:cxnSp>
+          <p:nvCxnSpPr>
+            <p:cNvPr id="38" name="Straight Arrow Connector 37"/>
+            <p:cNvCxnSpPr>
+              <a:endCxn id="37" idx="2"/>
+            </p:cNvCxnSpPr>
+            <p:nvPr/>
+          </p:nvCxnSpPr>
+          <p:spPr>
+            <a:xfrm>
+              <a:off x="5926953" y="3065529"/>
+              <a:ext cx="943695" cy="4074"/>
+            </a:xfrm>
+            <a:prstGeom prst="straightConnector1">
+              <a:avLst/>
+            </a:prstGeom>
+            <a:ln>
+              <a:tailEnd type="arrow"/>
+            </a:ln>
+          </p:spPr>
+          <p:style>
+            <a:lnRef idx="1">
+              <a:schemeClr val="dk1"/>
+            </a:lnRef>
+            <a:fillRef idx="0">
+              <a:schemeClr val="dk1"/>
+            </a:fillRef>
+            <a:effectRef idx="0">
+              <a:schemeClr val="dk1"/>
+            </a:effectRef>
+            <a:fontRef idx="minor">
+              <a:schemeClr val="tx1"/>
+            </a:fontRef>
+          </p:style>
+        </p:cxnSp>
+      </p:grpSp>
+      <p:sp>
+        <p:nvSpPr>
+          <p:cNvPr id="40" name="TextBox 39"/>
+          <p:cNvSpPr txBox="1"/>
+          <p:nvPr/>
+        </p:nvSpPr>
+        <p:spPr>
+          <a:xfrm>
+            <a:off x="2677213" y="2890690"/>
+            <a:ext cx="748923" cy="646331"/>
+          </a:xfrm>
+          <a:prstGeom prst="rect">
+            <a:avLst/>
+          </a:prstGeom>
+          <a:noFill/>
+        </p:spPr>
+        <p:txBody>
+          <a:bodyPr wrap="none" rtlCol="0">
+            <a:spAutoFit/>
+          </a:bodyPr>
+          <a:lstStyle/>
+          <a:p>
+            <a:pPr algn="ctr"/>
+            <a:r>
+              <a:rPr lang="en-US" dirty="0" smtClean="0">
+                <a:latin typeface="Cambria"/>
+                <a:cs typeface="Cambria"/>
+              </a:rPr>
+              <a:t>Write</a:t>
+            </a:r>
+          </a:p>
+          <a:p>
+            <a:pPr algn="ctr"/>
+            <a:r>
+              <a:rPr lang="en-US" dirty="0" smtClean="0">
+                <a:latin typeface="Cambria"/>
+                <a:cs typeface="Cambria"/>
+              </a:rPr>
+              <a:t>Gate</a:t>
+            </a:r>
+            <a:endParaRPr lang="en-US" dirty="0">
+              <a:latin typeface="Cambria"/>
+              <a:cs typeface="Cambria"/>
+            </a:endParaRPr>
+          </a:p>
+        </p:txBody>
+      </p:sp>
+      <p:sp>
+        <p:nvSpPr>
+          <p:cNvPr id="41" name="TextBox 40"/>
+          <p:cNvSpPr txBox="1"/>
+          <p:nvPr/>
+        </p:nvSpPr>
+        <p:spPr>
+          <a:xfrm>
+            <a:off x="5944592" y="2855408"/>
+            <a:ext cx="684803" cy="646331"/>
+          </a:xfrm>
+          <a:prstGeom prst="rect">
+            <a:avLst/>
+          </a:prstGeom>
+          <a:noFill/>
+        </p:spPr>
+        <p:txBody>
+          <a:bodyPr wrap="none" rtlCol="0">
+            <a:spAutoFit/>
+          </a:bodyPr>
+          <a:lstStyle/>
+          <a:p>
+            <a:pPr algn="ctr"/>
+            <a:r>
+              <a:rPr lang="en-US" dirty="0" smtClean="0">
+                <a:latin typeface="Cambria"/>
+                <a:cs typeface="Cambria"/>
+              </a:rPr>
+              <a:t>Read</a:t>
+            </a:r>
+          </a:p>
+          <a:p>
+            <a:pPr algn="ctr"/>
+            <a:r>
+              <a:rPr lang="en-US" dirty="0" smtClean="0">
+                <a:latin typeface="Cambria"/>
+                <a:cs typeface="Cambria"/>
+              </a:rPr>
+              <a:t>Gate</a:t>
+            </a:r>
+            <a:endParaRPr lang="en-US" dirty="0">
+              <a:latin typeface="Cambria"/>
+              <a:cs typeface="Cambria"/>
+            </a:endParaRPr>
+          </a:p>
+        </p:txBody>
+      </p:sp>
+      <p:sp>
+        <p:nvSpPr>
+          <p:cNvPr id="42" name="TextBox 41"/>
+          <p:cNvSpPr txBox="1"/>
+          <p:nvPr/>
+        </p:nvSpPr>
+        <p:spPr>
+          <a:xfrm>
+            <a:off x="4298561" y="258992"/>
+            <a:ext cx="684803" cy="646331"/>
+          </a:xfrm>
+          <a:prstGeom prst="rect">
+            <a:avLst/>
+          </a:prstGeom>
+          <a:noFill/>
+        </p:spPr>
+        <p:txBody>
+          <a:bodyPr wrap="none" rtlCol="0">
+            <a:spAutoFit/>
+          </a:bodyPr>
+          <a:lstStyle/>
+          <a:p>
+            <a:pPr algn="ctr"/>
+            <a:r>
+              <a:rPr lang="en-US" dirty="0" smtClean="0">
+                <a:latin typeface="Cambria"/>
+                <a:cs typeface="Cambria"/>
+              </a:rPr>
+              <a:t>Keep</a:t>
+            </a:r>
+          </a:p>
+          <a:p>
+            <a:pPr algn="ctr"/>
+            <a:r>
+              <a:rPr lang="en-US" dirty="0" smtClean="0">
+                <a:latin typeface="Cambria"/>
+                <a:cs typeface="Cambria"/>
+              </a:rPr>
+              <a:t>Gate</a:t>
+            </a:r>
+            <a:endParaRPr lang="en-US" dirty="0">
+              <a:latin typeface="Cambria"/>
+              <a:cs typeface="Cambria"/>
+            </a:endParaRPr>
+          </a:p>
+        </p:txBody>
+      </p:sp>
+      <p:sp>
+        <p:nvSpPr>
+          <p:cNvPr id="43" name="TextBox 42"/>
+          <p:cNvSpPr txBox="1"/>
+          <p:nvPr/>
+        </p:nvSpPr>
+        <p:spPr>
+          <a:xfrm>
+            <a:off x="4198631" y="2920428"/>
+            <a:ext cx="919943" cy="584776"/>
+          </a:xfrm>
+          <a:prstGeom prst="rect">
+            <a:avLst/>
+          </a:prstGeom>
+          <a:noFill/>
+        </p:spPr>
+        <p:txBody>
+          <a:bodyPr wrap="none" rtlCol="0">
+            <a:spAutoFit/>
+          </a:bodyPr>
+          <a:lstStyle/>
+          <a:p>
+            <a:pPr algn="ctr"/>
+            <a:r>
+              <a:rPr lang="en-US" sz="1600" dirty="0" smtClean="0">
+                <a:latin typeface="Cambria"/>
+                <a:cs typeface="Cambria"/>
+              </a:rPr>
+              <a:t>Memory</a:t>
+            </a:r>
+          </a:p>
+          <a:p>
+            <a:pPr algn="ctr"/>
+            <a:r>
+              <a:rPr lang="en-US" sz="1600" dirty="0" smtClean="0">
+                <a:latin typeface="Cambria"/>
+                <a:cs typeface="Cambria"/>
+              </a:rPr>
+              <a:t>Cell</a:t>
+            </a:r>
+            <a:endParaRPr lang="en-US" sz="1600" dirty="0">
+              <a:latin typeface="Cambria"/>
+              <a:cs typeface="Cambria"/>
+            </a:endParaRPr>
+          </a:p>
+        </p:txBody>
+      </p:sp>
+    </p:spTree>
+    <p:extLst>
+      <p:ext uri="{BB962C8B-B14F-4D97-AF65-F5344CB8AC3E}">
+        <p14:creationId xmlns:p14="http://schemas.microsoft.com/office/powerpoint/2010/main" val="775463299"/>
+      </p:ext>
+    </p:extLst>
+  </p:cSld>
+  <p:clrMapOvr>
+    <a:masterClrMapping/>
+  </p:clrMapOvr>
+</p:sld>
+</file>
+
+<file path=ppt/slides/slide13.xml><?xml version="1.0" encoding="utf-8"?>
+<p:sld xmlns:a="http://schemas.openxmlformats.org/drawingml/2006/main" xmlns:r="http://schemas.openxmlformats.org/officeDocument/2006/relationships" xmlns:p="http://schemas.openxmlformats.org/presentationml/2006/main">
+  <p:cSld>
+    <p:spTree>
+      <p:nvGrpSpPr>
+        <p:cNvPr id="1" name=""/>
+        <p:cNvGrpSpPr/>
+        <p:nvPr/>
+      </p:nvGrpSpPr>
+      <p:grpSpPr>
+        <a:xfrm>
+          <a:off x="0" y="0"/>
+          <a:ext cx="0" cy="0"/>
+          <a:chOff x="0" y="0"/>
+          <a:chExt cx="0" cy="0"/>
+        </a:xfrm>
+      </p:grpSpPr>
+      <p:sp>
+        <p:nvSpPr>
+          <p:cNvPr id="4" name="Oval 3"/>
+          <p:cNvSpPr/>
+          <p:nvPr/>
+        </p:nvSpPr>
+        <p:spPr>
+          <a:xfrm>
+            <a:off x="1084812" y="3053648"/>
+            <a:ext cx="903111" cy="903111"/>
+          </a:xfrm>
+          <a:prstGeom prst="ellipse">
+            <a:avLst/>
+          </a:prstGeom>
+          <a:noFill/>
+        </p:spPr>
+        <p:style>
+          <a:lnRef idx="2">
+            <a:schemeClr val="dk1"/>
+          </a:lnRef>
+          <a:fillRef idx="1">
+            <a:schemeClr val="lt1"/>
+          </a:fillRef>
+          <a:effectRef idx="0">
+            <a:schemeClr val="dk1"/>
+          </a:effectRef>
+          <a:fontRef idx="minor">
+            <a:schemeClr val="dk1"/>
+          </a:fontRef>
+        </p:style>
+        <p:txBody>
+          <a:bodyPr rtlCol="0" anchor="ctr"/>
+          <a:lstStyle/>
+          <a:p>
+            <a:pPr algn="ctr"/>
+            <a:endParaRPr lang="en-US"/>
+          </a:p>
+        </p:txBody>
+      </p:sp>
+      <p:sp>
+        <p:nvSpPr>
+          <p:cNvPr id="5" name="TextBox 4"/>
+          <p:cNvSpPr txBox="1"/>
+          <p:nvPr/>
+        </p:nvSpPr>
+        <p:spPr>
+          <a:xfrm>
+            <a:off x="1094036" y="3243190"/>
+            <a:ext cx="919943" cy="584776"/>
+          </a:xfrm>
+          <a:prstGeom prst="rect">
+            <a:avLst/>
+          </a:prstGeom>
+          <a:noFill/>
+        </p:spPr>
+        <p:txBody>
+          <a:bodyPr wrap="none" rtlCol="0">
+            <a:spAutoFit/>
+          </a:bodyPr>
+          <a:lstStyle/>
+          <a:p>
+            <a:pPr algn="ctr"/>
+            <a:r>
+              <a:rPr lang="en-US" sz="1600" dirty="0" smtClean="0">
+                <a:latin typeface="Cambria"/>
+                <a:cs typeface="Cambria"/>
+              </a:rPr>
+              <a:t>Memory</a:t>
+            </a:r>
+          </a:p>
+          <a:p>
+            <a:pPr algn="ctr"/>
+            <a:r>
+              <a:rPr lang="en-US" sz="1600" dirty="0" smtClean="0">
+                <a:latin typeface="Cambria"/>
+                <a:cs typeface="Cambria"/>
+              </a:rPr>
+              <a:t>4.2</a:t>
+            </a:r>
+            <a:endParaRPr lang="en-US" sz="1600" dirty="0">
+              <a:latin typeface="Cambria"/>
+              <a:cs typeface="Cambria"/>
+            </a:endParaRPr>
+          </a:p>
+        </p:txBody>
+      </p:sp>
+      <p:sp>
+        <p:nvSpPr>
+          <p:cNvPr id="6" name="Oval 5"/>
+          <p:cNvSpPr/>
+          <p:nvPr/>
+        </p:nvSpPr>
+        <p:spPr>
+          <a:xfrm>
+            <a:off x="2708051" y="2004639"/>
+            <a:ext cx="903111" cy="903111"/>
+          </a:xfrm>
+          <a:prstGeom prst="ellipse">
+            <a:avLst/>
+          </a:prstGeom>
+          <a:noFill/>
+        </p:spPr>
+        <p:style>
+          <a:lnRef idx="2">
+            <a:schemeClr val="dk1"/>
+          </a:lnRef>
+          <a:fillRef idx="1">
+            <a:schemeClr val="lt1"/>
+          </a:fillRef>
+          <a:effectRef idx="0">
+            <a:schemeClr val="dk1"/>
+          </a:effectRef>
+          <a:fontRef idx="minor">
+            <a:schemeClr val="dk1"/>
+          </a:fontRef>
+        </p:style>
+        <p:txBody>
+          <a:bodyPr rtlCol="0" anchor="ctr"/>
+          <a:lstStyle/>
+          <a:p>
+            <a:pPr algn="ctr"/>
+            <a:endParaRPr lang="en-US"/>
+          </a:p>
+        </p:txBody>
+      </p:sp>
+      <p:cxnSp>
+        <p:nvCxnSpPr>
+          <p:cNvPr id="7" name="Straight Arrow Connector 6"/>
+          <p:cNvCxnSpPr>
+            <a:endCxn id="6" idx="2"/>
+          </p:cNvCxnSpPr>
+          <p:nvPr/>
+        </p:nvCxnSpPr>
+        <p:spPr>
+          <a:xfrm>
+            <a:off x="1764356" y="2452121"/>
+            <a:ext cx="943695" cy="4074"/>
+          </a:xfrm>
+          <a:prstGeom prst="straightConnector1">
+            <a:avLst/>
+          </a:prstGeom>
+          <a:ln>
+            <a:tailEnd type="arrow"/>
+          </a:ln>
+        </p:spPr>
+        <p:style>
+          <a:lnRef idx="1">
+            <a:schemeClr val="dk1"/>
+          </a:lnRef>
+          <a:fillRef idx="0">
+            <a:schemeClr val="dk1"/>
+          </a:fillRef>
+          <a:effectRef idx="0">
+            <a:schemeClr val="dk1"/>
+          </a:effectRef>
+          <a:fontRef idx="minor">
+            <a:schemeClr val="tx1"/>
+          </a:fontRef>
+        </p:style>
+      </p:cxnSp>
+      <p:sp>
+        <p:nvSpPr>
+          <p:cNvPr id="8" name="TextBox 7"/>
+          <p:cNvSpPr txBox="1"/>
+          <p:nvPr/>
+        </p:nvSpPr>
+        <p:spPr>
+          <a:xfrm>
+            <a:off x="2817205" y="2128955"/>
+            <a:ext cx="684803" cy="646331"/>
+          </a:xfrm>
+          <a:prstGeom prst="rect">
+            <a:avLst/>
+          </a:prstGeom>
+          <a:noFill/>
+        </p:spPr>
+        <p:txBody>
+          <a:bodyPr wrap="none" rtlCol="0">
+            <a:spAutoFit/>
+          </a:bodyPr>
+          <a:lstStyle/>
+          <a:p>
+            <a:pPr algn="ctr"/>
+            <a:r>
+              <a:rPr lang="en-US" dirty="0" smtClean="0">
+                <a:latin typeface="Cambria"/>
+                <a:cs typeface="Cambria"/>
+              </a:rPr>
+              <a:t>Keep</a:t>
+            </a:r>
+          </a:p>
+          <a:p>
+            <a:pPr algn="ctr"/>
+            <a:r>
+              <a:rPr lang="en-US" dirty="0" smtClean="0">
+                <a:latin typeface="Cambria"/>
+                <a:cs typeface="Cambria"/>
+              </a:rPr>
+              <a:t>1</a:t>
+            </a:r>
+            <a:endParaRPr lang="en-US" dirty="0">
+              <a:latin typeface="Cambria"/>
+              <a:cs typeface="Cambria"/>
+            </a:endParaRPr>
+          </a:p>
+        </p:txBody>
+      </p:sp>
+      <p:cxnSp>
+        <p:nvCxnSpPr>
+          <p:cNvPr id="9" name="Straight Arrow Connector 8"/>
+          <p:cNvCxnSpPr/>
+          <p:nvPr/>
+        </p:nvCxnSpPr>
+        <p:spPr>
+          <a:xfrm>
+            <a:off x="1987923" y="3486579"/>
+            <a:ext cx="2563130" cy="4901"/>
+          </a:xfrm>
+          <a:prstGeom prst="straightConnector1">
+            <a:avLst/>
+          </a:prstGeom>
+          <a:ln>
+            <a:tailEnd type="arrow"/>
+          </a:ln>
+        </p:spPr>
+        <p:style>
+          <a:lnRef idx="1">
+            <a:schemeClr val="dk1"/>
+          </a:lnRef>
+          <a:fillRef idx="0">
+            <a:schemeClr val="dk1"/>
+          </a:fillRef>
+          <a:effectRef idx="0">
+            <a:schemeClr val="dk1"/>
+          </a:effectRef>
+          <a:fontRef idx="minor">
+            <a:schemeClr val="tx1"/>
+          </a:fontRef>
+        </p:style>
+      </p:cxnSp>
+      <p:cxnSp>
+        <p:nvCxnSpPr>
+          <p:cNvPr id="14" name="Straight Arrow Connector 13"/>
+          <p:cNvCxnSpPr/>
+          <p:nvPr/>
+        </p:nvCxnSpPr>
+        <p:spPr>
+          <a:xfrm flipV="1">
+            <a:off x="3159235" y="2907751"/>
+            <a:ext cx="0" cy="560203"/>
+          </a:xfrm>
+          <a:prstGeom prst="straightConnector1">
+            <a:avLst/>
+          </a:prstGeom>
+          <a:ln>
+            <a:headEnd type="diamond" w="lg" len="lg"/>
+            <a:tailEnd type="none"/>
+          </a:ln>
+        </p:spPr>
+        <p:style>
+          <a:lnRef idx="1">
+            <a:schemeClr val="dk1"/>
+          </a:lnRef>
+          <a:fillRef idx="0">
+            <a:schemeClr val="dk1"/>
+          </a:fillRef>
+          <a:effectRef idx="0">
+            <a:schemeClr val="dk1"/>
+          </a:effectRef>
+          <a:fontRef idx="minor">
+            <a:schemeClr val="tx1"/>
+          </a:fontRef>
+        </p:style>
+      </p:cxnSp>
+      <p:cxnSp>
+        <p:nvCxnSpPr>
+          <p:cNvPr id="16" name="Straight Arrow Connector 15"/>
+          <p:cNvCxnSpPr/>
+          <p:nvPr/>
+        </p:nvCxnSpPr>
+        <p:spPr>
+          <a:xfrm rot="19100404" flipV="1">
+            <a:off x="986653" y="4117490"/>
+            <a:ext cx="784928" cy="875564"/>
+          </a:xfrm>
+          <a:prstGeom prst="straightConnector1">
+            <a:avLst/>
+          </a:prstGeom>
+          <a:ln>
+            <a:tailEnd type="arrow"/>
+          </a:ln>
+        </p:spPr>
+        <p:style>
+          <a:lnRef idx="1">
+            <a:schemeClr val="dk1"/>
+          </a:lnRef>
+          <a:fillRef idx="0">
+            <a:schemeClr val="dk1"/>
+          </a:fillRef>
+          <a:effectRef idx="0">
+            <a:schemeClr val="dk1"/>
+          </a:effectRef>
+          <a:fontRef idx="minor">
+            <a:schemeClr val="tx1"/>
+          </a:fontRef>
+        </p:style>
+      </p:cxnSp>
+      <p:cxnSp>
+        <p:nvCxnSpPr>
+          <p:cNvPr id="17" name="Straight Arrow Connector 16"/>
+          <p:cNvCxnSpPr/>
+          <p:nvPr/>
+        </p:nvCxnSpPr>
+        <p:spPr>
+          <a:xfrm flipH="1" flipV="1">
+            <a:off x="1084812" y="4569060"/>
+            <a:ext cx="245310" cy="1935"/>
+          </a:xfrm>
+          <a:prstGeom prst="straightConnector1">
+            <a:avLst/>
+          </a:prstGeom>
+          <a:ln>
+            <a:headEnd type="diamond" w="lg" len="lg"/>
+            <a:tailEnd type="none"/>
+          </a:ln>
+        </p:spPr>
+        <p:style>
+          <a:lnRef idx="1">
+            <a:schemeClr val="dk1"/>
+          </a:lnRef>
+          <a:fillRef idx="0">
+            <a:schemeClr val="dk1"/>
+          </a:fillRef>
+          <a:effectRef idx="0">
+            <a:schemeClr val="dk1"/>
+          </a:effectRef>
+          <a:fontRef idx="minor">
+            <a:schemeClr val="tx1"/>
+          </a:fontRef>
+        </p:style>
+      </p:cxnSp>
+      <p:sp>
+        <p:nvSpPr>
+          <p:cNvPr id="18" name="Oval 17"/>
+          <p:cNvSpPr/>
+          <p:nvPr/>
+        </p:nvSpPr>
+        <p:spPr>
+          <a:xfrm rot="19100404">
+            <a:off x="181197" y="4126404"/>
+            <a:ext cx="903111" cy="903111"/>
+          </a:xfrm>
+          <a:prstGeom prst="ellipse">
+            <a:avLst/>
+          </a:prstGeom>
+          <a:noFill/>
+        </p:spPr>
+        <p:style>
+          <a:lnRef idx="2">
+            <a:schemeClr val="dk1"/>
+          </a:lnRef>
+          <a:fillRef idx="1">
+            <a:schemeClr val="lt1"/>
+          </a:fillRef>
+          <a:effectRef idx="0">
+            <a:schemeClr val="dk1"/>
+          </a:effectRef>
+          <a:fontRef idx="minor">
+            <a:schemeClr val="dk1"/>
+          </a:fontRef>
+        </p:style>
+        <p:txBody>
+          <a:bodyPr rtlCol="0" anchor="ctr"/>
+          <a:lstStyle/>
+          <a:p>
+            <a:pPr algn="ctr"/>
+            <a:endParaRPr lang="en-US"/>
+          </a:p>
+        </p:txBody>
+      </p:sp>
+      <p:cxnSp>
+        <p:nvCxnSpPr>
+          <p:cNvPr id="19" name="Straight Arrow Connector 18"/>
+          <p:cNvCxnSpPr>
+            <a:endCxn id="18" idx="3"/>
+          </p:cNvCxnSpPr>
+          <p:nvPr/>
+        </p:nvCxnSpPr>
+        <p:spPr>
+          <a:xfrm flipV="1">
+            <a:off x="606444" y="5028747"/>
+            <a:ext cx="0" cy="741750"/>
+          </a:xfrm>
+          <a:prstGeom prst="straightConnector1">
+            <a:avLst/>
+          </a:prstGeom>
+          <a:ln>
+            <a:tailEnd type="arrow"/>
+          </a:ln>
+        </p:spPr>
+        <p:style>
+          <a:lnRef idx="1">
+            <a:schemeClr val="dk1"/>
+          </a:lnRef>
+          <a:fillRef idx="0">
+            <a:schemeClr val="dk1"/>
+          </a:fillRef>
+          <a:effectRef idx="0">
+            <a:schemeClr val="dk1"/>
+          </a:effectRef>
+          <a:fontRef idx="minor">
+            <a:schemeClr val="tx1"/>
+          </a:fontRef>
+        </p:style>
+      </p:cxnSp>
+      <p:sp>
+        <p:nvSpPr>
+          <p:cNvPr id="20" name="TextBox 19"/>
+          <p:cNvSpPr txBox="1"/>
+          <p:nvPr/>
+        </p:nvSpPr>
+        <p:spPr>
+          <a:xfrm>
+            <a:off x="272417" y="4273258"/>
+            <a:ext cx="748923" cy="646331"/>
+          </a:xfrm>
+          <a:prstGeom prst="rect">
+            <a:avLst/>
+          </a:prstGeom>
+          <a:noFill/>
+        </p:spPr>
+        <p:txBody>
+          <a:bodyPr wrap="none" rtlCol="0">
+            <a:spAutoFit/>
+          </a:bodyPr>
+          <a:lstStyle/>
+          <a:p>
+            <a:pPr algn="ctr"/>
+            <a:r>
+              <a:rPr lang="en-US" dirty="0" smtClean="0">
+                <a:latin typeface="Cambria"/>
+                <a:cs typeface="Cambria"/>
+              </a:rPr>
+              <a:t>Write</a:t>
+            </a:r>
+          </a:p>
+          <a:p>
+            <a:pPr algn="ctr"/>
+            <a:r>
+              <a:rPr lang="en-US" dirty="0" smtClean="0">
+                <a:latin typeface="Cambria"/>
+                <a:cs typeface="Cambria"/>
+              </a:rPr>
+              <a:t>1</a:t>
+            </a:r>
+            <a:endParaRPr lang="en-US" dirty="0">
+              <a:latin typeface="Cambria"/>
+              <a:cs typeface="Cambria"/>
+            </a:endParaRPr>
+          </a:p>
+        </p:txBody>
+      </p:sp>
+      <p:sp>
+        <p:nvSpPr>
+          <p:cNvPr id="27" name="Oval 26"/>
+          <p:cNvSpPr/>
+          <p:nvPr/>
+        </p:nvSpPr>
+        <p:spPr>
+          <a:xfrm rot="19100404">
+            <a:off x="2024861" y="4124090"/>
+            <a:ext cx="903111" cy="903111"/>
+          </a:xfrm>
+          <a:prstGeom prst="ellipse">
+            <a:avLst/>
+          </a:prstGeom>
+          <a:noFill/>
+        </p:spPr>
+        <p:style>
+          <a:lnRef idx="2">
+            <a:schemeClr val="dk1"/>
+          </a:lnRef>
+          <a:fillRef idx="1">
+            <a:schemeClr val="lt1"/>
+          </a:fillRef>
+          <a:effectRef idx="0">
+            <a:schemeClr val="dk1"/>
+          </a:effectRef>
+          <a:fontRef idx="minor">
+            <a:schemeClr val="dk1"/>
+          </a:fontRef>
+        </p:style>
+        <p:txBody>
+          <a:bodyPr rtlCol="0" anchor="ctr"/>
+          <a:lstStyle/>
+          <a:p>
+            <a:pPr algn="ctr"/>
+            <a:endParaRPr lang="en-US"/>
+          </a:p>
+        </p:txBody>
+      </p:sp>
+      <p:cxnSp>
+        <p:nvCxnSpPr>
+          <p:cNvPr id="28" name="Straight Arrow Connector 27"/>
+          <p:cNvCxnSpPr/>
+          <p:nvPr/>
+        </p:nvCxnSpPr>
+        <p:spPr>
+          <a:xfrm flipV="1">
+            <a:off x="2503028" y="5026433"/>
+            <a:ext cx="0" cy="741750"/>
+          </a:xfrm>
+          <a:prstGeom prst="straightConnector1">
+            <a:avLst/>
+          </a:prstGeom>
+          <a:ln>
+            <a:tailEnd type="arrow"/>
+          </a:ln>
+        </p:spPr>
+        <p:style>
+          <a:lnRef idx="1">
+            <a:schemeClr val="dk1"/>
+          </a:lnRef>
+          <a:fillRef idx="0">
+            <a:schemeClr val="dk1"/>
+          </a:fillRef>
+          <a:effectRef idx="0">
+            <a:schemeClr val="dk1"/>
+          </a:effectRef>
+          <a:fontRef idx="minor">
+            <a:schemeClr val="tx1"/>
+          </a:fontRef>
+        </p:style>
+      </p:cxnSp>
+      <p:sp>
+        <p:nvSpPr>
+          <p:cNvPr id="29" name="TextBox 28"/>
+          <p:cNvSpPr txBox="1"/>
+          <p:nvPr/>
+        </p:nvSpPr>
+        <p:spPr>
+          <a:xfrm>
+            <a:off x="2148141" y="4270944"/>
+            <a:ext cx="684803" cy="646331"/>
+          </a:xfrm>
+          <a:prstGeom prst="rect">
+            <a:avLst/>
+          </a:prstGeom>
+          <a:noFill/>
+        </p:spPr>
+        <p:txBody>
+          <a:bodyPr wrap="none" rtlCol="0">
+            <a:spAutoFit/>
+          </a:bodyPr>
+          <a:lstStyle/>
+          <a:p>
+            <a:pPr algn="ctr"/>
+            <a:r>
+              <a:rPr lang="en-US" dirty="0" smtClean="0">
+                <a:latin typeface="Cambria"/>
+                <a:cs typeface="Cambria"/>
+              </a:rPr>
+              <a:t>Read</a:t>
+            </a:r>
+          </a:p>
+          <a:p>
+            <a:pPr algn="ctr"/>
+            <a:r>
+              <a:rPr lang="en-US" dirty="0" smtClean="0">
+                <a:latin typeface="Cambria"/>
+                <a:cs typeface="Cambria"/>
+              </a:rPr>
+              <a:t>0</a:t>
+            </a:r>
+            <a:endParaRPr lang="en-US" dirty="0">
+              <a:latin typeface="Cambria"/>
+              <a:cs typeface="Cambria"/>
+            </a:endParaRPr>
+          </a:p>
+        </p:txBody>
+      </p:sp>
+      <p:cxnSp>
+        <p:nvCxnSpPr>
+          <p:cNvPr id="31" name="Straight Arrow Connector 30"/>
+          <p:cNvCxnSpPr/>
+          <p:nvPr/>
+        </p:nvCxnSpPr>
+        <p:spPr>
+          <a:xfrm flipH="1" flipV="1">
+            <a:off x="1764762" y="4570995"/>
+            <a:ext cx="245310" cy="1935"/>
+          </a:xfrm>
+          <a:prstGeom prst="straightConnector1">
+            <a:avLst/>
+          </a:prstGeom>
+          <a:ln>
+            <a:headEnd type="none" w="lg" len="lg"/>
+            <a:tailEnd type="diamond" w="lg" len="lg"/>
+          </a:ln>
+        </p:spPr>
+        <p:style>
+          <a:lnRef idx="1">
+            <a:schemeClr val="dk1"/>
+          </a:lnRef>
+          <a:fillRef idx="0">
+            <a:schemeClr val="dk1"/>
+          </a:fillRef>
+          <a:effectRef idx="0">
+            <a:schemeClr val="dk1"/>
+          </a:effectRef>
+          <a:fontRef idx="minor">
+            <a:schemeClr val="tx1"/>
+          </a:fontRef>
+        </p:style>
+      </p:cxnSp>
+      <p:cxnSp>
+        <p:nvCxnSpPr>
+          <p:cNvPr id="34" name="Straight Arrow Connector 33"/>
+          <p:cNvCxnSpPr/>
+          <p:nvPr/>
+        </p:nvCxnSpPr>
+        <p:spPr>
+          <a:xfrm rot="19100404" flipV="1">
+            <a:off x="1315454" y="4106920"/>
+            <a:ext cx="784928" cy="875564"/>
+          </a:xfrm>
+          <a:prstGeom prst="straightConnector1">
+            <a:avLst/>
+          </a:prstGeom>
+          <a:ln>
+            <a:headEnd type="arrow"/>
+            <a:tailEnd type="none"/>
+          </a:ln>
+        </p:spPr>
+        <p:style>
+          <a:lnRef idx="1">
+            <a:schemeClr val="dk1"/>
+          </a:lnRef>
+          <a:fillRef idx="0">
+            <a:schemeClr val="dk1"/>
+          </a:fillRef>
+          <a:effectRef idx="0">
+            <a:schemeClr val="dk1"/>
+          </a:effectRef>
+          <a:fontRef idx="minor">
+            <a:schemeClr val="tx1"/>
+          </a:fontRef>
+        </p:style>
+      </p:cxnSp>
+      <p:cxnSp>
+        <p:nvCxnSpPr>
+          <p:cNvPr id="72" name="Straight Arrow Connector 71"/>
+          <p:cNvCxnSpPr/>
+          <p:nvPr/>
+        </p:nvCxnSpPr>
+        <p:spPr>
+          <a:xfrm>
+            <a:off x="-843287" y="3491480"/>
+            <a:ext cx="1928099" cy="0"/>
+          </a:xfrm>
+          <a:prstGeom prst="straightConnector1">
+            <a:avLst/>
+          </a:prstGeom>
+          <a:ln>
+            <a:tailEnd type="arrow"/>
+          </a:ln>
+        </p:spPr>
+        <p:style>
+          <a:lnRef idx="1">
+            <a:schemeClr val="dk1"/>
+          </a:lnRef>
+          <a:fillRef idx="0">
+            <a:schemeClr val="dk1"/>
+          </a:fillRef>
+          <a:effectRef idx="0">
+            <a:schemeClr val="dk1"/>
+          </a:effectRef>
+          <a:fontRef idx="minor">
+            <a:schemeClr val="tx1"/>
+          </a:fontRef>
+        </p:style>
+      </p:cxnSp>
+      <p:cxnSp>
+        <p:nvCxnSpPr>
+          <p:cNvPr id="73" name="Straight Arrow Connector 72"/>
+          <p:cNvCxnSpPr/>
+          <p:nvPr/>
+        </p:nvCxnSpPr>
+        <p:spPr>
+          <a:xfrm flipV="1">
+            <a:off x="10505" y="2912652"/>
+            <a:ext cx="0" cy="560203"/>
+          </a:xfrm>
+          <a:prstGeom prst="straightConnector1">
+            <a:avLst/>
+          </a:prstGeom>
+          <a:ln>
+            <a:headEnd type="diamond" w="lg" len="lg"/>
+            <a:tailEnd type="none"/>
+          </a:ln>
+        </p:spPr>
+        <p:style>
+          <a:lnRef idx="1">
+            <a:schemeClr val="dk1"/>
+          </a:lnRef>
+          <a:fillRef idx="0">
+            <a:schemeClr val="dk1"/>
+          </a:fillRef>
+          <a:effectRef idx="0">
+            <a:schemeClr val="dk1"/>
+          </a:effectRef>
+          <a:fontRef idx="minor">
+            <a:schemeClr val="tx1"/>
+          </a:fontRef>
+        </p:style>
+      </p:cxnSp>
+      <p:sp>
+        <p:nvSpPr>
+          <p:cNvPr id="74" name="Oval 73"/>
+          <p:cNvSpPr/>
+          <p:nvPr/>
+        </p:nvSpPr>
+        <p:spPr>
+          <a:xfrm>
+            <a:off x="-441051" y="2000565"/>
+            <a:ext cx="903111" cy="903111"/>
+          </a:xfrm>
+          <a:prstGeom prst="ellipse">
+            <a:avLst/>
+          </a:prstGeom>
+          <a:noFill/>
+        </p:spPr>
+        <p:style>
+          <a:lnRef idx="2">
+            <a:schemeClr val="dk1"/>
+          </a:lnRef>
+          <a:fillRef idx="1">
+            <a:schemeClr val="lt1"/>
+          </a:fillRef>
+          <a:effectRef idx="0">
+            <a:schemeClr val="dk1"/>
+          </a:effectRef>
+          <a:fontRef idx="minor">
+            <a:schemeClr val="dk1"/>
+          </a:fontRef>
+        </p:style>
+        <p:txBody>
+          <a:bodyPr rtlCol="0" anchor="ctr"/>
+          <a:lstStyle/>
+          <a:p>
+            <a:pPr algn="ctr"/>
+            <a:endParaRPr lang="en-US"/>
+          </a:p>
+        </p:txBody>
+      </p:sp>
+      <p:cxnSp>
+        <p:nvCxnSpPr>
+          <p:cNvPr id="75" name="Straight Arrow Connector 74"/>
+          <p:cNvCxnSpPr>
+            <a:endCxn id="74" idx="2"/>
+          </p:cNvCxnSpPr>
+          <p:nvPr/>
+        </p:nvCxnSpPr>
+        <p:spPr>
+          <a:xfrm>
+            <a:off x="-1384746" y="2448047"/>
+            <a:ext cx="943695" cy="4074"/>
+          </a:xfrm>
+          <a:prstGeom prst="straightConnector1">
+            <a:avLst/>
+          </a:prstGeom>
+          <a:ln>
+            <a:tailEnd type="arrow"/>
+          </a:ln>
+        </p:spPr>
+        <p:style>
+          <a:lnRef idx="1">
+            <a:schemeClr val="dk1"/>
+          </a:lnRef>
+          <a:fillRef idx="0">
+            <a:schemeClr val="dk1"/>
+          </a:fillRef>
+          <a:effectRef idx="0">
+            <a:schemeClr val="dk1"/>
+          </a:effectRef>
+          <a:fontRef idx="minor">
+            <a:schemeClr val="tx1"/>
+          </a:fontRef>
+        </p:style>
+      </p:cxnSp>
+      <p:sp>
+        <p:nvSpPr>
+          <p:cNvPr id="76" name="TextBox 75"/>
+          <p:cNvSpPr txBox="1"/>
+          <p:nvPr/>
+        </p:nvSpPr>
+        <p:spPr>
+          <a:xfrm>
+            <a:off x="-331897" y="2124881"/>
+            <a:ext cx="684803" cy="646331"/>
+          </a:xfrm>
+          <a:prstGeom prst="rect">
+            <a:avLst/>
+          </a:prstGeom>
+          <a:noFill/>
+        </p:spPr>
+        <p:txBody>
+          <a:bodyPr wrap="none" rtlCol="0">
+            <a:spAutoFit/>
+          </a:bodyPr>
+          <a:lstStyle/>
+          <a:p>
+            <a:pPr algn="ctr"/>
+            <a:r>
+              <a:rPr lang="en-US" dirty="0" smtClean="0">
+                <a:latin typeface="Cambria"/>
+                <a:cs typeface="Cambria"/>
+              </a:rPr>
+              <a:t>Keep</a:t>
+            </a:r>
+          </a:p>
+          <a:p>
+            <a:pPr algn="ctr"/>
+            <a:r>
+              <a:rPr lang="en-US" dirty="0" smtClean="0">
+                <a:latin typeface="Cambria"/>
+                <a:cs typeface="Cambria"/>
+              </a:rPr>
+              <a:t>0</a:t>
+            </a:r>
+            <a:endParaRPr lang="en-US" dirty="0">
+              <a:latin typeface="Cambria"/>
+              <a:cs typeface="Cambria"/>
+            </a:endParaRPr>
+          </a:p>
+        </p:txBody>
+      </p:sp>
+      <p:sp>
+        <p:nvSpPr>
+          <p:cNvPr id="77" name="Rectangle 76"/>
+          <p:cNvSpPr/>
+          <p:nvPr/>
+        </p:nvSpPr>
+        <p:spPr>
+          <a:xfrm>
+            <a:off x="1123709" y="5074490"/>
+            <a:ext cx="487633" cy="369332"/>
+          </a:xfrm>
+          <a:prstGeom prst="rect">
+            <a:avLst/>
+          </a:prstGeom>
+        </p:spPr>
+        <p:txBody>
+          <a:bodyPr wrap="none">
+            <a:spAutoFit/>
+          </a:bodyPr>
+          <a:lstStyle/>
+          <a:p>
+            <a:pPr algn="ctr"/>
+            <a:r>
+              <a:rPr lang="en-US" dirty="0">
+                <a:latin typeface="Cambria"/>
+                <a:cs typeface="Cambria"/>
+              </a:rPr>
+              <a:t>4.2</a:t>
+            </a:r>
+            <a:endParaRPr lang="en-US" dirty="0">
+              <a:latin typeface="Cambria"/>
+              <a:cs typeface="Cambria"/>
+            </a:endParaRPr>
+          </a:p>
+        </p:txBody>
+      </p:sp>
+      <p:sp>
+        <p:nvSpPr>
+          <p:cNvPr id="100" name="Oval 99"/>
+          <p:cNvSpPr/>
+          <p:nvPr/>
+        </p:nvSpPr>
+        <p:spPr>
+          <a:xfrm>
+            <a:off x="4550057" y="3053648"/>
+            <a:ext cx="903111" cy="903111"/>
+          </a:xfrm>
+          <a:prstGeom prst="ellipse">
+            <a:avLst/>
+          </a:prstGeom>
+          <a:noFill/>
+        </p:spPr>
+        <p:style>
+          <a:lnRef idx="2">
+            <a:schemeClr val="dk1"/>
+          </a:lnRef>
+          <a:fillRef idx="1">
+            <a:schemeClr val="lt1"/>
+          </a:fillRef>
+          <a:effectRef idx="0">
+            <a:schemeClr val="dk1"/>
+          </a:effectRef>
+          <a:fontRef idx="minor">
+            <a:schemeClr val="dk1"/>
+          </a:fontRef>
+        </p:style>
+        <p:txBody>
+          <a:bodyPr rtlCol="0" anchor="ctr"/>
+          <a:lstStyle/>
+          <a:p>
+            <a:pPr algn="ctr"/>
+            <a:endParaRPr lang="en-US"/>
+          </a:p>
+        </p:txBody>
+      </p:sp>
+      <p:sp>
+        <p:nvSpPr>
+          <p:cNvPr id="101" name="TextBox 100"/>
+          <p:cNvSpPr txBox="1"/>
+          <p:nvPr/>
+        </p:nvSpPr>
+        <p:spPr>
+          <a:xfrm>
+            <a:off x="4559281" y="3243190"/>
+            <a:ext cx="919943" cy="584776"/>
+          </a:xfrm>
+          <a:prstGeom prst="rect">
+            <a:avLst/>
+          </a:prstGeom>
+          <a:noFill/>
+        </p:spPr>
+        <p:txBody>
+          <a:bodyPr wrap="none" rtlCol="0">
+            <a:spAutoFit/>
+          </a:bodyPr>
+          <a:lstStyle/>
+          <a:p>
+            <a:pPr algn="ctr"/>
+            <a:r>
+              <a:rPr lang="en-US" sz="1600" dirty="0" smtClean="0">
+                <a:latin typeface="Cambria"/>
+                <a:cs typeface="Cambria"/>
+              </a:rPr>
+              <a:t>Memory</a:t>
+            </a:r>
+          </a:p>
+          <a:p>
+            <a:pPr algn="ctr"/>
+            <a:r>
+              <a:rPr lang="en-US" sz="1600" dirty="0" smtClean="0">
+                <a:latin typeface="Cambria"/>
+                <a:cs typeface="Cambria"/>
+              </a:rPr>
+              <a:t>4.2</a:t>
+            </a:r>
+            <a:endParaRPr lang="en-US" sz="1600" dirty="0">
+              <a:latin typeface="Cambria"/>
+              <a:cs typeface="Cambria"/>
+            </a:endParaRPr>
+          </a:p>
+        </p:txBody>
+      </p:sp>
+      <p:sp>
+        <p:nvSpPr>
+          <p:cNvPr id="102" name="Oval 101"/>
+          <p:cNvSpPr/>
+          <p:nvPr/>
+        </p:nvSpPr>
+        <p:spPr>
+          <a:xfrm>
+            <a:off x="6173296" y="2004639"/>
+            <a:ext cx="903111" cy="903111"/>
+          </a:xfrm>
+          <a:prstGeom prst="ellipse">
+            <a:avLst/>
+          </a:prstGeom>
+          <a:noFill/>
+        </p:spPr>
+        <p:style>
+          <a:lnRef idx="2">
+            <a:schemeClr val="dk1"/>
+          </a:lnRef>
+          <a:fillRef idx="1">
+            <a:schemeClr val="lt1"/>
+          </a:fillRef>
+          <a:effectRef idx="0">
+            <a:schemeClr val="dk1"/>
+          </a:effectRef>
+          <a:fontRef idx="minor">
+            <a:schemeClr val="dk1"/>
+          </a:fontRef>
+        </p:style>
+        <p:txBody>
+          <a:bodyPr rtlCol="0" anchor="ctr"/>
+          <a:lstStyle/>
+          <a:p>
+            <a:pPr algn="ctr"/>
+            <a:endParaRPr lang="en-US"/>
+          </a:p>
+        </p:txBody>
+      </p:sp>
+      <p:cxnSp>
+        <p:nvCxnSpPr>
+          <p:cNvPr id="103" name="Straight Arrow Connector 102"/>
+          <p:cNvCxnSpPr>
+            <a:endCxn id="102" idx="2"/>
+          </p:cNvCxnSpPr>
+          <p:nvPr/>
+        </p:nvCxnSpPr>
+        <p:spPr>
+          <a:xfrm>
+            <a:off x="5229601" y="2452121"/>
+            <a:ext cx="943695" cy="4074"/>
+          </a:xfrm>
+          <a:prstGeom prst="straightConnector1">
+            <a:avLst/>
+          </a:prstGeom>
+          <a:ln>
+            <a:tailEnd type="arrow"/>
+          </a:ln>
+        </p:spPr>
+        <p:style>
+          <a:lnRef idx="1">
+            <a:schemeClr val="dk1"/>
+          </a:lnRef>
+          <a:fillRef idx="0">
+            <a:schemeClr val="dk1"/>
+          </a:fillRef>
+          <a:effectRef idx="0">
+            <a:schemeClr val="dk1"/>
+          </a:effectRef>
+          <a:fontRef idx="minor">
+            <a:schemeClr val="tx1"/>
+          </a:fontRef>
+        </p:style>
+      </p:cxnSp>
+      <p:sp>
+        <p:nvSpPr>
+          <p:cNvPr id="104" name="TextBox 103"/>
+          <p:cNvSpPr txBox="1"/>
+          <p:nvPr/>
+        </p:nvSpPr>
+        <p:spPr>
+          <a:xfrm>
+            <a:off x="6282450" y="2128955"/>
+            <a:ext cx="684803" cy="646331"/>
+          </a:xfrm>
+          <a:prstGeom prst="rect">
+            <a:avLst/>
+          </a:prstGeom>
+          <a:noFill/>
+        </p:spPr>
+        <p:txBody>
+          <a:bodyPr wrap="none" rtlCol="0">
+            <a:spAutoFit/>
+          </a:bodyPr>
+          <a:lstStyle/>
+          <a:p>
+            <a:pPr algn="ctr"/>
+            <a:r>
+              <a:rPr lang="en-US" dirty="0" smtClean="0">
+                <a:latin typeface="Cambria"/>
+                <a:cs typeface="Cambria"/>
+              </a:rPr>
+              <a:t>Keep</a:t>
+            </a:r>
+          </a:p>
+          <a:p>
+            <a:pPr algn="ctr"/>
+            <a:r>
+              <a:rPr lang="en-US" dirty="0" smtClean="0">
+                <a:latin typeface="Cambria"/>
+                <a:cs typeface="Cambria"/>
+              </a:rPr>
+              <a:t>1</a:t>
+            </a:r>
+            <a:endParaRPr lang="en-US" dirty="0">
+              <a:latin typeface="Cambria"/>
+              <a:cs typeface="Cambria"/>
+            </a:endParaRPr>
+          </a:p>
+        </p:txBody>
+      </p:sp>
+      <p:cxnSp>
+        <p:nvCxnSpPr>
+          <p:cNvPr id="105" name="Straight Arrow Connector 104"/>
+          <p:cNvCxnSpPr/>
+          <p:nvPr/>
+        </p:nvCxnSpPr>
+        <p:spPr>
+          <a:xfrm>
+            <a:off x="5453168" y="3486579"/>
+            <a:ext cx="2563130" cy="4901"/>
+          </a:xfrm>
+          <a:prstGeom prst="straightConnector1">
+            <a:avLst/>
+          </a:prstGeom>
+          <a:ln>
+            <a:tailEnd type="arrow"/>
+          </a:ln>
+        </p:spPr>
+        <p:style>
+          <a:lnRef idx="1">
+            <a:schemeClr val="dk1"/>
+          </a:lnRef>
+          <a:fillRef idx="0">
+            <a:schemeClr val="dk1"/>
+          </a:fillRef>
+          <a:effectRef idx="0">
+            <a:schemeClr val="dk1"/>
+          </a:effectRef>
+          <a:fontRef idx="minor">
+            <a:schemeClr val="tx1"/>
+          </a:fontRef>
+        </p:style>
+      </p:cxnSp>
+      <p:cxnSp>
+        <p:nvCxnSpPr>
+          <p:cNvPr id="106" name="Straight Arrow Connector 105"/>
+          <p:cNvCxnSpPr/>
+          <p:nvPr/>
+        </p:nvCxnSpPr>
+        <p:spPr>
+          <a:xfrm flipV="1">
+            <a:off x="6624480" y="2907751"/>
+            <a:ext cx="0" cy="560203"/>
+          </a:xfrm>
+          <a:prstGeom prst="straightConnector1">
+            <a:avLst/>
+          </a:prstGeom>
+          <a:ln>
+            <a:headEnd type="diamond" w="lg" len="lg"/>
+            <a:tailEnd type="none"/>
+          </a:ln>
+        </p:spPr>
+        <p:style>
+          <a:lnRef idx="1">
+            <a:schemeClr val="dk1"/>
+          </a:lnRef>
+          <a:fillRef idx="0">
+            <a:schemeClr val="dk1"/>
+          </a:fillRef>
+          <a:effectRef idx="0">
+            <a:schemeClr val="dk1"/>
+          </a:effectRef>
+          <a:fontRef idx="minor">
+            <a:schemeClr val="tx1"/>
+          </a:fontRef>
+        </p:style>
+      </p:cxnSp>
+      <p:cxnSp>
+        <p:nvCxnSpPr>
+          <p:cNvPr id="107" name="Straight Arrow Connector 106"/>
+          <p:cNvCxnSpPr/>
+          <p:nvPr/>
+        </p:nvCxnSpPr>
+        <p:spPr>
+          <a:xfrm rot="19100404" flipV="1">
+            <a:off x="4451898" y="4117490"/>
+            <a:ext cx="784928" cy="875564"/>
+          </a:xfrm>
+          <a:prstGeom prst="straightConnector1">
+            <a:avLst/>
+          </a:prstGeom>
+          <a:ln>
+            <a:tailEnd type="arrow"/>
+          </a:ln>
+        </p:spPr>
+        <p:style>
+          <a:lnRef idx="1">
+            <a:schemeClr val="dk1"/>
+          </a:lnRef>
+          <a:fillRef idx="0">
+            <a:schemeClr val="dk1"/>
+          </a:fillRef>
+          <a:effectRef idx="0">
+            <a:schemeClr val="dk1"/>
+          </a:effectRef>
+          <a:fontRef idx="minor">
+            <a:schemeClr val="tx1"/>
+          </a:fontRef>
+        </p:style>
+      </p:cxnSp>
+      <p:cxnSp>
+        <p:nvCxnSpPr>
+          <p:cNvPr id="108" name="Straight Arrow Connector 107"/>
+          <p:cNvCxnSpPr/>
+          <p:nvPr/>
+        </p:nvCxnSpPr>
+        <p:spPr>
+          <a:xfrm flipH="1" flipV="1">
+            <a:off x="4550057" y="4569060"/>
+            <a:ext cx="245310" cy="1935"/>
+          </a:xfrm>
+          <a:prstGeom prst="straightConnector1">
+            <a:avLst/>
+          </a:prstGeom>
+          <a:ln>
+            <a:headEnd type="diamond" w="lg" len="lg"/>
+            <a:tailEnd type="none"/>
+          </a:ln>
+        </p:spPr>
+        <p:style>
+          <a:lnRef idx="1">
+            <a:schemeClr val="dk1"/>
+          </a:lnRef>
+          <a:fillRef idx="0">
+            <a:schemeClr val="dk1"/>
+          </a:fillRef>
+          <a:effectRef idx="0">
+            <a:schemeClr val="dk1"/>
+          </a:effectRef>
+          <a:fontRef idx="minor">
+            <a:schemeClr val="tx1"/>
+          </a:fontRef>
+        </p:style>
+      </p:cxnSp>
+      <p:sp>
+        <p:nvSpPr>
+          <p:cNvPr id="109" name="Oval 108"/>
+          <p:cNvSpPr/>
+          <p:nvPr/>
+        </p:nvSpPr>
+        <p:spPr>
+          <a:xfrm rot="19100404">
+            <a:off x="3646442" y="4126404"/>
+            <a:ext cx="903111" cy="903111"/>
+          </a:xfrm>
+          <a:prstGeom prst="ellipse">
+            <a:avLst/>
+          </a:prstGeom>
+          <a:noFill/>
+        </p:spPr>
+        <p:style>
+          <a:lnRef idx="2">
+            <a:schemeClr val="dk1"/>
+          </a:lnRef>
+          <a:fillRef idx="1">
+            <a:schemeClr val="lt1"/>
+          </a:fillRef>
+          <a:effectRef idx="0">
+            <a:schemeClr val="dk1"/>
+          </a:effectRef>
+          <a:fontRef idx="minor">
+            <a:schemeClr val="dk1"/>
+          </a:fontRef>
+        </p:style>
+        <p:txBody>
+          <a:bodyPr rtlCol="0" anchor="ctr"/>
+          <a:lstStyle/>
+          <a:p>
+            <a:pPr algn="ctr"/>
+            <a:endParaRPr lang="en-US"/>
+          </a:p>
+        </p:txBody>
+      </p:sp>
+      <p:cxnSp>
+        <p:nvCxnSpPr>
+          <p:cNvPr id="110" name="Straight Arrow Connector 109"/>
+          <p:cNvCxnSpPr>
+            <a:endCxn id="109" idx="3"/>
+          </p:cNvCxnSpPr>
+          <p:nvPr/>
+        </p:nvCxnSpPr>
+        <p:spPr>
+          <a:xfrm flipV="1">
+            <a:off x="4071689" y="5028747"/>
+            <a:ext cx="0" cy="741750"/>
+          </a:xfrm>
+          <a:prstGeom prst="straightConnector1">
+            <a:avLst/>
+          </a:prstGeom>
+          <a:ln>
+            <a:tailEnd type="arrow"/>
+          </a:ln>
+        </p:spPr>
+        <p:style>
+          <a:lnRef idx="1">
+            <a:schemeClr val="dk1"/>
+          </a:lnRef>
+          <a:fillRef idx="0">
+            <a:schemeClr val="dk1"/>
+          </a:fillRef>
+          <a:effectRef idx="0">
+            <a:schemeClr val="dk1"/>
+          </a:effectRef>
+          <a:fontRef idx="minor">
+            <a:schemeClr val="tx1"/>
+          </a:fontRef>
+        </p:style>
+      </p:cxnSp>
+      <p:sp>
+        <p:nvSpPr>
+          <p:cNvPr id="111" name="TextBox 110"/>
+          <p:cNvSpPr txBox="1"/>
+          <p:nvPr/>
+        </p:nvSpPr>
+        <p:spPr>
+          <a:xfrm>
+            <a:off x="3737662" y="4273258"/>
+            <a:ext cx="748923" cy="646331"/>
+          </a:xfrm>
+          <a:prstGeom prst="rect">
+            <a:avLst/>
+          </a:prstGeom>
+          <a:noFill/>
+        </p:spPr>
+        <p:txBody>
+          <a:bodyPr wrap="none" rtlCol="0">
+            <a:spAutoFit/>
+          </a:bodyPr>
+          <a:lstStyle/>
+          <a:p>
+            <a:pPr algn="ctr"/>
+            <a:r>
+              <a:rPr lang="en-US" dirty="0" smtClean="0">
+                <a:latin typeface="Cambria"/>
+                <a:cs typeface="Cambria"/>
+              </a:rPr>
+              <a:t>Write</a:t>
+            </a:r>
+          </a:p>
+          <a:p>
+            <a:pPr algn="ctr"/>
+            <a:r>
+              <a:rPr lang="en-US" dirty="0" smtClean="0">
+                <a:latin typeface="Cambria"/>
+                <a:cs typeface="Cambria"/>
+              </a:rPr>
+              <a:t>0</a:t>
+            </a:r>
+            <a:endParaRPr lang="en-US" dirty="0">
+              <a:latin typeface="Cambria"/>
+              <a:cs typeface="Cambria"/>
+            </a:endParaRPr>
+          </a:p>
+        </p:txBody>
+      </p:sp>
+      <p:sp>
+        <p:nvSpPr>
+          <p:cNvPr id="112" name="Oval 111"/>
+          <p:cNvSpPr/>
+          <p:nvPr/>
+        </p:nvSpPr>
+        <p:spPr>
+          <a:xfrm rot="19100404">
+            <a:off x="5490106" y="4124090"/>
+            <a:ext cx="903111" cy="903111"/>
+          </a:xfrm>
+          <a:prstGeom prst="ellipse">
+            <a:avLst/>
+          </a:prstGeom>
+          <a:noFill/>
+        </p:spPr>
+        <p:style>
+          <a:lnRef idx="2">
+            <a:schemeClr val="dk1"/>
+          </a:lnRef>
+          <a:fillRef idx="1">
+            <a:schemeClr val="lt1"/>
+          </a:fillRef>
+          <a:effectRef idx="0">
+            <a:schemeClr val="dk1"/>
+          </a:effectRef>
+          <a:fontRef idx="minor">
+            <a:schemeClr val="dk1"/>
+          </a:fontRef>
+        </p:style>
+        <p:txBody>
+          <a:bodyPr rtlCol="0" anchor="ctr"/>
+          <a:lstStyle/>
+          <a:p>
+            <a:pPr algn="ctr"/>
+            <a:endParaRPr lang="en-US"/>
+          </a:p>
+        </p:txBody>
+      </p:sp>
+      <p:cxnSp>
+        <p:nvCxnSpPr>
+          <p:cNvPr id="113" name="Straight Arrow Connector 112"/>
+          <p:cNvCxnSpPr/>
+          <p:nvPr/>
+        </p:nvCxnSpPr>
+        <p:spPr>
+          <a:xfrm flipV="1">
+            <a:off x="5968273" y="5026433"/>
+            <a:ext cx="0" cy="741750"/>
+          </a:xfrm>
+          <a:prstGeom prst="straightConnector1">
+            <a:avLst/>
+          </a:prstGeom>
+          <a:ln>
+            <a:tailEnd type="arrow"/>
+          </a:ln>
+        </p:spPr>
+        <p:style>
+          <a:lnRef idx="1">
+            <a:schemeClr val="dk1"/>
+          </a:lnRef>
+          <a:fillRef idx="0">
+            <a:schemeClr val="dk1"/>
+          </a:fillRef>
+          <a:effectRef idx="0">
+            <a:schemeClr val="dk1"/>
+          </a:effectRef>
+          <a:fontRef idx="minor">
+            <a:schemeClr val="tx1"/>
+          </a:fontRef>
+        </p:style>
+      </p:cxnSp>
+      <p:sp>
+        <p:nvSpPr>
+          <p:cNvPr id="114" name="TextBox 113"/>
+          <p:cNvSpPr txBox="1"/>
+          <p:nvPr/>
+        </p:nvSpPr>
+        <p:spPr>
+          <a:xfrm>
+            <a:off x="5613386" y="4270944"/>
+            <a:ext cx="684803" cy="646331"/>
+          </a:xfrm>
+          <a:prstGeom prst="rect">
+            <a:avLst/>
+          </a:prstGeom>
+          <a:noFill/>
+        </p:spPr>
+        <p:txBody>
+          <a:bodyPr wrap="none" rtlCol="0">
+            <a:spAutoFit/>
+          </a:bodyPr>
+          <a:lstStyle/>
+          <a:p>
+            <a:pPr algn="ctr"/>
+            <a:r>
+              <a:rPr lang="en-US" dirty="0" smtClean="0">
+                <a:latin typeface="Cambria"/>
+                <a:cs typeface="Cambria"/>
+              </a:rPr>
+              <a:t>Read</a:t>
+            </a:r>
+          </a:p>
+          <a:p>
+            <a:pPr algn="ctr"/>
+            <a:r>
+              <a:rPr lang="en-US" dirty="0" smtClean="0">
+                <a:latin typeface="Cambria"/>
+                <a:cs typeface="Cambria"/>
+              </a:rPr>
+              <a:t>0</a:t>
+            </a:r>
+            <a:endParaRPr lang="en-US" dirty="0">
+              <a:latin typeface="Cambria"/>
+              <a:cs typeface="Cambria"/>
+            </a:endParaRPr>
+          </a:p>
+        </p:txBody>
+      </p:sp>
+      <p:cxnSp>
+        <p:nvCxnSpPr>
+          <p:cNvPr id="115" name="Straight Arrow Connector 114"/>
+          <p:cNvCxnSpPr/>
+          <p:nvPr/>
+        </p:nvCxnSpPr>
+        <p:spPr>
+          <a:xfrm flipH="1" flipV="1">
+            <a:off x="5230007" y="4570995"/>
+            <a:ext cx="245310" cy="1935"/>
+          </a:xfrm>
+          <a:prstGeom prst="straightConnector1">
+            <a:avLst/>
+          </a:prstGeom>
+          <a:ln>
+            <a:headEnd type="none" w="lg" len="lg"/>
+            <a:tailEnd type="diamond" w="lg" len="lg"/>
+          </a:ln>
+        </p:spPr>
+        <p:style>
+          <a:lnRef idx="1">
+            <a:schemeClr val="dk1"/>
+          </a:lnRef>
+          <a:fillRef idx="0">
+            <a:schemeClr val="dk1"/>
+          </a:fillRef>
+          <a:effectRef idx="0">
+            <a:schemeClr val="dk1"/>
+          </a:effectRef>
+          <a:fontRef idx="minor">
+            <a:schemeClr val="tx1"/>
+          </a:fontRef>
+        </p:style>
+      </p:cxnSp>
+      <p:cxnSp>
+        <p:nvCxnSpPr>
+          <p:cNvPr id="116" name="Straight Arrow Connector 115"/>
+          <p:cNvCxnSpPr/>
+          <p:nvPr/>
+        </p:nvCxnSpPr>
+        <p:spPr>
+          <a:xfrm rot="19100404" flipV="1">
+            <a:off x="4780699" y="4106920"/>
+            <a:ext cx="784928" cy="875564"/>
+          </a:xfrm>
+          <a:prstGeom prst="straightConnector1">
+            <a:avLst/>
+          </a:prstGeom>
+          <a:ln>
+            <a:headEnd type="arrow"/>
+            <a:tailEnd type="none"/>
+          </a:ln>
+        </p:spPr>
+        <p:style>
+          <a:lnRef idx="1">
+            <a:schemeClr val="dk1"/>
+          </a:lnRef>
+          <a:fillRef idx="0">
+            <a:schemeClr val="dk1"/>
+          </a:fillRef>
+          <a:effectRef idx="0">
+            <a:schemeClr val="dk1"/>
+          </a:effectRef>
+          <a:fontRef idx="minor">
+            <a:schemeClr val="tx1"/>
+          </a:fontRef>
+        </p:style>
+      </p:cxnSp>
+      <p:sp>
+        <p:nvSpPr>
+          <p:cNvPr id="118" name="Oval 117"/>
+          <p:cNvSpPr/>
+          <p:nvPr/>
+        </p:nvSpPr>
+        <p:spPr>
+          <a:xfrm>
+            <a:off x="7989362" y="3049574"/>
+            <a:ext cx="903111" cy="903111"/>
+          </a:xfrm>
+          <a:prstGeom prst="ellipse">
+            <a:avLst/>
+          </a:prstGeom>
+          <a:noFill/>
+        </p:spPr>
+        <p:style>
+          <a:lnRef idx="2">
+            <a:schemeClr val="dk1"/>
+          </a:lnRef>
+          <a:fillRef idx="1">
+            <a:schemeClr val="lt1"/>
+          </a:fillRef>
+          <a:effectRef idx="0">
+            <a:schemeClr val="dk1"/>
+          </a:effectRef>
+          <a:fontRef idx="minor">
+            <a:schemeClr val="dk1"/>
+          </a:fontRef>
+        </p:style>
+        <p:txBody>
+          <a:bodyPr rtlCol="0" anchor="ctr"/>
+          <a:lstStyle/>
+          <a:p>
+            <a:pPr algn="ctr"/>
+            <a:endParaRPr lang="en-US"/>
+          </a:p>
+        </p:txBody>
+      </p:sp>
+      <p:sp>
+        <p:nvSpPr>
+          <p:cNvPr id="119" name="TextBox 118"/>
+          <p:cNvSpPr txBox="1"/>
+          <p:nvPr/>
+        </p:nvSpPr>
+        <p:spPr>
+          <a:xfrm>
+            <a:off x="7998586" y="3239116"/>
+            <a:ext cx="919943" cy="584776"/>
+          </a:xfrm>
+          <a:prstGeom prst="rect">
+            <a:avLst/>
+          </a:prstGeom>
+          <a:noFill/>
+        </p:spPr>
+        <p:txBody>
+          <a:bodyPr wrap="none" rtlCol="0">
+            <a:spAutoFit/>
+          </a:bodyPr>
+          <a:lstStyle/>
+          <a:p>
+            <a:pPr algn="ctr"/>
+            <a:r>
+              <a:rPr lang="en-US" sz="1600" dirty="0" smtClean="0">
+                <a:latin typeface="Cambria"/>
+                <a:cs typeface="Cambria"/>
+              </a:rPr>
+              <a:t>Memory</a:t>
+            </a:r>
+          </a:p>
+          <a:p>
+            <a:pPr algn="ctr"/>
+            <a:r>
+              <a:rPr lang="en-US" sz="1600" dirty="0" smtClean="0">
+                <a:latin typeface="Cambria"/>
+                <a:cs typeface="Cambria"/>
+              </a:rPr>
+              <a:t>4.2</a:t>
+            </a:r>
+            <a:endParaRPr lang="en-US" sz="1600" dirty="0">
+              <a:latin typeface="Cambria"/>
+              <a:cs typeface="Cambria"/>
+            </a:endParaRPr>
+          </a:p>
+        </p:txBody>
+      </p:sp>
+      <p:sp>
+        <p:nvSpPr>
+          <p:cNvPr id="120" name="Oval 119"/>
+          <p:cNvSpPr/>
+          <p:nvPr/>
+        </p:nvSpPr>
+        <p:spPr>
+          <a:xfrm>
+            <a:off x="9612601" y="2000565"/>
+            <a:ext cx="903111" cy="903111"/>
+          </a:xfrm>
+          <a:prstGeom prst="ellipse">
+            <a:avLst/>
+          </a:prstGeom>
+          <a:noFill/>
+        </p:spPr>
+        <p:style>
+          <a:lnRef idx="2">
+            <a:schemeClr val="dk1"/>
+          </a:lnRef>
+          <a:fillRef idx="1">
+            <a:schemeClr val="lt1"/>
+          </a:fillRef>
+          <a:effectRef idx="0">
+            <a:schemeClr val="dk1"/>
+          </a:effectRef>
+          <a:fontRef idx="minor">
+            <a:schemeClr val="dk1"/>
+          </a:fontRef>
+        </p:style>
+        <p:txBody>
+          <a:bodyPr rtlCol="0" anchor="ctr"/>
+          <a:lstStyle/>
+          <a:p>
+            <a:pPr algn="ctr"/>
+            <a:endParaRPr lang="en-US"/>
+          </a:p>
+        </p:txBody>
+      </p:sp>
+      <p:cxnSp>
+        <p:nvCxnSpPr>
+          <p:cNvPr id="121" name="Straight Arrow Connector 120"/>
+          <p:cNvCxnSpPr>
+            <a:endCxn id="120" idx="2"/>
+          </p:cNvCxnSpPr>
+          <p:nvPr/>
+        </p:nvCxnSpPr>
+        <p:spPr>
+          <a:xfrm>
+            <a:off x="8668906" y="2448047"/>
+            <a:ext cx="943695" cy="4074"/>
+          </a:xfrm>
+          <a:prstGeom prst="straightConnector1">
+            <a:avLst/>
+          </a:prstGeom>
+          <a:ln>
+            <a:tailEnd type="arrow"/>
+          </a:ln>
+        </p:spPr>
+        <p:style>
+          <a:lnRef idx="1">
+            <a:schemeClr val="dk1"/>
+          </a:lnRef>
+          <a:fillRef idx="0">
+            <a:schemeClr val="dk1"/>
+          </a:fillRef>
+          <a:effectRef idx="0">
+            <a:schemeClr val="dk1"/>
+          </a:effectRef>
+          <a:fontRef idx="minor">
+            <a:schemeClr val="tx1"/>
+          </a:fontRef>
+        </p:style>
+      </p:cxnSp>
+      <p:sp>
+        <p:nvSpPr>
+          <p:cNvPr id="122" name="TextBox 121"/>
+          <p:cNvSpPr txBox="1"/>
+          <p:nvPr/>
+        </p:nvSpPr>
+        <p:spPr>
+          <a:xfrm>
+            <a:off x="9721755" y="2124881"/>
+            <a:ext cx="684803" cy="646331"/>
+          </a:xfrm>
+          <a:prstGeom prst="rect">
+            <a:avLst/>
+          </a:prstGeom>
+          <a:noFill/>
+        </p:spPr>
+        <p:txBody>
+          <a:bodyPr wrap="none" rtlCol="0">
+            <a:spAutoFit/>
+          </a:bodyPr>
+          <a:lstStyle/>
+          <a:p>
+            <a:pPr algn="ctr"/>
+            <a:r>
+              <a:rPr lang="en-US" dirty="0" smtClean="0">
+                <a:latin typeface="Cambria"/>
+                <a:cs typeface="Cambria"/>
+              </a:rPr>
+              <a:t>Keep</a:t>
+            </a:r>
+          </a:p>
+          <a:p>
+            <a:pPr algn="ctr"/>
+            <a:r>
+              <a:rPr lang="en-US" dirty="0">
+                <a:latin typeface="Cambria"/>
+                <a:cs typeface="Cambria"/>
+              </a:rPr>
+              <a:t>0</a:t>
+            </a:r>
+            <a:endParaRPr lang="en-US" dirty="0">
+              <a:latin typeface="Cambria"/>
+              <a:cs typeface="Cambria"/>
+            </a:endParaRPr>
+          </a:p>
+        </p:txBody>
+      </p:sp>
+      <p:cxnSp>
+        <p:nvCxnSpPr>
+          <p:cNvPr id="123" name="Straight Arrow Connector 122"/>
+          <p:cNvCxnSpPr/>
+          <p:nvPr/>
+        </p:nvCxnSpPr>
+        <p:spPr>
+          <a:xfrm>
+            <a:off x="8892473" y="3482505"/>
+            <a:ext cx="2563130" cy="4901"/>
+          </a:xfrm>
+          <a:prstGeom prst="straightConnector1">
+            <a:avLst/>
+          </a:prstGeom>
+          <a:ln>
+            <a:tailEnd type="arrow"/>
+          </a:ln>
+        </p:spPr>
+        <p:style>
+          <a:lnRef idx="1">
+            <a:schemeClr val="dk1"/>
+          </a:lnRef>
+          <a:fillRef idx="0">
+            <a:schemeClr val="dk1"/>
+          </a:fillRef>
+          <a:effectRef idx="0">
+            <a:schemeClr val="dk1"/>
+          </a:effectRef>
+          <a:fontRef idx="minor">
+            <a:schemeClr val="tx1"/>
+          </a:fontRef>
+        </p:style>
+      </p:cxnSp>
+      <p:cxnSp>
+        <p:nvCxnSpPr>
+          <p:cNvPr id="124" name="Straight Arrow Connector 123"/>
+          <p:cNvCxnSpPr/>
+          <p:nvPr/>
+        </p:nvCxnSpPr>
+        <p:spPr>
+          <a:xfrm flipV="1">
+            <a:off x="10063785" y="2903677"/>
+            <a:ext cx="0" cy="560203"/>
+          </a:xfrm>
+          <a:prstGeom prst="straightConnector1">
+            <a:avLst/>
+          </a:prstGeom>
+          <a:ln>
+            <a:headEnd type="diamond" w="lg" len="lg"/>
+            <a:tailEnd type="none"/>
+          </a:ln>
+        </p:spPr>
+        <p:style>
+          <a:lnRef idx="1">
+            <a:schemeClr val="dk1"/>
+          </a:lnRef>
+          <a:fillRef idx="0">
+            <a:schemeClr val="dk1"/>
+          </a:fillRef>
+          <a:effectRef idx="0">
+            <a:schemeClr val="dk1"/>
+          </a:effectRef>
+          <a:fontRef idx="minor">
+            <a:schemeClr val="tx1"/>
+          </a:fontRef>
+        </p:style>
+      </p:cxnSp>
+      <p:cxnSp>
+        <p:nvCxnSpPr>
+          <p:cNvPr id="125" name="Straight Arrow Connector 124"/>
+          <p:cNvCxnSpPr/>
+          <p:nvPr/>
+        </p:nvCxnSpPr>
+        <p:spPr>
+          <a:xfrm rot="19100404" flipV="1">
+            <a:off x="7891203" y="4113416"/>
+            <a:ext cx="784928" cy="875564"/>
+          </a:xfrm>
+          <a:prstGeom prst="straightConnector1">
+            <a:avLst/>
+          </a:prstGeom>
+          <a:ln>
+            <a:tailEnd type="arrow"/>
+          </a:ln>
+        </p:spPr>
+        <p:style>
+          <a:lnRef idx="1">
+            <a:schemeClr val="dk1"/>
+          </a:lnRef>
+          <a:fillRef idx="0">
+            <a:schemeClr val="dk1"/>
+          </a:fillRef>
+          <a:effectRef idx="0">
+            <a:schemeClr val="dk1"/>
+          </a:effectRef>
+          <a:fontRef idx="minor">
+            <a:schemeClr val="tx1"/>
+          </a:fontRef>
+        </p:style>
+      </p:cxnSp>
+      <p:cxnSp>
+        <p:nvCxnSpPr>
+          <p:cNvPr id="126" name="Straight Arrow Connector 125"/>
+          <p:cNvCxnSpPr/>
+          <p:nvPr/>
+        </p:nvCxnSpPr>
+        <p:spPr>
+          <a:xfrm flipH="1" flipV="1">
+            <a:off x="7989362" y="4564986"/>
+            <a:ext cx="245310" cy="1935"/>
+          </a:xfrm>
+          <a:prstGeom prst="straightConnector1">
+            <a:avLst/>
+          </a:prstGeom>
+          <a:ln>
+            <a:headEnd type="diamond" w="lg" len="lg"/>
+            <a:tailEnd type="none"/>
+          </a:ln>
+        </p:spPr>
+        <p:style>
+          <a:lnRef idx="1">
+            <a:schemeClr val="dk1"/>
+          </a:lnRef>
+          <a:fillRef idx="0">
+            <a:schemeClr val="dk1"/>
+          </a:fillRef>
+          <a:effectRef idx="0">
+            <a:schemeClr val="dk1"/>
+          </a:effectRef>
+          <a:fontRef idx="minor">
+            <a:schemeClr val="tx1"/>
+          </a:fontRef>
+        </p:style>
+      </p:cxnSp>
+      <p:sp>
+        <p:nvSpPr>
+          <p:cNvPr id="127" name="Oval 126"/>
+          <p:cNvSpPr/>
+          <p:nvPr/>
+        </p:nvSpPr>
+        <p:spPr>
+          <a:xfrm rot="19100404">
+            <a:off x="7085747" y="4122330"/>
+            <a:ext cx="903111" cy="903111"/>
+          </a:xfrm>
+          <a:prstGeom prst="ellipse">
+            <a:avLst/>
+          </a:prstGeom>
+          <a:noFill/>
+        </p:spPr>
+        <p:style>
+          <a:lnRef idx="2">
+            <a:schemeClr val="dk1"/>
+          </a:lnRef>
+          <a:fillRef idx="1">
+            <a:schemeClr val="lt1"/>
+          </a:fillRef>
+          <a:effectRef idx="0">
+            <a:schemeClr val="dk1"/>
+          </a:effectRef>
+          <a:fontRef idx="minor">
+            <a:schemeClr val="dk1"/>
+          </a:fontRef>
+        </p:style>
+        <p:txBody>
+          <a:bodyPr rtlCol="0" anchor="ctr"/>
+          <a:lstStyle/>
+          <a:p>
+            <a:pPr algn="ctr"/>
+            <a:endParaRPr lang="en-US"/>
+          </a:p>
+        </p:txBody>
+      </p:sp>
+      <p:cxnSp>
+        <p:nvCxnSpPr>
+          <p:cNvPr id="128" name="Straight Arrow Connector 127"/>
+          <p:cNvCxnSpPr>
+            <a:endCxn id="127" idx="3"/>
+          </p:cNvCxnSpPr>
+          <p:nvPr/>
+        </p:nvCxnSpPr>
+        <p:spPr>
+          <a:xfrm flipV="1">
+            <a:off x="7510994" y="5024673"/>
+            <a:ext cx="0" cy="741750"/>
+          </a:xfrm>
+          <a:prstGeom prst="straightConnector1">
+            <a:avLst/>
+          </a:prstGeom>
+          <a:ln>
+            <a:tailEnd type="arrow"/>
+          </a:ln>
+        </p:spPr>
+        <p:style>
+          <a:lnRef idx="1">
+            <a:schemeClr val="dk1"/>
+          </a:lnRef>
+          <a:fillRef idx="0">
+            <a:schemeClr val="dk1"/>
+          </a:fillRef>
+          <a:effectRef idx="0">
+            <a:schemeClr val="dk1"/>
+          </a:effectRef>
+          <a:fontRef idx="minor">
+            <a:schemeClr val="tx1"/>
+          </a:fontRef>
+        </p:style>
+      </p:cxnSp>
+      <p:sp>
+        <p:nvSpPr>
+          <p:cNvPr id="129" name="TextBox 128"/>
+          <p:cNvSpPr txBox="1"/>
+          <p:nvPr/>
+        </p:nvSpPr>
+        <p:spPr>
+          <a:xfrm>
+            <a:off x="7176967" y="4269184"/>
+            <a:ext cx="748923" cy="646331"/>
+          </a:xfrm>
+          <a:prstGeom prst="rect">
+            <a:avLst/>
+          </a:prstGeom>
+          <a:noFill/>
+        </p:spPr>
+        <p:txBody>
+          <a:bodyPr wrap="none" rtlCol="0">
+            <a:spAutoFit/>
+          </a:bodyPr>
+          <a:lstStyle/>
+          <a:p>
+            <a:pPr algn="ctr"/>
+            <a:r>
+              <a:rPr lang="en-US" dirty="0" smtClean="0">
+                <a:latin typeface="Cambria"/>
+                <a:cs typeface="Cambria"/>
+              </a:rPr>
+              <a:t>Write</a:t>
+            </a:r>
+          </a:p>
+          <a:p>
+            <a:pPr algn="ctr"/>
+            <a:r>
+              <a:rPr lang="en-US" dirty="0" smtClean="0">
+                <a:latin typeface="Cambria"/>
+                <a:cs typeface="Cambria"/>
+              </a:rPr>
+              <a:t>0</a:t>
+            </a:r>
+            <a:endParaRPr lang="en-US" dirty="0">
+              <a:latin typeface="Cambria"/>
+              <a:cs typeface="Cambria"/>
+            </a:endParaRPr>
+          </a:p>
+        </p:txBody>
+      </p:sp>
+      <p:sp>
+        <p:nvSpPr>
+          <p:cNvPr id="130" name="Oval 129"/>
+          <p:cNvSpPr/>
+          <p:nvPr/>
+        </p:nvSpPr>
+        <p:spPr>
+          <a:xfrm rot="19100404">
+            <a:off x="8929411" y="4120016"/>
+            <a:ext cx="903111" cy="903111"/>
+          </a:xfrm>
+          <a:prstGeom prst="ellipse">
+            <a:avLst/>
+          </a:prstGeom>
+          <a:noFill/>
+        </p:spPr>
+        <p:style>
+          <a:lnRef idx="2">
+            <a:schemeClr val="dk1"/>
+          </a:lnRef>
+          <a:fillRef idx="1">
+            <a:schemeClr val="lt1"/>
+          </a:fillRef>
+          <a:effectRef idx="0">
+            <a:schemeClr val="dk1"/>
+          </a:effectRef>
+          <a:fontRef idx="minor">
+            <a:schemeClr val="dk1"/>
+          </a:fontRef>
+        </p:style>
+        <p:txBody>
+          <a:bodyPr rtlCol="0" anchor="ctr"/>
+          <a:lstStyle/>
+          <a:p>
+            <a:pPr algn="ctr"/>
+            <a:endParaRPr lang="en-US"/>
+          </a:p>
+        </p:txBody>
+      </p:sp>
+      <p:cxnSp>
+        <p:nvCxnSpPr>
+          <p:cNvPr id="131" name="Straight Arrow Connector 130"/>
+          <p:cNvCxnSpPr/>
+          <p:nvPr/>
+        </p:nvCxnSpPr>
+        <p:spPr>
+          <a:xfrm flipV="1">
+            <a:off x="9407578" y="5022359"/>
+            <a:ext cx="0" cy="741750"/>
+          </a:xfrm>
+          <a:prstGeom prst="straightConnector1">
+            <a:avLst/>
+          </a:prstGeom>
+          <a:ln>
+            <a:tailEnd type="arrow"/>
+          </a:ln>
+        </p:spPr>
+        <p:style>
+          <a:lnRef idx="1">
+            <a:schemeClr val="dk1"/>
+          </a:lnRef>
+          <a:fillRef idx="0">
+            <a:schemeClr val="dk1"/>
+          </a:fillRef>
+          <a:effectRef idx="0">
+            <a:schemeClr val="dk1"/>
+          </a:effectRef>
+          <a:fontRef idx="minor">
+            <a:schemeClr val="tx1"/>
+          </a:fontRef>
+        </p:style>
+      </p:cxnSp>
+      <p:sp>
+        <p:nvSpPr>
+          <p:cNvPr id="132" name="TextBox 131"/>
+          <p:cNvSpPr txBox="1"/>
+          <p:nvPr/>
+        </p:nvSpPr>
+        <p:spPr>
+          <a:xfrm>
+            <a:off x="9052691" y="4266870"/>
+            <a:ext cx="684803" cy="646331"/>
+          </a:xfrm>
+          <a:prstGeom prst="rect">
+            <a:avLst/>
+          </a:prstGeom>
+          <a:noFill/>
+        </p:spPr>
+        <p:txBody>
+          <a:bodyPr wrap="none" rtlCol="0">
+            <a:spAutoFit/>
+          </a:bodyPr>
+          <a:lstStyle/>
+          <a:p>
+            <a:pPr algn="ctr"/>
+            <a:r>
+              <a:rPr lang="en-US" dirty="0" smtClean="0">
+                <a:latin typeface="Cambria"/>
+                <a:cs typeface="Cambria"/>
+              </a:rPr>
+              <a:t>Read</a:t>
+            </a:r>
+          </a:p>
+          <a:p>
+            <a:pPr algn="ctr"/>
+            <a:r>
+              <a:rPr lang="en-US" dirty="0" smtClean="0">
+                <a:latin typeface="Cambria"/>
+                <a:cs typeface="Cambria"/>
+              </a:rPr>
+              <a:t>1</a:t>
+            </a:r>
+          </a:p>
+        </p:txBody>
+      </p:sp>
+      <p:cxnSp>
+        <p:nvCxnSpPr>
+          <p:cNvPr id="133" name="Straight Arrow Connector 132"/>
+          <p:cNvCxnSpPr/>
+          <p:nvPr/>
+        </p:nvCxnSpPr>
+        <p:spPr>
+          <a:xfrm flipH="1" flipV="1">
+            <a:off x="8669312" y="4566921"/>
+            <a:ext cx="245310" cy="1935"/>
+          </a:xfrm>
+          <a:prstGeom prst="straightConnector1">
+            <a:avLst/>
+          </a:prstGeom>
+          <a:ln>
+            <a:headEnd type="none" w="lg" len="lg"/>
+            <a:tailEnd type="diamond" w="lg" len="lg"/>
+          </a:ln>
+        </p:spPr>
+        <p:style>
+          <a:lnRef idx="1">
+            <a:schemeClr val="dk1"/>
+          </a:lnRef>
+          <a:fillRef idx="0">
+            <a:schemeClr val="dk1"/>
+          </a:fillRef>
+          <a:effectRef idx="0">
+            <a:schemeClr val="dk1"/>
+          </a:effectRef>
+          <a:fontRef idx="minor">
+            <a:schemeClr val="tx1"/>
+          </a:fontRef>
+        </p:style>
+      </p:cxnSp>
+      <p:cxnSp>
+        <p:nvCxnSpPr>
+          <p:cNvPr id="134" name="Straight Arrow Connector 133"/>
+          <p:cNvCxnSpPr/>
+          <p:nvPr/>
+        </p:nvCxnSpPr>
+        <p:spPr>
+          <a:xfrm rot="19100404" flipV="1">
+            <a:off x="8220004" y="4102846"/>
+            <a:ext cx="784928" cy="875564"/>
+          </a:xfrm>
+          <a:prstGeom prst="straightConnector1">
+            <a:avLst/>
+          </a:prstGeom>
+          <a:ln>
+            <a:headEnd type="arrow"/>
+            <a:tailEnd type="none"/>
+          </a:ln>
+        </p:spPr>
+        <p:style>
+          <a:lnRef idx="1">
+            <a:schemeClr val="dk1"/>
+          </a:lnRef>
+          <a:fillRef idx="0">
+            <a:schemeClr val="dk1"/>
+          </a:fillRef>
+          <a:effectRef idx="0">
+            <a:schemeClr val="dk1"/>
+          </a:effectRef>
+          <a:fontRef idx="minor">
+            <a:schemeClr val="tx1"/>
+          </a:fontRef>
+        </p:style>
+      </p:cxnSp>
+      <p:sp>
+        <p:nvSpPr>
+          <p:cNvPr id="135" name="Rectangle 134"/>
+          <p:cNvSpPr/>
+          <p:nvPr/>
+        </p:nvSpPr>
+        <p:spPr>
+          <a:xfrm>
+            <a:off x="8380011" y="5084835"/>
+            <a:ext cx="487633" cy="369332"/>
+          </a:xfrm>
+          <a:prstGeom prst="rect">
+            <a:avLst/>
+          </a:prstGeom>
+        </p:spPr>
+        <p:txBody>
+          <a:bodyPr wrap="none">
+            <a:spAutoFit/>
+          </a:bodyPr>
+          <a:lstStyle/>
+          <a:p>
+            <a:pPr algn="ctr"/>
+            <a:r>
+              <a:rPr lang="en-US" dirty="0">
+                <a:latin typeface="Cambria"/>
+                <a:cs typeface="Cambria"/>
+              </a:rPr>
+              <a:t>4.2</a:t>
+            </a:r>
+            <a:endParaRPr lang="en-US" dirty="0">
+              <a:latin typeface="Cambria"/>
+              <a:cs typeface="Cambria"/>
+            </a:endParaRPr>
+          </a:p>
+        </p:txBody>
+      </p:sp>
+    </p:spTree>
+    <p:extLst>
+      <p:ext uri="{BB962C8B-B14F-4D97-AF65-F5344CB8AC3E}">
+        <p14:creationId xmlns:p14="http://schemas.microsoft.com/office/powerpoint/2010/main" val="4237863019"/>
+      </p:ext>
+    </p:extLst>
+  </p:cSld>
+  <p:clrMapOvr>
+    <a:masterClrMapping/>
+  </p:clrMapOvr>
+</p:sld>
+</file>
+
 <file path=ppt/slides/slide2.xml><?xml version="1.0" encoding="utf-8"?>
 <p:sld xmlns:a="http://schemas.openxmlformats.org/drawingml/2006/main" xmlns:r="http://schemas.openxmlformats.org/officeDocument/2006/relationships" xmlns:p="http://schemas.openxmlformats.org/presentationml/2006/main">
   <p:cSld>
@@ -4121,7 +11769,7 @@
           <a:graphicData uri="http://schemas.openxmlformats.org/presentationml/2006/ole">
             <mc:AlternateContent xmlns:mc="http://schemas.openxmlformats.org/markup-compatibility/2006">
               <mc:Choice xmlns:v="urn:schemas-microsoft-com:vml" Requires="v">
-                <p:oleObj spid="_x0000_s2075" name="Equation" r:id="rId4" imgW="127000" imgH="165100" progId="Equation.3">
+                <p:oleObj spid="_x0000_s2079" name="Equation" r:id="rId4" imgW="127000" imgH="165100" progId="Equation.3">
                   <p:embed/>
                 </p:oleObj>
               </mc:Choice>
@@ -4178,7 +11826,7 @@
           <a:graphicData uri="http://schemas.openxmlformats.org/presentationml/2006/ole">
             <mc:AlternateContent xmlns:mc="http://schemas.openxmlformats.org/markup-compatibility/2006">
               <mc:Choice xmlns:v="urn:schemas-microsoft-com:vml" Requires="v">
-                <p:oleObj spid="_x0000_s2076" name="Equation" r:id="rId6" imgW="114300" imgH="139700" progId="Equation.3">
+                <p:oleObj spid="_x0000_s2080" name="Equation" r:id="rId6" imgW="114300" imgH="139700" progId="Equation.3">
                   <p:embed/>
                 </p:oleObj>
               </mc:Choice>
@@ -4235,7 +11883,7 @@
           <a:graphicData uri="http://schemas.openxmlformats.org/presentationml/2006/ole">
             <mc:AlternateContent xmlns:mc="http://schemas.openxmlformats.org/markup-compatibility/2006">
               <mc:Choice xmlns:v="urn:schemas-microsoft-com:vml" Requires="v">
-                <p:oleObj spid="_x0000_s2077" name="Equation" r:id="rId8" imgW="1574800" imgH="215900" progId="Equation.3">
+                <p:oleObj spid="_x0000_s2081" name="Equation" r:id="rId8" imgW="1574800" imgH="215900" progId="Equation.3">
                   <p:embed/>
                 </p:oleObj>
               </mc:Choice>
@@ -4292,7 +11940,7 @@
           <a:graphicData uri="http://schemas.openxmlformats.org/presentationml/2006/ole">
             <mc:AlternateContent xmlns:mc="http://schemas.openxmlformats.org/markup-compatibility/2006">
               <mc:Choice xmlns:v="urn:schemas-microsoft-com:vml" Requires="v">
-                <p:oleObj spid="_x0000_s2078" name="Equation" r:id="rId10" imgW="647700" imgH="393700" progId="Equation.3">
+                <p:oleObj spid="_x0000_s2082" name="Equation" r:id="rId10" imgW="647700" imgH="393700" progId="Equation.3">
                   <p:embed/>
                 </p:oleObj>
               </mc:Choice>
@@ -5627,7 +13275,7 @@
           <a:graphicData uri="http://schemas.openxmlformats.org/presentationml/2006/ole">
             <mc:AlternateContent xmlns:mc="http://schemas.openxmlformats.org/markup-compatibility/2006">
               <mc:Choice xmlns:v="urn:schemas-microsoft-com:vml" Requires="v">
-                <p:oleObj spid="_x0000_s3429" name="Equation" r:id="rId3" imgW="254000" imgH="241300" progId="Equation.3">
+                <p:oleObj spid="_x0000_s3453" name="Equation" r:id="rId3" imgW="254000" imgH="241300" progId="Equation.3">
                   <p:embed/>
                 </p:oleObj>
               </mc:Choice>
@@ -5776,7 +13424,7 @@
           <a:graphicData uri="http://schemas.openxmlformats.org/presentationml/2006/ole">
             <mc:AlternateContent xmlns:mc="http://schemas.openxmlformats.org/markup-compatibility/2006">
               <mc:Choice xmlns:v="urn:schemas-microsoft-com:vml" Requires="v">
-                <p:oleObj spid="_x0000_s3430" name="Equation" r:id="rId5" imgW="254000" imgH="241300" progId="Equation.3">
+                <p:oleObj spid="_x0000_s3454" name="Equation" r:id="rId5" imgW="254000" imgH="241300" progId="Equation.3">
                   <p:embed/>
                 </p:oleObj>
               </mc:Choice>
@@ -5880,7 +13528,7 @@
           <a:graphicData uri="http://schemas.openxmlformats.org/presentationml/2006/ole">
             <mc:AlternateContent xmlns:mc="http://schemas.openxmlformats.org/markup-compatibility/2006">
               <mc:Choice xmlns:v="urn:schemas-microsoft-com:vml" Requires="v">
-                <p:oleObj spid="_x0000_s3431" name="Equation" r:id="rId7" imgW="254000" imgH="241300" progId="Equation.3">
+                <p:oleObj spid="_x0000_s3455" name="Equation" r:id="rId7" imgW="254000" imgH="241300" progId="Equation.3">
                   <p:embed/>
                 </p:oleObj>
               </mc:Choice>
@@ -5984,7 +13632,7 @@
           <a:graphicData uri="http://schemas.openxmlformats.org/presentationml/2006/ole">
             <mc:AlternateContent xmlns:mc="http://schemas.openxmlformats.org/markup-compatibility/2006">
               <mc:Choice xmlns:v="urn:schemas-microsoft-com:vml" Requires="v">
-                <p:oleObj spid="_x0000_s3432" name="Equation" r:id="rId9" imgW="266700" imgH="241300" progId="Equation.3">
+                <p:oleObj spid="_x0000_s3456" name="Equation" r:id="rId9" imgW="266700" imgH="241300" progId="Equation.3">
                   <p:embed/>
                 </p:oleObj>
               </mc:Choice>
@@ -6088,7 +13736,7 @@
           <a:graphicData uri="http://schemas.openxmlformats.org/presentationml/2006/ole">
             <mc:AlternateContent xmlns:mc="http://schemas.openxmlformats.org/markup-compatibility/2006">
               <mc:Choice xmlns:v="urn:schemas-microsoft-com:vml" Requires="v">
-                <p:oleObj spid="_x0000_s3433" name="Equation" r:id="rId11" imgW="266700" imgH="241300" progId="Equation.3">
+                <p:oleObj spid="_x0000_s3457" name="Equation" r:id="rId11" imgW="266700" imgH="241300" progId="Equation.3">
                   <p:embed/>
                 </p:oleObj>
               </mc:Choice>
@@ -6192,7 +13840,7 @@
           <a:graphicData uri="http://schemas.openxmlformats.org/presentationml/2006/ole">
             <mc:AlternateContent xmlns:mc="http://schemas.openxmlformats.org/markup-compatibility/2006">
               <mc:Choice xmlns:v="urn:schemas-microsoft-com:vml" Requires="v">
-                <p:oleObj spid="_x0000_s3434" name="Equation" r:id="rId13" imgW="254000" imgH="241300" progId="Equation.3">
+                <p:oleObj spid="_x0000_s3458" name="Equation" r:id="rId13" imgW="254000" imgH="241300" progId="Equation.3">
                   <p:embed/>
                 </p:oleObj>
               </mc:Choice>
@@ -6341,7 +13989,7 @@
           <a:graphicData uri="http://schemas.openxmlformats.org/presentationml/2006/ole">
             <mc:AlternateContent xmlns:mc="http://schemas.openxmlformats.org/markup-compatibility/2006">
               <mc:Choice xmlns:v="urn:schemas-microsoft-com:vml" Requires="v">
-                <p:oleObj spid="_x0000_s3435" name="Equation" r:id="rId15" imgW="266700" imgH="241300" progId="Equation.3">
+                <p:oleObj spid="_x0000_s3459" name="Equation" r:id="rId15" imgW="266700" imgH="241300" progId="Equation.3">
                   <p:embed/>
                 </p:oleObj>
               </mc:Choice>
@@ -6400,7 +14048,7 @@
           <a:graphicData uri="http://schemas.openxmlformats.org/presentationml/2006/ole">
             <mc:AlternateContent xmlns:mc="http://schemas.openxmlformats.org/markup-compatibility/2006">
               <mc:Choice xmlns:v="urn:schemas-microsoft-com:vml" Requires="v">
-                <p:oleObj spid="_x0000_s3436" name="Equation" r:id="rId17" imgW="254000" imgH="241300" progId="Equation.3">
+                <p:oleObj spid="_x0000_s3460" name="Equation" r:id="rId17" imgW="254000" imgH="241300" progId="Equation.3">
                   <p:embed/>
                 </p:oleObj>
               </mc:Choice>
@@ -6459,7 +14107,7 @@
           <a:graphicData uri="http://schemas.openxmlformats.org/presentationml/2006/ole">
             <mc:AlternateContent xmlns:mc="http://schemas.openxmlformats.org/markup-compatibility/2006">
               <mc:Choice xmlns:v="urn:schemas-microsoft-com:vml" Requires="v">
-                <p:oleObj spid="_x0000_s3437" name="Equation" r:id="rId19" imgW="254000" imgH="241300" progId="Equation.3">
+                <p:oleObj spid="_x0000_s3461" name="Equation" r:id="rId19" imgW="254000" imgH="241300" progId="Equation.3">
                   <p:embed/>
                 </p:oleObj>
               </mc:Choice>
@@ -6563,7 +14211,7 @@
           <a:graphicData uri="http://schemas.openxmlformats.org/presentationml/2006/ole">
             <mc:AlternateContent xmlns:mc="http://schemas.openxmlformats.org/markup-compatibility/2006">
               <mc:Choice xmlns:v="urn:schemas-microsoft-com:vml" Requires="v">
-                <p:oleObj spid="_x0000_s3438" name="Equation" r:id="rId21" imgW="279400" imgH="241300" progId="Equation.3">
+                <p:oleObj spid="_x0000_s3462" name="Equation" r:id="rId21" imgW="279400" imgH="241300" progId="Equation.3">
                   <p:embed/>
                 </p:oleObj>
               </mc:Choice>
@@ -6712,7 +14360,7 @@
           <a:graphicData uri="http://schemas.openxmlformats.org/presentationml/2006/ole">
             <mc:AlternateContent xmlns:mc="http://schemas.openxmlformats.org/markup-compatibility/2006">
               <mc:Choice xmlns:v="urn:schemas-microsoft-com:vml" Requires="v">
-                <p:oleObj spid="_x0000_s3439" name="Equation" r:id="rId23" imgW="279400" imgH="241300" progId="Equation.3">
+                <p:oleObj spid="_x0000_s3463" name="Equation" r:id="rId23" imgW="279400" imgH="241300" progId="Equation.3">
                   <p:embed/>
                 </p:oleObj>
               </mc:Choice>
@@ -6816,7 +14464,7 @@
           <a:graphicData uri="http://schemas.openxmlformats.org/presentationml/2006/ole">
             <mc:AlternateContent xmlns:mc="http://schemas.openxmlformats.org/markup-compatibility/2006">
               <mc:Choice xmlns:v="urn:schemas-microsoft-com:vml" Requires="v">
-                <p:oleObj spid="_x0000_s3440" name="Equation" r:id="rId25" imgW="279400" imgH="241300" progId="Equation.3">
+                <p:oleObj spid="_x0000_s3464" name="Equation" r:id="rId25" imgW="279400" imgH="241300" progId="Equation.3">
                   <p:embed/>
                 </p:oleObj>
               </mc:Choice>
@@ -6920,7 +14568,7 @@
           <a:graphicData uri="http://schemas.openxmlformats.org/presentationml/2006/ole">
             <mc:AlternateContent xmlns:mc="http://schemas.openxmlformats.org/markup-compatibility/2006">
               <mc:Choice xmlns:v="urn:schemas-microsoft-com:vml" Requires="v">
-                <p:oleObj spid="_x0000_s3441" name="Equation" r:id="rId27" imgW="279400" imgH="241300" progId="Equation.3">
+                <p:oleObj spid="_x0000_s3465" name="Equation" r:id="rId27" imgW="279400" imgH="241300" progId="Equation.3">
                   <p:embed/>
                 </p:oleObj>
               </mc:Choice>
@@ -7024,7 +14672,7 @@
           <a:graphicData uri="http://schemas.openxmlformats.org/presentationml/2006/ole">
             <mc:AlternateContent xmlns:mc="http://schemas.openxmlformats.org/markup-compatibility/2006">
               <mc:Choice xmlns:v="urn:schemas-microsoft-com:vml" Requires="v">
-                <p:oleObj spid="_x0000_s3442" name="Equation" r:id="rId29" imgW="279400" imgH="241300" progId="Equation.3">
+                <p:oleObj spid="_x0000_s3466" name="Equation" r:id="rId29" imgW="279400" imgH="241300" progId="Equation.3">
                   <p:embed/>
                 </p:oleObj>
               </mc:Choice>
@@ -7128,7 +14776,7 @@
           <a:graphicData uri="http://schemas.openxmlformats.org/presentationml/2006/ole">
             <mc:AlternateContent xmlns:mc="http://schemas.openxmlformats.org/markup-compatibility/2006">
               <mc:Choice xmlns:v="urn:schemas-microsoft-com:vml" Requires="v">
-                <p:oleObj spid="_x0000_s3443" name="Equation" r:id="rId31" imgW="279400" imgH="241300" progId="Equation.3">
+                <p:oleObj spid="_x0000_s3467" name="Equation" r:id="rId31" imgW="279400" imgH="241300" progId="Equation.3">
                   <p:embed/>
                 </p:oleObj>
               </mc:Choice>
@@ -7277,7 +14925,7 @@
           <a:graphicData uri="http://schemas.openxmlformats.org/presentationml/2006/ole">
             <mc:AlternateContent xmlns:mc="http://schemas.openxmlformats.org/markup-compatibility/2006">
               <mc:Choice xmlns:v="urn:schemas-microsoft-com:vml" Requires="v">
-                <p:oleObj spid="_x0000_s3444" name="Equation" r:id="rId33" imgW="279400" imgH="241300" progId="Equation.3">
+                <p:oleObj spid="_x0000_s3468" name="Equation" r:id="rId33" imgW="279400" imgH="241300" progId="Equation.3">
                   <p:embed/>
                 </p:oleObj>
               </mc:Choice>
@@ -7336,7 +14984,7 @@
           <a:graphicData uri="http://schemas.openxmlformats.org/presentationml/2006/ole">
             <mc:AlternateContent xmlns:mc="http://schemas.openxmlformats.org/markup-compatibility/2006">
               <mc:Choice xmlns:v="urn:schemas-microsoft-com:vml" Requires="v">
-                <p:oleObj spid="_x0000_s3445" name="Equation" r:id="rId35" imgW="279400" imgH="241300" progId="Equation.3">
+                <p:oleObj spid="_x0000_s3469" name="Equation" r:id="rId35" imgW="279400" imgH="241300" progId="Equation.3">
                   <p:embed/>
                 </p:oleObj>
               </mc:Choice>
@@ -7395,7 +15043,7 @@
           <a:graphicData uri="http://schemas.openxmlformats.org/presentationml/2006/ole">
             <mc:AlternateContent xmlns:mc="http://schemas.openxmlformats.org/markup-compatibility/2006">
               <mc:Choice xmlns:v="urn:schemas-microsoft-com:vml" Requires="v">
-                <p:oleObj spid="_x0000_s3446" name="Equation" r:id="rId37" imgW="279400" imgH="241300" progId="Equation.3">
+                <p:oleObj spid="_x0000_s3470" name="Equation" r:id="rId37" imgW="279400" imgH="241300" progId="Equation.3">
                   <p:embed/>
                 </p:oleObj>
               </mc:Choice>
@@ -7499,7 +15147,7 @@
           <a:graphicData uri="http://schemas.openxmlformats.org/presentationml/2006/ole">
             <mc:AlternateContent xmlns:mc="http://schemas.openxmlformats.org/markup-compatibility/2006">
               <mc:Choice xmlns:v="urn:schemas-microsoft-com:vml" Requires="v">
-                <p:oleObj spid="_x0000_s3447" name="Equation" r:id="rId39" imgW="139700" imgH="228600" progId="Equation.3">
+                <p:oleObj spid="_x0000_s3471" name="Equation" r:id="rId39" imgW="139700" imgH="228600" progId="Equation.3">
                   <p:embed/>
                 </p:oleObj>
               </mc:Choice>
@@ -7648,7 +15296,7 @@
           <a:graphicData uri="http://schemas.openxmlformats.org/presentationml/2006/ole">
             <mc:AlternateContent xmlns:mc="http://schemas.openxmlformats.org/markup-compatibility/2006">
               <mc:Choice xmlns:v="urn:schemas-microsoft-com:vml" Requires="v">
-                <p:oleObj spid="_x0000_s3448" name="Equation" r:id="rId41" imgW="139700" imgH="228600" progId="Equation.3">
+                <p:oleObj spid="_x0000_s3472" name="Equation" r:id="rId41" imgW="139700" imgH="228600" progId="Equation.3">
                   <p:embed/>
                 </p:oleObj>
               </mc:Choice>
@@ -7707,7 +15355,7 @@
           <a:graphicData uri="http://schemas.openxmlformats.org/presentationml/2006/ole">
             <mc:AlternateContent xmlns:mc="http://schemas.openxmlformats.org/markup-compatibility/2006">
               <mc:Choice xmlns:v="urn:schemas-microsoft-com:vml" Requires="v">
-                <p:oleObj spid="_x0000_s3449" name="Equation" r:id="rId43" imgW="139700" imgH="241300" progId="Equation.3">
+                <p:oleObj spid="_x0000_s3473" name="Equation" r:id="rId43" imgW="139700" imgH="241300" progId="Equation.3">
                   <p:embed/>
                 </p:oleObj>
               </mc:Choice>
@@ -7811,7 +15459,7 @@
           <a:graphicData uri="http://schemas.openxmlformats.org/presentationml/2006/ole">
             <mc:AlternateContent xmlns:mc="http://schemas.openxmlformats.org/markup-compatibility/2006">
               <mc:Choice xmlns:v="urn:schemas-microsoft-com:vml" Requires="v">
-                <p:oleObj spid="_x0000_s3450" name="Equation" r:id="rId45" imgW="165100" imgH="228600" progId="Equation.3">
+                <p:oleObj spid="_x0000_s3474" name="Equation" r:id="rId45" imgW="165100" imgH="228600" progId="Equation.3">
                   <p:embed/>
                 </p:oleObj>
               </mc:Choice>
@@ -7960,7 +15608,7 @@
           <a:graphicData uri="http://schemas.openxmlformats.org/presentationml/2006/ole">
             <mc:AlternateContent xmlns:mc="http://schemas.openxmlformats.org/markup-compatibility/2006">
               <mc:Choice xmlns:v="urn:schemas-microsoft-com:vml" Requires="v">
-                <p:oleObj spid="_x0000_s3451" name="Equation" r:id="rId47" imgW="165100" imgH="228600" progId="Equation.3">
+                <p:oleObj spid="_x0000_s3475" name="Equation" r:id="rId47" imgW="165100" imgH="228600" progId="Equation.3">
                   <p:embed/>
                 </p:oleObj>
               </mc:Choice>
@@ -8019,7 +15667,7 @@
           <a:graphicData uri="http://schemas.openxmlformats.org/presentationml/2006/ole">
             <mc:AlternateContent xmlns:mc="http://schemas.openxmlformats.org/markup-compatibility/2006">
               <mc:Choice xmlns:v="urn:schemas-microsoft-com:vml" Requires="v">
-                <p:oleObj spid="_x0000_s3452" name="Equation" r:id="rId49" imgW="165100" imgH="241300" progId="Equation.3">
+                <p:oleObj spid="_x0000_s3476" name="Equation" r:id="rId49" imgW="165100" imgH="241300" progId="Equation.3">
                   <p:embed/>
                 </p:oleObj>
               </mc:Choice>
@@ -8287,7 +15935,7 @@
           <a:graphicData uri="http://schemas.openxmlformats.org/presentationml/2006/ole">
             <mc:AlternateContent xmlns:mc="http://schemas.openxmlformats.org/markup-compatibility/2006">
               <mc:Choice xmlns:v="urn:schemas-microsoft-com:vml" Requires="v">
-                <p:oleObj spid="_x0000_s4205" name="Equation" r:id="rId3" imgW="127000" imgH="165100" progId="Equation.3">
+                <p:oleObj spid="_x0000_s4229" name="Equation" r:id="rId3" imgW="127000" imgH="165100" progId="Equation.3">
                   <p:embed/>
                 </p:oleObj>
               </mc:Choice>
@@ -8344,7 +15992,7 @@
           <a:graphicData uri="http://schemas.openxmlformats.org/presentationml/2006/ole">
             <mc:AlternateContent xmlns:mc="http://schemas.openxmlformats.org/markup-compatibility/2006">
               <mc:Choice xmlns:v="urn:schemas-microsoft-com:vml" Requires="v">
-                <p:oleObj spid="_x0000_s4206" name="Equation" r:id="rId5" imgW="152400" imgH="203200" progId="Equation.3">
+                <p:oleObj spid="_x0000_s4230" name="Equation" r:id="rId5" imgW="152400" imgH="203200" progId="Equation.3">
                   <p:embed/>
                 </p:oleObj>
               </mc:Choice>
@@ -8401,7 +16049,7 @@
           <a:graphicData uri="http://schemas.openxmlformats.org/presentationml/2006/ole">
             <mc:AlternateContent xmlns:mc="http://schemas.openxmlformats.org/markup-compatibility/2006">
               <mc:Choice xmlns:v="urn:schemas-microsoft-com:vml" Requires="v">
-                <p:oleObj spid="_x0000_s4207" name="Equation" r:id="rId7" imgW="177800" imgH="203200" progId="Equation.3">
+                <p:oleObj spid="_x0000_s4231" name="Equation" r:id="rId7" imgW="177800" imgH="203200" progId="Equation.3">
                   <p:embed/>
                 </p:oleObj>
               </mc:Choice>
@@ -8458,7 +16106,7 @@
           <a:graphicData uri="http://schemas.openxmlformats.org/presentationml/2006/ole">
             <mc:AlternateContent xmlns:mc="http://schemas.openxmlformats.org/markup-compatibility/2006">
               <mc:Choice xmlns:v="urn:schemas-microsoft-com:vml" Requires="v">
-                <p:oleObj spid="_x0000_s4208" name="Equation" r:id="rId9" imgW="165100" imgH="215900" progId="Equation.3">
+                <p:oleObj spid="_x0000_s4232" name="Equation" r:id="rId9" imgW="165100" imgH="215900" progId="Equation.3">
                   <p:embed/>
                 </p:oleObj>
               </mc:Choice>
@@ -8515,7 +16163,7 @@
           <a:graphicData uri="http://schemas.openxmlformats.org/presentationml/2006/ole">
             <mc:AlternateContent xmlns:mc="http://schemas.openxmlformats.org/markup-compatibility/2006">
               <mc:Choice xmlns:v="urn:schemas-microsoft-com:vml" Requires="v">
-                <p:oleObj spid="_x0000_s4209" name="Equation" r:id="rId11" imgW="508000" imgH="203200" progId="Equation.3">
+                <p:oleObj spid="_x0000_s4233" name="Equation" r:id="rId11" imgW="508000" imgH="203200" progId="Equation.3">
                   <p:embed/>
                 </p:oleObj>
               </mc:Choice>
@@ -8572,7 +16220,7 @@
           <a:graphicData uri="http://schemas.openxmlformats.org/presentationml/2006/ole">
             <mc:AlternateContent xmlns:mc="http://schemas.openxmlformats.org/markup-compatibility/2006">
               <mc:Choice xmlns:v="urn:schemas-microsoft-com:vml" Requires="v">
-                <p:oleObj spid="_x0000_s4210" name="Equation" r:id="rId13" imgW="317500" imgH="177800" progId="Equation.3">
+                <p:oleObj spid="_x0000_s4234" name="Equation" r:id="rId13" imgW="317500" imgH="177800" progId="Equation.3">
                   <p:embed/>
                 </p:oleObj>
               </mc:Choice>
@@ -8629,7 +16277,7 @@
           <a:graphicData uri="http://schemas.openxmlformats.org/presentationml/2006/ole">
             <mc:AlternateContent xmlns:mc="http://schemas.openxmlformats.org/markup-compatibility/2006">
               <mc:Choice xmlns:v="urn:schemas-microsoft-com:vml" Requires="v">
-                <p:oleObj spid="_x0000_s4211" name="Equation" r:id="rId15" imgW="330200" imgH="177800" progId="Equation.3">
+                <p:oleObj spid="_x0000_s4235" name="Equation" r:id="rId15" imgW="330200" imgH="177800" progId="Equation.3">
                   <p:embed/>
                 </p:oleObj>
               </mc:Choice>
@@ -8686,7 +16334,7 @@
           <a:graphicData uri="http://schemas.openxmlformats.org/presentationml/2006/ole">
             <mc:AlternateContent xmlns:mc="http://schemas.openxmlformats.org/markup-compatibility/2006">
               <mc:Choice xmlns:v="urn:schemas-microsoft-com:vml" Requires="v">
-                <p:oleObj spid="_x0000_s4212" name="Equation" r:id="rId17" imgW="177800" imgH="203200" progId="Equation.3">
+                <p:oleObj spid="_x0000_s4236" name="Equation" r:id="rId17" imgW="177800" imgH="203200" progId="Equation.3">
                   <p:embed/>
                 </p:oleObj>
               </mc:Choice>
@@ -8743,7 +16391,7 @@
           <a:graphicData uri="http://schemas.openxmlformats.org/presentationml/2006/ole">
             <mc:AlternateContent xmlns:mc="http://schemas.openxmlformats.org/markup-compatibility/2006">
               <mc:Choice xmlns:v="urn:schemas-microsoft-com:vml" Requires="v">
-                <p:oleObj spid="_x0000_s4213" name="Equation" r:id="rId19" imgW="203200" imgH="203200" progId="Equation.3">
+                <p:oleObj spid="_x0000_s4237" name="Equation" r:id="rId19" imgW="203200" imgH="203200" progId="Equation.3">
                   <p:embed/>
                 </p:oleObj>
               </mc:Choice>
@@ -8800,7 +16448,7 @@
           <a:graphicData uri="http://schemas.openxmlformats.org/presentationml/2006/ole">
             <mc:AlternateContent xmlns:mc="http://schemas.openxmlformats.org/markup-compatibility/2006">
               <mc:Choice xmlns:v="urn:schemas-microsoft-com:vml" Requires="v">
-                <p:oleObj spid="_x0000_s4214" name="Equation" r:id="rId21" imgW="203200" imgH="203200" progId="Equation.3">
+                <p:oleObj spid="_x0000_s4238" name="Equation" r:id="rId21" imgW="203200" imgH="203200" progId="Equation.3">
                   <p:embed/>
                 </p:oleObj>
               </mc:Choice>
@@ -8857,7 +16505,7 @@
           <a:graphicData uri="http://schemas.openxmlformats.org/presentationml/2006/ole">
             <mc:AlternateContent xmlns:mc="http://schemas.openxmlformats.org/markup-compatibility/2006">
               <mc:Choice xmlns:v="urn:schemas-microsoft-com:vml" Requires="v">
-                <p:oleObj spid="_x0000_s4215" name="Equation" r:id="rId23" imgW="1625600" imgH="241300" progId="Equation.3">
+                <p:oleObj spid="_x0000_s4239" name="Equation" r:id="rId23" imgW="1625600" imgH="241300" progId="Equation.3">
                   <p:embed/>
                 </p:oleObj>
               </mc:Choice>
@@ -8914,7 +16562,7 @@
           <a:graphicData uri="http://schemas.openxmlformats.org/presentationml/2006/ole">
             <mc:AlternateContent xmlns:mc="http://schemas.openxmlformats.org/markup-compatibility/2006">
               <mc:Choice xmlns:v="urn:schemas-microsoft-com:vml" Requires="v">
-                <p:oleObj spid="_x0000_s4216" name="Equation" r:id="rId25" imgW="114300" imgH="165100" progId="Equation.3">
+                <p:oleObj spid="_x0000_s4240" name="Equation" r:id="rId25" imgW="114300" imgH="165100" progId="Equation.3">
                   <p:embed/>
                 </p:oleObj>
               </mc:Choice>
@@ -10042,7 +17690,7 @@
           <a:graphicData uri="http://schemas.openxmlformats.org/presentationml/2006/ole">
             <mc:AlternateContent xmlns:mc="http://schemas.openxmlformats.org/markup-compatibility/2006">
               <mc:Choice xmlns:v="urn:schemas-microsoft-com:vml" Requires="v">
-                <p:oleObj spid="_x0000_s6166" name="Equation" r:id="rId3" imgW="139700" imgH="228600" progId="Equation.3">
+                <p:oleObj spid="_x0000_s6171" name="Equation" r:id="rId3" imgW="139700" imgH="228600" progId="Equation.3">
                   <p:embed/>
                 </p:oleObj>
               </mc:Choice>
@@ -10101,7 +17749,7 @@
           <a:graphicData uri="http://schemas.openxmlformats.org/presentationml/2006/ole">
             <mc:AlternateContent xmlns:mc="http://schemas.openxmlformats.org/markup-compatibility/2006">
               <mc:Choice xmlns:v="urn:schemas-microsoft-com:vml" Requires="v">
-                <p:oleObj spid="_x0000_s6167" name="Equation" r:id="rId5" imgW="165100" imgH="228600" progId="Equation.3">
+                <p:oleObj spid="_x0000_s6172" name="Equation" r:id="rId5" imgW="165100" imgH="228600" progId="Equation.3">
                   <p:embed/>
                 </p:oleObj>
               </mc:Choice>
@@ -10195,7 +17843,7 @@
           <a:graphicData uri="http://schemas.openxmlformats.org/presentationml/2006/ole">
             <mc:AlternateContent xmlns:mc="http://schemas.openxmlformats.org/markup-compatibility/2006">
               <mc:Choice xmlns:v="urn:schemas-microsoft-com:vml" Requires="v">
-                <p:oleObj spid="_x0000_s6168" name="Equation" r:id="rId7" imgW="165100" imgH="241300" progId="Equation.3">
+                <p:oleObj spid="_x0000_s6173" name="Equation" r:id="rId7" imgW="165100" imgH="241300" progId="Equation.3">
                   <p:embed/>
                 </p:oleObj>
               </mc:Choice>
@@ -10254,7 +17902,7 @@
           <a:graphicData uri="http://schemas.openxmlformats.org/presentationml/2006/ole">
             <mc:AlternateContent xmlns:mc="http://schemas.openxmlformats.org/markup-compatibility/2006">
               <mc:Choice xmlns:v="urn:schemas-microsoft-com:vml" Requires="v">
-                <p:oleObj spid="_x0000_s6169" name="Equation" r:id="rId9" imgW="165100" imgH="254000" progId="Equation.3">
+                <p:oleObj spid="_x0000_s6174" name="Equation" r:id="rId9" imgW="165100" imgH="254000" progId="Equation.3">
                   <p:embed/>
                 </p:oleObj>
               </mc:Choice>
@@ -10313,7 +17961,7 @@
           <a:graphicData uri="http://schemas.openxmlformats.org/presentationml/2006/ole">
             <mc:AlternateContent xmlns:mc="http://schemas.openxmlformats.org/markup-compatibility/2006">
               <mc:Choice xmlns:v="urn:schemas-microsoft-com:vml" Requires="v">
-                <p:oleObj spid="_x0000_s6170" name="Equation" r:id="rId11" imgW="165100" imgH="254000" progId="Equation.3">
+                <p:oleObj spid="_x0000_s6175" name="Equation" r:id="rId11" imgW="165100" imgH="254000" progId="Equation.3">
                   <p:embed/>
                 </p:oleObj>
               </mc:Choice>
@@ -13502,7 +21150,7 @@
           <p:nvPr>
             <p:extLst>
               <p:ext uri="{D42A27DB-BD31-4B8C-83A1-F6EECF244321}">
-                <p14:modId xmlns:p14="http://schemas.microsoft.com/office/powerpoint/2010/main" val="1217069259"/>
+                <p14:modId xmlns:p14="http://schemas.microsoft.com/office/powerpoint/2010/main" val="2481641599"/>
               </p:ext>
             </p:extLst>
           </p:nvPr>
@@ -13515,7 +21163,7 @@
           <a:graphicData uri="http://schemas.openxmlformats.org/presentationml/2006/ole">
             <mc:AlternateContent xmlns:mc="http://schemas.openxmlformats.org/markup-compatibility/2006">
               <mc:Choice xmlns:v="urn:schemas-microsoft-com:vml" Requires="v">
-                <p:oleObj spid="_x0000_s7175" name="Equation" r:id="rId3" imgW="165100" imgH="228600" progId="Equation.3">
+                <p:oleObj spid="_x0000_s7205" name="Equation" r:id="rId3" imgW="165100" imgH="228600" progId="Equation.3">
                   <p:embed/>
                 </p:oleObj>
               </mc:Choice>
@@ -13561,7 +21209,7 @@
           <p:nvPr>
             <p:extLst>
               <p:ext uri="{D42A27DB-BD31-4B8C-83A1-F6EECF244321}">
-                <p14:modId xmlns:p14="http://schemas.microsoft.com/office/powerpoint/2010/main" val="571435540"/>
+                <p14:modId xmlns:p14="http://schemas.microsoft.com/office/powerpoint/2010/main" val="744727759"/>
               </p:ext>
             </p:extLst>
           </p:nvPr>
@@ -13574,7 +21222,7 @@
           <a:graphicData uri="http://schemas.openxmlformats.org/presentationml/2006/ole">
             <mc:AlternateContent xmlns:mc="http://schemas.openxmlformats.org/markup-compatibility/2006">
               <mc:Choice xmlns:v="urn:schemas-microsoft-com:vml" Requires="v">
-                <p:oleObj spid="_x0000_s7176" name="Equation" r:id="rId5" imgW="165100" imgH="228600" progId="Equation.3">
+                <p:oleObj spid="_x0000_s7206" name="Equation" r:id="rId5" imgW="165100" imgH="228600" progId="Equation.3">
                   <p:embed/>
                 </p:oleObj>
               </mc:Choice>
@@ -13620,7 +21268,7 @@
           <p:nvPr>
             <p:extLst>
               <p:ext uri="{D42A27DB-BD31-4B8C-83A1-F6EECF244321}">
-                <p14:modId xmlns:p14="http://schemas.microsoft.com/office/powerpoint/2010/main" val="2217236599"/>
+                <p14:modId xmlns:p14="http://schemas.microsoft.com/office/powerpoint/2010/main" val="4018740608"/>
               </p:ext>
             </p:extLst>
           </p:nvPr>
@@ -13633,7 +21281,7 @@
           <a:graphicData uri="http://schemas.openxmlformats.org/presentationml/2006/ole">
             <mc:AlternateContent xmlns:mc="http://schemas.openxmlformats.org/markup-compatibility/2006">
               <mc:Choice xmlns:v="urn:schemas-microsoft-com:vml" Requires="v">
-                <p:oleObj spid="_x0000_s7177" name="Equation" r:id="rId7" imgW="190500" imgH="228600" progId="Equation.3">
+                <p:oleObj spid="_x0000_s7207" name="Equation" r:id="rId7" imgW="190500" imgH="228600" progId="Equation.3">
                   <p:embed/>
                 </p:oleObj>
               </mc:Choice>
@@ -13679,7 +21327,7 @@
           <p:nvPr>
             <p:extLst>
               <p:ext uri="{D42A27DB-BD31-4B8C-83A1-F6EECF244321}">
-                <p14:modId xmlns:p14="http://schemas.microsoft.com/office/powerpoint/2010/main" val="4093432448"/>
+                <p14:modId xmlns:p14="http://schemas.microsoft.com/office/powerpoint/2010/main" val="1195630472"/>
               </p:ext>
             </p:extLst>
           </p:nvPr>
@@ -13692,7 +21340,7 @@
           <a:graphicData uri="http://schemas.openxmlformats.org/presentationml/2006/ole">
             <mc:AlternateContent xmlns:mc="http://schemas.openxmlformats.org/markup-compatibility/2006">
               <mc:Choice xmlns:v="urn:schemas-microsoft-com:vml" Requires="v">
-                <p:oleObj spid="_x0000_s7178" name="Equation" r:id="rId9" imgW="165100" imgH="228600" progId="Equation.3">
+                <p:oleObj spid="_x0000_s7208" name="Equation" r:id="rId9" imgW="165100" imgH="228600" progId="Equation.3">
                   <p:embed/>
                 </p:oleObj>
               </mc:Choice>
@@ -13738,7 +21386,7 @@
           <p:nvPr>
             <p:extLst>
               <p:ext uri="{D42A27DB-BD31-4B8C-83A1-F6EECF244321}">
-                <p14:modId xmlns:p14="http://schemas.microsoft.com/office/powerpoint/2010/main" val="2393717802"/>
+                <p14:modId xmlns:p14="http://schemas.microsoft.com/office/powerpoint/2010/main" val="1845352620"/>
               </p:ext>
             </p:extLst>
           </p:nvPr>
@@ -13751,7 +21399,7 @@
           <a:graphicData uri="http://schemas.openxmlformats.org/presentationml/2006/ole">
             <mc:AlternateContent xmlns:mc="http://schemas.openxmlformats.org/markup-compatibility/2006">
               <mc:Choice xmlns:v="urn:schemas-microsoft-com:vml" Requires="v">
-                <p:oleObj spid="_x0000_s7179" name="Equation" r:id="rId11" imgW="165100" imgH="228600" progId="Equation.3">
+                <p:oleObj spid="_x0000_s7209" name="Equation" r:id="rId11" imgW="165100" imgH="228600" progId="Equation.3">
                   <p:embed/>
                 </p:oleObj>
               </mc:Choice>
@@ -13797,7 +21445,7 @@
           <p:nvPr>
             <p:extLst>
               <p:ext uri="{D42A27DB-BD31-4B8C-83A1-F6EECF244321}">
-                <p14:modId xmlns:p14="http://schemas.microsoft.com/office/powerpoint/2010/main" val="70441255"/>
+                <p14:modId xmlns:p14="http://schemas.microsoft.com/office/powerpoint/2010/main" val="2370980071"/>
               </p:ext>
             </p:extLst>
           </p:nvPr>
@@ -13810,7 +21458,7 @@
           <a:graphicData uri="http://schemas.openxmlformats.org/presentationml/2006/ole">
             <mc:AlternateContent xmlns:mc="http://schemas.openxmlformats.org/markup-compatibility/2006">
               <mc:Choice xmlns:v="urn:schemas-microsoft-com:vml" Requires="v">
-                <p:oleObj spid="_x0000_s7180" name="Equation" r:id="rId13" imgW="177800" imgH="228600" progId="Equation.3">
+                <p:oleObj spid="_x0000_s7210" name="Equation" r:id="rId13" imgW="177800" imgH="228600" progId="Equation.3">
                   <p:embed/>
                 </p:oleObj>
               </mc:Choice>
@@ -13851,6 +21499,480 @@
     <p:extLst>
       <p:ext uri="{BB962C8B-B14F-4D97-AF65-F5344CB8AC3E}">
         <p14:creationId xmlns:p14="http://schemas.microsoft.com/office/powerpoint/2010/main" val="3907921399"/>
+      </p:ext>
+    </p:extLst>
+  </p:cSld>
+  <p:clrMapOvr>
+    <a:masterClrMapping/>
+  </p:clrMapOvr>
+</p:sld>
+</file>
+
+<file path=ppt/slides/slide9.xml><?xml version="1.0" encoding="utf-8"?>
+<p:sld xmlns:a="http://schemas.openxmlformats.org/drawingml/2006/main" xmlns:r="http://schemas.openxmlformats.org/officeDocument/2006/relationships" xmlns:p="http://schemas.openxmlformats.org/presentationml/2006/main">
+  <p:cSld>
+    <p:spTree>
+      <p:nvGrpSpPr>
+        <p:cNvPr id="1" name=""/>
+        <p:cNvGrpSpPr/>
+        <p:nvPr/>
+      </p:nvGrpSpPr>
+      <p:grpSpPr>
+        <a:xfrm>
+          <a:off x="0" y="0"/>
+          <a:ext cx="0" cy="0"/>
+          <a:chOff x="0" y="0"/>
+          <a:chExt cx="0" cy="0"/>
+        </a:xfrm>
+      </p:grpSpPr>
+      <p:pic>
+        <p:nvPicPr>
+          <p:cNvPr id="13" name="Picture 12" descr="fname2.png"/>
+          <p:cNvPicPr>
+            <a:picLocks noChangeAspect="1"/>
+          </p:cNvPicPr>
+          <p:nvPr/>
+        </p:nvPicPr>
+        <p:blipFill>
+          <a:blip r:embed="rId4">
+            <a:extLst>
+              <a:ext uri="{28A0092B-C50C-407E-A947-70E740481C1C}">
+                <a14:useLocalDpi xmlns:a14="http://schemas.microsoft.com/office/drawing/2010/main" val="0"/>
+              </a:ext>
+            </a:extLst>
+          </a:blip>
+          <a:stretch>
+            <a:fillRect/>
+          </a:stretch>
+        </p:blipFill>
+        <p:spPr>
+          <a:xfrm>
+            <a:off x="953398" y="0"/>
+            <a:ext cx="3657600" cy="2743200"/>
+          </a:xfrm>
+          <a:prstGeom prst="rect">
+            <a:avLst/>
+          </a:prstGeom>
+        </p:spPr>
+      </p:pic>
+      <p:pic>
+        <p:nvPicPr>
+          <p:cNvPr id="12" name="Picture 11" descr="fname2.png"/>
+          <p:cNvPicPr>
+            <a:picLocks noChangeAspect="1"/>
+          </p:cNvPicPr>
+          <p:nvPr/>
+        </p:nvPicPr>
+        <p:blipFill>
+          <a:blip r:embed="rId5">
+            <a:extLst>
+              <a:ext uri="{28A0092B-C50C-407E-A947-70E740481C1C}">
+                <a14:useLocalDpi xmlns:a14="http://schemas.microsoft.com/office/drawing/2010/main" val="0"/>
+              </a:ext>
+            </a:extLst>
+          </a:blip>
+          <a:stretch>
+            <a:fillRect/>
+          </a:stretch>
+        </p:blipFill>
+        <p:spPr>
+          <a:xfrm>
+            <a:off x="4747895" y="0"/>
+            <a:ext cx="3657600" cy="2743200"/>
+          </a:xfrm>
+          <a:prstGeom prst="rect">
+            <a:avLst/>
+          </a:prstGeom>
+        </p:spPr>
+      </p:pic>
+      <p:graphicFrame>
+        <p:nvGraphicFramePr>
+          <p:cNvPr id="8" name="Object 7"/>
+          <p:cNvGraphicFramePr>
+            <a:graphicFrameLocks noChangeAspect="1"/>
+          </p:cNvGraphicFramePr>
+          <p:nvPr>
+            <p:extLst>
+              <p:ext uri="{D42A27DB-BD31-4B8C-83A1-F6EECF244321}">
+                <p14:modId xmlns:p14="http://schemas.microsoft.com/office/powerpoint/2010/main" val="2834164072"/>
+              </p:ext>
+            </p:extLst>
+          </p:nvPr>
+        </p:nvGraphicFramePr>
+        <p:xfrm>
+          <a:off x="910504" y="1192288"/>
+          <a:ext cx="240989" cy="333677"/>
+        </p:xfrm>
+        <a:graphic>
+          <a:graphicData uri="http://schemas.openxmlformats.org/presentationml/2006/ole">
+            <mc:AlternateContent xmlns:mc="http://schemas.openxmlformats.org/markup-compatibility/2006">
+              <mc:Choice xmlns:v="urn:schemas-microsoft-com:vml" Requires="v">
+                <p:oleObj spid="_x0000_s8207" name="Equation" r:id="rId6" imgW="165100" imgH="228600" progId="Equation.3">
+                  <p:embed/>
+                </p:oleObj>
+              </mc:Choice>
+              <mc:Fallback>
+                <p:oleObj name="Equation" r:id="rId6" imgW="165100" imgH="228600" progId="Equation.3">
+                  <p:embed/>
+                  <p:pic>
+                    <p:nvPicPr>
+                      <p:cNvPr id="0" name=""/>
+                      <p:cNvPicPr/>
+                      <p:nvPr/>
+                    </p:nvPicPr>
+                    <p:blipFill>
+                      <a:blip r:embed="rId7">
+                        <a:alphaModFix/>
+                      </a:blip>
+                      <a:stretch>
+                        <a:fillRect/>
+                      </a:stretch>
+                    </p:blipFill>
+                    <p:spPr>
+                      <a:xfrm>
+                        <a:off x="910504" y="1192288"/>
+                        <a:ext cx="240989" cy="333677"/>
+                      </a:xfrm>
+                      <a:prstGeom prst="rect">
+                        <a:avLst/>
+                      </a:prstGeom>
+                    </p:spPr>
+                  </p:pic>
+                </p:oleObj>
+              </mc:Fallback>
+            </mc:AlternateContent>
+          </a:graphicData>
+        </a:graphic>
+      </p:graphicFrame>
+      <p:graphicFrame>
+        <p:nvGraphicFramePr>
+          <p:cNvPr id="9" name="Object 8"/>
+          <p:cNvGraphicFramePr>
+            <a:graphicFrameLocks noChangeAspect="1"/>
+          </p:cNvGraphicFramePr>
+          <p:nvPr>
+            <p:extLst>
+              <p:ext uri="{D42A27DB-BD31-4B8C-83A1-F6EECF244321}">
+                <p14:modId xmlns:p14="http://schemas.microsoft.com/office/powerpoint/2010/main" val="691989147"/>
+              </p:ext>
+            </p:extLst>
+          </p:nvPr>
+        </p:nvGraphicFramePr>
+        <p:xfrm>
+          <a:off x="4693100" y="1192288"/>
+          <a:ext cx="240989" cy="333677"/>
+        </p:xfrm>
+        <a:graphic>
+          <a:graphicData uri="http://schemas.openxmlformats.org/presentationml/2006/ole">
+            <mc:AlternateContent xmlns:mc="http://schemas.openxmlformats.org/markup-compatibility/2006">
+              <mc:Choice xmlns:v="urn:schemas-microsoft-com:vml" Requires="v">
+                <p:oleObj spid="_x0000_s8208" name="Equation" r:id="rId8" imgW="165100" imgH="228600" progId="Equation.3">
+                  <p:embed/>
+                </p:oleObj>
+              </mc:Choice>
+              <mc:Fallback>
+                <p:oleObj name="Equation" r:id="rId8" imgW="165100" imgH="228600" progId="Equation.3">
+                  <p:embed/>
+                  <p:pic>
+                    <p:nvPicPr>
+                      <p:cNvPr id="0" name=""/>
+                      <p:cNvPicPr/>
+                      <p:nvPr/>
+                    </p:nvPicPr>
+                    <p:blipFill>
+                      <a:blip r:embed="rId9">
+                        <a:alphaModFix/>
+                      </a:blip>
+                      <a:stretch>
+                        <a:fillRect/>
+                      </a:stretch>
+                    </p:blipFill>
+                    <p:spPr>
+                      <a:xfrm>
+                        <a:off x="4693100" y="1192288"/>
+                        <a:ext cx="240989" cy="333677"/>
+                      </a:xfrm>
+                      <a:prstGeom prst="rect">
+                        <a:avLst/>
+                      </a:prstGeom>
+                    </p:spPr>
+                  </p:pic>
+                </p:oleObj>
+              </mc:Fallback>
+            </mc:AlternateContent>
+          </a:graphicData>
+        </a:graphic>
+      </p:graphicFrame>
+      <p:graphicFrame>
+        <p:nvGraphicFramePr>
+          <p:cNvPr id="10" name="Object 9"/>
+          <p:cNvGraphicFramePr>
+            <a:graphicFrameLocks noChangeAspect="1"/>
+          </p:cNvGraphicFramePr>
+          <p:nvPr>
+            <p:extLst>
+              <p:ext uri="{D42A27DB-BD31-4B8C-83A1-F6EECF244321}">
+                <p14:modId xmlns:p14="http://schemas.microsoft.com/office/powerpoint/2010/main" val="343193501"/>
+              </p:ext>
+            </p:extLst>
+          </p:nvPr>
+        </p:nvGraphicFramePr>
+        <p:xfrm>
+          <a:off x="2732734" y="2632075"/>
+          <a:ext cx="147637" cy="222250"/>
+        </p:xfrm>
+        <a:graphic>
+          <a:graphicData uri="http://schemas.openxmlformats.org/presentationml/2006/ole">
+            <mc:AlternateContent xmlns:mc="http://schemas.openxmlformats.org/markup-compatibility/2006">
+              <mc:Choice xmlns:v="urn:schemas-microsoft-com:vml" Requires="v">
+                <p:oleObj spid="_x0000_s8209" name="Equation" r:id="rId10" imgW="101600" imgH="152400" progId="Equation.3">
+                  <p:embed/>
+                </p:oleObj>
+              </mc:Choice>
+              <mc:Fallback>
+                <p:oleObj name="Equation" r:id="rId10" imgW="101600" imgH="152400" progId="Equation.3">
+                  <p:embed/>
+                  <p:pic>
+                    <p:nvPicPr>
+                      <p:cNvPr id="0" name=""/>
+                      <p:cNvPicPr/>
+                      <p:nvPr/>
+                    </p:nvPicPr>
+                    <p:blipFill>
+                      <a:blip r:embed="rId11">
+                        <a:alphaModFix/>
+                      </a:blip>
+                      <a:stretch>
+                        <a:fillRect/>
+                      </a:stretch>
+                    </p:blipFill>
+                    <p:spPr>
+                      <a:xfrm>
+                        <a:off x="2732734" y="2632075"/>
+                        <a:ext cx="147637" cy="222250"/>
+                      </a:xfrm>
+                      <a:prstGeom prst="rect">
+                        <a:avLst/>
+                      </a:prstGeom>
+                    </p:spPr>
+                  </p:pic>
+                </p:oleObj>
+              </mc:Fallback>
+            </mc:AlternateContent>
+          </a:graphicData>
+        </a:graphic>
+      </p:graphicFrame>
+      <p:graphicFrame>
+        <p:nvGraphicFramePr>
+          <p:cNvPr id="11" name="Object 10"/>
+          <p:cNvGraphicFramePr>
+            <a:graphicFrameLocks noChangeAspect="1"/>
+          </p:cNvGraphicFramePr>
+          <p:nvPr>
+            <p:extLst>
+              <p:ext uri="{D42A27DB-BD31-4B8C-83A1-F6EECF244321}">
+                <p14:modId xmlns:p14="http://schemas.microsoft.com/office/powerpoint/2010/main" val="402542844"/>
+              </p:ext>
+            </p:extLst>
+          </p:nvPr>
+        </p:nvGraphicFramePr>
+        <p:xfrm>
+          <a:off x="6583532" y="2632075"/>
+          <a:ext cx="147637" cy="222250"/>
+        </p:xfrm>
+        <a:graphic>
+          <a:graphicData uri="http://schemas.openxmlformats.org/presentationml/2006/ole">
+            <mc:AlternateContent xmlns:mc="http://schemas.openxmlformats.org/markup-compatibility/2006">
+              <mc:Choice xmlns:v="urn:schemas-microsoft-com:vml" Requires="v">
+                <p:oleObj spid="_x0000_s8210" name="Equation" r:id="rId12" imgW="101600" imgH="152400" progId="Equation.3">
+                  <p:embed/>
+                </p:oleObj>
+              </mc:Choice>
+              <mc:Fallback>
+                <p:oleObj name="Equation" r:id="rId12" imgW="101600" imgH="152400" progId="Equation.3">
+                  <p:embed/>
+                  <p:pic>
+                    <p:nvPicPr>
+                      <p:cNvPr id="0" name=""/>
+                      <p:cNvPicPr/>
+                      <p:nvPr/>
+                    </p:nvPicPr>
+                    <p:blipFill>
+                      <a:blip r:embed="rId11">
+                        <a:alphaModFix/>
+                      </a:blip>
+                      <a:stretch>
+                        <a:fillRect/>
+                      </a:stretch>
+                    </p:blipFill>
+                    <p:spPr>
+                      <a:xfrm>
+                        <a:off x="6583532" y="2632075"/>
+                        <a:ext cx="147637" cy="222250"/>
+                      </a:xfrm>
+                      <a:prstGeom prst="rect">
+                        <a:avLst/>
+                      </a:prstGeom>
+                    </p:spPr>
+                  </p:pic>
+                </p:oleObj>
+              </mc:Fallback>
+            </mc:AlternateContent>
+          </a:graphicData>
+        </a:graphic>
+      </p:graphicFrame>
+      <p:pic>
+        <p:nvPicPr>
+          <p:cNvPr id="14" name="Picture 13" descr="fname2.png"/>
+          <p:cNvPicPr>
+            <a:picLocks noChangeAspect="1"/>
+          </p:cNvPicPr>
+          <p:nvPr/>
+        </p:nvPicPr>
+        <p:blipFill>
+          <a:blip r:embed="rId13">
+            <a:extLst>
+              <a:ext uri="{28A0092B-C50C-407E-A947-70E740481C1C}">
+                <a14:useLocalDpi xmlns:a14="http://schemas.microsoft.com/office/drawing/2010/main" val="0"/>
+              </a:ext>
+            </a:extLst>
+          </a:blip>
+          <a:stretch>
+            <a:fillRect/>
+          </a:stretch>
+        </p:blipFill>
+        <p:spPr>
+          <a:xfrm>
+            <a:off x="2782198" y="3189585"/>
+            <a:ext cx="3657600" cy="2743200"/>
+          </a:xfrm>
+          <a:prstGeom prst="rect">
+            <a:avLst/>
+          </a:prstGeom>
+        </p:spPr>
+      </p:pic>
+      <p:graphicFrame>
+        <p:nvGraphicFramePr>
+          <p:cNvPr id="15" name="Object 14"/>
+          <p:cNvGraphicFramePr>
+            <a:graphicFrameLocks noChangeAspect="1"/>
+          </p:cNvGraphicFramePr>
+          <p:nvPr>
+            <p:extLst>
+              <p:ext uri="{D42A27DB-BD31-4B8C-83A1-F6EECF244321}">
+                <p14:modId xmlns:p14="http://schemas.microsoft.com/office/powerpoint/2010/main" val="2207484346"/>
+              </p:ext>
+            </p:extLst>
+          </p:nvPr>
+        </p:nvGraphicFramePr>
+        <p:xfrm>
+          <a:off x="4619281" y="5853093"/>
+          <a:ext cx="147637" cy="222250"/>
+        </p:xfrm>
+        <a:graphic>
+          <a:graphicData uri="http://schemas.openxmlformats.org/presentationml/2006/ole">
+            <mc:AlternateContent xmlns:mc="http://schemas.openxmlformats.org/markup-compatibility/2006">
+              <mc:Choice xmlns:v="urn:schemas-microsoft-com:vml" Requires="v">
+                <p:oleObj spid="_x0000_s8211" name="Equation" r:id="rId14" imgW="101600" imgH="152400" progId="Equation.3">
+                  <p:embed/>
+                </p:oleObj>
+              </mc:Choice>
+              <mc:Fallback>
+                <p:oleObj name="Equation" r:id="rId14" imgW="101600" imgH="152400" progId="Equation.3">
+                  <p:embed/>
+                  <p:pic>
+                    <p:nvPicPr>
+                      <p:cNvPr id="0" name=""/>
+                      <p:cNvPicPr/>
+                      <p:nvPr/>
+                    </p:nvPicPr>
+                    <p:blipFill>
+                      <a:blip r:embed="rId11">
+                        <a:alphaModFix/>
+                      </a:blip>
+                      <a:stretch>
+                        <a:fillRect/>
+                      </a:stretch>
+                    </p:blipFill>
+                    <p:spPr>
+                      <a:xfrm>
+                        <a:off x="4619281" y="5853093"/>
+                        <a:ext cx="147637" cy="222250"/>
+                      </a:xfrm>
+                      <a:prstGeom prst="rect">
+                        <a:avLst/>
+                      </a:prstGeom>
+                    </p:spPr>
+                  </p:pic>
+                </p:oleObj>
+              </mc:Fallback>
+            </mc:AlternateContent>
+          </a:graphicData>
+        </a:graphic>
+      </p:graphicFrame>
+      <p:graphicFrame>
+        <p:nvGraphicFramePr>
+          <p:cNvPr id="16" name="Object 15"/>
+          <p:cNvGraphicFramePr>
+            <a:graphicFrameLocks noChangeAspect="1"/>
+          </p:cNvGraphicFramePr>
+          <p:nvPr>
+            <p:extLst>
+              <p:ext uri="{D42A27DB-BD31-4B8C-83A1-F6EECF244321}">
+                <p14:modId xmlns:p14="http://schemas.microsoft.com/office/powerpoint/2010/main" val="35663133"/>
+              </p:ext>
+            </p:extLst>
+          </p:nvPr>
+        </p:nvGraphicFramePr>
+        <p:xfrm>
+          <a:off x="2722745" y="4396374"/>
+          <a:ext cx="240989" cy="333677"/>
+        </p:xfrm>
+        <a:graphic>
+          <a:graphicData uri="http://schemas.openxmlformats.org/presentationml/2006/ole">
+            <mc:AlternateContent xmlns:mc="http://schemas.openxmlformats.org/markup-compatibility/2006">
+              <mc:Choice xmlns:v="urn:schemas-microsoft-com:vml" Requires="v">
+                <p:oleObj spid="_x0000_s8212" name="Equation" r:id="rId15" imgW="165100" imgH="228600" progId="Equation.3">
+                  <p:embed/>
+                </p:oleObj>
+              </mc:Choice>
+              <mc:Fallback>
+                <p:oleObj name="Equation" r:id="rId15" imgW="165100" imgH="228600" progId="Equation.3">
+                  <p:embed/>
+                  <p:pic>
+                    <p:nvPicPr>
+                      <p:cNvPr id="0" name=""/>
+                      <p:cNvPicPr/>
+                      <p:nvPr/>
+                    </p:nvPicPr>
+                    <p:blipFill>
+                      <a:blip r:embed="rId16">
+                        <a:alphaModFix/>
+                      </a:blip>
+                      <a:stretch>
+                        <a:fillRect/>
+                      </a:stretch>
+                    </p:blipFill>
+                    <p:spPr>
+                      <a:xfrm>
+                        <a:off x="2722745" y="4396374"/>
+                        <a:ext cx="240989" cy="333677"/>
+                      </a:xfrm>
+                      <a:prstGeom prst="rect">
+                        <a:avLst/>
+                      </a:prstGeom>
+                    </p:spPr>
+                  </p:pic>
+                </p:oleObj>
+              </mc:Fallback>
+            </mc:AlternateContent>
+          </a:graphicData>
+        </a:graphic>
+      </p:graphicFrame>
+    </p:spTree>
+    <p:extLst>
+      <p:ext uri="{BB962C8B-B14F-4D97-AF65-F5344CB8AC3E}">
+        <p14:creationId xmlns:p14="http://schemas.microsoft.com/office/powerpoint/2010/main" val="1929961839"/>
       </p:ext>
     </p:extLst>
   </p:cSld>
@@ -14178,4 +22300,324 @@
   </a:objectDefaults>
   <a:extraClrSchemeLst/>
 </a:theme>
+</file>
+
+<file path=ppt/theme/theme2.xml><?xml version="1.0" encoding="utf-8"?>
+<a:theme xmlns:a="http://schemas.openxmlformats.org/drawingml/2006/main" name="Office Theme">
+  <a:themeElements>
+    <a:clrScheme name="Office">
+      <a:dk1>
+        <a:sysClr val="windowText" lastClr="000000"/>
+      </a:dk1>
+      <a:lt1>
+        <a:sysClr val="window" lastClr="FFFFFF"/>
+      </a:lt1>
+      <a:dk2>
+        <a:srgbClr val="1F497D"/>
+      </a:dk2>
+      <a:lt2>
+        <a:srgbClr val="EEECE1"/>
+      </a:lt2>
+      <a:accent1>
+        <a:srgbClr val="4F81BD"/>
+      </a:accent1>
+      <a:accent2>
+        <a:srgbClr val="C0504D"/>
+      </a:accent2>
+      <a:accent3>
+        <a:srgbClr val="9BBB59"/>
+      </a:accent3>
+      <a:accent4>
+        <a:srgbClr val="8064A2"/>
+      </a:accent4>
+      <a:accent5>
+        <a:srgbClr val="4BACC6"/>
+      </a:accent5>
+      <a:accent6>
+        <a:srgbClr val="F79646"/>
+      </a:accent6>
+      <a:hlink>
+        <a:srgbClr val="0000FF"/>
+      </a:hlink>
+      <a:folHlink>
+        <a:srgbClr val="800080"/>
+      </a:folHlink>
+    </a:clrScheme>
+    <a:fontScheme name="Office">
+      <a:majorFont>
+        <a:latin typeface="Calibri"/>
+        <a:ea typeface=""/>
+        <a:cs typeface=""/>
+        <a:font script="Jpan" typeface="ＭＳ Ｐゴシック"/>
+        <a:font script="Hang" typeface="맑은 고딕"/>
+        <a:font script="Hans" typeface="宋体"/>
+        <a:font script="Hant" typeface="新細明體"/>
+        <a:font script="Arab" typeface="Times New Roman"/>
+        <a:font script="Hebr" typeface="Times New Roman"/>
+        <a:font script="Thai" typeface="Angsana New"/>
+        <a:font script="Ethi" typeface="Nyala"/>
+        <a:font script="Beng" typeface="Vrinda"/>
+        <a:font script="Gujr" typeface="Shruti"/>
+        <a:font script="Khmr" typeface="MoolBoran"/>
+        <a:font script="Knda" typeface="Tunga"/>
+        <a:font script="Guru" typeface="Raavi"/>
+        <a:font script="Cans" typeface="Euphemia"/>
+        <a:font script="Cher" typeface="Plantagenet Cherokee"/>
+        <a:font script="Yiii" typeface="Microsoft Yi Baiti"/>
+        <a:font script="Tibt" typeface="Microsoft Himalaya"/>
+        <a:font script="Thaa" typeface="MV Boli"/>
+        <a:font script="Deva" typeface="Mangal"/>
+        <a:font script="Telu" typeface="Gautami"/>
+        <a:font script="Taml" typeface="Latha"/>
+        <a:font script="Syrc" typeface="Estrangelo Edessa"/>
+        <a:font script="Orya" typeface="Kalinga"/>
+        <a:font script="Mlym" typeface="Kartika"/>
+        <a:font script="Laoo" typeface="DokChampa"/>
+        <a:font script="Sinh" typeface="Iskoola Pota"/>
+        <a:font script="Mong" typeface="Mongolian Baiti"/>
+        <a:font script="Viet" typeface="Times New Roman"/>
+        <a:font script="Uigh" typeface="Microsoft Uighur"/>
+        <a:font script="Geor" typeface="Sylfaen"/>
+      </a:majorFont>
+      <a:minorFont>
+        <a:latin typeface="Calibri"/>
+        <a:ea typeface=""/>
+        <a:cs typeface=""/>
+        <a:font script="Jpan" typeface="ＭＳ Ｐゴシック"/>
+        <a:font script="Hang" typeface="맑은 고딕"/>
+        <a:font script="Hans" typeface="宋体"/>
+        <a:font script="Hant" typeface="新細明體"/>
+        <a:font script="Arab" typeface="Arial"/>
+        <a:font script="Hebr" typeface="Arial"/>
+        <a:font script="Thai" typeface="Cordia New"/>
+        <a:font script="Ethi" typeface="Nyala"/>
+        <a:font script="Beng" typeface="Vrinda"/>
+        <a:font script="Gujr" typeface="Shruti"/>
+        <a:font script="Khmr" typeface="DaunPenh"/>
+        <a:font script="Knda" typeface="Tunga"/>
+        <a:font script="Guru" typeface="Raavi"/>
+        <a:font script="Cans" typeface="Euphemia"/>
+        <a:font script="Cher" typeface="Plantagenet Cherokee"/>
+        <a:font script="Yiii" typeface="Microsoft Yi Baiti"/>
+        <a:font script="Tibt" typeface="Microsoft Himalaya"/>
+        <a:font script="Thaa" typeface="MV Boli"/>
+        <a:font script="Deva" typeface="Mangal"/>
+        <a:font script="Telu" typeface="Gautami"/>
+        <a:font script="Taml" typeface="Latha"/>
+        <a:font script="Syrc" typeface="Estrangelo Edessa"/>
+        <a:font script="Orya" typeface="Kalinga"/>
+        <a:font script="Mlym" typeface="Kartika"/>
+        <a:font script="Laoo" typeface="DokChampa"/>
+        <a:font script="Sinh" typeface="Iskoola Pota"/>
+        <a:font script="Mong" typeface="Mongolian Baiti"/>
+        <a:font script="Viet" typeface="Arial"/>
+        <a:font script="Uigh" typeface="Microsoft Uighur"/>
+        <a:font script="Geor" typeface="Sylfaen"/>
+      </a:minorFont>
+    </a:fontScheme>
+    <a:fmtScheme name="Office">
+      <a:fillStyleLst>
+        <a:solidFill>
+          <a:schemeClr val="phClr"/>
+        </a:solidFill>
+        <a:gradFill rotWithShape="1">
+          <a:gsLst>
+            <a:gs pos="0">
+              <a:schemeClr val="phClr">
+                <a:tint val="50000"/>
+                <a:satMod val="300000"/>
+              </a:schemeClr>
+            </a:gs>
+            <a:gs pos="35000">
+              <a:schemeClr val="phClr">
+                <a:tint val="37000"/>
+                <a:satMod val="300000"/>
+              </a:schemeClr>
+            </a:gs>
+            <a:gs pos="100000">
+              <a:schemeClr val="phClr">
+                <a:tint val="15000"/>
+                <a:satMod val="350000"/>
+              </a:schemeClr>
+            </a:gs>
+          </a:gsLst>
+          <a:lin ang="16200000" scaled="1"/>
+        </a:gradFill>
+        <a:gradFill rotWithShape="1">
+          <a:gsLst>
+            <a:gs pos="0">
+              <a:schemeClr val="phClr">
+                <a:tint val="100000"/>
+                <a:shade val="100000"/>
+                <a:satMod val="130000"/>
+              </a:schemeClr>
+            </a:gs>
+            <a:gs pos="100000">
+              <a:schemeClr val="phClr">
+                <a:tint val="50000"/>
+                <a:shade val="100000"/>
+                <a:satMod val="350000"/>
+              </a:schemeClr>
+            </a:gs>
+          </a:gsLst>
+          <a:lin ang="16200000" scaled="0"/>
+        </a:gradFill>
+      </a:fillStyleLst>
+      <a:lnStyleLst>
+        <a:ln w="9525" cap="flat" cmpd="sng" algn="ctr">
+          <a:solidFill>
+            <a:schemeClr val="phClr">
+              <a:shade val="95000"/>
+              <a:satMod val="105000"/>
+            </a:schemeClr>
+          </a:solidFill>
+          <a:prstDash val="solid"/>
+        </a:ln>
+        <a:ln w="25400" cap="flat" cmpd="sng" algn="ctr">
+          <a:solidFill>
+            <a:schemeClr val="phClr"/>
+          </a:solidFill>
+          <a:prstDash val="solid"/>
+        </a:ln>
+        <a:ln w="38100" cap="flat" cmpd="sng" algn="ctr">
+          <a:solidFill>
+            <a:schemeClr val="phClr"/>
+          </a:solidFill>
+          <a:prstDash val="solid"/>
+        </a:ln>
+      </a:lnStyleLst>
+      <a:effectStyleLst>
+        <a:effectStyle>
+          <a:effectLst>
+            <a:outerShdw blurRad="40000" dist="20000" dir="5400000" rotWithShape="0">
+              <a:srgbClr val="000000">
+                <a:alpha val="38000"/>
+              </a:srgbClr>
+            </a:outerShdw>
+          </a:effectLst>
+        </a:effectStyle>
+        <a:effectStyle>
+          <a:effectLst>
+            <a:outerShdw blurRad="40000" dist="23000" dir="5400000" rotWithShape="0">
+              <a:srgbClr val="000000">
+                <a:alpha val="35000"/>
+              </a:srgbClr>
+            </a:outerShdw>
+          </a:effectLst>
+        </a:effectStyle>
+        <a:effectStyle>
+          <a:effectLst>
+            <a:outerShdw blurRad="40000" dist="23000" dir="5400000" rotWithShape="0">
+              <a:srgbClr val="000000">
+                <a:alpha val="35000"/>
+              </a:srgbClr>
+            </a:outerShdw>
+          </a:effectLst>
+          <a:scene3d>
+            <a:camera prst="orthographicFront">
+              <a:rot lat="0" lon="0" rev="0"/>
+            </a:camera>
+            <a:lightRig rig="threePt" dir="t">
+              <a:rot lat="0" lon="0" rev="1200000"/>
+            </a:lightRig>
+          </a:scene3d>
+          <a:sp3d>
+            <a:bevelT w="63500" h="25400"/>
+          </a:sp3d>
+        </a:effectStyle>
+      </a:effectStyleLst>
+      <a:bgFillStyleLst>
+        <a:solidFill>
+          <a:schemeClr val="phClr"/>
+        </a:solidFill>
+        <a:gradFill rotWithShape="1">
+          <a:gsLst>
+            <a:gs pos="0">
+              <a:schemeClr val="phClr">
+                <a:tint val="40000"/>
+                <a:satMod val="350000"/>
+              </a:schemeClr>
+            </a:gs>
+            <a:gs pos="40000">
+              <a:schemeClr val="phClr">
+                <a:tint val="45000"/>
+                <a:shade val="99000"/>
+                <a:satMod val="350000"/>
+              </a:schemeClr>
+            </a:gs>
+            <a:gs pos="100000">
+              <a:schemeClr val="phClr">
+                <a:shade val="20000"/>
+                <a:satMod val="255000"/>
+              </a:schemeClr>
+            </a:gs>
+          </a:gsLst>
+          <a:path path="circle">
+            <a:fillToRect l="50000" t="-80000" r="50000" b="180000"/>
+          </a:path>
+        </a:gradFill>
+        <a:gradFill rotWithShape="1">
+          <a:gsLst>
+            <a:gs pos="0">
+              <a:schemeClr val="phClr">
+                <a:tint val="80000"/>
+                <a:satMod val="300000"/>
+              </a:schemeClr>
+            </a:gs>
+            <a:gs pos="100000">
+              <a:schemeClr val="phClr">
+                <a:shade val="30000"/>
+                <a:satMod val="200000"/>
+              </a:schemeClr>
+            </a:gs>
+          </a:gsLst>
+          <a:path path="circle">
+            <a:fillToRect l="50000" t="50000" r="50000" b="50000"/>
+          </a:path>
+        </a:gradFill>
+      </a:bgFillStyleLst>
+    </a:fmtScheme>
+  </a:themeElements>
+  <a:objectDefaults>
+    <a:spDef>
+      <a:spPr/>
+      <a:bodyPr/>
+      <a:lstStyle/>
+      <a:style>
+        <a:lnRef idx="1">
+          <a:schemeClr val="accent1"/>
+        </a:lnRef>
+        <a:fillRef idx="3">
+          <a:schemeClr val="accent1"/>
+        </a:fillRef>
+        <a:effectRef idx="2">
+          <a:schemeClr val="accent1"/>
+        </a:effectRef>
+        <a:fontRef idx="minor">
+          <a:schemeClr val="lt1"/>
+        </a:fontRef>
+      </a:style>
+    </a:spDef>
+    <a:lnDef>
+      <a:spPr/>
+      <a:bodyPr/>
+      <a:lstStyle/>
+      <a:style>
+        <a:lnRef idx="2">
+          <a:schemeClr val="accent1"/>
+        </a:lnRef>
+        <a:fillRef idx="0">
+          <a:schemeClr val="accent1"/>
+        </a:fillRef>
+        <a:effectRef idx="1">
+          <a:schemeClr val="accent1"/>
+        </a:effectRef>
+        <a:fontRef idx="minor">
+          <a:schemeClr val="tx1"/>
+        </a:fontRef>
+      </a:style>
+    </a:lnDef>
+  </a:objectDefaults>
+  <a:extraClrSchemeLst/>
+</a:theme>
 </file>
--- a/_site/figures.pptx
+++ b/_site/figures.pptx
@@ -5,7 +5,7 @@
     <p:sldMasterId id="2147483648" r:id="rId1"/>
   </p:sldMasterIdLst>
   <p:notesMasterIdLst>
-    <p:notesMasterId r:id="rId15"/>
+    <p:notesMasterId r:id="rId18"/>
   </p:notesMasterIdLst>
   <p:sldIdLst>
     <p:sldId id="256" r:id="rId2"/>
@@ -21,6 +21,9 @@
     <p:sldId id="266" r:id="rId12"/>
     <p:sldId id="267" r:id="rId13"/>
     <p:sldId id="268" r:id="rId14"/>
+    <p:sldId id="269" r:id="rId15"/>
+    <p:sldId id="270" r:id="rId16"/>
+    <p:sldId id="271" r:id="rId17"/>
   </p:sldIdLst>
   <p:sldSz cx="9144000" cy="6858000" type="screen4x3"/>
   <p:notesSz cx="6858000" cy="9144000"/>
@@ -204,7 +207,7 @@
           <a:p>
             <a:fld id="{C758F73B-546F-9342-9206-7D6C003DA71F}" type="datetimeFigureOut">
               <a:rPr lang="en-US" smtClean="0"/>
-              <a:t>1/11/15</a:t>
+              <a:t>6/10/15</a:t>
             </a:fld>
             <a:endParaRPr lang="en-US"/>
           </a:p>
@@ -737,7 +740,7 @@
           <a:p>
             <a:fld id="{BCBC1232-296F-3A42-9190-52DD26955895}" type="datetimeFigureOut">
               <a:rPr lang="en-US" smtClean="0"/>
-              <a:t>1/11/15</a:t>
+              <a:t>6/10/15</a:t>
             </a:fld>
             <a:endParaRPr lang="en-US"/>
           </a:p>
@@ -907,7 +910,7 @@
           <a:p>
             <a:fld id="{BCBC1232-296F-3A42-9190-52DD26955895}" type="datetimeFigureOut">
               <a:rPr lang="en-US" smtClean="0"/>
-              <a:t>1/11/15</a:t>
+              <a:t>6/10/15</a:t>
             </a:fld>
             <a:endParaRPr lang="en-US"/>
           </a:p>
@@ -1087,7 +1090,7 @@
           <a:p>
             <a:fld id="{BCBC1232-296F-3A42-9190-52DD26955895}" type="datetimeFigureOut">
               <a:rPr lang="en-US" smtClean="0"/>
-              <a:t>1/11/15</a:t>
+              <a:t>6/10/15</a:t>
             </a:fld>
             <a:endParaRPr lang="en-US"/>
           </a:p>
@@ -1257,7 +1260,7 @@
           <a:p>
             <a:fld id="{BCBC1232-296F-3A42-9190-52DD26955895}" type="datetimeFigureOut">
               <a:rPr lang="en-US" smtClean="0"/>
-              <a:t>1/11/15</a:t>
+              <a:t>6/10/15</a:t>
             </a:fld>
             <a:endParaRPr lang="en-US"/>
           </a:p>
@@ -1503,7 +1506,7 @@
           <a:p>
             <a:fld id="{BCBC1232-296F-3A42-9190-52DD26955895}" type="datetimeFigureOut">
               <a:rPr lang="en-US" smtClean="0"/>
-              <a:t>1/11/15</a:t>
+              <a:t>6/10/15</a:t>
             </a:fld>
             <a:endParaRPr lang="en-US"/>
           </a:p>
@@ -1791,7 +1794,7 @@
           <a:p>
             <a:fld id="{BCBC1232-296F-3A42-9190-52DD26955895}" type="datetimeFigureOut">
               <a:rPr lang="en-US" smtClean="0"/>
-              <a:t>1/11/15</a:t>
+              <a:t>6/10/15</a:t>
             </a:fld>
             <a:endParaRPr lang="en-US"/>
           </a:p>
@@ -2213,7 +2216,7 @@
           <a:p>
             <a:fld id="{BCBC1232-296F-3A42-9190-52DD26955895}" type="datetimeFigureOut">
               <a:rPr lang="en-US" smtClean="0"/>
-              <a:t>1/11/15</a:t>
+              <a:t>6/10/15</a:t>
             </a:fld>
             <a:endParaRPr lang="en-US"/>
           </a:p>
@@ -2331,7 +2334,7 @@
           <a:p>
             <a:fld id="{BCBC1232-296F-3A42-9190-52DD26955895}" type="datetimeFigureOut">
               <a:rPr lang="en-US" smtClean="0"/>
-              <a:t>1/11/15</a:t>
+              <a:t>6/10/15</a:t>
             </a:fld>
             <a:endParaRPr lang="en-US"/>
           </a:p>
@@ -2426,7 +2429,7 @@
           <a:p>
             <a:fld id="{BCBC1232-296F-3A42-9190-52DD26955895}" type="datetimeFigureOut">
               <a:rPr lang="en-US" smtClean="0"/>
-              <a:t>1/11/15</a:t>
+              <a:t>6/10/15</a:t>
             </a:fld>
             <a:endParaRPr lang="en-US"/>
           </a:p>
@@ -2703,7 +2706,7 @@
           <a:p>
             <a:fld id="{BCBC1232-296F-3A42-9190-52DD26955895}" type="datetimeFigureOut">
               <a:rPr lang="en-US" smtClean="0"/>
-              <a:t>1/11/15</a:t>
+              <a:t>6/10/15</a:t>
             </a:fld>
             <a:endParaRPr lang="en-US"/>
           </a:p>
@@ -2956,7 +2959,7 @@
           <a:p>
             <a:fld id="{BCBC1232-296F-3A42-9190-52DD26955895}" type="datetimeFigureOut">
               <a:rPr lang="en-US" smtClean="0"/>
-              <a:t>1/11/15</a:t>
+              <a:t>6/10/15</a:t>
             </a:fld>
             <a:endParaRPr lang="en-US"/>
           </a:p>
@@ -3169,7 +3172,7 @@
           <a:p>
             <a:fld id="{BCBC1232-296F-3A42-9190-52DD26955895}" type="datetimeFigureOut">
               <a:rPr lang="en-US" smtClean="0"/>
-              <a:t>1/11/15</a:t>
+              <a:t>6/10/15</a:t>
             </a:fld>
             <a:endParaRPr lang="en-US"/>
           </a:p>
@@ -3610,7 +3613,7 @@
           <a:graphicData uri="http://schemas.openxmlformats.org/presentationml/2006/ole">
             <mc:AlternateContent xmlns:mc="http://schemas.openxmlformats.org/markup-compatibility/2006">
               <mc:Choice xmlns:v="urn:schemas-microsoft-com:vml" Requires="v">
-                <p:oleObj spid="_x0000_s1105" name="Equation" r:id="rId3" imgW="139700" imgH="203200" progId="Equation.3">
+                <p:oleObj spid="_x0000_s1147" name="Equation" r:id="rId3" imgW="139700" imgH="203200" progId="Equation.3">
                   <p:embed/>
                 </p:oleObj>
               </mc:Choice>
@@ -3926,7 +3929,7 @@
           <a:graphicData uri="http://schemas.openxmlformats.org/presentationml/2006/ole">
             <mc:AlternateContent xmlns:mc="http://schemas.openxmlformats.org/markup-compatibility/2006">
               <mc:Choice xmlns:v="urn:schemas-microsoft-com:vml" Requires="v">
-                <p:oleObj spid="_x0000_s1106" name="Equation" r:id="rId5" imgW="152400" imgH="203200" progId="Equation.3">
+                <p:oleObj spid="_x0000_s1148" name="Equation" r:id="rId5" imgW="152400" imgH="203200" progId="Equation.3">
                   <p:embed/>
                 </p:oleObj>
               </mc:Choice>
@@ -3983,7 +3986,7 @@
           <a:graphicData uri="http://schemas.openxmlformats.org/presentationml/2006/ole">
             <mc:AlternateContent xmlns:mc="http://schemas.openxmlformats.org/markup-compatibility/2006">
               <mc:Choice xmlns:v="urn:schemas-microsoft-com:vml" Requires="v">
-                <p:oleObj spid="_x0000_s1107" name="Equation" r:id="rId7" imgW="177800" imgH="203200" progId="Equation.3">
+                <p:oleObj spid="_x0000_s1149" name="Equation" r:id="rId7" imgW="177800" imgH="203200" progId="Equation.3">
                   <p:embed/>
                 </p:oleObj>
               </mc:Choice>
@@ -4040,7 +4043,7 @@
           <a:graphicData uri="http://schemas.openxmlformats.org/presentationml/2006/ole">
             <mc:AlternateContent xmlns:mc="http://schemas.openxmlformats.org/markup-compatibility/2006">
               <mc:Choice xmlns:v="urn:schemas-microsoft-com:vml" Requires="v">
-                <p:oleObj spid="_x0000_s1108" name="Equation" r:id="rId9" imgW="177800" imgH="215900" progId="Equation.3">
+                <p:oleObj spid="_x0000_s1150" name="Equation" r:id="rId9" imgW="177800" imgH="215900" progId="Equation.3">
                   <p:embed/>
                 </p:oleObj>
               </mc:Choice>
@@ -4097,7 +4100,7 @@
           <a:graphicData uri="http://schemas.openxmlformats.org/presentationml/2006/ole">
             <mc:AlternateContent xmlns:mc="http://schemas.openxmlformats.org/markup-compatibility/2006">
               <mc:Choice xmlns:v="urn:schemas-microsoft-com:vml" Requires="v">
-                <p:oleObj spid="_x0000_s1109" name="Equation" r:id="rId11" imgW="127000" imgH="165100" progId="Equation.3">
+                <p:oleObj spid="_x0000_s1151" name="Equation" r:id="rId11" imgW="127000" imgH="165100" progId="Equation.3">
                   <p:embed/>
                 </p:oleObj>
               </mc:Choice>
@@ -4199,7 +4202,7 @@
           <a:graphicData uri="http://schemas.openxmlformats.org/presentationml/2006/ole">
             <mc:AlternateContent xmlns:mc="http://schemas.openxmlformats.org/markup-compatibility/2006">
               <mc:Choice xmlns:v="urn:schemas-microsoft-com:vml" Requires="v">
-                <p:oleObj spid="_x0000_s1110" name="Equation" r:id="rId13" imgW="177800" imgH="203200" progId="Equation.3">
+                <p:oleObj spid="_x0000_s1152" name="Equation" r:id="rId13" imgW="177800" imgH="203200" progId="Equation.3">
                   <p:embed/>
                 </p:oleObj>
               </mc:Choice>
@@ -4384,7 +4387,7 @@
           <a:graphicData uri="http://schemas.openxmlformats.org/presentationml/2006/ole">
             <mc:AlternateContent xmlns:mc="http://schemas.openxmlformats.org/markup-compatibility/2006">
               <mc:Choice xmlns:v="urn:schemas-microsoft-com:vml" Requires="v">
-                <p:oleObj spid="_x0000_s1111" name="Equation" r:id="rId15" imgW="203200" imgH="203200" progId="Equation.3">
+                <p:oleObj spid="_x0000_s1153" name="Equation" r:id="rId15" imgW="203200" imgH="203200" progId="Equation.3">
                   <p:embed/>
                 </p:oleObj>
               </mc:Choice>
@@ -4443,7 +4446,7 @@
           <a:graphicData uri="http://schemas.openxmlformats.org/presentationml/2006/ole">
             <mc:AlternateContent xmlns:mc="http://schemas.openxmlformats.org/markup-compatibility/2006">
               <mc:Choice xmlns:v="urn:schemas-microsoft-com:vml" Requires="v">
-                <p:oleObj spid="_x0000_s1112" name="Equation" r:id="rId17" imgW="203200" imgH="215900" progId="Equation.3">
+                <p:oleObj spid="_x0000_s1154" name="Equation" r:id="rId17" imgW="203200" imgH="215900" progId="Equation.3">
                   <p:embed/>
                 </p:oleObj>
               </mc:Choice>
@@ -8184,7 +8187,7 @@
           <a:graphicData uri="http://schemas.openxmlformats.org/presentationml/2006/ole">
             <mc:AlternateContent xmlns:mc="http://schemas.openxmlformats.org/markup-compatibility/2006">
               <mc:Choice xmlns:v="urn:schemas-microsoft-com:vml" Requires="v">
-                <p:oleObj spid="_x0000_s10250" name="Equation" r:id="rId3" imgW="177800" imgH="203200" progId="Equation.3">
+                <p:oleObj spid="_x0000_s10297" name="Equation" r:id="rId3" imgW="177800" imgH="203200" progId="Equation.3">
                   <p:embed/>
                 </p:oleObj>
               </mc:Choice>
@@ -8241,7 +8244,7 @@
           <a:graphicData uri="http://schemas.openxmlformats.org/presentationml/2006/ole">
             <mc:AlternateContent xmlns:mc="http://schemas.openxmlformats.org/markup-compatibility/2006">
               <mc:Choice xmlns:v="urn:schemas-microsoft-com:vml" Requires="v">
-                <p:oleObj spid="_x0000_s10251" name="Equation" r:id="rId5" imgW="203200" imgH="203200" progId="Equation.3">
+                <p:oleObj spid="_x0000_s10298" name="Equation" r:id="rId5" imgW="203200" imgH="203200" progId="Equation.3">
                   <p:embed/>
                 </p:oleObj>
               </mc:Choice>
@@ -8298,7 +8301,7 @@
           <a:graphicData uri="http://schemas.openxmlformats.org/presentationml/2006/ole">
             <mc:AlternateContent xmlns:mc="http://schemas.openxmlformats.org/markup-compatibility/2006">
               <mc:Choice xmlns:v="urn:schemas-microsoft-com:vml" Requires="v">
-                <p:oleObj spid="_x0000_s10252" name="Equation" r:id="rId7" imgW="190500" imgH="215900" progId="Equation.3">
+                <p:oleObj spid="_x0000_s10299" name="Equation" r:id="rId7" imgW="190500" imgH="215900" progId="Equation.3">
                   <p:embed/>
                 </p:oleObj>
               </mc:Choice>
@@ -8355,7 +8358,7 @@
           <a:graphicData uri="http://schemas.openxmlformats.org/presentationml/2006/ole">
             <mc:AlternateContent xmlns:mc="http://schemas.openxmlformats.org/markup-compatibility/2006">
               <mc:Choice xmlns:v="urn:schemas-microsoft-com:vml" Requires="v">
-                <p:oleObj spid="_x0000_s10253" name="Equation" r:id="rId9" imgW="177800" imgH="203200" progId="Equation.3">
+                <p:oleObj spid="_x0000_s10300" name="Equation" r:id="rId9" imgW="177800" imgH="203200" progId="Equation.3">
                   <p:embed/>
                 </p:oleObj>
               </mc:Choice>
@@ -8412,7 +8415,7 @@
           <a:graphicData uri="http://schemas.openxmlformats.org/presentationml/2006/ole">
             <mc:AlternateContent xmlns:mc="http://schemas.openxmlformats.org/markup-compatibility/2006">
               <mc:Choice xmlns:v="urn:schemas-microsoft-com:vml" Requires="v">
-                <p:oleObj spid="_x0000_s10254" name="Equation" r:id="rId10" imgW="203200" imgH="203200" progId="Equation.3">
+                <p:oleObj spid="_x0000_s10301" name="Equation" r:id="rId10" imgW="203200" imgH="203200" progId="Equation.3">
                   <p:embed/>
                 </p:oleObj>
               </mc:Choice>
@@ -8469,7 +8472,7 @@
           <a:graphicData uri="http://schemas.openxmlformats.org/presentationml/2006/ole">
             <mc:AlternateContent xmlns:mc="http://schemas.openxmlformats.org/markup-compatibility/2006">
               <mc:Choice xmlns:v="urn:schemas-microsoft-com:vml" Requires="v">
-                <p:oleObj spid="_x0000_s10255" name="Equation" r:id="rId11" imgW="190500" imgH="215900" progId="Equation.3">
+                <p:oleObj spid="_x0000_s10302" name="Equation" r:id="rId11" imgW="190500" imgH="215900" progId="Equation.3">
                   <p:embed/>
                 </p:oleObj>
               </mc:Choice>
@@ -8526,7 +8529,7 @@
           <a:graphicData uri="http://schemas.openxmlformats.org/presentationml/2006/ole">
             <mc:AlternateContent xmlns:mc="http://schemas.openxmlformats.org/markup-compatibility/2006">
               <mc:Choice xmlns:v="urn:schemas-microsoft-com:vml" Requires="v">
-                <p:oleObj spid="_x0000_s10256" name="Equation" r:id="rId12" imgW="177800" imgH="203200" progId="Equation.3">
+                <p:oleObj spid="_x0000_s10303" name="Equation" r:id="rId12" imgW="177800" imgH="203200" progId="Equation.3">
                   <p:embed/>
                 </p:oleObj>
               </mc:Choice>
@@ -8583,7 +8586,7 @@
           <a:graphicData uri="http://schemas.openxmlformats.org/presentationml/2006/ole">
             <mc:AlternateContent xmlns:mc="http://schemas.openxmlformats.org/markup-compatibility/2006">
               <mc:Choice xmlns:v="urn:schemas-microsoft-com:vml" Requires="v">
-                <p:oleObj spid="_x0000_s10257" name="Equation" r:id="rId13" imgW="203200" imgH="203200" progId="Equation.3">
+                <p:oleObj spid="_x0000_s10304" name="Equation" r:id="rId13" imgW="203200" imgH="203200" progId="Equation.3">
                   <p:embed/>
                 </p:oleObj>
               </mc:Choice>
@@ -8640,7 +8643,7 @@
           <a:graphicData uri="http://schemas.openxmlformats.org/presentationml/2006/ole">
             <mc:AlternateContent xmlns:mc="http://schemas.openxmlformats.org/markup-compatibility/2006">
               <mc:Choice xmlns:v="urn:schemas-microsoft-com:vml" Requires="v">
-                <p:oleObj spid="_x0000_s10258" name="Equation" r:id="rId14" imgW="190500" imgH="215900" progId="Equation.3">
+                <p:oleObj spid="_x0000_s10305" name="Equation" r:id="rId14" imgW="190500" imgH="215900" progId="Equation.3">
                   <p:embed/>
                 </p:oleObj>
               </mc:Choice>
@@ -10356,10 +10359,6 @@
               </a:rPr>
               <a:t>4.2</a:t>
             </a:r>
-            <a:endParaRPr lang="en-US" dirty="0">
-              <a:latin typeface="Cambria"/>
-              <a:cs typeface="Cambria"/>
-            </a:endParaRPr>
           </a:p>
         </p:txBody>
       </p:sp>
@@ -11212,10 +11211,6 @@
               </a:rPr>
               <a:t>0</a:t>
             </a:r>
-            <a:endParaRPr lang="en-US" dirty="0">
-              <a:latin typeface="Cambria"/>
-              <a:cs typeface="Cambria"/>
-            </a:endParaRPr>
           </a:p>
         </p:txBody>
       </p:sp>
@@ -11686,6 +11681,2729 @@
               </a:rPr>
               <a:t>4.2</a:t>
             </a:r>
+          </a:p>
+        </p:txBody>
+      </p:sp>
+    </p:spTree>
+    <p:extLst>
+      <p:ext uri="{BB962C8B-B14F-4D97-AF65-F5344CB8AC3E}">
+        <p14:creationId xmlns:p14="http://schemas.microsoft.com/office/powerpoint/2010/main" val="4237863019"/>
+      </p:ext>
+    </p:extLst>
+  </p:cSld>
+  <p:clrMapOvr>
+    <a:masterClrMapping/>
+  </p:clrMapOvr>
+</p:sld>
+</file>
+
+<file path=ppt/slides/slide14.xml><?xml version="1.0" encoding="utf-8"?>
+<p:sld xmlns:a="http://schemas.openxmlformats.org/drawingml/2006/main" xmlns:r="http://schemas.openxmlformats.org/officeDocument/2006/relationships" xmlns:p="http://schemas.openxmlformats.org/presentationml/2006/main">
+  <p:cSld>
+    <p:spTree>
+      <p:nvGrpSpPr>
+        <p:cNvPr id="1" name=""/>
+        <p:cNvGrpSpPr/>
+        <p:nvPr/>
+      </p:nvGrpSpPr>
+      <p:grpSpPr>
+        <a:xfrm>
+          <a:off x="0" y="0"/>
+          <a:ext cx="0" cy="0"/>
+          <a:chOff x="0" y="0"/>
+          <a:chExt cx="0" cy="0"/>
+        </a:xfrm>
+      </p:grpSpPr>
+      <p:sp>
+        <p:nvSpPr>
+          <p:cNvPr id="4" name="Oval 3"/>
+          <p:cNvSpPr/>
+          <p:nvPr/>
+        </p:nvSpPr>
+        <p:spPr>
+          <a:xfrm>
+            <a:off x="4289183" y="2155280"/>
+            <a:ext cx="903111" cy="903111"/>
+          </a:xfrm>
+          <a:prstGeom prst="ellipse">
+            <a:avLst/>
+          </a:prstGeom>
+          <a:noFill/>
+        </p:spPr>
+        <p:style>
+          <a:lnRef idx="2">
+            <a:schemeClr val="dk1"/>
+          </a:lnRef>
+          <a:fillRef idx="1">
+            <a:schemeClr val="lt1"/>
+          </a:fillRef>
+          <a:effectRef idx="0">
+            <a:schemeClr val="dk1"/>
+          </a:effectRef>
+          <a:fontRef idx="minor">
+            <a:schemeClr val="dk1"/>
+          </a:fontRef>
+        </p:style>
+        <p:txBody>
+          <a:bodyPr rtlCol="0" anchor="ctr"/>
+          <a:lstStyle/>
+          <a:p>
+            <a:pPr algn="ctr"/>
+            <a:endParaRPr lang="en-US"/>
+          </a:p>
+        </p:txBody>
+      </p:sp>
+      <p:cxnSp>
+        <p:nvCxnSpPr>
+          <p:cNvPr id="5" name="Straight Arrow Connector 4"/>
+          <p:cNvCxnSpPr>
+            <a:endCxn id="4" idx="3"/>
+          </p:cNvCxnSpPr>
+          <p:nvPr/>
+        </p:nvCxnSpPr>
+        <p:spPr>
+          <a:xfrm flipV="1">
+            <a:off x="3905536" y="2926133"/>
+            <a:ext cx="515905" cy="841531"/>
+          </a:xfrm>
+          <a:prstGeom prst="straightConnector1">
+            <a:avLst/>
+          </a:prstGeom>
+          <a:ln>
+            <a:tailEnd type="arrow"/>
+          </a:ln>
+        </p:spPr>
+        <p:style>
+          <a:lnRef idx="1">
+            <a:schemeClr val="dk1"/>
+          </a:lnRef>
+          <a:fillRef idx="0">
+            <a:schemeClr val="dk1"/>
+          </a:fillRef>
+          <a:effectRef idx="0">
+            <a:schemeClr val="dk1"/>
+          </a:effectRef>
+          <a:fontRef idx="minor">
+            <a:schemeClr val="tx1"/>
+          </a:fontRef>
+        </p:style>
+      </p:cxnSp>
+      <p:cxnSp>
+        <p:nvCxnSpPr>
+          <p:cNvPr id="7" name="Straight Arrow Connector 6"/>
+          <p:cNvCxnSpPr>
+            <a:endCxn id="4" idx="5"/>
+          </p:cNvCxnSpPr>
+          <p:nvPr/>
+        </p:nvCxnSpPr>
+        <p:spPr>
+          <a:xfrm flipH="1" flipV="1">
+            <a:off x="5060036" y="2926133"/>
+            <a:ext cx="512064" cy="842592"/>
+          </a:xfrm>
+          <a:prstGeom prst="straightConnector1">
+            <a:avLst/>
+          </a:prstGeom>
+          <a:ln>
+            <a:tailEnd type="arrow"/>
+          </a:ln>
+        </p:spPr>
+        <p:style>
+          <a:lnRef idx="1">
+            <a:schemeClr val="dk1"/>
+          </a:lnRef>
+          <a:fillRef idx="0">
+            <a:schemeClr val="dk1"/>
+          </a:fillRef>
+          <a:effectRef idx="0">
+            <a:schemeClr val="dk1"/>
+          </a:effectRef>
+          <a:fontRef idx="minor">
+            <a:schemeClr val="tx1"/>
+          </a:fontRef>
+        </p:style>
+      </p:cxnSp>
+      <p:cxnSp>
+        <p:nvCxnSpPr>
+          <p:cNvPr id="15" name="Straight Arrow Connector 14"/>
+          <p:cNvCxnSpPr>
+            <a:stCxn id="4" idx="0"/>
+          </p:cNvCxnSpPr>
+          <p:nvPr/>
+        </p:nvCxnSpPr>
+        <p:spPr>
+          <a:xfrm flipV="1">
+            <a:off x="4740739" y="1563857"/>
+            <a:ext cx="0" cy="591423"/>
+          </a:xfrm>
+          <a:prstGeom prst="straightConnector1">
+            <a:avLst/>
+          </a:prstGeom>
+          <a:ln>
+            <a:tailEnd type="arrow"/>
+          </a:ln>
+        </p:spPr>
+        <p:style>
+          <a:lnRef idx="1">
+            <a:schemeClr val="dk1"/>
+          </a:lnRef>
+          <a:fillRef idx="0">
+            <a:schemeClr val="dk1"/>
+          </a:fillRef>
+          <a:effectRef idx="0">
+            <a:schemeClr val="dk1"/>
+          </a:effectRef>
+          <a:fontRef idx="minor">
+            <a:schemeClr val="tx1"/>
+          </a:fontRef>
+        </p:style>
+      </p:cxnSp>
+      <p:graphicFrame>
+        <p:nvGraphicFramePr>
+          <p:cNvPr id="18" name="Object 17"/>
+          <p:cNvGraphicFramePr>
+            <a:graphicFrameLocks noChangeAspect="1"/>
+          </p:cNvGraphicFramePr>
+          <p:nvPr>
+            <p:extLst>
+              <p:ext uri="{D42A27DB-BD31-4B8C-83A1-F6EECF244321}">
+                <p14:modId xmlns:p14="http://schemas.microsoft.com/office/powerpoint/2010/main" val="3467360461"/>
+              </p:ext>
+            </p:extLst>
+          </p:nvPr>
+        </p:nvGraphicFramePr>
+        <p:xfrm>
+          <a:off x="4613739" y="1199618"/>
+          <a:ext cx="254000" cy="330200"/>
+        </p:xfrm>
+        <a:graphic>
+          <a:graphicData uri="http://schemas.openxmlformats.org/presentationml/2006/ole">
+            <mc:AlternateContent xmlns:mc="http://schemas.openxmlformats.org/markup-compatibility/2006">
+              <mc:Choice xmlns:v="urn:schemas-microsoft-com:vml" Requires="v">
+                <p:oleObj spid="_x0000_s11326" name="Equation" r:id="rId3" imgW="127000" imgH="165100" progId="Equation.3">
+                  <p:embed/>
+                </p:oleObj>
+              </mc:Choice>
+              <mc:Fallback>
+                <p:oleObj name="Equation" r:id="rId3" imgW="127000" imgH="165100" progId="Equation.3">
+                  <p:embed/>
+                  <p:pic>
+                    <p:nvPicPr>
+                      <p:cNvPr id="0" name=""/>
+                      <p:cNvPicPr/>
+                      <p:nvPr/>
+                    </p:nvPicPr>
+                    <p:blipFill>
+                      <a:blip r:embed="rId4"/>
+                      <a:stretch>
+                        <a:fillRect/>
+                      </a:stretch>
+                    </p:blipFill>
+                    <p:spPr>
+                      <a:xfrm>
+                        <a:off x="4613739" y="1199618"/>
+                        <a:ext cx="254000" cy="330200"/>
+                      </a:xfrm>
+                      <a:prstGeom prst="rect">
+                        <a:avLst/>
+                      </a:prstGeom>
+                    </p:spPr>
+                  </p:pic>
+                </p:oleObj>
+              </mc:Fallback>
+            </mc:AlternateContent>
+          </a:graphicData>
+        </a:graphic>
+      </p:graphicFrame>
+      <p:graphicFrame>
+        <p:nvGraphicFramePr>
+          <p:cNvPr id="19" name="Object 18"/>
+          <p:cNvGraphicFramePr>
+            <a:graphicFrameLocks noChangeAspect="1"/>
+          </p:cNvGraphicFramePr>
+          <p:nvPr>
+            <p:extLst>
+              <p:ext uri="{D42A27DB-BD31-4B8C-83A1-F6EECF244321}">
+                <p14:modId xmlns:p14="http://schemas.microsoft.com/office/powerpoint/2010/main" val="2567450174"/>
+              </p:ext>
+            </p:extLst>
+          </p:nvPr>
+        </p:nvGraphicFramePr>
+        <p:xfrm>
+          <a:off x="3568048" y="3767664"/>
+          <a:ext cx="304800" cy="406400"/>
+        </p:xfrm>
+        <a:graphic>
+          <a:graphicData uri="http://schemas.openxmlformats.org/presentationml/2006/ole">
+            <mc:AlternateContent xmlns:mc="http://schemas.openxmlformats.org/markup-compatibility/2006">
+              <mc:Choice xmlns:v="urn:schemas-microsoft-com:vml" Requires="v">
+                <p:oleObj spid="_x0000_s11327" name="Equation" r:id="rId5" imgW="152400" imgH="203200" progId="Equation.3">
+                  <p:embed/>
+                </p:oleObj>
+              </mc:Choice>
+              <mc:Fallback>
+                <p:oleObj name="Equation" r:id="rId5" imgW="152400" imgH="203200" progId="Equation.3">
+                  <p:embed/>
+                  <p:pic>
+                    <p:nvPicPr>
+                      <p:cNvPr id="0" name=""/>
+                      <p:cNvPicPr/>
+                      <p:nvPr/>
+                    </p:nvPicPr>
+                    <p:blipFill>
+                      <a:blip r:embed="rId6"/>
+                      <a:stretch>
+                        <a:fillRect/>
+                      </a:stretch>
+                    </p:blipFill>
+                    <p:spPr>
+                      <a:xfrm>
+                        <a:off x="3568048" y="3767664"/>
+                        <a:ext cx="304800" cy="406400"/>
+                      </a:xfrm>
+                      <a:prstGeom prst="rect">
+                        <a:avLst/>
+                      </a:prstGeom>
+                    </p:spPr>
+                  </p:pic>
+                </p:oleObj>
+              </mc:Fallback>
+            </mc:AlternateContent>
+          </a:graphicData>
+        </a:graphic>
+      </p:graphicFrame>
+      <p:graphicFrame>
+        <p:nvGraphicFramePr>
+          <p:cNvPr id="21" name="Object 20"/>
+          <p:cNvGraphicFramePr>
+            <a:graphicFrameLocks noChangeAspect="1"/>
+          </p:cNvGraphicFramePr>
+          <p:nvPr>
+            <p:extLst>
+              <p:ext uri="{D42A27DB-BD31-4B8C-83A1-F6EECF244321}">
+                <p14:modId xmlns:p14="http://schemas.microsoft.com/office/powerpoint/2010/main" val="1584283716"/>
+              </p:ext>
+            </p:extLst>
+          </p:nvPr>
+        </p:nvGraphicFramePr>
+        <p:xfrm>
+          <a:off x="5595588" y="3768725"/>
+          <a:ext cx="355600" cy="406400"/>
+        </p:xfrm>
+        <a:graphic>
+          <a:graphicData uri="http://schemas.openxmlformats.org/presentationml/2006/ole">
+            <mc:AlternateContent xmlns:mc="http://schemas.openxmlformats.org/markup-compatibility/2006">
+              <mc:Choice xmlns:v="urn:schemas-microsoft-com:vml" Requires="v">
+                <p:oleObj spid="_x0000_s11328" name="Equation" r:id="rId7" imgW="177800" imgH="203200" progId="Equation.3">
+                  <p:embed/>
+                </p:oleObj>
+              </mc:Choice>
+              <mc:Fallback>
+                <p:oleObj name="Equation" r:id="rId7" imgW="177800" imgH="203200" progId="Equation.3">
+                  <p:embed/>
+                  <p:pic>
+                    <p:nvPicPr>
+                      <p:cNvPr id="0" name=""/>
+                      <p:cNvPicPr/>
+                      <p:nvPr/>
+                    </p:nvPicPr>
+                    <p:blipFill>
+                      <a:blip r:embed="rId8"/>
+                      <a:stretch>
+                        <a:fillRect/>
+                      </a:stretch>
+                    </p:blipFill>
+                    <p:spPr>
+                      <a:xfrm>
+                        <a:off x="5595588" y="3768725"/>
+                        <a:ext cx="355600" cy="406400"/>
+                      </a:xfrm>
+                      <a:prstGeom prst="rect">
+                        <a:avLst/>
+                      </a:prstGeom>
+                    </p:spPr>
+                  </p:pic>
+                </p:oleObj>
+              </mc:Fallback>
+            </mc:AlternateContent>
+          </a:graphicData>
+        </a:graphic>
+      </p:graphicFrame>
+      <p:graphicFrame>
+        <p:nvGraphicFramePr>
+          <p:cNvPr id="22" name="Object 21"/>
+          <p:cNvGraphicFramePr>
+            <a:graphicFrameLocks noChangeAspect="1"/>
+          </p:cNvGraphicFramePr>
+          <p:nvPr>
+            <p:extLst>
+              <p:ext uri="{D42A27DB-BD31-4B8C-83A1-F6EECF244321}">
+                <p14:modId xmlns:p14="http://schemas.microsoft.com/office/powerpoint/2010/main" val="1806585048"/>
+              </p:ext>
+            </p:extLst>
+          </p:nvPr>
+        </p:nvGraphicFramePr>
+        <p:xfrm>
+          <a:off x="3364198" y="4187825"/>
+          <a:ext cx="711200" cy="406400"/>
+        </p:xfrm>
+        <a:graphic>
+          <a:graphicData uri="http://schemas.openxmlformats.org/presentationml/2006/ole">
+            <mc:AlternateContent xmlns:mc="http://schemas.openxmlformats.org/markup-compatibility/2006">
+              <mc:Choice xmlns:v="urn:schemas-microsoft-com:vml" Requires="v">
+                <p:oleObj spid="_x0000_s11329" name="Equation" r:id="rId9" imgW="355600" imgH="203200" progId="Equation.3">
+                  <p:embed/>
+                </p:oleObj>
+              </mc:Choice>
+              <mc:Fallback>
+                <p:oleObj name="Equation" r:id="rId9" imgW="355600" imgH="203200" progId="Equation.3">
+                  <p:embed/>
+                  <p:pic>
+                    <p:nvPicPr>
+                      <p:cNvPr id="0" name=""/>
+                      <p:cNvPicPr/>
+                      <p:nvPr/>
+                    </p:nvPicPr>
+                    <p:blipFill>
+                      <a:blip r:embed="rId10"/>
+                      <a:stretch>
+                        <a:fillRect/>
+                      </a:stretch>
+                    </p:blipFill>
+                    <p:spPr>
+                      <a:xfrm>
+                        <a:off x="3364198" y="4187825"/>
+                        <a:ext cx="711200" cy="406400"/>
+                      </a:xfrm>
+                      <a:prstGeom prst="rect">
+                        <a:avLst/>
+                      </a:prstGeom>
+                    </p:spPr>
+                  </p:pic>
+                </p:oleObj>
+              </mc:Fallback>
+            </mc:AlternateContent>
+          </a:graphicData>
+        </a:graphic>
+      </p:graphicFrame>
+      <p:graphicFrame>
+        <p:nvGraphicFramePr>
+          <p:cNvPr id="24" name="Object 23"/>
+          <p:cNvGraphicFramePr>
+            <a:graphicFrameLocks noChangeAspect="1"/>
+          </p:cNvGraphicFramePr>
+          <p:nvPr>
+            <p:extLst>
+              <p:ext uri="{D42A27DB-BD31-4B8C-83A1-F6EECF244321}">
+                <p14:modId xmlns:p14="http://schemas.microsoft.com/office/powerpoint/2010/main" val="1983975830"/>
+              </p:ext>
+            </p:extLst>
+          </p:nvPr>
+        </p:nvGraphicFramePr>
+        <p:xfrm>
+          <a:off x="5477478" y="4187825"/>
+          <a:ext cx="762000" cy="406400"/>
+        </p:xfrm>
+        <a:graphic>
+          <a:graphicData uri="http://schemas.openxmlformats.org/presentationml/2006/ole">
+            <mc:AlternateContent xmlns:mc="http://schemas.openxmlformats.org/markup-compatibility/2006">
+              <mc:Choice xmlns:v="urn:schemas-microsoft-com:vml" Requires="v">
+                <p:oleObj spid="_x0000_s11330" name="Equation" r:id="rId11" imgW="381000" imgH="203200" progId="Equation.3">
+                  <p:embed/>
+                </p:oleObj>
+              </mc:Choice>
+              <mc:Fallback>
+                <p:oleObj name="Equation" r:id="rId11" imgW="381000" imgH="203200" progId="Equation.3">
+                  <p:embed/>
+                  <p:pic>
+                    <p:nvPicPr>
+                      <p:cNvPr id="0" name=""/>
+                      <p:cNvPicPr/>
+                      <p:nvPr/>
+                    </p:nvPicPr>
+                    <p:blipFill>
+                      <a:blip r:embed="rId12"/>
+                      <a:stretch>
+                        <a:fillRect/>
+                      </a:stretch>
+                    </p:blipFill>
+                    <p:spPr>
+                      <a:xfrm>
+                        <a:off x="5477478" y="4187825"/>
+                        <a:ext cx="762000" cy="406400"/>
+                      </a:xfrm>
+                      <a:prstGeom prst="rect">
+                        <a:avLst/>
+                      </a:prstGeom>
+                    </p:spPr>
+                  </p:pic>
+                </p:oleObj>
+              </mc:Fallback>
+            </mc:AlternateContent>
+          </a:graphicData>
+        </a:graphic>
+      </p:graphicFrame>
+      <p:graphicFrame>
+        <p:nvGraphicFramePr>
+          <p:cNvPr id="25" name="Object 24"/>
+          <p:cNvGraphicFramePr>
+            <a:graphicFrameLocks noChangeAspect="1"/>
+          </p:cNvGraphicFramePr>
+          <p:nvPr>
+            <p:extLst>
+              <p:ext uri="{D42A27DB-BD31-4B8C-83A1-F6EECF244321}">
+                <p14:modId xmlns:p14="http://schemas.microsoft.com/office/powerpoint/2010/main" val="1734585630"/>
+              </p:ext>
+            </p:extLst>
+          </p:nvPr>
+        </p:nvGraphicFramePr>
+        <p:xfrm>
+          <a:off x="3900456" y="3082608"/>
+          <a:ext cx="228600" cy="330200"/>
+        </p:xfrm>
+        <a:graphic>
+          <a:graphicData uri="http://schemas.openxmlformats.org/presentationml/2006/ole">
+            <mc:AlternateContent xmlns:mc="http://schemas.openxmlformats.org/markup-compatibility/2006">
+              <mc:Choice xmlns:v="urn:schemas-microsoft-com:vml" Requires="v">
+                <p:oleObj spid="_x0000_s11331" name="Equation" r:id="rId13" imgW="114300" imgH="165100" progId="Equation.3">
+                  <p:embed/>
+                </p:oleObj>
+              </mc:Choice>
+              <mc:Fallback>
+                <p:oleObj name="Equation" r:id="rId13" imgW="114300" imgH="165100" progId="Equation.3">
+                  <p:embed/>
+                  <p:pic>
+                    <p:nvPicPr>
+                      <p:cNvPr id="0" name=""/>
+                      <p:cNvPicPr/>
+                      <p:nvPr/>
+                    </p:nvPicPr>
+                    <p:blipFill>
+                      <a:blip r:embed="rId14"/>
+                      <a:stretch>
+                        <a:fillRect/>
+                      </a:stretch>
+                    </p:blipFill>
+                    <p:spPr>
+                      <a:xfrm>
+                        <a:off x="3900456" y="3082608"/>
+                        <a:ext cx="228600" cy="330200"/>
+                      </a:xfrm>
+                      <a:prstGeom prst="rect">
+                        <a:avLst/>
+                      </a:prstGeom>
+                    </p:spPr>
+                  </p:pic>
+                </p:oleObj>
+              </mc:Fallback>
+            </mc:AlternateContent>
+          </a:graphicData>
+        </a:graphic>
+      </p:graphicFrame>
+      <p:graphicFrame>
+        <p:nvGraphicFramePr>
+          <p:cNvPr id="26" name="Object 25"/>
+          <p:cNvGraphicFramePr>
+            <a:graphicFrameLocks noChangeAspect="1"/>
+          </p:cNvGraphicFramePr>
+          <p:nvPr>
+            <p:extLst>
+              <p:ext uri="{D42A27DB-BD31-4B8C-83A1-F6EECF244321}">
+                <p14:modId xmlns:p14="http://schemas.microsoft.com/office/powerpoint/2010/main" val="2875952601"/>
+              </p:ext>
+            </p:extLst>
+          </p:nvPr>
+        </p:nvGraphicFramePr>
+        <p:xfrm>
+          <a:off x="5341271" y="3085148"/>
+          <a:ext cx="254000" cy="304800"/>
+        </p:xfrm>
+        <a:graphic>
+          <a:graphicData uri="http://schemas.openxmlformats.org/presentationml/2006/ole">
+            <mc:AlternateContent xmlns:mc="http://schemas.openxmlformats.org/markup-compatibility/2006">
+              <mc:Choice xmlns:v="urn:schemas-microsoft-com:vml" Requires="v">
+                <p:oleObj spid="_x0000_s11332" name="Equation" r:id="rId15" imgW="127000" imgH="152400" progId="Equation.3">
+                  <p:embed/>
+                </p:oleObj>
+              </mc:Choice>
+              <mc:Fallback>
+                <p:oleObj name="Equation" r:id="rId15" imgW="127000" imgH="152400" progId="Equation.3">
+                  <p:embed/>
+                  <p:pic>
+                    <p:nvPicPr>
+                      <p:cNvPr id="0" name=""/>
+                      <p:cNvPicPr/>
+                      <p:nvPr/>
+                    </p:nvPicPr>
+                    <p:blipFill>
+                      <a:blip r:embed="rId16"/>
+                      <a:stretch>
+                        <a:fillRect/>
+                      </a:stretch>
+                    </p:blipFill>
+                    <p:spPr>
+                      <a:xfrm>
+                        <a:off x="5341271" y="3085148"/>
+                        <a:ext cx="254000" cy="304800"/>
+                      </a:xfrm>
+                      <a:prstGeom prst="rect">
+                        <a:avLst/>
+                      </a:prstGeom>
+                    </p:spPr>
+                  </p:pic>
+                </p:oleObj>
+              </mc:Fallback>
+            </mc:AlternateContent>
+          </a:graphicData>
+        </a:graphic>
+      </p:graphicFrame>
+      <p:graphicFrame>
+        <p:nvGraphicFramePr>
+          <p:cNvPr id="32" name="Object 31"/>
+          <p:cNvGraphicFramePr>
+            <a:graphicFrameLocks noChangeAspect="1"/>
+          </p:cNvGraphicFramePr>
+          <p:nvPr>
+            <p:extLst>
+              <p:ext uri="{D42A27DB-BD31-4B8C-83A1-F6EECF244321}">
+                <p14:modId xmlns:p14="http://schemas.microsoft.com/office/powerpoint/2010/main" val="3669536599"/>
+              </p:ext>
+            </p:extLst>
+          </p:nvPr>
+        </p:nvGraphicFramePr>
+        <p:xfrm>
+          <a:off x="6008973" y="3346450"/>
+          <a:ext cx="114300" cy="165100"/>
+        </p:xfrm>
+        <a:graphic>
+          <a:graphicData uri="http://schemas.openxmlformats.org/presentationml/2006/ole">
+            <mc:AlternateContent xmlns:mc="http://schemas.openxmlformats.org/markup-compatibility/2006">
+              <mc:Choice xmlns:v="urn:schemas-microsoft-com:vml" Requires="v">
+                <p:oleObj spid="_x0000_s11333" name="Equation" r:id="rId17" imgW="114300" imgH="165100" progId="Equation.3">
+                  <p:embed/>
+                </p:oleObj>
+              </mc:Choice>
+              <mc:Fallback>
+                <p:oleObj name="Equation" r:id="rId17" imgW="114300" imgH="165100" progId="Equation.3">
+                  <p:embed/>
+                  <p:pic>
+                    <p:nvPicPr>
+                      <p:cNvPr id="0" name=""/>
+                      <p:cNvPicPr/>
+                      <p:nvPr/>
+                    </p:nvPicPr>
+                    <p:blipFill>
+                      <a:blip r:embed="rId18"/>
+                      <a:stretch>
+                        <a:fillRect/>
+                      </a:stretch>
+                    </p:blipFill>
+                    <p:spPr>
+                      <a:xfrm>
+                        <a:off x="6008973" y="3346450"/>
+                        <a:ext cx="114300" cy="165100"/>
+                      </a:xfrm>
+                      <a:prstGeom prst="rect">
+                        <a:avLst/>
+                      </a:prstGeom>
+                    </p:spPr>
+                  </p:pic>
+                </p:oleObj>
+              </mc:Fallback>
+            </mc:AlternateContent>
+          </a:graphicData>
+        </a:graphic>
+      </p:graphicFrame>
+      <p:cxnSp>
+        <p:nvCxnSpPr>
+          <p:cNvPr id="28" name="Straight Arrow Connector 27"/>
+          <p:cNvCxnSpPr>
+            <a:endCxn id="4" idx="2"/>
+          </p:cNvCxnSpPr>
+          <p:nvPr/>
+        </p:nvCxnSpPr>
+        <p:spPr>
+          <a:xfrm>
+            <a:off x="3364516" y="2606836"/>
+            <a:ext cx="924667" cy="0"/>
+          </a:xfrm>
+          <a:prstGeom prst="straightConnector1">
+            <a:avLst/>
+          </a:prstGeom>
+          <a:ln>
+            <a:tailEnd type="arrow"/>
+          </a:ln>
+        </p:spPr>
+        <p:style>
+          <a:lnRef idx="1">
+            <a:schemeClr val="dk1"/>
+          </a:lnRef>
+          <a:fillRef idx="0">
+            <a:schemeClr val="dk1"/>
+          </a:fillRef>
+          <a:effectRef idx="0">
+            <a:schemeClr val="dk1"/>
+          </a:effectRef>
+          <a:fontRef idx="minor">
+            <a:schemeClr val="tx1"/>
+          </a:fontRef>
+        </p:style>
+      </p:cxnSp>
+      <p:graphicFrame>
+        <p:nvGraphicFramePr>
+          <p:cNvPr id="29" name="Object 28"/>
+          <p:cNvGraphicFramePr>
+            <a:graphicFrameLocks noChangeAspect="1"/>
+          </p:cNvGraphicFramePr>
+          <p:nvPr>
+            <p:extLst>
+              <p:ext uri="{D42A27DB-BD31-4B8C-83A1-F6EECF244321}">
+                <p14:modId xmlns:p14="http://schemas.microsoft.com/office/powerpoint/2010/main" val="3700398615"/>
+              </p:ext>
+            </p:extLst>
+          </p:nvPr>
+        </p:nvGraphicFramePr>
+        <p:xfrm>
+          <a:off x="2805716" y="2454436"/>
+          <a:ext cx="558800" cy="304800"/>
+        </p:xfrm>
+        <a:graphic>
+          <a:graphicData uri="http://schemas.openxmlformats.org/presentationml/2006/ole">
+            <mc:AlternateContent xmlns:mc="http://schemas.openxmlformats.org/markup-compatibility/2006">
+              <mc:Choice xmlns:v="urn:schemas-microsoft-com:vml" Requires="v">
+                <p:oleObj spid="_x0000_s11334" name="Equation" r:id="rId19" imgW="279400" imgH="152400" progId="Equation.3">
+                  <p:embed/>
+                </p:oleObj>
+              </mc:Choice>
+              <mc:Fallback>
+                <p:oleObj name="Equation" r:id="rId19" imgW="279400" imgH="152400" progId="Equation.3">
+                  <p:embed/>
+                  <p:pic>
+                    <p:nvPicPr>
+                      <p:cNvPr id="0" name=""/>
+                      <p:cNvPicPr/>
+                      <p:nvPr/>
+                    </p:nvPicPr>
+                    <p:blipFill>
+                      <a:blip r:embed="rId20"/>
+                      <a:stretch>
+                        <a:fillRect/>
+                      </a:stretch>
+                    </p:blipFill>
+                    <p:spPr>
+                      <a:xfrm>
+                        <a:off x="2805716" y="2454436"/>
+                        <a:ext cx="558800" cy="304800"/>
+                      </a:xfrm>
+                      <a:prstGeom prst="rect">
+                        <a:avLst/>
+                      </a:prstGeom>
+                    </p:spPr>
+                  </p:pic>
+                </p:oleObj>
+              </mc:Fallback>
+            </mc:AlternateContent>
+          </a:graphicData>
+        </a:graphic>
+      </p:graphicFrame>
+      <p:graphicFrame>
+        <p:nvGraphicFramePr>
+          <p:cNvPr id="30" name="Object 29"/>
+          <p:cNvGraphicFramePr>
+            <a:graphicFrameLocks noChangeAspect="1"/>
+          </p:cNvGraphicFramePr>
+          <p:nvPr>
+            <p:extLst>
+              <p:ext uri="{D42A27DB-BD31-4B8C-83A1-F6EECF244321}">
+                <p14:modId xmlns:p14="http://schemas.microsoft.com/office/powerpoint/2010/main" val="3075769714"/>
+              </p:ext>
+            </p:extLst>
+          </p:nvPr>
+        </p:nvGraphicFramePr>
+        <p:xfrm>
+          <a:off x="2817161" y="2759236"/>
+          <a:ext cx="584200" cy="311573"/>
+        </p:xfrm>
+        <a:graphic>
+          <a:graphicData uri="http://schemas.openxmlformats.org/presentationml/2006/ole">
+            <mc:AlternateContent xmlns:mc="http://schemas.openxmlformats.org/markup-compatibility/2006">
+              <mc:Choice xmlns:v="urn:schemas-microsoft-com:vml" Requires="v">
+                <p:oleObj spid="_x0000_s11335" name="Equation" r:id="rId21" imgW="381000" imgH="203200" progId="Equation.3">
+                  <p:embed/>
+                </p:oleObj>
+              </mc:Choice>
+              <mc:Fallback>
+                <p:oleObj name="Equation" r:id="rId21" imgW="381000" imgH="203200" progId="Equation.3">
+                  <p:embed/>
+                  <p:pic>
+                    <p:nvPicPr>
+                      <p:cNvPr id="0" name=""/>
+                      <p:cNvPicPr/>
+                      <p:nvPr/>
+                    </p:nvPicPr>
+                    <p:blipFill>
+                      <a:blip r:embed="rId22"/>
+                      <a:stretch>
+                        <a:fillRect/>
+                      </a:stretch>
+                    </p:blipFill>
+                    <p:spPr>
+                      <a:xfrm>
+                        <a:off x="2817161" y="2759236"/>
+                        <a:ext cx="584200" cy="311573"/>
+                      </a:xfrm>
+                      <a:prstGeom prst="rect">
+                        <a:avLst/>
+                      </a:prstGeom>
+                    </p:spPr>
+                  </p:pic>
+                </p:oleObj>
+              </mc:Fallback>
+            </mc:AlternateContent>
+          </a:graphicData>
+        </a:graphic>
+      </p:graphicFrame>
+      <p:grpSp>
+        <p:nvGrpSpPr>
+          <p:cNvPr id="36" name="Group 35"/>
+          <p:cNvGrpSpPr/>
+          <p:nvPr/>
+        </p:nvGrpSpPr>
+        <p:grpSpPr>
+          <a:xfrm>
+            <a:off x="4441019" y="2381058"/>
+            <a:ext cx="599440" cy="451556"/>
+            <a:chOff x="5542280" y="2134960"/>
+            <a:chExt cx="599440" cy="451556"/>
+          </a:xfrm>
+        </p:grpSpPr>
+        <p:cxnSp>
+          <p:nvCxnSpPr>
+            <p:cNvPr id="11" name="Straight Connector 10"/>
+            <p:cNvCxnSpPr/>
+            <p:nvPr/>
+          </p:nvCxnSpPr>
+          <p:spPr>
+            <a:xfrm>
+              <a:off x="5842000" y="2134960"/>
+              <a:ext cx="0" cy="451556"/>
+            </a:xfrm>
+            <a:prstGeom prst="line">
+              <a:avLst/>
+            </a:prstGeom>
+            <a:ln>
+              <a:headEnd w="sm" len="sm"/>
+              <a:tailEnd w="sm" len="sm"/>
+            </a:ln>
+          </p:spPr>
+          <p:style>
+            <a:lnRef idx="1">
+              <a:schemeClr val="dk1"/>
+            </a:lnRef>
+            <a:fillRef idx="0">
+              <a:schemeClr val="dk1"/>
+            </a:fillRef>
+            <a:effectRef idx="0">
+              <a:schemeClr val="dk1"/>
+            </a:effectRef>
+            <a:fontRef idx="minor">
+              <a:schemeClr val="tx1"/>
+            </a:fontRef>
+          </p:style>
+        </p:cxnSp>
+        <p:cxnSp>
+          <p:nvCxnSpPr>
+            <p:cNvPr id="33" name="Straight Connector 32"/>
+            <p:cNvCxnSpPr/>
+            <p:nvPr/>
+          </p:nvCxnSpPr>
+          <p:spPr>
+            <a:xfrm>
+              <a:off x="5542280" y="2362996"/>
+              <a:ext cx="599440" cy="0"/>
+            </a:xfrm>
+            <a:prstGeom prst="line">
+              <a:avLst/>
+            </a:prstGeom>
+            <a:ln>
+              <a:headEnd w="sm" len="sm"/>
+              <a:tailEnd w="sm" len="sm"/>
+            </a:ln>
+          </p:spPr>
+          <p:style>
+            <a:lnRef idx="1">
+              <a:schemeClr val="dk1"/>
+            </a:lnRef>
+            <a:fillRef idx="0">
+              <a:schemeClr val="dk1"/>
+            </a:fillRef>
+            <a:effectRef idx="0">
+              <a:schemeClr val="dk1"/>
+            </a:effectRef>
+            <a:fontRef idx="minor">
+              <a:schemeClr val="tx1"/>
+            </a:fontRef>
+          </p:style>
+        </p:cxnSp>
+        <p:cxnSp>
+          <p:nvCxnSpPr>
+            <p:cNvPr id="34" name="Straight Connector 33"/>
+            <p:cNvCxnSpPr/>
+            <p:nvPr/>
+          </p:nvCxnSpPr>
+          <p:spPr>
+            <a:xfrm>
+              <a:off x="5842000" y="2230916"/>
+              <a:ext cx="299720" cy="0"/>
+            </a:xfrm>
+            <a:prstGeom prst="line">
+              <a:avLst/>
+            </a:prstGeom>
+            <a:ln w="28575" cmpd="sng">
+              <a:solidFill>
+                <a:schemeClr val="tx1">
+                  <a:lumMod val="75000"/>
+                  <a:lumOff val="25000"/>
+                </a:schemeClr>
+              </a:solidFill>
+              <a:headEnd w="sm" len="sm"/>
+              <a:tailEnd type="arrow" w="sm" len="sm"/>
+            </a:ln>
+          </p:spPr>
+          <p:style>
+            <a:lnRef idx="1">
+              <a:schemeClr val="dk1"/>
+            </a:lnRef>
+            <a:fillRef idx="0">
+              <a:schemeClr val="dk1"/>
+            </a:fillRef>
+            <a:effectRef idx="0">
+              <a:schemeClr val="dk1"/>
+            </a:effectRef>
+            <a:fontRef idx="minor">
+              <a:schemeClr val="tx1"/>
+            </a:fontRef>
+          </p:style>
+        </p:cxnSp>
+        <p:cxnSp>
+          <p:nvCxnSpPr>
+            <p:cNvPr id="35" name="Straight Connector 34"/>
+            <p:cNvCxnSpPr/>
+            <p:nvPr/>
+          </p:nvCxnSpPr>
+          <p:spPr>
+            <a:xfrm>
+              <a:off x="5542280" y="2495076"/>
+              <a:ext cx="299720" cy="0"/>
+            </a:xfrm>
+            <a:prstGeom prst="line">
+              <a:avLst/>
+            </a:prstGeom>
+            <a:ln w="28575" cmpd="sng">
+              <a:solidFill>
+                <a:schemeClr val="tx1">
+                  <a:lumMod val="75000"/>
+                  <a:lumOff val="25000"/>
+                </a:schemeClr>
+              </a:solidFill>
+              <a:headEnd type="arrow" w="sm" len="sm"/>
+              <a:tailEnd w="sm" len="sm"/>
+            </a:ln>
+          </p:spPr>
+          <p:style>
+            <a:lnRef idx="1">
+              <a:schemeClr val="dk1"/>
+            </a:lnRef>
+            <a:fillRef idx="0">
+              <a:schemeClr val="dk1"/>
+            </a:fillRef>
+            <a:effectRef idx="0">
+              <a:schemeClr val="dk1"/>
+            </a:effectRef>
+            <a:fontRef idx="minor">
+              <a:schemeClr val="tx1"/>
+            </a:fontRef>
+          </p:style>
+        </p:cxnSp>
+      </p:grpSp>
+    </p:spTree>
+    <p:extLst>
+      <p:ext uri="{BB962C8B-B14F-4D97-AF65-F5344CB8AC3E}">
+        <p14:creationId xmlns:p14="http://schemas.microsoft.com/office/powerpoint/2010/main" val="3822885704"/>
+      </p:ext>
+    </p:extLst>
+  </p:cSld>
+  <p:clrMapOvr>
+    <a:masterClrMapping/>
+  </p:clrMapOvr>
+</p:sld>
+</file>
+
+<file path=ppt/slides/slide15.xml><?xml version="1.0" encoding="utf-8"?>
+<p:sld xmlns:a="http://schemas.openxmlformats.org/drawingml/2006/main" xmlns:r="http://schemas.openxmlformats.org/officeDocument/2006/relationships" xmlns:p="http://schemas.openxmlformats.org/presentationml/2006/main">
+  <p:cSld>
+    <p:spTree>
+      <p:nvGrpSpPr>
+        <p:cNvPr id="1" name=""/>
+        <p:cNvGrpSpPr/>
+        <p:nvPr/>
+      </p:nvGrpSpPr>
+      <p:grpSpPr>
+        <a:xfrm>
+          <a:off x="0" y="0"/>
+          <a:ext cx="0" cy="0"/>
+          <a:chOff x="0" y="0"/>
+          <a:chExt cx="0" cy="0"/>
+        </a:xfrm>
+      </p:grpSpPr>
+      <p:sp>
+        <p:nvSpPr>
+          <p:cNvPr id="4" name="Oval 3"/>
+          <p:cNvSpPr/>
+          <p:nvPr/>
+        </p:nvSpPr>
+        <p:spPr>
+          <a:xfrm rot="20239385">
+            <a:off x="1398243" y="1797174"/>
+            <a:ext cx="6865129" cy="3230992"/>
+          </a:xfrm>
+          <a:prstGeom prst="ellipse">
+            <a:avLst/>
+          </a:prstGeom>
+        </p:spPr>
+        <p:style>
+          <a:lnRef idx="2">
+            <a:schemeClr val="dk1"/>
+          </a:lnRef>
+          <a:fillRef idx="1">
+            <a:schemeClr val="lt1"/>
+          </a:fillRef>
+          <a:effectRef idx="0">
+            <a:schemeClr val="dk1"/>
+          </a:effectRef>
+          <a:fontRef idx="minor">
+            <a:schemeClr val="dk1"/>
+          </a:fontRef>
+        </p:style>
+        <p:txBody>
+          <a:bodyPr rtlCol="0" anchor="ctr"/>
+          <a:lstStyle/>
+          <a:p>
+            <a:pPr algn="ctr"/>
+            <a:endParaRPr lang="en-US"/>
+          </a:p>
+        </p:txBody>
+      </p:sp>
+      <p:sp>
+        <p:nvSpPr>
+          <p:cNvPr id="5" name="Oval 4"/>
+          <p:cNvSpPr/>
+          <p:nvPr/>
+        </p:nvSpPr>
+        <p:spPr>
+          <a:xfrm rot="20239385">
+            <a:off x="1895451" y="2067614"/>
+            <a:ext cx="5883008" cy="2680750"/>
+          </a:xfrm>
+          <a:prstGeom prst="ellipse">
+            <a:avLst/>
+          </a:prstGeom>
+        </p:spPr>
+        <p:style>
+          <a:lnRef idx="2">
+            <a:schemeClr val="dk1"/>
+          </a:lnRef>
+          <a:fillRef idx="1">
+            <a:schemeClr val="lt1"/>
+          </a:fillRef>
+          <a:effectRef idx="0">
+            <a:schemeClr val="dk1"/>
+          </a:effectRef>
+          <a:fontRef idx="minor">
+            <a:schemeClr val="dk1"/>
+          </a:fontRef>
+        </p:style>
+        <p:txBody>
+          <a:bodyPr rtlCol="0" anchor="ctr"/>
+          <a:lstStyle/>
+          <a:p>
+            <a:pPr algn="ctr"/>
+            <a:endParaRPr lang="en-US"/>
+          </a:p>
+        </p:txBody>
+      </p:sp>
+      <p:sp>
+        <p:nvSpPr>
+          <p:cNvPr id="6" name="Oval 5"/>
+          <p:cNvSpPr/>
+          <p:nvPr/>
+        </p:nvSpPr>
+        <p:spPr>
+          <a:xfrm rot="20239385">
+            <a:off x="2314054" y="2397570"/>
+            <a:ext cx="5086143" cy="2061197"/>
+          </a:xfrm>
+          <a:prstGeom prst="ellipse">
+            <a:avLst/>
+          </a:prstGeom>
+        </p:spPr>
+        <p:style>
+          <a:lnRef idx="2">
+            <a:schemeClr val="dk1"/>
+          </a:lnRef>
+          <a:fillRef idx="1">
+            <a:schemeClr val="lt1"/>
+          </a:fillRef>
+          <a:effectRef idx="0">
+            <a:schemeClr val="dk1"/>
+          </a:effectRef>
+          <a:fontRef idx="minor">
+            <a:schemeClr val="dk1"/>
+          </a:fontRef>
+        </p:style>
+        <p:txBody>
+          <a:bodyPr rtlCol="0" anchor="ctr"/>
+          <a:lstStyle/>
+          <a:p>
+            <a:pPr algn="ctr"/>
+            <a:endParaRPr lang="en-US"/>
+          </a:p>
+        </p:txBody>
+      </p:sp>
+      <p:sp>
+        <p:nvSpPr>
+          <p:cNvPr id="7" name="Oval 6"/>
+          <p:cNvSpPr/>
+          <p:nvPr/>
+        </p:nvSpPr>
+        <p:spPr>
+          <a:xfrm rot="20239385">
+            <a:off x="2821495" y="2649101"/>
+            <a:ext cx="4145962" cy="1614159"/>
+          </a:xfrm>
+          <a:prstGeom prst="ellipse">
+            <a:avLst/>
+          </a:prstGeom>
+        </p:spPr>
+        <p:style>
+          <a:lnRef idx="2">
+            <a:schemeClr val="dk1"/>
+          </a:lnRef>
+          <a:fillRef idx="1">
+            <a:schemeClr val="lt1"/>
+          </a:fillRef>
+          <a:effectRef idx="0">
+            <a:schemeClr val="dk1"/>
+          </a:effectRef>
+          <a:fontRef idx="minor">
+            <a:schemeClr val="dk1"/>
+          </a:fontRef>
+        </p:style>
+        <p:txBody>
+          <a:bodyPr rtlCol="0" anchor="ctr"/>
+          <a:lstStyle/>
+          <a:p>
+            <a:pPr algn="ctr"/>
+            <a:endParaRPr lang="en-US"/>
+          </a:p>
+        </p:txBody>
+      </p:sp>
+      <p:sp>
+        <p:nvSpPr>
+          <p:cNvPr id="8" name="Oval 7"/>
+          <p:cNvSpPr/>
+          <p:nvPr/>
+        </p:nvSpPr>
+        <p:spPr>
+          <a:xfrm rot="20239385">
+            <a:off x="3254329" y="2933518"/>
+            <a:ext cx="3264596" cy="1067007"/>
+          </a:xfrm>
+          <a:prstGeom prst="ellipse">
+            <a:avLst/>
+          </a:prstGeom>
+        </p:spPr>
+        <p:style>
+          <a:lnRef idx="2">
+            <a:schemeClr val="dk1"/>
+          </a:lnRef>
+          <a:fillRef idx="1">
+            <a:schemeClr val="lt1"/>
+          </a:fillRef>
+          <a:effectRef idx="0">
+            <a:schemeClr val="dk1"/>
+          </a:effectRef>
+          <a:fontRef idx="minor">
+            <a:schemeClr val="dk1"/>
+          </a:fontRef>
+        </p:style>
+        <p:txBody>
+          <a:bodyPr rtlCol="0" anchor="ctr"/>
+          <a:lstStyle/>
+          <a:p>
+            <a:pPr algn="ctr"/>
+            <a:endParaRPr lang="en-US"/>
+          </a:p>
+        </p:txBody>
+      </p:sp>
+      <p:sp>
+        <p:nvSpPr>
+          <p:cNvPr id="9" name="Oval 8"/>
+          <p:cNvSpPr/>
+          <p:nvPr/>
+        </p:nvSpPr>
+        <p:spPr>
+          <a:xfrm rot="20239385">
+            <a:off x="3771256" y="3171333"/>
+            <a:ext cx="2215056" cy="631732"/>
+          </a:xfrm>
+          <a:prstGeom prst="ellipse">
+            <a:avLst/>
+          </a:prstGeom>
+        </p:spPr>
+        <p:style>
+          <a:lnRef idx="2">
+            <a:schemeClr val="dk1"/>
+          </a:lnRef>
+          <a:fillRef idx="1">
+            <a:schemeClr val="lt1"/>
+          </a:fillRef>
+          <a:effectRef idx="0">
+            <a:schemeClr val="dk1"/>
+          </a:effectRef>
+          <a:fontRef idx="minor">
+            <a:schemeClr val="dk1"/>
+          </a:fontRef>
+        </p:style>
+        <p:txBody>
+          <a:bodyPr rtlCol="0" anchor="ctr"/>
+          <a:lstStyle/>
+          <a:p>
+            <a:pPr algn="ctr"/>
+            <a:endParaRPr lang="en-US"/>
+          </a:p>
+        </p:txBody>
+      </p:sp>
+      <p:cxnSp>
+        <p:nvCxnSpPr>
+          <p:cNvPr id="10" name="Straight Arrow Connector 9"/>
+          <p:cNvCxnSpPr/>
+          <p:nvPr/>
+        </p:nvCxnSpPr>
+        <p:spPr>
+          <a:xfrm flipV="1">
+            <a:off x="3174833" y="2768761"/>
+            <a:ext cx="0" cy="2640804"/>
+          </a:xfrm>
+          <a:prstGeom prst="straightConnector1">
+            <a:avLst/>
+          </a:prstGeom>
+          <a:ln>
+            <a:solidFill>
+              <a:srgbClr val="FF0000"/>
+            </a:solidFill>
+            <a:tailEnd type="arrow"/>
+          </a:ln>
+        </p:spPr>
+        <p:style>
+          <a:lnRef idx="1">
+            <a:schemeClr val="dk1"/>
+          </a:lnRef>
+          <a:fillRef idx="0">
+            <a:schemeClr val="dk1"/>
+          </a:fillRef>
+          <a:effectRef idx="0">
+            <a:schemeClr val="dk1"/>
+          </a:effectRef>
+          <a:fontRef idx="minor">
+            <a:schemeClr val="tx1"/>
+          </a:fontRef>
+        </p:style>
+      </p:cxnSp>
+      <p:cxnSp>
+        <p:nvCxnSpPr>
+          <p:cNvPr id="15" name="Straight Arrow Connector 14"/>
+          <p:cNvCxnSpPr/>
+          <p:nvPr/>
+        </p:nvCxnSpPr>
+        <p:spPr>
+          <a:xfrm>
+            <a:off x="3174832" y="2768761"/>
+            <a:ext cx="1597624" cy="2231312"/>
+          </a:xfrm>
+          <a:prstGeom prst="straightConnector1">
+            <a:avLst/>
+          </a:prstGeom>
+          <a:ln>
+            <a:solidFill>
+              <a:srgbClr val="FF0000"/>
+            </a:solidFill>
+            <a:tailEnd type="arrow"/>
+          </a:ln>
+        </p:spPr>
+        <p:style>
+          <a:lnRef idx="1">
+            <a:schemeClr val="dk1"/>
+          </a:lnRef>
+          <a:fillRef idx="0">
+            <a:schemeClr val="dk1"/>
+          </a:fillRef>
+          <a:effectRef idx="0">
+            <a:schemeClr val="dk1"/>
+          </a:effectRef>
+          <a:fontRef idx="minor">
+            <a:schemeClr val="tx1"/>
+          </a:fontRef>
+        </p:style>
+      </p:cxnSp>
+      <p:cxnSp>
+        <p:nvCxnSpPr>
+          <p:cNvPr id="18" name="Straight Arrow Connector 17"/>
+          <p:cNvCxnSpPr/>
+          <p:nvPr/>
+        </p:nvCxnSpPr>
+        <p:spPr>
+          <a:xfrm flipH="1" flipV="1">
+            <a:off x="3912901" y="2193534"/>
+            <a:ext cx="859556" cy="2806539"/>
+          </a:xfrm>
+          <a:prstGeom prst="straightConnector1">
+            <a:avLst/>
+          </a:prstGeom>
+          <a:ln>
+            <a:solidFill>
+              <a:srgbClr val="FF0000"/>
+            </a:solidFill>
+            <a:tailEnd type="arrow"/>
+          </a:ln>
+        </p:spPr>
+        <p:style>
+          <a:lnRef idx="1">
+            <a:schemeClr val="dk1"/>
+          </a:lnRef>
+          <a:fillRef idx="0">
+            <a:schemeClr val="dk1"/>
+          </a:fillRef>
+          <a:effectRef idx="0">
+            <a:schemeClr val="dk1"/>
+          </a:effectRef>
+          <a:fontRef idx="minor">
+            <a:schemeClr val="tx1"/>
+          </a:fontRef>
+        </p:style>
+      </p:cxnSp>
+      <p:cxnSp>
+        <p:nvCxnSpPr>
+          <p:cNvPr id="21" name="Straight Arrow Connector 20"/>
+          <p:cNvCxnSpPr/>
+          <p:nvPr/>
+        </p:nvCxnSpPr>
+        <p:spPr>
+          <a:xfrm>
+            <a:off x="3912901" y="2193534"/>
+            <a:ext cx="1436868" cy="2899056"/>
+          </a:xfrm>
+          <a:prstGeom prst="straightConnector1">
+            <a:avLst/>
+          </a:prstGeom>
+          <a:ln>
+            <a:solidFill>
+              <a:srgbClr val="FF0000"/>
+            </a:solidFill>
+            <a:tailEnd type="arrow"/>
+          </a:ln>
+        </p:spPr>
+        <p:style>
+          <a:lnRef idx="1">
+            <a:schemeClr val="dk1"/>
+          </a:lnRef>
+          <a:fillRef idx="0">
+            <a:schemeClr val="dk1"/>
+          </a:fillRef>
+          <a:effectRef idx="0">
+            <a:schemeClr val="dk1"/>
+          </a:effectRef>
+          <a:fontRef idx="minor">
+            <a:schemeClr val="tx1"/>
+          </a:fontRef>
+        </p:style>
+      </p:cxnSp>
+    </p:spTree>
+    <p:extLst>
+      <p:ext uri="{BB962C8B-B14F-4D97-AF65-F5344CB8AC3E}">
+        <p14:creationId xmlns:p14="http://schemas.microsoft.com/office/powerpoint/2010/main" val="3778296886"/>
+      </p:ext>
+    </p:extLst>
+  </p:cSld>
+  <p:clrMapOvr>
+    <a:masterClrMapping/>
+  </p:clrMapOvr>
+</p:sld>
+</file>
+
+<file path=ppt/slides/slide16.xml><?xml version="1.0" encoding="utf-8"?>
+<p:sld xmlns:a="http://schemas.openxmlformats.org/drawingml/2006/main" xmlns:r="http://schemas.openxmlformats.org/officeDocument/2006/relationships" xmlns:p="http://schemas.openxmlformats.org/presentationml/2006/main">
+  <p:cSld>
+    <p:spTree>
+      <p:nvGrpSpPr>
+        <p:cNvPr id="1" name=""/>
+        <p:cNvGrpSpPr/>
+        <p:nvPr/>
+      </p:nvGrpSpPr>
+      <p:grpSpPr>
+        <a:xfrm>
+          <a:off x="0" y="0"/>
+          <a:ext cx="0" cy="0"/>
+          <a:chOff x="0" y="0"/>
+          <a:chExt cx="0" cy="0"/>
+        </a:xfrm>
+      </p:grpSpPr>
+      <p:grpSp>
+        <p:nvGrpSpPr>
+          <p:cNvPr id="26" name="Group 25"/>
+          <p:cNvGrpSpPr/>
+          <p:nvPr/>
+        </p:nvGrpSpPr>
+        <p:grpSpPr>
+          <a:xfrm>
+            <a:off x="1824055" y="1443123"/>
+            <a:ext cx="4694914" cy="912626"/>
+            <a:chOff x="2295999" y="2011755"/>
+            <a:chExt cx="4694914" cy="912626"/>
+          </a:xfrm>
+          <a:effectLst/>
+        </p:grpSpPr>
+        <p:sp>
+          <p:nvSpPr>
+            <p:cNvPr id="16" name="Oval 15"/>
+            <p:cNvSpPr/>
+            <p:nvPr/>
+          </p:nvSpPr>
+          <p:spPr>
+            <a:xfrm>
+              <a:off x="2295999" y="2021270"/>
+              <a:ext cx="903111" cy="903111"/>
+            </a:xfrm>
+            <a:prstGeom prst="ellipse">
+              <a:avLst/>
+            </a:prstGeom>
+            <a:noFill/>
+          </p:spPr>
+          <p:style>
+            <a:lnRef idx="2">
+              <a:schemeClr val="dk1"/>
+            </a:lnRef>
+            <a:fillRef idx="1">
+              <a:schemeClr val="lt1"/>
+            </a:fillRef>
+            <a:effectRef idx="0">
+              <a:schemeClr val="dk1"/>
+            </a:effectRef>
+            <a:fontRef idx="minor">
+              <a:schemeClr val="dk1"/>
+            </a:fontRef>
+          </p:style>
+          <p:txBody>
+            <a:bodyPr rtlCol="0" anchor="ctr"/>
+            <a:lstStyle/>
+            <a:p>
+              <a:pPr algn="ctr"/>
+              <a:endParaRPr lang="en-US"/>
+            </a:p>
+          </p:txBody>
+        </p:sp>
+        <p:sp>
+          <p:nvSpPr>
+            <p:cNvPr id="17" name="Oval 16"/>
+            <p:cNvSpPr/>
+            <p:nvPr/>
+          </p:nvSpPr>
+          <p:spPr>
+            <a:xfrm>
+              <a:off x="3563238" y="2021270"/>
+              <a:ext cx="903111" cy="903111"/>
+            </a:xfrm>
+            <a:prstGeom prst="ellipse">
+              <a:avLst/>
+            </a:prstGeom>
+            <a:noFill/>
+          </p:spPr>
+          <p:style>
+            <a:lnRef idx="2">
+              <a:schemeClr val="dk1"/>
+            </a:lnRef>
+            <a:fillRef idx="1">
+              <a:schemeClr val="lt1"/>
+            </a:fillRef>
+            <a:effectRef idx="0">
+              <a:schemeClr val="dk1"/>
+            </a:effectRef>
+            <a:fontRef idx="minor">
+              <a:schemeClr val="dk1"/>
+            </a:fontRef>
+          </p:style>
+          <p:txBody>
+            <a:bodyPr rtlCol="0" anchor="ctr"/>
+            <a:lstStyle/>
+            <a:p>
+              <a:pPr algn="ctr"/>
+              <a:endParaRPr lang="en-US"/>
+            </a:p>
+          </p:txBody>
+        </p:sp>
+        <p:sp>
+          <p:nvSpPr>
+            <p:cNvPr id="18" name="Oval 17"/>
+            <p:cNvSpPr/>
+            <p:nvPr/>
+          </p:nvSpPr>
+          <p:spPr>
+            <a:xfrm>
+              <a:off x="6087802" y="2011755"/>
+              <a:ext cx="903111" cy="903111"/>
+            </a:xfrm>
+            <a:prstGeom prst="ellipse">
+              <a:avLst/>
+            </a:prstGeom>
+            <a:noFill/>
+          </p:spPr>
+          <p:style>
+            <a:lnRef idx="2">
+              <a:schemeClr val="dk1"/>
+            </a:lnRef>
+            <a:fillRef idx="1">
+              <a:schemeClr val="lt1"/>
+            </a:fillRef>
+            <a:effectRef idx="0">
+              <a:schemeClr val="dk1"/>
+            </a:effectRef>
+            <a:fontRef idx="minor">
+              <a:schemeClr val="dk1"/>
+            </a:fontRef>
+          </p:style>
+          <p:txBody>
+            <a:bodyPr rtlCol="0" anchor="ctr"/>
+            <a:lstStyle/>
+            <a:p>
+              <a:pPr algn="ctr"/>
+              <a:endParaRPr lang="en-US"/>
+            </a:p>
+          </p:txBody>
+        </p:sp>
+        <p:grpSp>
+          <p:nvGrpSpPr>
+            <p:cNvPr id="19" name="Group 18"/>
+            <p:cNvGrpSpPr/>
+            <p:nvPr/>
+          </p:nvGrpSpPr>
+          <p:grpSpPr>
+            <a:xfrm rot="16200000">
+              <a:off x="5224522" y="2265251"/>
+              <a:ext cx="51361" cy="378741"/>
+              <a:chOff x="1984024" y="3584222"/>
+              <a:chExt cx="51361" cy="378741"/>
+            </a:xfrm>
+          </p:grpSpPr>
+          <p:sp>
+            <p:nvSpPr>
+              <p:cNvPr id="20" name="Oval 19"/>
+              <p:cNvSpPr/>
+              <p:nvPr/>
+            </p:nvSpPr>
+            <p:spPr>
+              <a:xfrm>
+                <a:off x="1989666" y="3584222"/>
+                <a:ext cx="45719" cy="45719"/>
+              </a:xfrm>
+              <a:prstGeom prst="ellipse">
+                <a:avLst/>
+              </a:prstGeom>
+              <a:solidFill>
+                <a:schemeClr val="tx1"/>
+              </a:solidFill>
+              <a:ln/>
+            </p:spPr>
+            <p:style>
+              <a:lnRef idx="2">
+                <a:schemeClr val="dk1"/>
+              </a:lnRef>
+              <a:fillRef idx="1">
+                <a:schemeClr val="lt1"/>
+              </a:fillRef>
+              <a:effectRef idx="0">
+                <a:schemeClr val="dk1"/>
+              </a:effectRef>
+              <a:fontRef idx="minor">
+                <a:schemeClr val="dk1"/>
+              </a:fontRef>
+            </p:style>
+            <p:txBody>
+              <a:bodyPr rtlCol="0" anchor="ctr"/>
+              <a:lstStyle/>
+              <a:p>
+                <a:pPr algn="ctr"/>
+                <a:endParaRPr lang="en-US"/>
+              </a:p>
+            </p:txBody>
+          </p:sp>
+          <p:sp>
+            <p:nvSpPr>
+              <p:cNvPr id="21" name="Oval 20"/>
+              <p:cNvSpPr/>
+              <p:nvPr/>
+            </p:nvSpPr>
+            <p:spPr>
+              <a:xfrm>
+                <a:off x="1986845" y="3750733"/>
+                <a:ext cx="45719" cy="45719"/>
+              </a:xfrm>
+              <a:prstGeom prst="ellipse">
+                <a:avLst/>
+              </a:prstGeom>
+              <a:solidFill>
+                <a:schemeClr val="tx1"/>
+              </a:solidFill>
+              <a:ln/>
+            </p:spPr>
+            <p:style>
+              <a:lnRef idx="2">
+                <a:schemeClr val="dk1"/>
+              </a:lnRef>
+              <a:fillRef idx="1">
+                <a:schemeClr val="lt1"/>
+              </a:fillRef>
+              <a:effectRef idx="0">
+                <a:schemeClr val="dk1"/>
+              </a:effectRef>
+              <a:fontRef idx="minor">
+                <a:schemeClr val="dk1"/>
+              </a:fontRef>
+            </p:style>
+            <p:txBody>
+              <a:bodyPr rtlCol="0" anchor="ctr"/>
+              <a:lstStyle/>
+              <a:p>
+                <a:pPr algn="ctr"/>
+                <a:endParaRPr lang="en-US"/>
+              </a:p>
+            </p:txBody>
+          </p:sp>
+          <p:sp>
+            <p:nvSpPr>
+              <p:cNvPr id="22" name="Oval 21"/>
+              <p:cNvSpPr/>
+              <p:nvPr/>
+            </p:nvSpPr>
+            <p:spPr>
+              <a:xfrm>
+                <a:off x="1984024" y="3917244"/>
+                <a:ext cx="45719" cy="45719"/>
+              </a:xfrm>
+              <a:prstGeom prst="ellipse">
+                <a:avLst/>
+              </a:prstGeom>
+              <a:solidFill>
+                <a:schemeClr val="tx1"/>
+              </a:solidFill>
+              <a:ln/>
+            </p:spPr>
+            <p:style>
+              <a:lnRef idx="2">
+                <a:schemeClr val="dk1"/>
+              </a:lnRef>
+              <a:fillRef idx="1">
+                <a:schemeClr val="lt1"/>
+              </a:fillRef>
+              <a:effectRef idx="0">
+                <a:schemeClr val="dk1"/>
+              </a:effectRef>
+              <a:fontRef idx="minor">
+                <a:schemeClr val="dk1"/>
+              </a:fontRef>
+            </p:style>
+            <p:txBody>
+              <a:bodyPr rtlCol="0" anchor="ctr"/>
+              <a:lstStyle/>
+              <a:p>
+                <a:pPr algn="ctr"/>
+                <a:endParaRPr lang="en-US"/>
+              </a:p>
+            </p:txBody>
+          </p:sp>
+        </p:grpSp>
+      </p:grpSp>
+      <p:grpSp>
+        <p:nvGrpSpPr>
+          <p:cNvPr id="25" name="Group 24"/>
+          <p:cNvGrpSpPr/>
+          <p:nvPr/>
+        </p:nvGrpSpPr>
+        <p:grpSpPr>
+          <a:xfrm>
+            <a:off x="726110" y="4116789"/>
+            <a:ext cx="7217094" cy="930322"/>
+            <a:chOff x="1068796" y="4358661"/>
+            <a:chExt cx="7217094" cy="930322"/>
+          </a:xfrm>
+        </p:grpSpPr>
+        <p:sp>
+          <p:nvSpPr>
+            <p:cNvPr id="7" name="Oval 6"/>
+            <p:cNvSpPr/>
+            <p:nvPr/>
+          </p:nvSpPr>
+          <p:spPr>
+            <a:xfrm>
+              <a:off x="3590976" y="4368176"/>
+              <a:ext cx="903111" cy="903111"/>
+            </a:xfrm>
+            <a:prstGeom prst="ellipse">
+              <a:avLst/>
+            </a:prstGeom>
+            <a:noFill/>
+          </p:spPr>
+          <p:style>
+            <a:lnRef idx="2">
+              <a:schemeClr val="dk1"/>
+            </a:lnRef>
+            <a:fillRef idx="1">
+              <a:schemeClr val="lt1"/>
+            </a:fillRef>
+            <a:effectRef idx="0">
+              <a:schemeClr val="dk1"/>
+            </a:effectRef>
+            <a:fontRef idx="minor">
+              <a:schemeClr val="dk1"/>
+            </a:fontRef>
+          </p:style>
+          <p:txBody>
+            <a:bodyPr rtlCol="0" anchor="ctr"/>
+            <a:lstStyle/>
+            <a:p>
+              <a:pPr algn="ctr"/>
+              <a:endParaRPr lang="en-US"/>
+            </a:p>
+          </p:txBody>
+        </p:sp>
+        <p:sp>
+          <p:nvSpPr>
+            <p:cNvPr id="8" name="Oval 7"/>
+            <p:cNvSpPr/>
+            <p:nvPr/>
+          </p:nvSpPr>
+          <p:spPr>
+            <a:xfrm>
+              <a:off x="4858215" y="4368176"/>
+              <a:ext cx="903111" cy="903111"/>
+            </a:xfrm>
+            <a:prstGeom prst="ellipse">
+              <a:avLst/>
+            </a:prstGeom>
+            <a:noFill/>
+          </p:spPr>
+          <p:style>
+            <a:lnRef idx="2">
+              <a:schemeClr val="dk1"/>
+            </a:lnRef>
+            <a:fillRef idx="1">
+              <a:schemeClr val="lt1"/>
+            </a:fillRef>
+            <a:effectRef idx="0">
+              <a:schemeClr val="dk1"/>
+            </a:effectRef>
+            <a:fontRef idx="minor">
+              <a:schemeClr val="dk1"/>
+            </a:fontRef>
+          </p:style>
+          <p:txBody>
+            <a:bodyPr rtlCol="0" anchor="ctr"/>
+            <a:lstStyle/>
+            <a:p>
+              <a:pPr algn="ctr"/>
+              <a:endParaRPr lang="en-US"/>
+            </a:p>
+          </p:txBody>
+        </p:sp>
+        <p:sp>
+          <p:nvSpPr>
+            <p:cNvPr id="11" name="Oval 10"/>
+            <p:cNvSpPr/>
+            <p:nvPr/>
+          </p:nvSpPr>
+          <p:spPr>
+            <a:xfrm>
+              <a:off x="7382779" y="4358661"/>
+              <a:ext cx="903111" cy="903111"/>
+            </a:xfrm>
+            <a:prstGeom prst="ellipse">
+              <a:avLst/>
+            </a:prstGeom>
+            <a:noFill/>
+          </p:spPr>
+          <p:style>
+            <a:lnRef idx="2">
+              <a:schemeClr val="dk1"/>
+            </a:lnRef>
+            <a:fillRef idx="1">
+              <a:schemeClr val="lt1"/>
+            </a:fillRef>
+            <a:effectRef idx="0">
+              <a:schemeClr val="dk1"/>
+            </a:effectRef>
+            <a:fontRef idx="minor">
+              <a:schemeClr val="dk1"/>
+            </a:fontRef>
+          </p:style>
+          <p:txBody>
+            <a:bodyPr rtlCol="0" anchor="ctr"/>
+            <a:lstStyle/>
+            <a:p>
+              <a:pPr algn="ctr"/>
+              <a:endParaRPr lang="en-US"/>
+            </a:p>
+          </p:txBody>
+        </p:sp>
+        <p:grpSp>
+          <p:nvGrpSpPr>
+            <p:cNvPr id="15" name="Group 14"/>
+            <p:cNvGrpSpPr/>
+            <p:nvPr/>
+          </p:nvGrpSpPr>
+          <p:grpSpPr>
+            <a:xfrm rot="16200000">
+              <a:off x="6519499" y="4612157"/>
+              <a:ext cx="51361" cy="378741"/>
+              <a:chOff x="1984024" y="3584222"/>
+              <a:chExt cx="51361" cy="378741"/>
+            </a:xfrm>
+          </p:grpSpPr>
+          <p:sp>
+            <p:nvSpPr>
+              <p:cNvPr id="12" name="Oval 11"/>
+              <p:cNvSpPr/>
+              <p:nvPr/>
+            </p:nvSpPr>
+            <p:spPr>
+              <a:xfrm>
+                <a:off x="1989666" y="3584222"/>
+                <a:ext cx="45719" cy="45719"/>
+              </a:xfrm>
+              <a:prstGeom prst="ellipse">
+                <a:avLst/>
+              </a:prstGeom>
+              <a:solidFill>
+                <a:schemeClr val="tx1"/>
+              </a:solidFill>
+              <a:ln/>
+            </p:spPr>
+            <p:style>
+              <a:lnRef idx="2">
+                <a:schemeClr val="dk1"/>
+              </a:lnRef>
+              <a:fillRef idx="1">
+                <a:schemeClr val="lt1"/>
+              </a:fillRef>
+              <a:effectRef idx="0">
+                <a:schemeClr val="dk1"/>
+              </a:effectRef>
+              <a:fontRef idx="minor">
+                <a:schemeClr val="dk1"/>
+              </a:fontRef>
+            </p:style>
+            <p:txBody>
+              <a:bodyPr rtlCol="0" anchor="ctr"/>
+              <a:lstStyle/>
+              <a:p>
+                <a:pPr algn="ctr"/>
+                <a:endParaRPr lang="en-US"/>
+              </a:p>
+            </p:txBody>
+          </p:sp>
+          <p:sp>
+            <p:nvSpPr>
+              <p:cNvPr id="13" name="Oval 12"/>
+              <p:cNvSpPr/>
+              <p:nvPr/>
+            </p:nvSpPr>
+            <p:spPr>
+              <a:xfrm>
+                <a:off x="1986845" y="3750733"/>
+                <a:ext cx="45719" cy="45719"/>
+              </a:xfrm>
+              <a:prstGeom prst="ellipse">
+                <a:avLst/>
+              </a:prstGeom>
+              <a:solidFill>
+                <a:schemeClr val="tx1"/>
+              </a:solidFill>
+              <a:ln/>
+            </p:spPr>
+            <p:style>
+              <a:lnRef idx="2">
+                <a:schemeClr val="dk1"/>
+              </a:lnRef>
+              <a:fillRef idx="1">
+                <a:schemeClr val="lt1"/>
+              </a:fillRef>
+              <a:effectRef idx="0">
+                <a:schemeClr val="dk1"/>
+              </a:effectRef>
+              <a:fontRef idx="minor">
+                <a:schemeClr val="dk1"/>
+              </a:fontRef>
+            </p:style>
+            <p:txBody>
+              <a:bodyPr rtlCol="0" anchor="ctr"/>
+              <a:lstStyle/>
+              <a:p>
+                <a:pPr algn="ctr"/>
+                <a:endParaRPr lang="en-US"/>
+              </a:p>
+            </p:txBody>
+          </p:sp>
+          <p:sp>
+            <p:nvSpPr>
+              <p:cNvPr id="14" name="Oval 13"/>
+              <p:cNvSpPr/>
+              <p:nvPr/>
+            </p:nvSpPr>
+            <p:spPr>
+              <a:xfrm>
+                <a:off x="1984024" y="3917244"/>
+                <a:ext cx="45719" cy="45719"/>
+              </a:xfrm>
+              <a:prstGeom prst="ellipse">
+                <a:avLst/>
+              </a:prstGeom>
+              <a:solidFill>
+                <a:schemeClr val="tx1"/>
+              </a:solidFill>
+              <a:ln/>
+            </p:spPr>
+            <p:style>
+              <a:lnRef idx="2">
+                <a:schemeClr val="dk1"/>
+              </a:lnRef>
+              <a:fillRef idx="1">
+                <a:schemeClr val="lt1"/>
+              </a:fillRef>
+              <a:effectRef idx="0">
+                <a:schemeClr val="dk1"/>
+              </a:effectRef>
+              <a:fontRef idx="minor">
+                <a:schemeClr val="dk1"/>
+              </a:fontRef>
+            </p:style>
+            <p:txBody>
+              <a:bodyPr rtlCol="0" anchor="ctr"/>
+              <a:lstStyle/>
+              <a:p>
+                <a:pPr algn="ctr"/>
+                <a:endParaRPr lang="en-US"/>
+              </a:p>
+            </p:txBody>
+          </p:sp>
+        </p:grpSp>
+        <p:sp>
+          <p:nvSpPr>
+            <p:cNvPr id="23" name="Oval 22"/>
+            <p:cNvSpPr/>
+            <p:nvPr/>
+          </p:nvSpPr>
+          <p:spPr>
+            <a:xfrm>
+              <a:off x="1068796" y="4385872"/>
+              <a:ext cx="903111" cy="903111"/>
+            </a:xfrm>
+            <a:prstGeom prst="ellipse">
+              <a:avLst/>
+            </a:prstGeom>
+            <a:noFill/>
+          </p:spPr>
+          <p:style>
+            <a:lnRef idx="2">
+              <a:schemeClr val="dk1"/>
+            </a:lnRef>
+            <a:fillRef idx="1">
+              <a:schemeClr val="lt1"/>
+            </a:fillRef>
+            <a:effectRef idx="0">
+              <a:schemeClr val="dk1"/>
+            </a:effectRef>
+            <a:fontRef idx="minor">
+              <a:schemeClr val="dk1"/>
+            </a:fontRef>
+          </p:style>
+          <p:txBody>
+            <a:bodyPr rtlCol="0" anchor="ctr"/>
+            <a:lstStyle/>
+            <a:p>
+              <a:pPr algn="ctr"/>
+              <a:endParaRPr lang="en-US"/>
+            </a:p>
+          </p:txBody>
+        </p:sp>
+        <p:sp>
+          <p:nvSpPr>
+            <p:cNvPr id="24" name="Oval 23"/>
+            <p:cNvSpPr/>
+            <p:nvPr/>
+          </p:nvSpPr>
+          <p:spPr>
+            <a:xfrm>
+              <a:off x="2329886" y="4377024"/>
+              <a:ext cx="903111" cy="903111"/>
+            </a:xfrm>
+            <a:prstGeom prst="ellipse">
+              <a:avLst/>
+            </a:prstGeom>
+            <a:noFill/>
+          </p:spPr>
+          <p:style>
+            <a:lnRef idx="2">
+              <a:schemeClr val="dk1"/>
+            </a:lnRef>
+            <a:fillRef idx="1">
+              <a:schemeClr val="lt1"/>
+            </a:fillRef>
+            <a:effectRef idx="0">
+              <a:schemeClr val="dk1"/>
+            </a:effectRef>
+            <a:fontRef idx="minor">
+              <a:schemeClr val="dk1"/>
+            </a:fontRef>
+          </p:style>
+          <p:txBody>
+            <a:bodyPr rtlCol="0" anchor="ctr"/>
+            <a:lstStyle/>
+            <a:p>
+              <a:pPr algn="ctr"/>
+              <a:endParaRPr lang="en-US"/>
+            </a:p>
+          </p:txBody>
+        </p:sp>
+      </p:grpSp>
+      <p:cxnSp>
+        <p:nvCxnSpPr>
+          <p:cNvPr id="29" name="Straight Arrow Connector 28"/>
+          <p:cNvCxnSpPr/>
+          <p:nvPr/>
+        </p:nvCxnSpPr>
+        <p:spPr>
+          <a:xfrm flipV="1">
+            <a:off x="1338930" y="2335593"/>
+            <a:ext cx="778647" cy="1788251"/>
+          </a:xfrm>
+          <a:prstGeom prst="straightConnector1">
+            <a:avLst/>
+          </a:prstGeom>
+          <a:ln>
+            <a:tailEnd type="arrow"/>
+          </a:ln>
+        </p:spPr>
+        <p:style>
+          <a:lnRef idx="1">
+            <a:schemeClr val="dk1"/>
+          </a:lnRef>
+          <a:fillRef idx="0">
+            <a:schemeClr val="dk1"/>
+          </a:fillRef>
+          <a:effectRef idx="0">
+            <a:schemeClr val="dk1"/>
+          </a:effectRef>
+          <a:fontRef idx="minor">
+            <a:schemeClr val="tx1"/>
+          </a:fontRef>
+        </p:style>
+      </p:cxnSp>
+      <p:cxnSp>
+        <p:nvCxnSpPr>
+          <p:cNvPr id="35" name="Straight Arrow Connector 34"/>
+          <p:cNvCxnSpPr/>
+          <p:nvPr/>
+        </p:nvCxnSpPr>
+        <p:spPr>
+          <a:xfrm flipV="1">
+            <a:off x="1496963" y="2243647"/>
+            <a:ext cx="1706431" cy="1972143"/>
+          </a:xfrm>
+          <a:prstGeom prst="straightConnector1">
+            <a:avLst/>
+          </a:prstGeom>
+          <a:ln>
+            <a:tailEnd type="arrow"/>
+          </a:ln>
+        </p:spPr>
+        <p:style>
+          <a:lnRef idx="1">
+            <a:schemeClr val="dk1"/>
+          </a:lnRef>
+          <a:fillRef idx="0">
+            <a:schemeClr val="dk1"/>
+          </a:fillRef>
+          <a:effectRef idx="0">
+            <a:schemeClr val="dk1"/>
+          </a:effectRef>
+          <a:fontRef idx="minor">
+            <a:schemeClr val="tx1"/>
+          </a:fontRef>
+        </p:style>
+      </p:cxnSp>
+      <p:cxnSp>
+        <p:nvCxnSpPr>
+          <p:cNvPr id="37" name="Straight Arrow Connector 36"/>
+          <p:cNvCxnSpPr/>
+          <p:nvPr/>
+        </p:nvCxnSpPr>
+        <p:spPr>
+          <a:xfrm flipV="1">
+            <a:off x="1588905" y="2234132"/>
+            <a:ext cx="4118895" cy="2062282"/>
+          </a:xfrm>
+          <a:prstGeom prst="straightConnector1">
+            <a:avLst/>
+          </a:prstGeom>
+          <a:ln>
+            <a:tailEnd type="arrow"/>
+          </a:ln>
+        </p:spPr>
+        <p:style>
+          <a:lnRef idx="1">
+            <a:schemeClr val="dk1"/>
+          </a:lnRef>
+          <a:fillRef idx="0">
+            <a:schemeClr val="dk1"/>
+          </a:fillRef>
+          <a:effectRef idx="0">
+            <a:schemeClr val="dk1"/>
+          </a:effectRef>
+          <a:fontRef idx="minor">
+            <a:schemeClr val="tx1"/>
+          </a:fontRef>
+        </p:style>
+      </p:cxnSp>
+      <p:cxnSp>
+        <p:nvCxnSpPr>
+          <p:cNvPr id="50" name="Straight Arrow Connector 49"/>
+          <p:cNvCxnSpPr/>
+          <p:nvPr/>
+        </p:nvCxnSpPr>
+        <p:spPr>
+          <a:xfrm flipV="1">
+            <a:off x="2318120" y="2396048"/>
+            <a:ext cx="0" cy="1720741"/>
+          </a:xfrm>
+          <a:prstGeom prst="straightConnector1">
+            <a:avLst/>
+          </a:prstGeom>
+          <a:ln>
+            <a:tailEnd type="arrow"/>
+          </a:ln>
+        </p:spPr>
+        <p:style>
+          <a:lnRef idx="1">
+            <a:schemeClr val="dk1"/>
+          </a:lnRef>
+          <a:fillRef idx="0">
+            <a:schemeClr val="dk1"/>
+          </a:fillRef>
+          <a:effectRef idx="0">
+            <a:schemeClr val="dk1"/>
+          </a:effectRef>
+          <a:fontRef idx="minor">
+            <a:schemeClr val="tx1"/>
+          </a:fontRef>
+        </p:style>
+      </p:cxnSp>
+      <p:cxnSp>
+        <p:nvCxnSpPr>
+          <p:cNvPr id="54" name="Straight Arrow Connector 53"/>
+          <p:cNvCxnSpPr/>
+          <p:nvPr/>
+        </p:nvCxnSpPr>
+        <p:spPr>
+          <a:xfrm flipV="1">
+            <a:off x="2586060" y="2355736"/>
+            <a:ext cx="800413" cy="1740898"/>
+          </a:xfrm>
+          <a:prstGeom prst="straightConnector1">
+            <a:avLst/>
+          </a:prstGeom>
+          <a:ln>
+            <a:tailEnd type="arrow"/>
+          </a:ln>
+        </p:spPr>
+        <p:style>
+          <a:lnRef idx="1">
+            <a:schemeClr val="dk1"/>
+          </a:lnRef>
+          <a:fillRef idx="0">
+            <a:schemeClr val="dk1"/>
+          </a:fillRef>
+          <a:effectRef idx="0">
+            <a:schemeClr val="dk1"/>
+          </a:effectRef>
+          <a:fontRef idx="minor">
+            <a:schemeClr val="tx1"/>
+          </a:fontRef>
+        </p:style>
+      </p:cxnSp>
+      <p:cxnSp>
+        <p:nvCxnSpPr>
+          <p:cNvPr id="57" name="Straight Arrow Connector 56"/>
+          <p:cNvCxnSpPr/>
+          <p:nvPr/>
+        </p:nvCxnSpPr>
+        <p:spPr>
+          <a:xfrm flipV="1">
+            <a:off x="2829837" y="2355736"/>
+            <a:ext cx="2969889" cy="1900366"/>
+          </a:xfrm>
+          <a:prstGeom prst="straightConnector1">
+            <a:avLst/>
+          </a:prstGeom>
+          <a:ln>
+            <a:tailEnd type="arrow"/>
+          </a:ln>
+        </p:spPr>
+        <p:style>
+          <a:lnRef idx="1">
+            <a:schemeClr val="dk1"/>
+          </a:lnRef>
+          <a:fillRef idx="0">
+            <a:schemeClr val="dk1"/>
+          </a:fillRef>
+          <a:effectRef idx="0">
+            <a:schemeClr val="dk1"/>
+          </a:effectRef>
+          <a:fontRef idx="minor">
+            <a:schemeClr val="tx1"/>
+          </a:fontRef>
+        </p:style>
+      </p:cxnSp>
+      <p:cxnSp>
+        <p:nvCxnSpPr>
+          <p:cNvPr id="62" name="Straight Arrow Connector 61"/>
+          <p:cNvCxnSpPr/>
+          <p:nvPr/>
+        </p:nvCxnSpPr>
+        <p:spPr>
+          <a:xfrm flipH="1" flipV="1">
+            <a:off x="2510836" y="2315425"/>
+            <a:ext cx="910028" cy="1862513"/>
+          </a:xfrm>
+          <a:prstGeom prst="straightConnector1">
+            <a:avLst/>
+          </a:prstGeom>
+          <a:ln>
+            <a:tailEnd type="arrow"/>
+          </a:ln>
+        </p:spPr>
+        <p:style>
+          <a:lnRef idx="1">
+            <a:schemeClr val="dk1"/>
+          </a:lnRef>
+          <a:fillRef idx="0">
+            <a:schemeClr val="dk1"/>
+          </a:fillRef>
+          <a:effectRef idx="0">
+            <a:schemeClr val="dk1"/>
+          </a:effectRef>
+          <a:fontRef idx="minor">
+            <a:schemeClr val="tx1"/>
+          </a:fontRef>
+        </p:style>
+      </p:cxnSp>
+      <p:cxnSp>
+        <p:nvCxnSpPr>
+          <p:cNvPr id="66" name="Straight Arrow Connector 65"/>
+          <p:cNvCxnSpPr/>
+          <p:nvPr/>
+        </p:nvCxnSpPr>
+        <p:spPr>
+          <a:xfrm flipH="1" flipV="1">
+            <a:off x="3542850" y="2355749"/>
+            <a:ext cx="30414" cy="1740885"/>
+          </a:xfrm>
+          <a:prstGeom prst="straightConnector1">
+            <a:avLst/>
+          </a:prstGeom>
+          <a:ln>
+            <a:tailEnd type="arrow"/>
+          </a:ln>
+        </p:spPr>
+        <p:style>
+          <a:lnRef idx="1">
+            <a:schemeClr val="dk1"/>
+          </a:lnRef>
+          <a:fillRef idx="0">
+            <a:schemeClr val="dk1"/>
+          </a:fillRef>
+          <a:effectRef idx="0">
+            <a:schemeClr val="dk1"/>
+          </a:effectRef>
+          <a:fontRef idx="minor">
+            <a:schemeClr val="tx1"/>
+          </a:fontRef>
+        </p:style>
+      </p:cxnSp>
+      <p:cxnSp>
+        <p:nvCxnSpPr>
+          <p:cNvPr id="73" name="Straight Arrow Connector 72"/>
+          <p:cNvCxnSpPr/>
+          <p:nvPr/>
+        </p:nvCxnSpPr>
+        <p:spPr>
+          <a:xfrm flipV="1">
+            <a:off x="3974247" y="2396048"/>
+            <a:ext cx="1957721" cy="1788266"/>
+          </a:xfrm>
+          <a:prstGeom prst="straightConnector1">
+            <a:avLst/>
+          </a:prstGeom>
+          <a:ln>
+            <a:tailEnd type="arrow"/>
+          </a:ln>
+        </p:spPr>
+        <p:style>
+          <a:lnRef idx="1">
+            <a:schemeClr val="dk1"/>
+          </a:lnRef>
+          <a:fillRef idx="0">
+            <a:schemeClr val="dk1"/>
+          </a:fillRef>
+          <a:effectRef idx="0">
+            <a:schemeClr val="dk1"/>
+          </a:effectRef>
+          <a:fontRef idx="minor">
+            <a:schemeClr val="tx1"/>
+          </a:fontRef>
+        </p:style>
+      </p:cxnSp>
+      <p:cxnSp>
+        <p:nvCxnSpPr>
+          <p:cNvPr id="76" name="Straight Arrow Connector 75"/>
+          <p:cNvCxnSpPr/>
+          <p:nvPr/>
+        </p:nvCxnSpPr>
+        <p:spPr>
+          <a:xfrm flipH="1" flipV="1">
+            <a:off x="3695250" y="2355749"/>
+            <a:ext cx="1060150" cy="1740885"/>
+          </a:xfrm>
+          <a:prstGeom prst="straightConnector1">
+            <a:avLst/>
+          </a:prstGeom>
+          <a:ln>
+            <a:tailEnd type="arrow"/>
+          </a:ln>
+        </p:spPr>
+        <p:style>
+          <a:lnRef idx="1">
+            <a:schemeClr val="dk1"/>
+          </a:lnRef>
+          <a:fillRef idx="0">
+            <a:schemeClr val="dk1"/>
+          </a:fillRef>
+          <a:effectRef idx="0">
+            <a:schemeClr val="dk1"/>
+          </a:effectRef>
+          <a:fontRef idx="minor">
+            <a:schemeClr val="tx1"/>
+          </a:fontRef>
+        </p:style>
+      </p:cxnSp>
+      <p:cxnSp>
+        <p:nvCxnSpPr>
+          <p:cNvPr id="79" name="Straight Arrow Connector 78"/>
+          <p:cNvCxnSpPr/>
+          <p:nvPr/>
+        </p:nvCxnSpPr>
+        <p:spPr>
+          <a:xfrm flipH="1" flipV="1">
+            <a:off x="2646535" y="2254957"/>
+            <a:ext cx="1960936" cy="1983449"/>
+          </a:xfrm>
+          <a:prstGeom prst="straightConnector1">
+            <a:avLst/>
+          </a:prstGeom>
+          <a:ln>
+            <a:tailEnd type="arrow"/>
+          </a:ln>
+        </p:spPr>
+        <p:style>
+          <a:lnRef idx="1">
+            <a:schemeClr val="dk1"/>
+          </a:lnRef>
+          <a:fillRef idx="0">
+            <a:schemeClr val="dk1"/>
+          </a:fillRef>
+          <a:effectRef idx="0">
+            <a:schemeClr val="dk1"/>
+          </a:effectRef>
+          <a:fontRef idx="minor">
+            <a:schemeClr val="tx1"/>
+          </a:fontRef>
+        </p:style>
+      </p:cxnSp>
+      <p:cxnSp>
+        <p:nvCxnSpPr>
+          <p:cNvPr id="83" name="Straight Arrow Connector 82"/>
+          <p:cNvCxnSpPr/>
+          <p:nvPr/>
+        </p:nvCxnSpPr>
+        <p:spPr>
+          <a:xfrm flipV="1">
+            <a:off x="5099871" y="2396048"/>
+            <a:ext cx="913252" cy="1680432"/>
+          </a:xfrm>
+          <a:prstGeom prst="straightConnector1">
+            <a:avLst/>
+          </a:prstGeom>
+          <a:ln>
+            <a:tailEnd type="arrow"/>
+          </a:ln>
+        </p:spPr>
+        <p:style>
+          <a:lnRef idx="1">
+            <a:schemeClr val="dk1"/>
+          </a:lnRef>
+          <a:fillRef idx="0">
+            <a:schemeClr val="dk1"/>
+          </a:fillRef>
+          <a:effectRef idx="0">
+            <a:schemeClr val="dk1"/>
+          </a:effectRef>
+          <a:fontRef idx="minor">
+            <a:schemeClr val="tx1"/>
+          </a:fontRef>
+        </p:style>
+      </p:cxnSp>
+      <p:cxnSp>
+        <p:nvCxnSpPr>
+          <p:cNvPr id="91" name="Straight Arrow Connector 90"/>
+          <p:cNvCxnSpPr/>
+          <p:nvPr/>
+        </p:nvCxnSpPr>
+        <p:spPr>
+          <a:xfrm flipH="1" flipV="1">
+            <a:off x="2707009" y="2173666"/>
+            <a:ext cx="4333084" cy="2122748"/>
+          </a:xfrm>
+          <a:prstGeom prst="straightConnector1">
+            <a:avLst/>
+          </a:prstGeom>
+          <a:ln>
+            <a:tailEnd type="arrow"/>
+          </a:ln>
+        </p:spPr>
+        <p:style>
+          <a:lnRef idx="1">
+            <a:schemeClr val="dk1"/>
+          </a:lnRef>
+          <a:fillRef idx="0">
+            <a:schemeClr val="dk1"/>
+          </a:fillRef>
+          <a:effectRef idx="0">
+            <a:schemeClr val="dk1"/>
+          </a:effectRef>
+          <a:fontRef idx="minor">
+            <a:schemeClr val="tx1"/>
+          </a:fontRef>
+        </p:style>
+      </p:cxnSp>
+      <p:cxnSp>
+        <p:nvCxnSpPr>
+          <p:cNvPr id="95" name="Straight Arrow Connector 94"/>
+          <p:cNvCxnSpPr/>
+          <p:nvPr/>
+        </p:nvCxnSpPr>
+        <p:spPr>
+          <a:xfrm flipH="1" flipV="1">
+            <a:off x="3922621" y="2263803"/>
+            <a:ext cx="3177946" cy="1933610"/>
+          </a:xfrm>
+          <a:prstGeom prst="straightConnector1">
+            <a:avLst/>
+          </a:prstGeom>
+          <a:ln>
+            <a:tailEnd type="arrow"/>
+          </a:ln>
+        </p:spPr>
+        <p:style>
+          <a:lnRef idx="1">
+            <a:schemeClr val="dk1"/>
+          </a:lnRef>
+          <a:fillRef idx="0">
+            <a:schemeClr val="dk1"/>
+          </a:fillRef>
+          <a:effectRef idx="0">
+            <a:schemeClr val="dk1"/>
+          </a:effectRef>
+          <a:fontRef idx="minor">
+            <a:schemeClr val="tx1"/>
+          </a:fontRef>
+        </p:style>
+      </p:cxnSp>
+      <p:cxnSp>
+        <p:nvCxnSpPr>
+          <p:cNvPr id="99" name="Straight Arrow Connector 98"/>
+          <p:cNvCxnSpPr/>
+          <p:nvPr/>
+        </p:nvCxnSpPr>
+        <p:spPr>
+          <a:xfrm flipH="1" flipV="1">
+            <a:off x="6351548" y="2335593"/>
+            <a:ext cx="864309" cy="1770568"/>
+          </a:xfrm>
+          <a:prstGeom prst="straightConnector1">
+            <a:avLst/>
+          </a:prstGeom>
+          <a:ln>
+            <a:tailEnd type="arrow"/>
+          </a:ln>
+        </p:spPr>
+        <p:style>
+          <a:lnRef idx="1">
+            <a:schemeClr val="dk1"/>
+          </a:lnRef>
+          <a:fillRef idx="0">
+            <a:schemeClr val="dk1"/>
+          </a:fillRef>
+          <a:effectRef idx="0">
+            <a:schemeClr val="dk1"/>
+          </a:effectRef>
+          <a:fontRef idx="minor">
+            <a:schemeClr val="tx1"/>
+          </a:fontRef>
+        </p:style>
+      </p:cxnSp>
+      <p:sp>
+        <p:nvSpPr>
+          <p:cNvPr id="101" name="Rectangle 100"/>
+          <p:cNvSpPr/>
+          <p:nvPr/>
+        </p:nvSpPr>
+        <p:spPr>
+          <a:xfrm>
+            <a:off x="1588905" y="1310125"/>
+            <a:ext cx="5143733" cy="1269813"/>
+          </a:xfrm>
+          <a:prstGeom prst="rect">
+            <a:avLst/>
+          </a:prstGeom>
+          <a:noFill/>
+          <a:ln/>
+        </p:spPr>
+        <p:style>
+          <a:lnRef idx="2">
+            <a:schemeClr val="dk1"/>
+          </a:lnRef>
+          <a:fillRef idx="1">
+            <a:schemeClr val="lt1"/>
+          </a:fillRef>
+          <a:effectRef idx="0">
+            <a:schemeClr val="dk1"/>
+          </a:effectRef>
+          <a:fontRef idx="minor">
+            <a:schemeClr val="dk1"/>
+          </a:fontRef>
+        </p:style>
+        <p:txBody>
+          <a:bodyPr rtlCol="0" anchor="ctr"/>
+          <a:lstStyle/>
+          <a:p>
+            <a:pPr algn="ctr"/>
+            <a:endParaRPr lang="en-US"/>
+          </a:p>
+        </p:txBody>
+      </p:sp>
+      <p:cxnSp>
+        <p:nvCxnSpPr>
+          <p:cNvPr id="102" name="Straight Arrow Connector 101"/>
+          <p:cNvCxnSpPr/>
+          <p:nvPr/>
+        </p:nvCxnSpPr>
+        <p:spPr>
+          <a:xfrm flipV="1">
+            <a:off x="2257646" y="851700"/>
+            <a:ext cx="0" cy="591423"/>
+          </a:xfrm>
+          <a:prstGeom prst="straightConnector1">
+            <a:avLst/>
+          </a:prstGeom>
+          <a:ln>
+            <a:tailEnd type="arrow"/>
+          </a:ln>
+        </p:spPr>
+        <p:style>
+          <a:lnRef idx="1">
+            <a:schemeClr val="dk1"/>
+          </a:lnRef>
+          <a:fillRef idx="0">
+            <a:schemeClr val="dk1"/>
+          </a:fillRef>
+          <a:effectRef idx="0">
+            <a:schemeClr val="dk1"/>
+          </a:effectRef>
+          <a:fontRef idx="minor">
+            <a:schemeClr val="tx1"/>
+          </a:fontRef>
+        </p:style>
+      </p:cxnSp>
+      <p:cxnSp>
+        <p:nvCxnSpPr>
+          <p:cNvPr id="103" name="Straight Arrow Connector 102"/>
+          <p:cNvCxnSpPr/>
+          <p:nvPr/>
+        </p:nvCxnSpPr>
+        <p:spPr>
+          <a:xfrm flipV="1">
+            <a:off x="3532948" y="851700"/>
+            <a:ext cx="0" cy="591423"/>
+          </a:xfrm>
+          <a:prstGeom prst="straightConnector1">
+            <a:avLst/>
+          </a:prstGeom>
+          <a:ln>
+            <a:tailEnd type="arrow"/>
+          </a:ln>
+        </p:spPr>
+        <p:style>
+          <a:lnRef idx="1">
+            <a:schemeClr val="dk1"/>
+          </a:lnRef>
+          <a:fillRef idx="0">
+            <a:schemeClr val="dk1"/>
+          </a:fillRef>
+          <a:effectRef idx="0">
+            <a:schemeClr val="dk1"/>
+          </a:effectRef>
+          <a:fontRef idx="minor">
+            <a:schemeClr val="tx1"/>
+          </a:fontRef>
+        </p:style>
+      </p:cxnSp>
+      <p:cxnSp>
+        <p:nvCxnSpPr>
+          <p:cNvPr id="104" name="Straight Arrow Connector 103"/>
+          <p:cNvCxnSpPr/>
+          <p:nvPr/>
+        </p:nvCxnSpPr>
+        <p:spPr>
+          <a:xfrm flipV="1">
+            <a:off x="6055353" y="861215"/>
+            <a:ext cx="0" cy="591423"/>
+          </a:xfrm>
+          <a:prstGeom prst="straightConnector1">
+            <a:avLst/>
+          </a:prstGeom>
+          <a:ln>
+            <a:tailEnd type="arrow"/>
+          </a:ln>
+        </p:spPr>
+        <p:style>
+          <a:lnRef idx="1">
+            <a:schemeClr val="dk1"/>
+          </a:lnRef>
+          <a:fillRef idx="0">
+            <a:schemeClr val="dk1"/>
+          </a:fillRef>
+          <a:effectRef idx="0">
+            <a:schemeClr val="dk1"/>
+          </a:effectRef>
+          <a:fontRef idx="minor">
+            <a:schemeClr val="tx1"/>
+          </a:fontRef>
+        </p:style>
+      </p:cxnSp>
+      <p:sp>
+        <p:nvSpPr>
+          <p:cNvPr id="110" name="TextBox 109"/>
+          <p:cNvSpPr txBox="1"/>
+          <p:nvPr/>
+        </p:nvSpPr>
+        <p:spPr>
+          <a:xfrm>
+            <a:off x="6732638" y="1617472"/>
+            <a:ext cx="992579" cy="646331"/>
+          </a:xfrm>
+          <a:prstGeom prst="rect">
+            <a:avLst/>
+          </a:prstGeom>
+          <a:noFill/>
+        </p:spPr>
+        <p:txBody>
+          <a:bodyPr wrap="none" rtlCol="0">
+            <a:spAutoFit/>
+          </a:bodyPr>
+          <a:lstStyle/>
+          <a:p>
+            <a:pPr algn="ctr"/>
+            <a:r>
+              <a:rPr lang="en-US" dirty="0" smtClean="0">
+                <a:latin typeface="Cambria"/>
+                <a:cs typeface="Cambria"/>
+              </a:rPr>
+              <a:t>10-way </a:t>
+            </a:r>
+          </a:p>
+          <a:p>
+            <a:pPr algn="ctr"/>
+            <a:r>
+              <a:rPr lang="en-US" dirty="0" smtClean="0">
+                <a:latin typeface="Cambria"/>
+                <a:cs typeface="Cambria"/>
+              </a:rPr>
+              <a:t>Softmax</a:t>
+            </a:r>
+            <a:endParaRPr lang="en-US" dirty="0">
+              <a:latin typeface="Cambria"/>
+              <a:cs typeface="Cambria"/>
+            </a:endParaRPr>
+          </a:p>
+        </p:txBody>
+      </p:sp>
+      <p:sp>
+        <p:nvSpPr>
+          <p:cNvPr id="111" name="TextBox 110"/>
+          <p:cNvSpPr txBox="1"/>
+          <p:nvPr/>
+        </p:nvSpPr>
+        <p:spPr>
+          <a:xfrm>
+            <a:off x="8064515" y="4233457"/>
+            <a:ext cx="909173" cy="646331"/>
+          </a:xfrm>
+          <a:prstGeom prst="rect">
+            <a:avLst/>
+          </a:prstGeom>
+          <a:noFill/>
+        </p:spPr>
+        <p:txBody>
+          <a:bodyPr wrap="none" rtlCol="0">
+            <a:spAutoFit/>
+          </a:bodyPr>
+          <a:lstStyle/>
+          <a:p>
+            <a:pPr algn="ctr"/>
+            <a:r>
+              <a:rPr lang="en-US" dirty="0" smtClean="0">
+                <a:latin typeface="Cambria"/>
+                <a:cs typeface="Cambria"/>
+              </a:rPr>
+              <a:t>28 x 28</a:t>
+            </a:r>
+          </a:p>
+          <a:p>
+            <a:pPr algn="ctr"/>
+            <a:r>
+              <a:rPr lang="en-US" dirty="0" smtClean="0">
+                <a:latin typeface="Cambria"/>
+                <a:cs typeface="Cambria"/>
+              </a:rPr>
+              <a:t>inputs</a:t>
+            </a:r>
             <a:endParaRPr lang="en-US" dirty="0">
               <a:latin typeface="Cambria"/>
               <a:cs typeface="Cambria"/>
@@ -11696,7 +14414,7 @@
     </p:spTree>
     <p:extLst>
       <p:ext uri="{BB962C8B-B14F-4D97-AF65-F5344CB8AC3E}">
-        <p14:creationId xmlns:p14="http://schemas.microsoft.com/office/powerpoint/2010/main" val="4237863019"/>
+        <p14:creationId xmlns:p14="http://schemas.microsoft.com/office/powerpoint/2010/main" val="549103925"/>
       </p:ext>
     </p:extLst>
   </p:cSld>
@@ -11769,7 +14487,7 @@
           <a:graphicData uri="http://schemas.openxmlformats.org/presentationml/2006/ole">
             <mc:AlternateContent xmlns:mc="http://schemas.openxmlformats.org/markup-compatibility/2006">
               <mc:Choice xmlns:v="urn:schemas-microsoft-com:vml" Requires="v">
-                <p:oleObj spid="_x0000_s2079" name="Equation" r:id="rId4" imgW="127000" imgH="165100" progId="Equation.3">
+                <p:oleObj spid="_x0000_s2105" name="Equation" r:id="rId4" imgW="127000" imgH="165100" progId="Equation.3">
                   <p:embed/>
                 </p:oleObj>
               </mc:Choice>
@@ -11826,7 +14544,7 @@
           <a:graphicData uri="http://schemas.openxmlformats.org/presentationml/2006/ole">
             <mc:AlternateContent xmlns:mc="http://schemas.openxmlformats.org/markup-compatibility/2006">
               <mc:Choice xmlns:v="urn:schemas-microsoft-com:vml" Requires="v">
-                <p:oleObj spid="_x0000_s2080" name="Equation" r:id="rId6" imgW="114300" imgH="139700" progId="Equation.3">
+                <p:oleObj spid="_x0000_s2106" name="Equation" r:id="rId6" imgW="114300" imgH="139700" progId="Equation.3">
                   <p:embed/>
                 </p:oleObj>
               </mc:Choice>
@@ -11883,7 +14601,7 @@
           <a:graphicData uri="http://schemas.openxmlformats.org/presentationml/2006/ole">
             <mc:AlternateContent xmlns:mc="http://schemas.openxmlformats.org/markup-compatibility/2006">
               <mc:Choice xmlns:v="urn:schemas-microsoft-com:vml" Requires="v">
-                <p:oleObj spid="_x0000_s2081" name="Equation" r:id="rId8" imgW="1574800" imgH="215900" progId="Equation.3">
+                <p:oleObj spid="_x0000_s2107" name="Equation" r:id="rId8" imgW="1574800" imgH="215900" progId="Equation.3">
                   <p:embed/>
                 </p:oleObj>
               </mc:Choice>
@@ -11940,7 +14658,7 @@
           <a:graphicData uri="http://schemas.openxmlformats.org/presentationml/2006/ole">
             <mc:AlternateContent xmlns:mc="http://schemas.openxmlformats.org/markup-compatibility/2006">
               <mc:Choice xmlns:v="urn:schemas-microsoft-com:vml" Requires="v">
-                <p:oleObj spid="_x0000_s2082" name="Equation" r:id="rId10" imgW="647700" imgH="393700" progId="Equation.3">
+                <p:oleObj spid="_x0000_s2108" name="Equation" r:id="rId10" imgW="647700" imgH="393700" progId="Equation.3">
                   <p:embed/>
                 </p:oleObj>
               </mc:Choice>
@@ -13275,7 +15993,7 @@
           <a:graphicData uri="http://schemas.openxmlformats.org/presentationml/2006/ole">
             <mc:AlternateContent xmlns:mc="http://schemas.openxmlformats.org/markup-compatibility/2006">
               <mc:Choice xmlns:v="urn:schemas-microsoft-com:vml" Requires="v">
-                <p:oleObj spid="_x0000_s3453" name="Equation" r:id="rId3" imgW="254000" imgH="241300" progId="Equation.3">
+                <p:oleObj spid="_x0000_s3575" name="Equation" r:id="rId3" imgW="254000" imgH="241300" progId="Equation.3">
                   <p:embed/>
                 </p:oleObj>
               </mc:Choice>
@@ -13424,7 +16142,7 @@
           <a:graphicData uri="http://schemas.openxmlformats.org/presentationml/2006/ole">
             <mc:AlternateContent xmlns:mc="http://schemas.openxmlformats.org/markup-compatibility/2006">
               <mc:Choice xmlns:v="urn:schemas-microsoft-com:vml" Requires="v">
-                <p:oleObj spid="_x0000_s3454" name="Equation" r:id="rId5" imgW="254000" imgH="241300" progId="Equation.3">
+                <p:oleObj spid="_x0000_s3576" name="Equation" r:id="rId5" imgW="254000" imgH="241300" progId="Equation.3">
                   <p:embed/>
                 </p:oleObj>
               </mc:Choice>
@@ -13528,7 +16246,7 @@
           <a:graphicData uri="http://schemas.openxmlformats.org/presentationml/2006/ole">
             <mc:AlternateContent xmlns:mc="http://schemas.openxmlformats.org/markup-compatibility/2006">
               <mc:Choice xmlns:v="urn:schemas-microsoft-com:vml" Requires="v">
-                <p:oleObj spid="_x0000_s3455" name="Equation" r:id="rId7" imgW="254000" imgH="241300" progId="Equation.3">
+                <p:oleObj spid="_x0000_s3577" name="Equation" r:id="rId7" imgW="254000" imgH="241300" progId="Equation.3">
                   <p:embed/>
                 </p:oleObj>
               </mc:Choice>
@@ -13632,7 +16350,7 @@
           <a:graphicData uri="http://schemas.openxmlformats.org/presentationml/2006/ole">
             <mc:AlternateContent xmlns:mc="http://schemas.openxmlformats.org/markup-compatibility/2006">
               <mc:Choice xmlns:v="urn:schemas-microsoft-com:vml" Requires="v">
-                <p:oleObj spid="_x0000_s3456" name="Equation" r:id="rId9" imgW="266700" imgH="241300" progId="Equation.3">
+                <p:oleObj spid="_x0000_s3578" name="Equation" r:id="rId9" imgW="266700" imgH="241300" progId="Equation.3">
                   <p:embed/>
                 </p:oleObj>
               </mc:Choice>
@@ -13736,7 +16454,7 @@
           <a:graphicData uri="http://schemas.openxmlformats.org/presentationml/2006/ole">
             <mc:AlternateContent xmlns:mc="http://schemas.openxmlformats.org/markup-compatibility/2006">
               <mc:Choice xmlns:v="urn:schemas-microsoft-com:vml" Requires="v">
-                <p:oleObj spid="_x0000_s3457" name="Equation" r:id="rId11" imgW="266700" imgH="241300" progId="Equation.3">
+                <p:oleObj spid="_x0000_s3579" name="Equation" r:id="rId11" imgW="266700" imgH="241300" progId="Equation.3">
                   <p:embed/>
                 </p:oleObj>
               </mc:Choice>
@@ -13840,7 +16558,7 @@
           <a:graphicData uri="http://schemas.openxmlformats.org/presentationml/2006/ole">
             <mc:AlternateContent xmlns:mc="http://schemas.openxmlformats.org/markup-compatibility/2006">
               <mc:Choice xmlns:v="urn:schemas-microsoft-com:vml" Requires="v">
-                <p:oleObj spid="_x0000_s3458" name="Equation" r:id="rId13" imgW="254000" imgH="241300" progId="Equation.3">
+                <p:oleObj spid="_x0000_s3580" name="Equation" r:id="rId13" imgW="254000" imgH="241300" progId="Equation.3">
                   <p:embed/>
                 </p:oleObj>
               </mc:Choice>
@@ -13989,7 +16707,7 @@
           <a:graphicData uri="http://schemas.openxmlformats.org/presentationml/2006/ole">
             <mc:AlternateContent xmlns:mc="http://schemas.openxmlformats.org/markup-compatibility/2006">
               <mc:Choice xmlns:v="urn:schemas-microsoft-com:vml" Requires="v">
-                <p:oleObj spid="_x0000_s3459" name="Equation" r:id="rId15" imgW="266700" imgH="241300" progId="Equation.3">
+                <p:oleObj spid="_x0000_s3581" name="Equation" r:id="rId15" imgW="266700" imgH="241300" progId="Equation.3">
                   <p:embed/>
                 </p:oleObj>
               </mc:Choice>
@@ -14048,7 +16766,7 @@
           <a:graphicData uri="http://schemas.openxmlformats.org/presentationml/2006/ole">
             <mc:AlternateContent xmlns:mc="http://schemas.openxmlformats.org/markup-compatibility/2006">
               <mc:Choice xmlns:v="urn:schemas-microsoft-com:vml" Requires="v">
-                <p:oleObj spid="_x0000_s3460" name="Equation" r:id="rId17" imgW="254000" imgH="241300" progId="Equation.3">
+                <p:oleObj spid="_x0000_s3582" name="Equation" r:id="rId17" imgW="254000" imgH="241300" progId="Equation.3">
                   <p:embed/>
                 </p:oleObj>
               </mc:Choice>
@@ -14107,7 +16825,7 @@
           <a:graphicData uri="http://schemas.openxmlformats.org/presentationml/2006/ole">
             <mc:AlternateContent xmlns:mc="http://schemas.openxmlformats.org/markup-compatibility/2006">
               <mc:Choice xmlns:v="urn:schemas-microsoft-com:vml" Requires="v">
-                <p:oleObj spid="_x0000_s3461" name="Equation" r:id="rId19" imgW="254000" imgH="241300" progId="Equation.3">
+                <p:oleObj spid="_x0000_s3583" name="Equation" r:id="rId19" imgW="254000" imgH="241300" progId="Equation.3">
                   <p:embed/>
                 </p:oleObj>
               </mc:Choice>
@@ -14211,7 +16929,7 @@
           <a:graphicData uri="http://schemas.openxmlformats.org/presentationml/2006/ole">
             <mc:AlternateContent xmlns:mc="http://schemas.openxmlformats.org/markup-compatibility/2006">
               <mc:Choice xmlns:v="urn:schemas-microsoft-com:vml" Requires="v">
-                <p:oleObj spid="_x0000_s3462" name="Equation" r:id="rId21" imgW="279400" imgH="241300" progId="Equation.3">
+                <p:oleObj spid="_x0000_s3584" name="Equation" r:id="rId21" imgW="279400" imgH="241300" progId="Equation.3">
                   <p:embed/>
                 </p:oleObj>
               </mc:Choice>
@@ -14360,7 +17078,7 @@
           <a:graphicData uri="http://schemas.openxmlformats.org/presentationml/2006/ole">
             <mc:AlternateContent xmlns:mc="http://schemas.openxmlformats.org/markup-compatibility/2006">
               <mc:Choice xmlns:v="urn:schemas-microsoft-com:vml" Requires="v">
-                <p:oleObj spid="_x0000_s3463" name="Equation" r:id="rId23" imgW="279400" imgH="241300" progId="Equation.3">
+                <p:oleObj spid="_x0000_s3585" name="Equation" r:id="rId23" imgW="279400" imgH="241300" progId="Equation.3">
                   <p:embed/>
                 </p:oleObj>
               </mc:Choice>
@@ -14464,7 +17182,7 @@
           <a:graphicData uri="http://schemas.openxmlformats.org/presentationml/2006/ole">
             <mc:AlternateContent xmlns:mc="http://schemas.openxmlformats.org/markup-compatibility/2006">
               <mc:Choice xmlns:v="urn:schemas-microsoft-com:vml" Requires="v">
-                <p:oleObj spid="_x0000_s3464" name="Equation" r:id="rId25" imgW="279400" imgH="241300" progId="Equation.3">
+                <p:oleObj spid="_x0000_s3586" name="Equation" r:id="rId25" imgW="279400" imgH="241300" progId="Equation.3">
                   <p:embed/>
                 </p:oleObj>
               </mc:Choice>
@@ -14568,7 +17286,7 @@
           <a:graphicData uri="http://schemas.openxmlformats.org/presentationml/2006/ole">
             <mc:AlternateContent xmlns:mc="http://schemas.openxmlformats.org/markup-compatibility/2006">
               <mc:Choice xmlns:v="urn:schemas-microsoft-com:vml" Requires="v">
-                <p:oleObj spid="_x0000_s3465" name="Equation" r:id="rId27" imgW="279400" imgH="241300" progId="Equation.3">
+                <p:oleObj spid="_x0000_s3587" name="Equation" r:id="rId27" imgW="279400" imgH="241300" progId="Equation.3">
                   <p:embed/>
                 </p:oleObj>
               </mc:Choice>
@@ -14672,7 +17390,7 @@
           <a:graphicData uri="http://schemas.openxmlformats.org/presentationml/2006/ole">
             <mc:AlternateContent xmlns:mc="http://schemas.openxmlformats.org/markup-compatibility/2006">
               <mc:Choice xmlns:v="urn:schemas-microsoft-com:vml" Requires="v">
-                <p:oleObj spid="_x0000_s3466" name="Equation" r:id="rId29" imgW="279400" imgH="241300" progId="Equation.3">
+                <p:oleObj spid="_x0000_s3588" name="Equation" r:id="rId29" imgW="279400" imgH="241300" progId="Equation.3">
                   <p:embed/>
                 </p:oleObj>
               </mc:Choice>
@@ -14776,7 +17494,7 @@
           <a:graphicData uri="http://schemas.openxmlformats.org/presentationml/2006/ole">
             <mc:AlternateContent xmlns:mc="http://schemas.openxmlformats.org/markup-compatibility/2006">
               <mc:Choice xmlns:v="urn:schemas-microsoft-com:vml" Requires="v">
-                <p:oleObj spid="_x0000_s3467" name="Equation" r:id="rId31" imgW="279400" imgH="241300" progId="Equation.3">
+                <p:oleObj spid="_x0000_s3589" name="Equation" r:id="rId31" imgW="279400" imgH="241300" progId="Equation.3">
                   <p:embed/>
                 </p:oleObj>
               </mc:Choice>
@@ -14925,7 +17643,7 @@
           <a:graphicData uri="http://schemas.openxmlformats.org/presentationml/2006/ole">
             <mc:AlternateContent xmlns:mc="http://schemas.openxmlformats.org/markup-compatibility/2006">
               <mc:Choice xmlns:v="urn:schemas-microsoft-com:vml" Requires="v">
-                <p:oleObj spid="_x0000_s3468" name="Equation" r:id="rId33" imgW="279400" imgH="241300" progId="Equation.3">
+                <p:oleObj spid="_x0000_s3590" name="Equation" r:id="rId33" imgW="279400" imgH="241300" progId="Equation.3">
                   <p:embed/>
                 </p:oleObj>
               </mc:Choice>
@@ -14984,7 +17702,7 @@
           <a:graphicData uri="http://schemas.openxmlformats.org/presentationml/2006/ole">
             <mc:AlternateContent xmlns:mc="http://schemas.openxmlformats.org/markup-compatibility/2006">
               <mc:Choice xmlns:v="urn:schemas-microsoft-com:vml" Requires="v">
-                <p:oleObj spid="_x0000_s3469" name="Equation" r:id="rId35" imgW="279400" imgH="241300" progId="Equation.3">
+                <p:oleObj spid="_x0000_s3591" name="Equation" r:id="rId35" imgW="279400" imgH="241300" progId="Equation.3">
                   <p:embed/>
                 </p:oleObj>
               </mc:Choice>
@@ -15043,7 +17761,7 @@
           <a:graphicData uri="http://schemas.openxmlformats.org/presentationml/2006/ole">
             <mc:AlternateContent xmlns:mc="http://schemas.openxmlformats.org/markup-compatibility/2006">
               <mc:Choice xmlns:v="urn:schemas-microsoft-com:vml" Requires="v">
-                <p:oleObj spid="_x0000_s3470" name="Equation" r:id="rId37" imgW="279400" imgH="241300" progId="Equation.3">
+                <p:oleObj spid="_x0000_s3592" name="Equation" r:id="rId37" imgW="279400" imgH="241300" progId="Equation.3">
                   <p:embed/>
                 </p:oleObj>
               </mc:Choice>
@@ -15147,7 +17865,7 @@
           <a:graphicData uri="http://schemas.openxmlformats.org/presentationml/2006/ole">
             <mc:AlternateContent xmlns:mc="http://schemas.openxmlformats.org/markup-compatibility/2006">
               <mc:Choice xmlns:v="urn:schemas-microsoft-com:vml" Requires="v">
-                <p:oleObj spid="_x0000_s3471" name="Equation" r:id="rId39" imgW="139700" imgH="228600" progId="Equation.3">
+                <p:oleObj spid="_x0000_s3593" name="Equation" r:id="rId39" imgW="139700" imgH="228600" progId="Equation.3">
                   <p:embed/>
                 </p:oleObj>
               </mc:Choice>
@@ -15296,7 +18014,7 @@
           <a:graphicData uri="http://schemas.openxmlformats.org/presentationml/2006/ole">
             <mc:AlternateContent xmlns:mc="http://schemas.openxmlformats.org/markup-compatibility/2006">
               <mc:Choice xmlns:v="urn:schemas-microsoft-com:vml" Requires="v">
-                <p:oleObj spid="_x0000_s3472" name="Equation" r:id="rId41" imgW="139700" imgH="228600" progId="Equation.3">
+                <p:oleObj spid="_x0000_s3594" name="Equation" r:id="rId41" imgW="139700" imgH="228600" progId="Equation.3">
                   <p:embed/>
                 </p:oleObj>
               </mc:Choice>
@@ -15355,7 +18073,7 @@
           <a:graphicData uri="http://schemas.openxmlformats.org/presentationml/2006/ole">
             <mc:AlternateContent xmlns:mc="http://schemas.openxmlformats.org/markup-compatibility/2006">
               <mc:Choice xmlns:v="urn:schemas-microsoft-com:vml" Requires="v">
-                <p:oleObj spid="_x0000_s3473" name="Equation" r:id="rId43" imgW="139700" imgH="241300" progId="Equation.3">
+                <p:oleObj spid="_x0000_s3595" name="Equation" r:id="rId43" imgW="139700" imgH="241300" progId="Equation.3">
                   <p:embed/>
                 </p:oleObj>
               </mc:Choice>
@@ -15459,7 +18177,7 @@
           <a:graphicData uri="http://schemas.openxmlformats.org/presentationml/2006/ole">
             <mc:AlternateContent xmlns:mc="http://schemas.openxmlformats.org/markup-compatibility/2006">
               <mc:Choice xmlns:v="urn:schemas-microsoft-com:vml" Requires="v">
-                <p:oleObj spid="_x0000_s3474" name="Equation" r:id="rId45" imgW="165100" imgH="228600" progId="Equation.3">
+                <p:oleObj spid="_x0000_s3596" name="Equation" r:id="rId45" imgW="165100" imgH="228600" progId="Equation.3">
                   <p:embed/>
                 </p:oleObj>
               </mc:Choice>
@@ -15608,7 +18326,7 @@
           <a:graphicData uri="http://schemas.openxmlformats.org/presentationml/2006/ole">
             <mc:AlternateContent xmlns:mc="http://schemas.openxmlformats.org/markup-compatibility/2006">
               <mc:Choice xmlns:v="urn:schemas-microsoft-com:vml" Requires="v">
-                <p:oleObj spid="_x0000_s3475" name="Equation" r:id="rId47" imgW="165100" imgH="228600" progId="Equation.3">
+                <p:oleObj spid="_x0000_s3597" name="Equation" r:id="rId47" imgW="165100" imgH="228600" progId="Equation.3">
                   <p:embed/>
                 </p:oleObj>
               </mc:Choice>
@@ -15667,7 +18385,7 @@
           <a:graphicData uri="http://schemas.openxmlformats.org/presentationml/2006/ole">
             <mc:AlternateContent xmlns:mc="http://schemas.openxmlformats.org/markup-compatibility/2006">
               <mc:Choice xmlns:v="urn:schemas-microsoft-com:vml" Requires="v">
-                <p:oleObj spid="_x0000_s3476" name="Equation" r:id="rId49" imgW="165100" imgH="241300" progId="Equation.3">
+                <p:oleObj spid="_x0000_s3598" name="Equation" r:id="rId49" imgW="165100" imgH="241300" progId="Equation.3">
                   <p:embed/>
                 </p:oleObj>
               </mc:Choice>
@@ -15935,7 +18653,7 @@
           <a:graphicData uri="http://schemas.openxmlformats.org/presentationml/2006/ole">
             <mc:AlternateContent xmlns:mc="http://schemas.openxmlformats.org/markup-compatibility/2006">
               <mc:Choice xmlns:v="urn:schemas-microsoft-com:vml" Requires="v">
-                <p:oleObj spid="_x0000_s4229" name="Equation" r:id="rId3" imgW="127000" imgH="165100" progId="Equation.3">
+                <p:oleObj spid="_x0000_s4291" name="Equation" r:id="rId3" imgW="127000" imgH="165100" progId="Equation.3">
                   <p:embed/>
                 </p:oleObj>
               </mc:Choice>
@@ -15992,7 +18710,7 @@
           <a:graphicData uri="http://schemas.openxmlformats.org/presentationml/2006/ole">
             <mc:AlternateContent xmlns:mc="http://schemas.openxmlformats.org/markup-compatibility/2006">
               <mc:Choice xmlns:v="urn:schemas-microsoft-com:vml" Requires="v">
-                <p:oleObj spid="_x0000_s4230" name="Equation" r:id="rId5" imgW="152400" imgH="203200" progId="Equation.3">
+                <p:oleObj spid="_x0000_s4292" name="Equation" r:id="rId5" imgW="152400" imgH="203200" progId="Equation.3">
                   <p:embed/>
                 </p:oleObj>
               </mc:Choice>
@@ -16049,7 +18767,7 @@
           <a:graphicData uri="http://schemas.openxmlformats.org/presentationml/2006/ole">
             <mc:AlternateContent xmlns:mc="http://schemas.openxmlformats.org/markup-compatibility/2006">
               <mc:Choice xmlns:v="urn:schemas-microsoft-com:vml" Requires="v">
-                <p:oleObj spid="_x0000_s4231" name="Equation" r:id="rId7" imgW="177800" imgH="203200" progId="Equation.3">
+                <p:oleObj spid="_x0000_s4293" name="Equation" r:id="rId7" imgW="177800" imgH="203200" progId="Equation.3">
                   <p:embed/>
                 </p:oleObj>
               </mc:Choice>
@@ -16106,7 +18824,7 @@
           <a:graphicData uri="http://schemas.openxmlformats.org/presentationml/2006/ole">
             <mc:AlternateContent xmlns:mc="http://schemas.openxmlformats.org/markup-compatibility/2006">
               <mc:Choice xmlns:v="urn:schemas-microsoft-com:vml" Requires="v">
-                <p:oleObj spid="_x0000_s4232" name="Equation" r:id="rId9" imgW="165100" imgH="215900" progId="Equation.3">
+                <p:oleObj spid="_x0000_s4294" name="Equation" r:id="rId9" imgW="165100" imgH="215900" progId="Equation.3">
                   <p:embed/>
                 </p:oleObj>
               </mc:Choice>
@@ -16163,7 +18881,7 @@
           <a:graphicData uri="http://schemas.openxmlformats.org/presentationml/2006/ole">
             <mc:AlternateContent xmlns:mc="http://schemas.openxmlformats.org/markup-compatibility/2006">
               <mc:Choice xmlns:v="urn:schemas-microsoft-com:vml" Requires="v">
-                <p:oleObj spid="_x0000_s4233" name="Equation" r:id="rId11" imgW="508000" imgH="203200" progId="Equation.3">
+                <p:oleObj spid="_x0000_s4295" name="Equation" r:id="rId11" imgW="508000" imgH="203200" progId="Equation.3">
                   <p:embed/>
                 </p:oleObj>
               </mc:Choice>
@@ -16220,7 +18938,7 @@
           <a:graphicData uri="http://schemas.openxmlformats.org/presentationml/2006/ole">
             <mc:AlternateContent xmlns:mc="http://schemas.openxmlformats.org/markup-compatibility/2006">
               <mc:Choice xmlns:v="urn:schemas-microsoft-com:vml" Requires="v">
-                <p:oleObj spid="_x0000_s4234" name="Equation" r:id="rId13" imgW="317500" imgH="177800" progId="Equation.3">
+                <p:oleObj spid="_x0000_s4296" name="Equation" r:id="rId13" imgW="317500" imgH="177800" progId="Equation.3">
                   <p:embed/>
                 </p:oleObj>
               </mc:Choice>
@@ -16277,7 +18995,7 @@
           <a:graphicData uri="http://schemas.openxmlformats.org/presentationml/2006/ole">
             <mc:AlternateContent xmlns:mc="http://schemas.openxmlformats.org/markup-compatibility/2006">
               <mc:Choice xmlns:v="urn:schemas-microsoft-com:vml" Requires="v">
-                <p:oleObj spid="_x0000_s4235" name="Equation" r:id="rId15" imgW="330200" imgH="177800" progId="Equation.3">
+                <p:oleObj spid="_x0000_s4297" name="Equation" r:id="rId15" imgW="330200" imgH="177800" progId="Equation.3">
                   <p:embed/>
                 </p:oleObj>
               </mc:Choice>
@@ -16334,7 +19052,7 @@
           <a:graphicData uri="http://schemas.openxmlformats.org/presentationml/2006/ole">
             <mc:AlternateContent xmlns:mc="http://schemas.openxmlformats.org/markup-compatibility/2006">
               <mc:Choice xmlns:v="urn:schemas-microsoft-com:vml" Requires="v">
-                <p:oleObj spid="_x0000_s4236" name="Equation" r:id="rId17" imgW="177800" imgH="203200" progId="Equation.3">
+                <p:oleObj spid="_x0000_s4298" name="Equation" r:id="rId17" imgW="177800" imgH="203200" progId="Equation.3">
                   <p:embed/>
                 </p:oleObj>
               </mc:Choice>
@@ -16391,7 +19109,7 @@
           <a:graphicData uri="http://schemas.openxmlformats.org/presentationml/2006/ole">
             <mc:AlternateContent xmlns:mc="http://schemas.openxmlformats.org/markup-compatibility/2006">
               <mc:Choice xmlns:v="urn:schemas-microsoft-com:vml" Requires="v">
-                <p:oleObj spid="_x0000_s4237" name="Equation" r:id="rId19" imgW="203200" imgH="203200" progId="Equation.3">
+                <p:oleObj spid="_x0000_s4299" name="Equation" r:id="rId19" imgW="203200" imgH="203200" progId="Equation.3">
                   <p:embed/>
                 </p:oleObj>
               </mc:Choice>
@@ -16448,7 +19166,7 @@
           <a:graphicData uri="http://schemas.openxmlformats.org/presentationml/2006/ole">
             <mc:AlternateContent xmlns:mc="http://schemas.openxmlformats.org/markup-compatibility/2006">
               <mc:Choice xmlns:v="urn:schemas-microsoft-com:vml" Requires="v">
-                <p:oleObj spid="_x0000_s4238" name="Equation" r:id="rId21" imgW="203200" imgH="203200" progId="Equation.3">
+                <p:oleObj spid="_x0000_s4300" name="Equation" r:id="rId21" imgW="203200" imgH="203200" progId="Equation.3">
                   <p:embed/>
                 </p:oleObj>
               </mc:Choice>
@@ -16505,7 +19223,7 @@
           <a:graphicData uri="http://schemas.openxmlformats.org/presentationml/2006/ole">
             <mc:AlternateContent xmlns:mc="http://schemas.openxmlformats.org/markup-compatibility/2006">
               <mc:Choice xmlns:v="urn:schemas-microsoft-com:vml" Requires="v">
-                <p:oleObj spid="_x0000_s4239" name="Equation" r:id="rId23" imgW="1625600" imgH="241300" progId="Equation.3">
+                <p:oleObj spid="_x0000_s4301" name="Equation" r:id="rId23" imgW="1625600" imgH="241300" progId="Equation.3">
                   <p:embed/>
                 </p:oleObj>
               </mc:Choice>
@@ -16562,7 +19280,7 @@
           <a:graphicData uri="http://schemas.openxmlformats.org/presentationml/2006/ole">
             <mc:AlternateContent xmlns:mc="http://schemas.openxmlformats.org/markup-compatibility/2006">
               <mc:Choice xmlns:v="urn:schemas-microsoft-com:vml" Requires="v">
-                <p:oleObj spid="_x0000_s4240" name="Equation" r:id="rId25" imgW="114300" imgH="165100" progId="Equation.3">
+                <p:oleObj spid="_x0000_s4302" name="Equation" r:id="rId25" imgW="114300" imgH="165100" progId="Equation.3">
                   <p:embed/>
                 </p:oleObj>
               </mc:Choice>
@@ -17690,7 +20408,7 @@
           <a:graphicData uri="http://schemas.openxmlformats.org/presentationml/2006/ole">
             <mc:AlternateContent xmlns:mc="http://schemas.openxmlformats.org/markup-compatibility/2006">
               <mc:Choice xmlns:v="urn:schemas-microsoft-com:vml" Requires="v">
-                <p:oleObj spid="_x0000_s6171" name="Equation" r:id="rId3" imgW="139700" imgH="228600" progId="Equation.3">
+                <p:oleObj spid="_x0000_s6198" name="Equation" r:id="rId3" imgW="139700" imgH="228600" progId="Equation.3">
                   <p:embed/>
                 </p:oleObj>
               </mc:Choice>
@@ -17749,7 +20467,7 @@
           <a:graphicData uri="http://schemas.openxmlformats.org/presentationml/2006/ole">
             <mc:AlternateContent xmlns:mc="http://schemas.openxmlformats.org/markup-compatibility/2006">
               <mc:Choice xmlns:v="urn:schemas-microsoft-com:vml" Requires="v">
-                <p:oleObj spid="_x0000_s6172" name="Equation" r:id="rId5" imgW="165100" imgH="228600" progId="Equation.3">
+                <p:oleObj spid="_x0000_s6199" name="Equation" r:id="rId5" imgW="165100" imgH="228600" progId="Equation.3">
                   <p:embed/>
                 </p:oleObj>
               </mc:Choice>
@@ -17843,7 +20561,7 @@
           <a:graphicData uri="http://schemas.openxmlformats.org/presentationml/2006/ole">
             <mc:AlternateContent xmlns:mc="http://schemas.openxmlformats.org/markup-compatibility/2006">
               <mc:Choice xmlns:v="urn:schemas-microsoft-com:vml" Requires="v">
-                <p:oleObj spid="_x0000_s6173" name="Equation" r:id="rId7" imgW="165100" imgH="241300" progId="Equation.3">
+                <p:oleObj spid="_x0000_s6200" name="Equation" r:id="rId7" imgW="165100" imgH="241300" progId="Equation.3">
                   <p:embed/>
                 </p:oleObj>
               </mc:Choice>
@@ -17902,7 +20620,7 @@
           <a:graphicData uri="http://schemas.openxmlformats.org/presentationml/2006/ole">
             <mc:AlternateContent xmlns:mc="http://schemas.openxmlformats.org/markup-compatibility/2006">
               <mc:Choice xmlns:v="urn:schemas-microsoft-com:vml" Requires="v">
-                <p:oleObj spid="_x0000_s6174" name="Equation" r:id="rId9" imgW="165100" imgH="254000" progId="Equation.3">
+                <p:oleObj spid="_x0000_s6201" name="Equation" r:id="rId9" imgW="165100" imgH="254000" progId="Equation.3">
                   <p:embed/>
                 </p:oleObj>
               </mc:Choice>
@@ -17961,7 +20679,7 @@
           <a:graphicData uri="http://schemas.openxmlformats.org/presentationml/2006/ole">
             <mc:AlternateContent xmlns:mc="http://schemas.openxmlformats.org/markup-compatibility/2006">
               <mc:Choice xmlns:v="urn:schemas-microsoft-com:vml" Requires="v">
-                <p:oleObj spid="_x0000_s6175" name="Equation" r:id="rId11" imgW="165100" imgH="254000" progId="Equation.3">
+                <p:oleObj spid="_x0000_s6202" name="Equation" r:id="rId11" imgW="165100" imgH="254000" progId="Equation.3">
                   <p:embed/>
                 </p:oleObj>
               </mc:Choice>
@@ -21163,7 +23881,7 @@
           <a:graphicData uri="http://schemas.openxmlformats.org/presentationml/2006/ole">
             <mc:AlternateContent xmlns:mc="http://schemas.openxmlformats.org/markup-compatibility/2006">
               <mc:Choice xmlns:v="urn:schemas-microsoft-com:vml" Requires="v">
-                <p:oleObj spid="_x0000_s7205" name="Equation" r:id="rId3" imgW="165100" imgH="228600" progId="Equation.3">
+                <p:oleObj spid="_x0000_s7237" name="Equation" r:id="rId3" imgW="165100" imgH="228600" progId="Equation.3">
                   <p:embed/>
                 </p:oleObj>
               </mc:Choice>
@@ -21222,7 +23940,7 @@
           <a:graphicData uri="http://schemas.openxmlformats.org/presentationml/2006/ole">
             <mc:AlternateContent xmlns:mc="http://schemas.openxmlformats.org/markup-compatibility/2006">
               <mc:Choice xmlns:v="urn:schemas-microsoft-com:vml" Requires="v">
-                <p:oleObj spid="_x0000_s7206" name="Equation" r:id="rId5" imgW="165100" imgH="228600" progId="Equation.3">
+                <p:oleObj spid="_x0000_s7238" name="Equation" r:id="rId5" imgW="165100" imgH="228600" progId="Equation.3">
                   <p:embed/>
                 </p:oleObj>
               </mc:Choice>
@@ -21281,7 +23999,7 @@
           <a:graphicData uri="http://schemas.openxmlformats.org/presentationml/2006/ole">
             <mc:AlternateContent xmlns:mc="http://schemas.openxmlformats.org/markup-compatibility/2006">
               <mc:Choice xmlns:v="urn:schemas-microsoft-com:vml" Requires="v">
-                <p:oleObj spid="_x0000_s7207" name="Equation" r:id="rId7" imgW="190500" imgH="228600" progId="Equation.3">
+                <p:oleObj spid="_x0000_s7239" name="Equation" r:id="rId7" imgW="190500" imgH="228600" progId="Equation.3">
                   <p:embed/>
                 </p:oleObj>
               </mc:Choice>
@@ -21340,7 +24058,7 @@
           <a:graphicData uri="http://schemas.openxmlformats.org/presentationml/2006/ole">
             <mc:AlternateContent xmlns:mc="http://schemas.openxmlformats.org/markup-compatibility/2006">
               <mc:Choice xmlns:v="urn:schemas-microsoft-com:vml" Requires="v">
-                <p:oleObj spid="_x0000_s7208" name="Equation" r:id="rId9" imgW="165100" imgH="228600" progId="Equation.3">
+                <p:oleObj spid="_x0000_s7240" name="Equation" r:id="rId9" imgW="165100" imgH="228600" progId="Equation.3">
                   <p:embed/>
                 </p:oleObj>
               </mc:Choice>
@@ -21399,7 +24117,7 @@
           <a:graphicData uri="http://schemas.openxmlformats.org/presentationml/2006/ole">
             <mc:AlternateContent xmlns:mc="http://schemas.openxmlformats.org/markup-compatibility/2006">
               <mc:Choice xmlns:v="urn:schemas-microsoft-com:vml" Requires="v">
-                <p:oleObj spid="_x0000_s7209" name="Equation" r:id="rId11" imgW="165100" imgH="228600" progId="Equation.3">
+                <p:oleObj spid="_x0000_s7241" name="Equation" r:id="rId11" imgW="165100" imgH="228600" progId="Equation.3">
                   <p:embed/>
                 </p:oleObj>
               </mc:Choice>
@@ -21458,7 +24176,7 @@
           <a:graphicData uri="http://schemas.openxmlformats.org/presentationml/2006/ole">
             <mc:AlternateContent xmlns:mc="http://schemas.openxmlformats.org/markup-compatibility/2006">
               <mc:Choice xmlns:v="urn:schemas-microsoft-com:vml" Requires="v">
-                <p:oleObj spid="_x0000_s7210" name="Equation" r:id="rId13" imgW="177800" imgH="228600" progId="Equation.3">
+                <p:oleObj spid="_x0000_s7242" name="Equation" r:id="rId13" imgW="177800" imgH="228600" progId="Equation.3">
                   <p:embed/>
                 </p:oleObj>
               </mc:Choice>
@@ -21607,7 +24325,7 @@
           <a:graphicData uri="http://schemas.openxmlformats.org/presentationml/2006/ole">
             <mc:AlternateContent xmlns:mc="http://schemas.openxmlformats.org/markup-compatibility/2006">
               <mc:Choice xmlns:v="urn:schemas-microsoft-com:vml" Requires="v">
-                <p:oleObj spid="_x0000_s8207" name="Equation" r:id="rId6" imgW="165100" imgH="228600" progId="Equation.3">
+                <p:oleObj spid="_x0000_s8239" name="Equation" r:id="rId6" imgW="165100" imgH="228600" progId="Equation.3">
                   <p:embed/>
                 </p:oleObj>
               </mc:Choice>
@@ -21666,7 +24384,7 @@
           <a:graphicData uri="http://schemas.openxmlformats.org/presentationml/2006/ole">
             <mc:AlternateContent xmlns:mc="http://schemas.openxmlformats.org/markup-compatibility/2006">
               <mc:Choice xmlns:v="urn:schemas-microsoft-com:vml" Requires="v">
-                <p:oleObj spid="_x0000_s8208" name="Equation" r:id="rId8" imgW="165100" imgH="228600" progId="Equation.3">
+                <p:oleObj spid="_x0000_s8240" name="Equation" r:id="rId8" imgW="165100" imgH="228600" progId="Equation.3">
                   <p:embed/>
                 </p:oleObj>
               </mc:Choice>
@@ -21725,7 +24443,7 @@
           <a:graphicData uri="http://schemas.openxmlformats.org/presentationml/2006/ole">
             <mc:AlternateContent xmlns:mc="http://schemas.openxmlformats.org/markup-compatibility/2006">
               <mc:Choice xmlns:v="urn:schemas-microsoft-com:vml" Requires="v">
-                <p:oleObj spid="_x0000_s8209" name="Equation" r:id="rId10" imgW="101600" imgH="152400" progId="Equation.3">
+                <p:oleObj spid="_x0000_s8241" name="Equation" r:id="rId10" imgW="101600" imgH="152400" progId="Equation.3">
                   <p:embed/>
                 </p:oleObj>
               </mc:Choice>
@@ -21784,7 +24502,7 @@
           <a:graphicData uri="http://schemas.openxmlformats.org/presentationml/2006/ole">
             <mc:AlternateContent xmlns:mc="http://schemas.openxmlformats.org/markup-compatibility/2006">
               <mc:Choice xmlns:v="urn:schemas-microsoft-com:vml" Requires="v">
-                <p:oleObj spid="_x0000_s8210" name="Equation" r:id="rId12" imgW="101600" imgH="152400" progId="Equation.3">
+                <p:oleObj spid="_x0000_s8242" name="Equation" r:id="rId12" imgW="101600" imgH="152400" progId="Equation.3">
                   <p:embed/>
                 </p:oleObj>
               </mc:Choice>
@@ -21873,7 +24591,7 @@
           <a:graphicData uri="http://schemas.openxmlformats.org/presentationml/2006/ole">
             <mc:AlternateContent xmlns:mc="http://schemas.openxmlformats.org/markup-compatibility/2006">
               <mc:Choice xmlns:v="urn:schemas-microsoft-com:vml" Requires="v">
-                <p:oleObj spid="_x0000_s8211" name="Equation" r:id="rId14" imgW="101600" imgH="152400" progId="Equation.3">
+                <p:oleObj spid="_x0000_s8243" name="Equation" r:id="rId14" imgW="101600" imgH="152400" progId="Equation.3">
                   <p:embed/>
                 </p:oleObj>
               </mc:Choice>
@@ -21932,7 +24650,7 @@
           <a:graphicData uri="http://schemas.openxmlformats.org/presentationml/2006/ole">
             <mc:AlternateContent xmlns:mc="http://schemas.openxmlformats.org/markup-compatibility/2006">
               <mc:Choice xmlns:v="urn:schemas-microsoft-com:vml" Requires="v">
-                <p:oleObj spid="_x0000_s8212" name="Equation" r:id="rId15" imgW="165100" imgH="228600" progId="Equation.3">
+                <p:oleObj spid="_x0000_s8244" name="Equation" r:id="rId15" imgW="165100" imgH="228600" progId="Equation.3">
                   <p:embed/>
                 </p:oleObj>
               </mc:Choice>
